--- a/Presentation.pptx
+++ b/Presentation.pptx
@@ -2,14 +2,17 @@
 <file path=ppt/presentation.xml><?xml version="1.0" encoding="utf-8"?>
 <p:presentation xmlns:a="http://schemas.openxmlformats.org/drawingml/2006/main" xmlns:r="http://schemas.openxmlformats.org/officeDocument/2006/relationships" xmlns:p="http://schemas.openxmlformats.org/presentationml/2006/main" saveSubsetFonts="1">
   <p:sldMasterIdLst>
-    <p:sldMasterId id="2147483648" r:id="rId1"/>
+    <p:sldMasterId id="2147483660" r:id="rId1"/>
   </p:sldMasterIdLst>
   <p:sldIdLst>
     <p:sldId id="257" r:id="rId2"/>
     <p:sldId id="258" r:id="rId3"/>
-    <p:sldId id="259" r:id="rId4"/>
-    <p:sldId id="260" r:id="rId5"/>
+    <p:sldId id="260" r:id="rId4"/>
+    <p:sldId id="263" r:id="rId5"/>
     <p:sldId id="261" r:id="rId6"/>
+    <p:sldId id="259" r:id="rId7"/>
+    <p:sldId id="264" r:id="rId8"/>
+    <p:sldId id="262" r:id="rId9"/>
   </p:sldIdLst>
   <p:sldSz cx="12192000" cy="6858000"/>
   <p:notesSz cx="6858000" cy="9144000"/>
@@ -17,7 +20,7 @@
     <a:defPPr>
       <a:defRPr lang="en-US"/>
     </a:defPPr>
-    <a:lvl1pPr marL="0" algn="l" defTabSz="914400" rtl="0" eaLnBrk="1" latinLnBrk="0" hangingPunct="1">
+    <a:lvl1pPr marL="0" algn="l" defTabSz="457200" rtl="0" eaLnBrk="1" latinLnBrk="0" hangingPunct="1">
       <a:defRPr sz="1800" kern="1200">
         <a:solidFill>
           <a:schemeClr val="tx1"/>
@@ -27,7 +30,7 @@
         <a:cs typeface="+mn-cs"/>
       </a:defRPr>
     </a:lvl1pPr>
-    <a:lvl2pPr marL="457200" algn="l" defTabSz="914400" rtl="0" eaLnBrk="1" latinLnBrk="0" hangingPunct="1">
+    <a:lvl2pPr marL="457200" algn="l" defTabSz="457200" rtl="0" eaLnBrk="1" latinLnBrk="0" hangingPunct="1">
       <a:defRPr sz="1800" kern="1200">
         <a:solidFill>
           <a:schemeClr val="tx1"/>
@@ -37,7 +40,7 @@
         <a:cs typeface="+mn-cs"/>
       </a:defRPr>
     </a:lvl2pPr>
-    <a:lvl3pPr marL="914400" algn="l" defTabSz="914400" rtl="0" eaLnBrk="1" latinLnBrk="0" hangingPunct="1">
+    <a:lvl3pPr marL="914400" algn="l" defTabSz="457200" rtl="0" eaLnBrk="1" latinLnBrk="0" hangingPunct="1">
       <a:defRPr sz="1800" kern="1200">
         <a:solidFill>
           <a:schemeClr val="tx1"/>
@@ -47,7 +50,7 @@
         <a:cs typeface="+mn-cs"/>
       </a:defRPr>
     </a:lvl3pPr>
-    <a:lvl4pPr marL="1371600" algn="l" defTabSz="914400" rtl="0" eaLnBrk="1" latinLnBrk="0" hangingPunct="1">
+    <a:lvl4pPr marL="1371600" algn="l" defTabSz="457200" rtl="0" eaLnBrk="1" latinLnBrk="0" hangingPunct="1">
       <a:defRPr sz="1800" kern="1200">
         <a:solidFill>
           <a:schemeClr val="tx1"/>
@@ -57,7 +60,7 @@
         <a:cs typeface="+mn-cs"/>
       </a:defRPr>
     </a:lvl4pPr>
-    <a:lvl5pPr marL="1828800" algn="l" defTabSz="914400" rtl="0" eaLnBrk="1" latinLnBrk="0" hangingPunct="1">
+    <a:lvl5pPr marL="1828800" algn="l" defTabSz="457200" rtl="0" eaLnBrk="1" latinLnBrk="0" hangingPunct="1">
       <a:defRPr sz="1800" kern="1200">
         <a:solidFill>
           <a:schemeClr val="tx1"/>
@@ -67,7 +70,7 @@
         <a:cs typeface="+mn-cs"/>
       </a:defRPr>
     </a:lvl5pPr>
-    <a:lvl6pPr marL="2286000" algn="l" defTabSz="914400" rtl="0" eaLnBrk="1" latinLnBrk="0" hangingPunct="1">
+    <a:lvl6pPr marL="2286000" algn="l" defTabSz="457200" rtl="0" eaLnBrk="1" latinLnBrk="0" hangingPunct="1">
       <a:defRPr sz="1800" kern="1200">
         <a:solidFill>
           <a:schemeClr val="tx1"/>
@@ -77,7 +80,7 @@
         <a:cs typeface="+mn-cs"/>
       </a:defRPr>
     </a:lvl6pPr>
-    <a:lvl7pPr marL="2743200" algn="l" defTabSz="914400" rtl="0" eaLnBrk="1" latinLnBrk="0" hangingPunct="1">
+    <a:lvl7pPr marL="2743200" algn="l" defTabSz="457200" rtl="0" eaLnBrk="1" latinLnBrk="0" hangingPunct="1">
       <a:defRPr sz="1800" kern="1200">
         <a:solidFill>
           <a:schemeClr val="tx1"/>
@@ -87,7 +90,7 @@
         <a:cs typeface="+mn-cs"/>
       </a:defRPr>
     </a:lvl7pPr>
-    <a:lvl8pPr marL="3200400" algn="l" defTabSz="914400" rtl="0" eaLnBrk="1" latinLnBrk="0" hangingPunct="1">
+    <a:lvl8pPr marL="3200400" algn="l" defTabSz="457200" rtl="0" eaLnBrk="1" latinLnBrk="0" hangingPunct="1">
       <a:defRPr sz="1800" kern="1200">
         <a:solidFill>
           <a:schemeClr val="tx1"/>
@@ -97,7 +100,7 @@
         <a:cs typeface="+mn-cs"/>
       </a:defRPr>
     </a:lvl8pPr>
-    <a:lvl9pPr marL="3657600" algn="l" defTabSz="914400" rtl="0" eaLnBrk="1" latinLnBrk="0" hangingPunct="1">
+    <a:lvl9pPr marL="3657600" algn="l" defTabSz="457200" rtl="0" eaLnBrk="1" latinLnBrk="0" hangingPunct="1">
       <a:defRPr sz="1800" kern="1200">
         <a:solidFill>
           <a:schemeClr val="tx1"/>
@@ -108,6 +111,11 @@
       </a:defRPr>
     </a:lvl9pPr>
   </p:defaultTextStyle>
+  <p:extLst>
+    <p:ext uri="{EFAFB233-063F-42B5-8137-9DF3F51BA10A}">
+      <p15:sldGuideLst xmlns:p15="http://schemas.microsoft.com/office/powerpoint/2012/main"/>
+    </p:ext>
+  </p:extLst>
 </p:presentation>
 </file>
 
@@ -130,13 +138,7 @@
       </p:grpSpPr>
       <p:sp>
         <p:nvSpPr>
-          <p:cNvPr id="2" name="Title 1">
-            <a:extLst>
-              <a:ext uri="{FF2B5EF4-FFF2-40B4-BE49-F238E27FC236}">
-                <a16:creationId xmlns:a16="http://schemas.microsoft.com/office/drawing/2014/main" id="{79BDEEC1-B6B9-10B2-B89D-10650328952D}"/>
-              </a:ext>
-            </a:extLst>
-          </p:cNvPr>
+          <p:cNvPr id="2" name="Title 1"/>
           <p:cNvSpPr>
             <a:spLocks noGrp="1"/>
           </p:cNvSpPr>
@@ -162,18 +164,13 @@
               <a:rPr lang="en-US"/>
               <a:t>Click to edit Master title style</a:t>
             </a:r>
-          </a:p>
-        </p:txBody>
-      </p:sp>
-      <p:sp>
-        <p:nvSpPr>
-          <p:cNvPr id="3" name="Subtitle 2">
-            <a:extLst>
-              <a:ext uri="{FF2B5EF4-FFF2-40B4-BE49-F238E27FC236}">
-                <a16:creationId xmlns:a16="http://schemas.microsoft.com/office/drawing/2014/main" id="{04343F92-DABF-0312-584D-5C381E7A92E3}"/>
-              </a:ext>
-            </a:extLst>
-          </p:cNvPr>
+            <a:endParaRPr lang="en-US" dirty="0"/>
+          </a:p>
+        </p:txBody>
+      </p:sp>
+      <p:sp>
+        <p:nvSpPr>
+          <p:cNvPr id="3" name="Subtitle 2"/>
           <p:cNvSpPr>
             <a:spLocks noGrp="1"/>
           </p:cNvSpPr>
@@ -232,18 +229,13 @@
               <a:rPr lang="en-US"/>
               <a:t>Click to edit Master subtitle style</a:t>
             </a:r>
-          </a:p>
-        </p:txBody>
-      </p:sp>
-      <p:sp>
-        <p:nvSpPr>
-          <p:cNvPr id="4" name="Date Placeholder 3">
-            <a:extLst>
-              <a:ext uri="{FF2B5EF4-FFF2-40B4-BE49-F238E27FC236}">
-                <a16:creationId xmlns:a16="http://schemas.microsoft.com/office/drawing/2014/main" id="{6ED5D891-EFE0-0019-7FA6-80C9C3A283F2}"/>
-              </a:ext>
-            </a:extLst>
-          </p:cNvPr>
+            <a:endParaRPr lang="en-US" dirty="0"/>
+          </a:p>
+        </p:txBody>
+      </p:sp>
+      <p:sp>
+        <p:nvSpPr>
+          <p:cNvPr id="4" name="Date Placeholder 3"/>
           <p:cNvSpPr>
             <a:spLocks noGrp="1"/>
           </p:cNvSpPr>
@@ -266,13 +258,7 @@
       </p:sp>
       <p:sp>
         <p:nvSpPr>
-          <p:cNvPr id="5" name="Footer Placeholder 4">
-            <a:extLst>
-              <a:ext uri="{FF2B5EF4-FFF2-40B4-BE49-F238E27FC236}">
-                <a16:creationId xmlns:a16="http://schemas.microsoft.com/office/drawing/2014/main" id="{00B89493-DC2A-404C-E779-2C918921CB53}"/>
-              </a:ext>
-            </a:extLst>
-          </p:cNvPr>
+          <p:cNvPr id="5" name="Footer Placeholder 4"/>
           <p:cNvSpPr>
             <a:spLocks noGrp="1"/>
           </p:cNvSpPr>
@@ -291,13 +277,7 @@
       </p:sp>
       <p:sp>
         <p:nvSpPr>
-          <p:cNvPr id="6" name="Slide Number Placeholder 5">
-            <a:extLst>
-              <a:ext uri="{FF2B5EF4-FFF2-40B4-BE49-F238E27FC236}">
-                <a16:creationId xmlns:a16="http://schemas.microsoft.com/office/drawing/2014/main" id="{D1F5521F-672B-5B12-488C-C6B39C8D37F5}"/>
-              </a:ext>
-            </a:extLst>
-          </p:cNvPr>
+          <p:cNvPr id="6" name="Slide Number Placeholder 5"/>
           <p:cNvSpPr>
             <a:spLocks noGrp="1"/>
           </p:cNvSpPr>
@@ -321,7 +301,7 @@
     </p:spTree>
     <p:extLst>
       <p:ext uri="{BB962C8B-B14F-4D97-AF65-F5344CB8AC3E}">
-        <p14:creationId xmlns:p14="http://schemas.microsoft.com/office/powerpoint/2010/main" val="661924434"/>
+        <p14:creationId xmlns:p14="http://schemas.microsoft.com/office/powerpoint/2010/main" val="4292861200"/>
       </p:ext>
     </p:extLst>
   </p:cSld>
@@ -350,13 +330,7 @@
       </p:grpSpPr>
       <p:sp>
         <p:nvSpPr>
-          <p:cNvPr id="2" name="Title 1">
-            <a:extLst>
-              <a:ext uri="{FF2B5EF4-FFF2-40B4-BE49-F238E27FC236}">
-                <a16:creationId xmlns:a16="http://schemas.microsoft.com/office/drawing/2014/main" id="{448353DF-5381-9B8D-0C27-015BFF0E0CB4}"/>
-              </a:ext>
-            </a:extLst>
-          </p:cNvPr>
+          <p:cNvPr id="2" name="Title 1"/>
           <p:cNvSpPr>
             <a:spLocks noGrp="1"/>
           </p:cNvSpPr>
@@ -373,18 +347,13 @@
               <a:rPr lang="en-US"/>
               <a:t>Click to edit Master title style</a:t>
             </a:r>
-          </a:p>
-        </p:txBody>
-      </p:sp>
-      <p:sp>
-        <p:nvSpPr>
-          <p:cNvPr id="3" name="Vertical Text Placeholder 2">
-            <a:extLst>
-              <a:ext uri="{FF2B5EF4-FFF2-40B4-BE49-F238E27FC236}">
-                <a16:creationId xmlns:a16="http://schemas.microsoft.com/office/drawing/2014/main" id="{B3EAD24D-5C80-BBDF-75C0-E43B387CC237}"/>
-              </a:ext>
-            </a:extLst>
-          </p:cNvPr>
+            <a:endParaRPr lang="en-US" dirty="0"/>
+          </a:p>
+        </p:txBody>
+      </p:sp>
+      <p:sp>
+        <p:nvSpPr>
+          <p:cNvPr id="3" name="Vertical Text Placeholder 2"/>
           <p:cNvSpPr>
             <a:spLocks noGrp="1"/>
           </p:cNvSpPr>
@@ -430,18 +399,13 @@
               <a:rPr lang="en-US"/>
               <a:t>Fifth level</a:t>
             </a:r>
-          </a:p>
-        </p:txBody>
-      </p:sp>
-      <p:sp>
-        <p:nvSpPr>
-          <p:cNvPr id="4" name="Date Placeholder 3">
-            <a:extLst>
-              <a:ext uri="{FF2B5EF4-FFF2-40B4-BE49-F238E27FC236}">
-                <a16:creationId xmlns:a16="http://schemas.microsoft.com/office/drawing/2014/main" id="{C613EA71-62C4-896B-3A8C-C9FC52CD4E09}"/>
-              </a:ext>
-            </a:extLst>
-          </p:cNvPr>
+            <a:endParaRPr lang="en-US" dirty="0"/>
+          </a:p>
+        </p:txBody>
+      </p:sp>
+      <p:sp>
+        <p:nvSpPr>
+          <p:cNvPr id="4" name="Date Placeholder 3"/>
           <p:cNvSpPr>
             <a:spLocks noGrp="1"/>
           </p:cNvSpPr>
@@ -464,13 +428,7 @@
       </p:sp>
       <p:sp>
         <p:nvSpPr>
-          <p:cNvPr id="5" name="Footer Placeholder 4">
-            <a:extLst>
-              <a:ext uri="{FF2B5EF4-FFF2-40B4-BE49-F238E27FC236}">
-                <a16:creationId xmlns:a16="http://schemas.microsoft.com/office/drawing/2014/main" id="{76DC0DD3-052C-7FF3-730A-960CE69EE6AE}"/>
-              </a:ext>
-            </a:extLst>
-          </p:cNvPr>
+          <p:cNvPr id="5" name="Footer Placeholder 4"/>
           <p:cNvSpPr>
             <a:spLocks noGrp="1"/>
           </p:cNvSpPr>
@@ -489,13 +447,7 @@
       </p:sp>
       <p:sp>
         <p:nvSpPr>
-          <p:cNvPr id="6" name="Slide Number Placeholder 5">
-            <a:extLst>
-              <a:ext uri="{FF2B5EF4-FFF2-40B4-BE49-F238E27FC236}">
-                <a16:creationId xmlns:a16="http://schemas.microsoft.com/office/drawing/2014/main" id="{D79CF6CB-C0CE-89C6-05EB-8E6E074CD373}"/>
-              </a:ext>
-            </a:extLst>
-          </p:cNvPr>
+          <p:cNvPr id="6" name="Slide Number Placeholder 5"/>
           <p:cNvSpPr>
             <a:spLocks noGrp="1"/>
           </p:cNvSpPr>
@@ -519,7 +471,7 @@
     </p:spTree>
     <p:extLst>
       <p:ext uri="{BB962C8B-B14F-4D97-AF65-F5344CB8AC3E}">
-        <p14:creationId xmlns:p14="http://schemas.microsoft.com/office/powerpoint/2010/main" val="2421814372"/>
+        <p14:creationId xmlns:p14="http://schemas.microsoft.com/office/powerpoint/2010/main" val="1365070211"/>
       </p:ext>
     </p:extLst>
   </p:cSld>
@@ -548,13 +500,7 @@
       </p:grpSpPr>
       <p:sp>
         <p:nvSpPr>
-          <p:cNvPr id="2" name="Vertical Title 1">
-            <a:extLst>
-              <a:ext uri="{FF2B5EF4-FFF2-40B4-BE49-F238E27FC236}">
-                <a16:creationId xmlns:a16="http://schemas.microsoft.com/office/drawing/2014/main" id="{5A89DD18-4E76-5D98-34E1-981AAA0E5CEC}"/>
-              </a:ext>
-            </a:extLst>
-          </p:cNvPr>
+          <p:cNvPr id="2" name="Vertical Title 1"/>
           <p:cNvSpPr>
             <a:spLocks noGrp="1"/>
           </p:cNvSpPr>
@@ -576,18 +522,13 @@
               <a:rPr lang="en-US"/>
               <a:t>Click to edit Master title style</a:t>
             </a:r>
-          </a:p>
-        </p:txBody>
-      </p:sp>
-      <p:sp>
-        <p:nvSpPr>
-          <p:cNvPr id="3" name="Vertical Text Placeholder 2">
-            <a:extLst>
-              <a:ext uri="{FF2B5EF4-FFF2-40B4-BE49-F238E27FC236}">
-                <a16:creationId xmlns:a16="http://schemas.microsoft.com/office/drawing/2014/main" id="{5B8DE4FC-DFB4-AC66-DB13-80B31A8EC91D}"/>
-              </a:ext>
-            </a:extLst>
-          </p:cNvPr>
+            <a:endParaRPr lang="en-US" dirty="0"/>
+          </a:p>
+        </p:txBody>
+      </p:sp>
+      <p:sp>
+        <p:nvSpPr>
+          <p:cNvPr id="3" name="Vertical Text Placeholder 2"/>
           <p:cNvSpPr>
             <a:spLocks noGrp="1"/>
           </p:cNvSpPr>
@@ -638,18 +579,13 @@
               <a:rPr lang="en-US"/>
               <a:t>Fifth level</a:t>
             </a:r>
-          </a:p>
-        </p:txBody>
-      </p:sp>
-      <p:sp>
-        <p:nvSpPr>
-          <p:cNvPr id="4" name="Date Placeholder 3">
-            <a:extLst>
-              <a:ext uri="{FF2B5EF4-FFF2-40B4-BE49-F238E27FC236}">
-                <a16:creationId xmlns:a16="http://schemas.microsoft.com/office/drawing/2014/main" id="{4DFCB0F8-AFFC-736E-E6A3-E95516F79EAB}"/>
-              </a:ext>
-            </a:extLst>
-          </p:cNvPr>
+            <a:endParaRPr lang="en-US" dirty="0"/>
+          </a:p>
+        </p:txBody>
+      </p:sp>
+      <p:sp>
+        <p:nvSpPr>
+          <p:cNvPr id="4" name="Date Placeholder 3"/>
           <p:cNvSpPr>
             <a:spLocks noGrp="1"/>
           </p:cNvSpPr>
@@ -672,13 +608,7 @@
       </p:sp>
       <p:sp>
         <p:nvSpPr>
-          <p:cNvPr id="5" name="Footer Placeholder 4">
-            <a:extLst>
-              <a:ext uri="{FF2B5EF4-FFF2-40B4-BE49-F238E27FC236}">
-                <a16:creationId xmlns:a16="http://schemas.microsoft.com/office/drawing/2014/main" id="{CBEE921C-FABA-6C1D-CBCF-ADCA2C71E811}"/>
-              </a:ext>
-            </a:extLst>
-          </p:cNvPr>
+          <p:cNvPr id="5" name="Footer Placeholder 4"/>
           <p:cNvSpPr>
             <a:spLocks noGrp="1"/>
           </p:cNvSpPr>
@@ -697,13 +627,7 @@
       </p:sp>
       <p:sp>
         <p:nvSpPr>
-          <p:cNvPr id="6" name="Slide Number Placeholder 5">
-            <a:extLst>
-              <a:ext uri="{FF2B5EF4-FFF2-40B4-BE49-F238E27FC236}">
-                <a16:creationId xmlns:a16="http://schemas.microsoft.com/office/drawing/2014/main" id="{90C14339-7F5A-BA4D-F56D-E575A5D9744C}"/>
-              </a:ext>
-            </a:extLst>
-          </p:cNvPr>
+          <p:cNvPr id="6" name="Slide Number Placeholder 5"/>
           <p:cNvSpPr>
             <a:spLocks noGrp="1"/>
           </p:cNvSpPr>
@@ -727,7 +651,7 @@
     </p:spTree>
     <p:extLst>
       <p:ext uri="{BB962C8B-B14F-4D97-AF65-F5344CB8AC3E}">
-        <p14:creationId xmlns:p14="http://schemas.microsoft.com/office/powerpoint/2010/main" val="2043963939"/>
+        <p14:creationId xmlns:p14="http://schemas.microsoft.com/office/powerpoint/2010/main" val="588312242"/>
       </p:ext>
     </p:extLst>
   </p:cSld>
@@ -756,13 +680,7 @@
       </p:grpSpPr>
       <p:sp>
         <p:nvSpPr>
-          <p:cNvPr id="2" name="Title 1">
-            <a:extLst>
-              <a:ext uri="{FF2B5EF4-FFF2-40B4-BE49-F238E27FC236}">
-                <a16:creationId xmlns:a16="http://schemas.microsoft.com/office/drawing/2014/main" id="{7D3E23B8-A613-62D9-BF8A-FFB9C0A12909}"/>
-              </a:ext>
-            </a:extLst>
-          </p:cNvPr>
+          <p:cNvPr id="2" name="Title 1"/>
           <p:cNvSpPr>
             <a:spLocks noGrp="1"/>
           </p:cNvSpPr>
@@ -779,18 +697,13 @@
               <a:rPr lang="en-US"/>
               <a:t>Click to edit Master title style</a:t>
             </a:r>
-          </a:p>
-        </p:txBody>
-      </p:sp>
-      <p:sp>
-        <p:nvSpPr>
-          <p:cNvPr id="3" name="Content Placeholder 2">
-            <a:extLst>
-              <a:ext uri="{FF2B5EF4-FFF2-40B4-BE49-F238E27FC236}">
-                <a16:creationId xmlns:a16="http://schemas.microsoft.com/office/drawing/2014/main" id="{934B98B8-C3C3-D443-E243-DC0492E71D28}"/>
-              </a:ext>
-            </a:extLst>
-          </p:cNvPr>
+            <a:endParaRPr lang="en-US" dirty="0"/>
+          </a:p>
+        </p:txBody>
+      </p:sp>
+      <p:sp>
+        <p:nvSpPr>
+          <p:cNvPr id="3" name="Content Placeholder 2"/>
           <p:cNvSpPr>
             <a:spLocks noGrp="1"/>
           </p:cNvSpPr>
@@ -836,18 +749,13 @@
               <a:rPr lang="en-US"/>
               <a:t>Fifth level</a:t>
             </a:r>
-          </a:p>
-        </p:txBody>
-      </p:sp>
-      <p:sp>
-        <p:nvSpPr>
-          <p:cNvPr id="4" name="Date Placeholder 3">
-            <a:extLst>
-              <a:ext uri="{FF2B5EF4-FFF2-40B4-BE49-F238E27FC236}">
-                <a16:creationId xmlns:a16="http://schemas.microsoft.com/office/drawing/2014/main" id="{88DE8623-0C2F-7F63-DAC1-FE37E27A82E9}"/>
-              </a:ext>
-            </a:extLst>
-          </p:cNvPr>
+            <a:endParaRPr lang="en-US" dirty="0"/>
+          </a:p>
+        </p:txBody>
+      </p:sp>
+      <p:sp>
+        <p:nvSpPr>
+          <p:cNvPr id="4" name="Date Placeholder 3"/>
           <p:cNvSpPr>
             <a:spLocks noGrp="1"/>
           </p:cNvSpPr>
@@ -870,13 +778,7 @@
       </p:sp>
       <p:sp>
         <p:nvSpPr>
-          <p:cNvPr id="5" name="Footer Placeholder 4">
-            <a:extLst>
-              <a:ext uri="{FF2B5EF4-FFF2-40B4-BE49-F238E27FC236}">
-                <a16:creationId xmlns:a16="http://schemas.microsoft.com/office/drawing/2014/main" id="{E75A5209-6A79-04E6-2722-27B08CCDDB5A}"/>
-              </a:ext>
-            </a:extLst>
-          </p:cNvPr>
+          <p:cNvPr id="5" name="Footer Placeholder 4"/>
           <p:cNvSpPr>
             <a:spLocks noGrp="1"/>
           </p:cNvSpPr>
@@ -895,13 +797,7 @@
       </p:sp>
       <p:sp>
         <p:nvSpPr>
-          <p:cNvPr id="6" name="Slide Number Placeholder 5">
-            <a:extLst>
-              <a:ext uri="{FF2B5EF4-FFF2-40B4-BE49-F238E27FC236}">
-                <a16:creationId xmlns:a16="http://schemas.microsoft.com/office/drawing/2014/main" id="{CB04901B-C038-850A-0EC6-F21B3F925214}"/>
-              </a:ext>
-            </a:extLst>
-          </p:cNvPr>
+          <p:cNvPr id="6" name="Slide Number Placeholder 5"/>
           <p:cNvSpPr>
             <a:spLocks noGrp="1"/>
           </p:cNvSpPr>
@@ -925,7 +821,7 @@
     </p:spTree>
     <p:extLst>
       <p:ext uri="{BB962C8B-B14F-4D97-AF65-F5344CB8AC3E}">
-        <p14:creationId xmlns:p14="http://schemas.microsoft.com/office/powerpoint/2010/main" val="2509321597"/>
+        <p14:creationId xmlns:p14="http://schemas.microsoft.com/office/powerpoint/2010/main" val="1461933254"/>
       </p:ext>
     </p:extLst>
   </p:cSld>
@@ -954,13 +850,7 @@
       </p:grpSpPr>
       <p:sp>
         <p:nvSpPr>
-          <p:cNvPr id="2" name="Title 1">
-            <a:extLst>
-              <a:ext uri="{FF2B5EF4-FFF2-40B4-BE49-F238E27FC236}">
-                <a16:creationId xmlns:a16="http://schemas.microsoft.com/office/drawing/2014/main" id="{16567B4C-5594-90BD-D18F-3BC79AC5553E}"/>
-              </a:ext>
-            </a:extLst>
-          </p:cNvPr>
+          <p:cNvPr id="2" name="Title 1"/>
           <p:cNvSpPr>
             <a:spLocks noGrp="1"/>
           </p:cNvSpPr>
@@ -986,18 +876,13 @@
               <a:rPr lang="en-US"/>
               <a:t>Click to edit Master title style</a:t>
             </a:r>
-          </a:p>
-        </p:txBody>
-      </p:sp>
-      <p:sp>
-        <p:nvSpPr>
-          <p:cNvPr id="3" name="Text Placeholder 2">
-            <a:extLst>
-              <a:ext uri="{FF2B5EF4-FFF2-40B4-BE49-F238E27FC236}">
-                <a16:creationId xmlns:a16="http://schemas.microsoft.com/office/drawing/2014/main" id="{41792EC7-05FB-E205-35C8-B7E6F6DB25E8}"/>
-              </a:ext>
-            </a:extLst>
-          </p:cNvPr>
+            <a:endParaRPr lang="en-US" dirty="0"/>
+          </a:p>
+        </p:txBody>
+      </p:sp>
+      <p:sp>
+        <p:nvSpPr>
+          <p:cNvPr id="3" name="Text Placeholder 2"/>
           <p:cNvSpPr>
             <a:spLocks noGrp="1"/>
           </p:cNvSpPr>
@@ -1116,13 +1001,7 @@
       </p:sp>
       <p:sp>
         <p:nvSpPr>
-          <p:cNvPr id="4" name="Date Placeholder 3">
-            <a:extLst>
-              <a:ext uri="{FF2B5EF4-FFF2-40B4-BE49-F238E27FC236}">
-                <a16:creationId xmlns:a16="http://schemas.microsoft.com/office/drawing/2014/main" id="{83A4C6CC-3772-594E-C224-90CC531EC5B9}"/>
-              </a:ext>
-            </a:extLst>
-          </p:cNvPr>
+          <p:cNvPr id="4" name="Date Placeholder 3"/>
           <p:cNvSpPr>
             <a:spLocks noGrp="1"/>
           </p:cNvSpPr>
@@ -1145,13 +1024,7 @@
       </p:sp>
       <p:sp>
         <p:nvSpPr>
-          <p:cNvPr id="5" name="Footer Placeholder 4">
-            <a:extLst>
-              <a:ext uri="{FF2B5EF4-FFF2-40B4-BE49-F238E27FC236}">
-                <a16:creationId xmlns:a16="http://schemas.microsoft.com/office/drawing/2014/main" id="{D9B6984A-C91B-1905-F82F-98F5A53CB545}"/>
-              </a:ext>
-            </a:extLst>
-          </p:cNvPr>
+          <p:cNvPr id="5" name="Footer Placeholder 4"/>
           <p:cNvSpPr>
             <a:spLocks noGrp="1"/>
           </p:cNvSpPr>
@@ -1170,13 +1043,7 @@
       </p:sp>
       <p:sp>
         <p:nvSpPr>
-          <p:cNvPr id="6" name="Slide Number Placeholder 5">
-            <a:extLst>
-              <a:ext uri="{FF2B5EF4-FFF2-40B4-BE49-F238E27FC236}">
-                <a16:creationId xmlns:a16="http://schemas.microsoft.com/office/drawing/2014/main" id="{36EA77C9-A229-2B14-DB2B-46AC571682E4}"/>
-              </a:ext>
-            </a:extLst>
-          </p:cNvPr>
+          <p:cNvPr id="6" name="Slide Number Placeholder 5"/>
           <p:cNvSpPr>
             <a:spLocks noGrp="1"/>
           </p:cNvSpPr>
@@ -1200,7 +1067,7 @@
     </p:spTree>
     <p:extLst>
       <p:ext uri="{BB962C8B-B14F-4D97-AF65-F5344CB8AC3E}">
-        <p14:creationId xmlns:p14="http://schemas.microsoft.com/office/powerpoint/2010/main" val="2929176300"/>
+        <p14:creationId xmlns:p14="http://schemas.microsoft.com/office/powerpoint/2010/main" val="87544484"/>
       </p:ext>
     </p:extLst>
   </p:cSld>
@@ -1229,13 +1096,7 @@
       </p:grpSpPr>
       <p:sp>
         <p:nvSpPr>
-          <p:cNvPr id="2" name="Title 1">
-            <a:extLst>
-              <a:ext uri="{FF2B5EF4-FFF2-40B4-BE49-F238E27FC236}">
-                <a16:creationId xmlns:a16="http://schemas.microsoft.com/office/drawing/2014/main" id="{95450B37-ACEE-3321-45D3-BC4A027A765B}"/>
-              </a:ext>
-            </a:extLst>
-          </p:cNvPr>
+          <p:cNvPr id="2" name="Title 1"/>
           <p:cNvSpPr>
             <a:spLocks noGrp="1"/>
           </p:cNvSpPr>
@@ -1252,18 +1113,13 @@
               <a:rPr lang="en-US"/>
               <a:t>Click to edit Master title style</a:t>
             </a:r>
-          </a:p>
-        </p:txBody>
-      </p:sp>
-      <p:sp>
-        <p:nvSpPr>
-          <p:cNvPr id="3" name="Content Placeholder 2">
-            <a:extLst>
-              <a:ext uri="{FF2B5EF4-FFF2-40B4-BE49-F238E27FC236}">
-                <a16:creationId xmlns:a16="http://schemas.microsoft.com/office/drawing/2014/main" id="{6A22F1EB-FE85-1282-1A69-2D7878720A6F}"/>
-              </a:ext>
-            </a:extLst>
-          </p:cNvPr>
+            <a:endParaRPr lang="en-US" dirty="0"/>
+          </a:p>
+        </p:txBody>
+      </p:sp>
+      <p:sp>
+        <p:nvSpPr>
+          <p:cNvPr id="3" name="Content Placeholder 2"/>
           <p:cNvSpPr>
             <a:spLocks noGrp="1"/>
           </p:cNvSpPr>
@@ -1314,18 +1170,13 @@
               <a:rPr lang="en-US"/>
               <a:t>Fifth level</a:t>
             </a:r>
-          </a:p>
-        </p:txBody>
-      </p:sp>
-      <p:sp>
-        <p:nvSpPr>
-          <p:cNvPr id="4" name="Content Placeholder 3">
-            <a:extLst>
-              <a:ext uri="{FF2B5EF4-FFF2-40B4-BE49-F238E27FC236}">
-                <a16:creationId xmlns:a16="http://schemas.microsoft.com/office/drawing/2014/main" id="{B6199F2A-D2D5-082A-7908-BAC1A697AF37}"/>
-              </a:ext>
-            </a:extLst>
-          </p:cNvPr>
+            <a:endParaRPr lang="en-US" dirty="0"/>
+          </a:p>
+        </p:txBody>
+      </p:sp>
+      <p:sp>
+        <p:nvSpPr>
+          <p:cNvPr id="4" name="Content Placeholder 3"/>
           <p:cNvSpPr>
             <a:spLocks noGrp="1"/>
           </p:cNvSpPr>
@@ -1376,18 +1227,13 @@
               <a:rPr lang="en-US"/>
               <a:t>Fifth level</a:t>
             </a:r>
-          </a:p>
-        </p:txBody>
-      </p:sp>
-      <p:sp>
-        <p:nvSpPr>
-          <p:cNvPr id="5" name="Date Placeholder 4">
-            <a:extLst>
-              <a:ext uri="{FF2B5EF4-FFF2-40B4-BE49-F238E27FC236}">
-                <a16:creationId xmlns:a16="http://schemas.microsoft.com/office/drawing/2014/main" id="{89B34647-275A-9A24-9F59-5A8B01E80F6A}"/>
-              </a:ext>
-            </a:extLst>
-          </p:cNvPr>
+            <a:endParaRPr lang="en-US" dirty="0"/>
+          </a:p>
+        </p:txBody>
+      </p:sp>
+      <p:sp>
+        <p:nvSpPr>
+          <p:cNvPr id="5" name="Date Placeholder 4"/>
           <p:cNvSpPr>
             <a:spLocks noGrp="1"/>
           </p:cNvSpPr>
@@ -1410,13 +1256,7 @@
       </p:sp>
       <p:sp>
         <p:nvSpPr>
-          <p:cNvPr id="6" name="Footer Placeholder 5">
-            <a:extLst>
-              <a:ext uri="{FF2B5EF4-FFF2-40B4-BE49-F238E27FC236}">
-                <a16:creationId xmlns:a16="http://schemas.microsoft.com/office/drawing/2014/main" id="{ED099C14-E64D-293F-0B76-C60B12D25F34}"/>
-              </a:ext>
-            </a:extLst>
-          </p:cNvPr>
+          <p:cNvPr id="6" name="Footer Placeholder 5"/>
           <p:cNvSpPr>
             <a:spLocks noGrp="1"/>
           </p:cNvSpPr>
@@ -1435,13 +1275,7 @@
       </p:sp>
       <p:sp>
         <p:nvSpPr>
-          <p:cNvPr id="7" name="Slide Number Placeholder 6">
-            <a:extLst>
-              <a:ext uri="{FF2B5EF4-FFF2-40B4-BE49-F238E27FC236}">
-                <a16:creationId xmlns:a16="http://schemas.microsoft.com/office/drawing/2014/main" id="{4BA36FEC-E919-3948-CDD5-5A10D38DD770}"/>
-              </a:ext>
-            </a:extLst>
-          </p:cNvPr>
+          <p:cNvPr id="7" name="Slide Number Placeholder 6"/>
           <p:cNvSpPr>
             <a:spLocks noGrp="1"/>
           </p:cNvSpPr>
@@ -1465,7 +1299,7 @@
     </p:spTree>
     <p:extLst>
       <p:ext uri="{BB962C8B-B14F-4D97-AF65-F5344CB8AC3E}">
-        <p14:creationId xmlns:p14="http://schemas.microsoft.com/office/powerpoint/2010/main" val="4264456195"/>
+        <p14:creationId xmlns:p14="http://schemas.microsoft.com/office/powerpoint/2010/main" val="1622616892"/>
       </p:ext>
     </p:extLst>
   </p:cSld>
@@ -1494,13 +1328,7 @@
       </p:grpSpPr>
       <p:sp>
         <p:nvSpPr>
-          <p:cNvPr id="2" name="Title 1">
-            <a:extLst>
-              <a:ext uri="{FF2B5EF4-FFF2-40B4-BE49-F238E27FC236}">
-                <a16:creationId xmlns:a16="http://schemas.microsoft.com/office/drawing/2014/main" id="{4FD128B7-D750-E53B-4F9D-3F727B1DCED8}"/>
-              </a:ext>
-            </a:extLst>
-          </p:cNvPr>
+          <p:cNvPr id="2" name="Title 1"/>
           <p:cNvSpPr>
             <a:spLocks noGrp="1"/>
           </p:cNvSpPr>
@@ -1522,18 +1350,13 @@
               <a:rPr lang="en-US"/>
               <a:t>Click to edit Master title style</a:t>
             </a:r>
-          </a:p>
-        </p:txBody>
-      </p:sp>
-      <p:sp>
-        <p:nvSpPr>
-          <p:cNvPr id="3" name="Text Placeholder 2">
-            <a:extLst>
-              <a:ext uri="{FF2B5EF4-FFF2-40B4-BE49-F238E27FC236}">
-                <a16:creationId xmlns:a16="http://schemas.microsoft.com/office/drawing/2014/main" id="{F1466833-1339-DF93-531E-28F6A924881A}"/>
-              </a:ext>
-            </a:extLst>
-          </p:cNvPr>
+            <a:endParaRPr lang="en-US" dirty="0"/>
+          </a:p>
+        </p:txBody>
+      </p:sp>
+      <p:sp>
+        <p:nvSpPr>
+          <p:cNvPr id="3" name="Text Placeholder 2"/>
           <p:cNvSpPr>
             <a:spLocks noGrp="1"/>
           </p:cNvSpPr>
@@ -1598,13 +1421,7 @@
       </p:sp>
       <p:sp>
         <p:nvSpPr>
-          <p:cNvPr id="4" name="Content Placeholder 3">
-            <a:extLst>
-              <a:ext uri="{FF2B5EF4-FFF2-40B4-BE49-F238E27FC236}">
-                <a16:creationId xmlns:a16="http://schemas.microsoft.com/office/drawing/2014/main" id="{42512FED-4600-8013-B17B-839D4ED28004}"/>
-              </a:ext>
-            </a:extLst>
-          </p:cNvPr>
+          <p:cNvPr id="4" name="Content Placeholder 3"/>
           <p:cNvSpPr>
             <a:spLocks noGrp="1"/>
           </p:cNvSpPr>
@@ -1655,18 +1472,13 @@
               <a:rPr lang="en-US"/>
               <a:t>Fifth level</a:t>
             </a:r>
-          </a:p>
-        </p:txBody>
-      </p:sp>
-      <p:sp>
-        <p:nvSpPr>
-          <p:cNvPr id="5" name="Text Placeholder 4">
-            <a:extLst>
-              <a:ext uri="{FF2B5EF4-FFF2-40B4-BE49-F238E27FC236}">
-                <a16:creationId xmlns:a16="http://schemas.microsoft.com/office/drawing/2014/main" id="{C8DFDF11-264B-1C8B-312C-671973E86CF2}"/>
-              </a:ext>
-            </a:extLst>
-          </p:cNvPr>
+            <a:endParaRPr lang="en-US" dirty="0"/>
+          </a:p>
+        </p:txBody>
+      </p:sp>
+      <p:sp>
+        <p:nvSpPr>
+          <p:cNvPr id="5" name="Text Placeholder 4"/>
           <p:cNvSpPr>
             <a:spLocks noGrp="1"/>
           </p:cNvSpPr>
@@ -1731,13 +1543,7 @@
       </p:sp>
       <p:sp>
         <p:nvSpPr>
-          <p:cNvPr id="6" name="Content Placeholder 5">
-            <a:extLst>
-              <a:ext uri="{FF2B5EF4-FFF2-40B4-BE49-F238E27FC236}">
-                <a16:creationId xmlns:a16="http://schemas.microsoft.com/office/drawing/2014/main" id="{758C8991-DAA1-C29C-609E-8AD9DA6F2695}"/>
-              </a:ext>
-            </a:extLst>
-          </p:cNvPr>
+          <p:cNvPr id="6" name="Content Placeholder 5"/>
           <p:cNvSpPr>
             <a:spLocks noGrp="1"/>
           </p:cNvSpPr>
@@ -1788,18 +1594,13 @@
               <a:rPr lang="en-US"/>
               <a:t>Fifth level</a:t>
             </a:r>
-          </a:p>
-        </p:txBody>
-      </p:sp>
-      <p:sp>
-        <p:nvSpPr>
-          <p:cNvPr id="7" name="Date Placeholder 6">
-            <a:extLst>
-              <a:ext uri="{FF2B5EF4-FFF2-40B4-BE49-F238E27FC236}">
-                <a16:creationId xmlns:a16="http://schemas.microsoft.com/office/drawing/2014/main" id="{5C13C148-9AF9-0AE5-40EA-80F0D7041A8E}"/>
-              </a:ext>
-            </a:extLst>
-          </p:cNvPr>
+            <a:endParaRPr lang="en-US" dirty="0"/>
+          </a:p>
+        </p:txBody>
+      </p:sp>
+      <p:sp>
+        <p:nvSpPr>
+          <p:cNvPr id="7" name="Date Placeholder 6"/>
           <p:cNvSpPr>
             <a:spLocks noGrp="1"/>
           </p:cNvSpPr>
@@ -1822,13 +1623,7 @@
       </p:sp>
       <p:sp>
         <p:nvSpPr>
-          <p:cNvPr id="8" name="Footer Placeholder 7">
-            <a:extLst>
-              <a:ext uri="{FF2B5EF4-FFF2-40B4-BE49-F238E27FC236}">
-                <a16:creationId xmlns:a16="http://schemas.microsoft.com/office/drawing/2014/main" id="{0FF92CC4-225B-9204-84B5-7BA097A1FCC9}"/>
-              </a:ext>
-            </a:extLst>
-          </p:cNvPr>
+          <p:cNvPr id="8" name="Footer Placeholder 7"/>
           <p:cNvSpPr>
             <a:spLocks noGrp="1"/>
           </p:cNvSpPr>
@@ -1847,13 +1642,7 @@
       </p:sp>
       <p:sp>
         <p:nvSpPr>
-          <p:cNvPr id="9" name="Slide Number Placeholder 8">
-            <a:extLst>
-              <a:ext uri="{FF2B5EF4-FFF2-40B4-BE49-F238E27FC236}">
-                <a16:creationId xmlns:a16="http://schemas.microsoft.com/office/drawing/2014/main" id="{35143886-F4C3-284F-E17F-8CB75D219CD4}"/>
-              </a:ext>
-            </a:extLst>
-          </p:cNvPr>
+          <p:cNvPr id="9" name="Slide Number Placeholder 8"/>
           <p:cNvSpPr>
             <a:spLocks noGrp="1"/>
           </p:cNvSpPr>
@@ -1877,7 +1666,7 @@
     </p:spTree>
     <p:extLst>
       <p:ext uri="{BB962C8B-B14F-4D97-AF65-F5344CB8AC3E}">
-        <p14:creationId xmlns:p14="http://schemas.microsoft.com/office/powerpoint/2010/main" val="1900102720"/>
+        <p14:creationId xmlns:p14="http://schemas.microsoft.com/office/powerpoint/2010/main" val="2388420896"/>
       </p:ext>
     </p:extLst>
   </p:cSld>
@@ -1906,13 +1695,7 @@
       </p:grpSpPr>
       <p:sp>
         <p:nvSpPr>
-          <p:cNvPr id="2" name="Title 1">
-            <a:extLst>
-              <a:ext uri="{FF2B5EF4-FFF2-40B4-BE49-F238E27FC236}">
-                <a16:creationId xmlns:a16="http://schemas.microsoft.com/office/drawing/2014/main" id="{279B02AA-8CB5-4DC2-A7A6-337BA1A9BDE8}"/>
-              </a:ext>
-            </a:extLst>
-          </p:cNvPr>
+          <p:cNvPr id="2" name="Title 1"/>
           <p:cNvSpPr>
             <a:spLocks noGrp="1"/>
           </p:cNvSpPr>
@@ -1929,18 +1712,13 @@
               <a:rPr lang="en-US"/>
               <a:t>Click to edit Master title style</a:t>
             </a:r>
-          </a:p>
-        </p:txBody>
-      </p:sp>
-      <p:sp>
-        <p:nvSpPr>
-          <p:cNvPr id="3" name="Date Placeholder 2">
-            <a:extLst>
-              <a:ext uri="{FF2B5EF4-FFF2-40B4-BE49-F238E27FC236}">
-                <a16:creationId xmlns:a16="http://schemas.microsoft.com/office/drawing/2014/main" id="{AE498DEC-218E-8030-BE86-8A089D3D19B8}"/>
-              </a:ext>
-            </a:extLst>
-          </p:cNvPr>
+            <a:endParaRPr lang="en-US" dirty="0"/>
+          </a:p>
+        </p:txBody>
+      </p:sp>
+      <p:sp>
+        <p:nvSpPr>
+          <p:cNvPr id="3" name="Date Placeholder 2"/>
           <p:cNvSpPr>
             <a:spLocks noGrp="1"/>
           </p:cNvSpPr>
@@ -1963,13 +1741,7 @@
       </p:sp>
       <p:sp>
         <p:nvSpPr>
-          <p:cNvPr id="4" name="Footer Placeholder 3">
-            <a:extLst>
-              <a:ext uri="{FF2B5EF4-FFF2-40B4-BE49-F238E27FC236}">
-                <a16:creationId xmlns:a16="http://schemas.microsoft.com/office/drawing/2014/main" id="{03748F93-0512-C1BC-9E64-8A056B840913}"/>
-              </a:ext>
-            </a:extLst>
-          </p:cNvPr>
+          <p:cNvPr id="4" name="Footer Placeholder 3"/>
           <p:cNvSpPr>
             <a:spLocks noGrp="1"/>
           </p:cNvSpPr>
@@ -1988,13 +1760,7 @@
       </p:sp>
       <p:sp>
         <p:nvSpPr>
-          <p:cNvPr id="5" name="Slide Number Placeholder 4">
-            <a:extLst>
-              <a:ext uri="{FF2B5EF4-FFF2-40B4-BE49-F238E27FC236}">
-                <a16:creationId xmlns:a16="http://schemas.microsoft.com/office/drawing/2014/main" id="{81334AD9-0E8B-12BC-E5D2-03902A5B4C31}"/>
-              </a:ext>
-            </a:extLst>
-          </p:cNvPr>
+          <p:cNvPr id="5" name="Slide Number Placeholder 4"/>
           <p:cNvSpPr>
             <a:spLocks noGrp="1"/>
           </p:cNvSpPr>
@@ -2018,7 +1784,7 @@
     </p:spTree>
     <p:extLst>
       <p:ext uri="{BB962C8B-B14F-4D97-AF65-F5344CB8AC3E}">
-        <p14:creationId xmlns:p14="http://schemas.microsoft.com/office/powerpoint/2010/main" val="113617528"/>
+        <p14:creationId xmlns:p14="http://schemas.microsoft.com/office/powerpoint/2010/main" val="127972325"/>
       </p:ext>
     </p:extLst>
   </p:cSld>
@@ -2047,13 +1813,7 @@
       </p:grpSpPr>
       <p:sp>
         <p:nvSpPr>
-          <p:cNvPr id="2" name="Date Placeholder 1">
-            <a:extLst>
-              <a:ext uri="{FF2B5EF4-FFF2-40B4-BE49-F238E27FC236}">
-                <a16:creationId xmlns:a16="http://schemas.microsoft.com/office/drawing/2014/main" id="{EF2047B5-87F8-3938-225E-79F0F6790622}"/>
-              </a:ext>
-            </a:extLst>
-          </p:cNvPr>
+          <p:cNvPr id="2" name="Date Placeholder 1"/>
           <p:cNvSpPr>
             <a:spLocks noGrp="1"/>
           </p:cNvSpPr>
@@ -2076,13 +1836,7 @@
       </p:sp>
       <p:sp>
         <p:nvSpPr>
-          <p:cNvPr id="3" name="Footer Placeholder 2">
-            <a:extLst>
-              <a:ext uri="{FF2B5EF4-FFF2-40B4-BE49-F238E27FC236}">
-                <a16:creationId xmlns:a16="http://schemas.microsoft.com/office/drawing/2014/main" id="{B4ECD4DA-72C5-E3B6-41EB-F8B56C799957}"/>
-              </a:ext>
-            </a:extLst>
-          </p:cNvPr>
+          <p:cNvPr id="3" name="Footer Placeholder 2"/>
           <p:cNvSpPr>
             <a:spLocks noGrp="1"/>
           </p:cNvSpPr>
@@ -2101,13 +1855,7 @@
       </p:sp>
       <p:sp>
         <p:nvSpPr>
-          <p:cNvPr id="4" name="Slide Number Placeholder 3">
-            <a:extLst>
-              <a:ext uri="{FF2B5EF4-FFF2-40B4-BE49-F238E27FC236}">
-                <a16:creationId xmlns:a16="http://schemas.microsoft.com/office/drawing/2014/main" id="{1765ED11-1DBB-CE00-3403-96664C8ED45C}"/>
-              </a:ext>
-            </a:extLst>
-          </p:cNvPr>
+          <p:cNvPr id="4" name="Slide Number Placeholder 3"/>
           <p:cNvSpPr>
             <a:spLocks noGrp="1"/>
           </p:cNvSpPr>
@@ -2131,7 +1879,7 @@
     </p:spTree>
     <p:extLst>
       <p:ext uri="{BB962C8B-B14F-4D97-AF65-F5344CB8AC3E}">
-        <p14:creationId xmlns:p14="http://schemas.microsoft.com/office/powerpoint/2010/main" val="2287613423"/>
+        <p14:creationId xmlns:p14="http://schemas.microsoft.com/office/powerpoint/2010/main" val="3853811222"/>
       </p:ext>
     </p:extLst>
   </p:cSld>
@@ -2160,13 +1908,7 @@
       </p:grpSpPr>
       <p:sp>
         <p:nvSpPr>
-          <p:cNvPr id="2" name="Title 1">
-            <a:extLst>
-              <a:ext uri="{FF2B5EF4-FFF2-40B4-BE49-F238E27FC236}">
-                <a16:creationId xmlns:a16="http://schemas.microsoft.com/office/drawing/2014/main" id="{43A67F1E-1AFD-FA45-03B3-9742F19E3F0A}"/>
-              </a:ext>
-            </a:extLst>
-          </p:cNvPr>
+          <p:cNvPr id="2" name="Title 1"/>
           <p:cNvSpPr>
             <a:spLocks noGrp="1"/>
           </p:cNvSpPr>
@@ -2192,18 +1934,13 @@
               <a:rPr lang="en-US"/>
               <a:t>Click to edit Master title style</a:t>
             </a:r>
-          </a:p>
-        </p:txBody>
-      </p:sp>
-      <p:sp>
-        <p:nvSpPr>
-          <p:cNvPr id="3" name="Content Placeholder 2">
-            <a:extLst>
-              <a:ext uri="{FF2B5EF4-FFF2-40B4-BE49-F238E27FC236}">
-                <a16:creationId xmlns:a16="http://schemas.microsoft.com/office/drawing/2014/main" id="{764CA8DD-6E23-A34F-F8C6-56CE636050DA}"/>
-              </a:ext>
-            </a:extLst>
-          </p:cNvPr>
+            <a:endParaRPr lang="en-US" dirty="0"/>
+          </a:p>
+        </p:txBody>
+      </p:sp>
+      <p:sp>
+        <p:nvSpPr>
+          <p:cNvPr id="3" name="Content Placeholder 2"/>
           <p:cNvSpPr>
             <a:spLocks noGrp="1"/>
           </p:cNvSpPr>
@@ -2282,18 +2019,13 @@
               <a:rPr lang="en-US"/>
               <a:t>Fifth level</a:t>
             </a:r>
-          </a:p>
-        </p:txBody>
-      </p:sp>
-      <p:sp>
-        <p:nvSpPr>
-          <p:cNvPr id="4" name="Text Placeholder 3">
-            <a:extLst>
-              <a:ext uri="{FF2B5EF4-FFF2-40B4-BE49-F238E27FC236}">
-                <a16:creationId xmlns:a16="http://schemas.microsoft.com/office/drawing/2014/main" id="{CB816996-A61B-387C-0173-0BCA4C232B0C}"/>
-              </a:ext>
-            </a:extLst>
-          </p:cNvPr>
+            <a:endParaRPr lang="en-US" dirty="0"/>
+          </a:p>
+        </p:txBody>
+      </p:sp>
+      <p:sp>
+        <p:nvSpPr>
+          <p:cNvPr id="4" name="Text Placeholder 3"/>
           <p:cNvSpPr>
             <a:spLocks noGrp="1"/>
           </p:cNvSpPr>
@@ -2358,13 +2090,7 @@
       </p:sp>
       <p:sp>
         <p:nvSpPr>
-          <p:cNvPr id="5" name="Date Placeholder 4">
-            <a:extLst>
-              <a:ext uri="{FF2B5EF4-FFF2-40B4-BE49-F238E27FC236}">
-                <a16:creationId xmlns:a16="http://schemas.microsoft.com/office/drawing/2014/main" id="{B1073D0A-99DE-02AD-166D-EAA946159674}"/>
-              </a:ext>
-            </a:extLst>
-          </p:cNvPr>
+          <p:cNvPr id="5" name="Date Placeholder 4"/>
           <p:cNvSpPr>
             <a:spLocks noGrp="1"/>
           </p:cNvSpPr>
@@ -2387,13 +2113,7 @@
       </p:sp>
       <p:sp>
         <p:nvSpPr>
-          <p:cNvPr id="6" name="Footer Placeholder 5">
-            <a:extLst>
-              <a:ext uri="{FF2B5EF4-FFF2-40B4-BE49-F238E27FC236}">
-                <a16:creationId xmlns:a16="http://schemas.microsoft.com/office/drawing/2014/main" id="{F81E6910-E579-1319-42A6-F8F1F5795679}"/>
-              </a:ext>
-            </a:extLst>
-          </p:cNvPr>
+          <p:cNvPr id="6" name="Footer Placeholder 5"/>
           <p:cNvSpPr>
             <a:spLocks noGrp="1"/>
           </p:cNvSpPr>
@@ -2412,13 +2132,7 @@
       </p:sp>
       <p:sp>
         <p:nvSpPr>
-          <p:cNvPr id="7" name="Slide Number Placeholder 6">
-            <a:extLst>
-              <a:ext uri="{FF2B5EF4-FFF2-40B4-BE49-F238E27FC236}">
-                <a16:creationId xmlns:a16="http://schemas.microsoft.com/office/drawing/2014/main" id="{3B1D0984-EB93-7D2C-1F63-1E18A8DD0880}"/>
-              </a:ext>
-            </a:extLst>
-          </p:cNvPr>
+          <p:cNvPr id="7" name="Slide Number Placeholder 6"/>
           <p:cNvSpPr>
             <a:spLocks noGrp="1"/>
           </p:cNvSpPr>
@@ -2442,7 +2156,7 @@
     </p:spTree>
     <p:extLst>
       <p:ext uri="{BB962C8B-B14F-4D97-AF65-F5344CB8AC3E}">
-        <p14:creationId xmlns:p14="http://schemas.microsoft.com/office/powerpoint/2010/main" val="533431121"/>
+        <p14:creationId xmlns:p14="http://schemas.microsoft.com/office/powerpoint/2010/main" val="1258039650"/>
       </p:ext>
     </p:extLst>
   </p:cSld>
@@ -2471,13 +2185,7 @@
       </p:grpSpPr>
       <p:sp>
         <p:nvSpPr>
-          <p:cNvPr id="2" name="Title 1">
-            <a:extLst>
-              <a:ext uri="{FF2B5EF4-FFF2-40B4-BE49-F238E27FC236}">
-                <a16:creationId xmlns:a16="http://schemas.microsoft.com/office/drawing/2014/main" id="{6BBF858A-397D-1165-734B-C5721E526AB2}"/>
-              </a:ext>
-            </a:extLst>
-          </p:cNvPr>
+          <p:cNvPr id="2" name="Title 1"/>
           <p:cNvSpPr>
             <a:spLocks noGrp="1"/>
           </p:cNvSpPr>
@@ -2503,20 +2211,15 @@
               <a:rPr lang="en-US"/>
               <a:t>Click to edit Master title style</a:t>
             </a:r>
-          </a:p>
-        </p:txBody>
-      </p:sp>
-      <p:sp>
-        <p:nvSpPr>
-          <p:cNvPr id="3" name="Picture Placeholder 2">
-            <a:extLst>
-              <a:ext uri="{FF2B5EF4-FFF2-40B4-BE49-F238E27FC236}">
-                <a16:creationId xmlns:a16="http://schemas.microsoft.com/office/drawing/2014/main" id="{BB82AFAD-B033-944D-E27F-2F53872A085F}"/>
-              </a:ext>
-            </a:extLst>
-          </p:cNvPr>
-          <p:cNvSpPr>
-            <a:spLocks noGrp="1"/>
+            <a:endParaRPr lang="en-US" dirty="0"/>
+          </a:p>
+        </p:txBody>
+      </p:sp>
+      <p:sp>
+        <p:nvSpPr>
+          <p:cNvPr id="3" name="Picture Placeholder 2"/>
+          <p:cNvSpPr>
+            <a:spLocks noGrp="1" noChangeAspect="1"/>
           </p:cNvSpPr>
           <p:nvPr>
             <p:ph type="pic" idx="1"/>
@@ -2529,7 +2232,7 @@
           </a:xfrm>
         </p:spPr>
         <p:txBody>
-          <a:bodyPr/>
+          <a:bodyPr anchor="t"/>
           <a:lstStyle>
             <a:lvl1pPr marL="0" indent="0">
               <a:buNone/>
@@ -2569,19 +2272,17 @@
             </a:lvl9pPr>
           </a:lstStyle>
           <a:p>
-            <a:endParaRPr lang="en-US"/>
-          </a:p>
-        </p:txBody>
-      </p:sp>
-      <p:sp>
-        <p:nvSpPr>
-          <p:cNvPr id="4" name="Text Placeholder 3">
-            <a:extLst>
-              <a:ext uri="{FF2B5EF4-FFF2-40B4-BE49-F238E27FC236}">
-                <a16:creationId xmlns:a16="http://schemas.microsoft.com/office/drawing/2014/main" id="{098989E7-8529-3EA6-C56A-A6E02062A46D}"/>
-              </a:ext>
-            </a:extLst>
-          </p:cNvPr>
+            <a:r>
+              <a:rPr lang="en-US"/>
+              <a:t>Click icon to add picture</a:t>
+            </a:r>
+            <a:endParaRPr lang="en-US" dirty="0"/>
+          </a:p>
+        </p:txBody>
+      </p:sp>
+      <p:sp>
+        <p:nvSpPr>
+          <p:cNvPr id="4" name="Text Placeholder 3"/>
           <p:cNvSpPr>
             <a:spLocks noGrp="1"/>
           </p:cNvSpPr>
@@ -2646,13 +2347,7 @@
       </p:sp>
       <p:sp>
         <p:nvSpPr>
-          <p:cNvPr id="5" name="Date Placeholder 4">
-            <a:extLst>
-              <a:ext uri="{FF2B5EF4-FFF2-40B4-BE49-F238E27FC236}">
-                <a16:creationId xmlns:a16="http://schemas.microsoft.com/office/drawing/2014/main" id="{B4890887-A7F3-8CCA-0252-C4378BC914AC}"/>
-              </a:ext>
-            </a:extLst>
-          </p:cNvPr>
+          <p:cNvPr id="5" name="Date Placeholder 4"/>
           <p:cNvSpPr>
             <a:spLocks noGrp="1"/>
           </p:cNvSpPr>
@@ -2675,13 +2370,7 @@
       </p:sp>
       <p:sp>
         <p:nvSpPr>
-          <p:cNvPr id="6" name="Footer Placeholder 5">
-            <a:extLst>
-              <a:ext uri="{FF2B5EF4-FFF2-40B4-BE49-F238E27FC236}">
-                <a16:creationId xmlns:a16="http://schemas.microsoft.com/office/drawing/2014/main" id="{0F7A5D20-02EE-5656-2F8F-7E05CAC92932}"/>
-              </a:ext>
-            </a:extLst>
-          </p:cNvPr>
+          <p:cNvPr id="6" name="Footer Placeholder 5"/>
           <p:cNvSpPr>
             <a:spLocks noGrp="1"/>
           </p:cNvSpPr>
@@ -2700,13 +2389,7 @@
       </p:sp>
       <p:sp>
         <p:nvSpPr>
-          <p:cNvPr id="7" name="Slide Number Placeholder 6">
-            <a:extLst>
-              <a:ext uri="{FF2B5EF4-FFF2-40B4-BE49-F238E27FC236}">
-                <a16:creationId xmlns:a16="http://schemas.microsoft.com/office/drawing/2014/main" id="{D0D0A8FD-3FC9-4A15-6F7D-0B756301F2B4}"/>
-              </a:ext>
-            </a:extLst>
-          </p:cNvPr>
+          <p:cNvPr id="7" name="Slide Number Placeholder 6"/>
           <p:cNvSpPr>
             <a:spLocks noGrp="1"/>
           </p:cNvSpPr>
@@ -2730,7 +2413,7 @@
     </p:spTree>
     <p:extLst>
       <p:ext uri="{BB962C8B-B14F-4D97-AF65-F5344CB8AC3E}">
-        <p14:creationId xmlns:p14="http://schemas.microsoft.com/office/powerpoint/2010/main" val="1445652936"/>
+        <p14:creationId xmlns:p14="http://schemas.microsoft.com/office/powerpoint/2010/main" val="3388319874"/>
       </p:ext>
     </p:extLst>
   </p:cSld>
@@ -2764,13 +2447,7 @@
       </p:grpSpPr>
       <p:sp>
         <p:nvSpPr>
-          <p:cNvPr id="2" name="Title Placeholder 1">
-            <a:extLst>
-              <a:ext uri="{FF2B5EF4-FFF2-40B4-BE49-F238E27FC236}">
-                <a16:creationId xmlns:a16="http://schemas.microsoft.com/office/drawing/2014/main" id="{FE173C25-63CC-F331-40EF-538DC3339527}"/>
-              </a:ext>
-            </a:extLst>
-          </p:cNvPr>
+          <p:cNvPr id="2" name="Title Placeholder 1"/>
           <p:cNvSpPr>
             <a:spLocks noGrp="1"/>
           </p:cNvSpPr>
@@ -2797,18 +2474,13 @@
               <a:rPr lang="en-US"/>
               <a:t>Click to edit Master title style</a:t>
             </a:r>
-          </a:p>
-        </p:txBody>
-      </p:sp>
-      <p:sp>
-        <p:nvSpPr>
-          <p:cNvPr id="3" name="Text Placeholder 2">
-            <a:extLst>
-              <a:ext uri="{FF2B5EF4-FFF2-40B4-BE49-F238E27FC236}">
-                <a16:creationId xmlns:a16="http://schemas.microsoft.com/office/drawing/2014/main" id="{CA293B16-90C0-C0EE-0FB0-CF72C9BBE7DC}"/>
-              </a:ext>
-            </a:extLst>
-          </p:cNvPr>
+            <a:endParaRPr lang="en-US" dirty="0"/>
+          </a:p>
+        </p:txBody>
+      </p:sp>
+      <p:sp>
+        <p:nvSpPr>
+          <p:cNvPr id="3" name="Text Placeholder 2"/>
           <p:cNvSpPr>
             <a:spLocks noGrp="1"/>
           </p:cNvSpPr>
@@ -2864,18 +2536,13 @@
               <a:rPr lang="en-US"/>
               <a:t>Fifth level</a:t>
             </a:r>
-          </a:p>
-        </p:txBody>
-      </p:sp>
-      <p:sp>
-        <p:nvSpPr>
-          <p:cNvPr id="4" name="Date Placeholder 3">
-            <a:extLst>
-              <a:ext uri="{FF2B5EF4-FFF2-40B4-BE49-F238E27FC236}">
-                <a16:creationId xmlns:a16="http://schemas.microsoft.com/office/drawing/2014/main" id="{8F93F682-DCCD-3FAF-81F1-3A282F8394AD}"/>
-              </a:ext>
-            </a:extLst>
-          </p:cNvPr>
+            <a:endParaRPr lang="en-US" dirty="0"/>
+          </a:p>
+        </p:txBody>
+      </p:sp>
+      <p:sp>
+        <p:nvSpPr>
+          <p:cNvPr id="4" name="Date Placeholder 3"/>
           <p:cNvSpPr>
             <a:spLocks noGrp="1"/>
           </p:cNvSpPr>
@@ -2916,13 +2583,7 @@
       </p:sp>
       <p:sp>
         <p:nvSpPr>
-          <p:cNvPr id="5" name="Footer Placeholder 4">
-            <a:extLst>
-              <a:ext uri="{FF2B5EF4-FFF2-40B4-BE49-F238E27FC236}">
-                <a16:creationId xmlns:a16="http://schemas.microsoft.com/office/drawing/2014/main" id="{01E3964C-8593-467A-2A0B-AA05061756FC}"/>
-              </a:ext>
-            </a:extLst>
-          </p:cNvPr>
+          <p:cNvPr id="5" name="Footer Placeholder 4"/>
           <p:cNvSpPr>
             <a:spLocks noGrp="1"/>
           </p:cNvSpPr>
@@ -2959,13 +2620,7 @@
       </p:sp>
       <p:sp>
         <p:nvSpPr>
-          <p:cNvPr id="6" name="Slide Number Placeholder 5">
-            <a:extLst>
-              <a:ext uri="{FF2B5EF4-FFF2-40B4-BE49-F238E27FC236}">
-                <a16:creationId xmlns:a16="http://schemas.microsoft.com/office/drawing/2014/main" id="{1B4FA112-7DB7-A3DB-0770-F2E26ED022E8}"/>
-              </a:ext>
-            </a:extLst>
-          </p:cNvPr>
+          <p:cNvPr id="6" name="Slide Number Placeholder 5"/>
           <p:cNvSpPr>
             <a:spLocks noGrp="1"/>
           </p:cNvSpPr>
@@ -3007,23 +2662,23 @@
     </p:spTree>
     <p:extLst>
       <p:ext uri="{BB962C8B-B14F-4D97-AF65-F5344CB8AC3E}">
-        <p14:creationId xmlns:p14="http://schemas.microsoft.com/office/powerpoint/2010/main" val="4066796227"/>
+        <p14:creationId xmlns:p14="http://schemas.microsoft.com/office/powerpoint/2010/main" val="3617127971"/>
       </p:ext>
     </p:extLst>
   </p:cSld>
-  <p:clrMap bg1="lt1" tx1="dk1" bg2="lt2" tx2="dk2" accent1="accent1" accent2="accent2" accent3="accent3" accent4="accent4" accent5="accent5" accent6="accent6" hlink="hlink" folHlink="folHlink"/>
+  <p:clrMap bg1="dk1" tx1="lt1" bg2="dk2" tx2="lt2" accent1="accent1" accent2="accent2" accent3="accent3" accent4="accent4" accent5="accent5" accent6="accent6" hlink="hlink" folHlink="folHlink"/>
   <p:sldLayoutIdLst>
-    <p:sldLayoutId id="2147483649" r:id="rId1"/>
-    <p:sldLayoutId id="2147483650" r:id="rId2"/>
-    <p:sldLayoutId id="2147483651" r:id="rId3"/>
-    <p:sldLayoutId id="2147483652" r:id="rId4"/>
-    <p:sldLayoutId id="2147483653" r:id="rId5"/>
-    <p:sldLayoutId id="2147483654" r:id="rId6"/>
-    <p:sldLayoutId id="2147483655" r:id="rId7"/>
-    <p:sldLayoutId id="2147483656" r:id="rId8"/>
-    <p:sldLayoutId id="2147483657" r:id="rId9"/>
-    <p:sldLayoutId id="2147483658" r:id="rId10"/>
-    <p:sldLayoutId id="2147483659" r:id="rId11"/>
+    <p:sldLayoutId id="2147483661" r:id="rId1"/>
+    <p:sldLayoutId id="2147483662" r:id="rId2"/>
+    <p:sldLayoutId id="2147483663" r:id="rId3"/>
+    <p:sldLayoutId id="2147483664" r:id="rId4"/>
+    <p:sldLayoutId id="2147483665" r:id="rId5"/>
+    <p:sldLayoutId id="2147483666" r:id="rId6"/>
+    <p:sldLayoutId id="2147483667" r:id="rId7"/>
+    <p:sldLayoutId id="2147483668" r:id="rId8"/>
+    <p:sldLayoutId id="2147483669" r:id="rId9"/>
+    <p:sldLayoutId id="2147483670" r:id="rId10"/>
+    <p:sldLayoutId id="2147483671" r:id="rId11"/>
   </p:sldLayoutIdLst>
   <p:txStyles>
     <p:titleStyle>
@@ -3325,6 +2980,53 @@
           <a:chExt cx="0" cy="0"/>
         </a:xfrm>
       </p:grpSpPr>
+      <p:pic>
+        <p:nvPicPr>
+          <p:cNvPr id="1028" name="Picture 4" descr="Major League Fishing championship includes four area pros | WTVC">
+            <a:extLst>
+              <a:ext uri="{FF2B5EF4-FFF2-40B4-BE49-F238E27FC236}">
+                <a16:creationId xmlns:a16="http://schemas.microsoft.com/office/drawing/2014/main" id="{00E2C18E-B551-9A73-3B56-480279F5661C}"/>
+              </a:ext>
+            </a:extLst>
+          </p:cNvPr>
+          <p:cNvPicPr>
+            <a:picLocks noChangeAspect="1" noChangeArrowheads="1"/>
+          </p:cNvPicPr>
+          <p:nvPr/>
+        </p:nvPicPr>
+        <p:blipFill>
+          <a:blip r:embed="rId2">
+            <a:extLst>
+              <a:ext uri="{28A0092B-C50C-407E-A947-70E740481C1C}">
+                <a14:useLocalDpi xmlns:a14="http://schemas.microsoft.com/office/drawing/2010/main" val="0"/>
+              </a:ext>
+            </a:extLst>
+          </a:blip>
+          <a:srcRect/>
+          <a:stretch>
+            <a:fillRect/>
+          </a:stretch>
+        </p:blipFill>
+        <p:spPr bwMode="auto">
+          <a:xfrm>
+            <a:off x="1" y="1"/>
+            <a:ext cx="12191999" cy="6857999"/>
+          </a:xfrm>
+          <a:prstGeom prst="rect">
+            <a:avLst/>
+          </a:prstGeom>
+          <a:noFill/>
+          <a:extLst>
+            <a:ext uri="{909E8E84-426E-40DD-AFC4-6F175D3DCCD1}">
+              <a14:hiddenFill xmlns:a14="http://schemas.microsoft.com/office/drawing/2010/main">
+                <a:solidFill>
+                  <a:srgbClr val="FFFFFF"/>
+                </a:solidFill>
+              </a14:hiddenFill>
+            </a:ext>
+          </a:extLst>
+        </p:spPr>
+      </p:pic>
       <p:sp>
         <p:nvSpPr>
           <p:cNvPr id="2" name="Title 1">
@@ -3341,24 +3043,31 @@
             <p:ph type="title"/>
           </p:nvPr>
         </p:nvSpPr>
-        <p:spPr/>
-        <p:txBody>
-          <a:bodyPr/>
-          <a:lstStyle/>
-          <a:p>
-            <a:r>
-              <a:rPr lang="en-US" dirty="0"/>
-              <a:t>Overview</a:t>
-            </a:r>
-          </a:p>
-        </p:txBody>
-      </p:sp>
-      <p:sp>
-        <p:nvSpPr>
-          <p:cNvPr id="3" name="Content Placeholder 2">
+        <p:spPr>
+          <a:xfrm>
+            <a:off x="0" y="0"/>
+            <a:ext cx="12191998" cy="1325563"/>
+          </a:xfrm>
+        </p:spPr>
+        <p:txBody>
+          <a:bodyPr>
+            <a:noAutofit/>
+          </a:bodyPr>
+          <a:lstStyle/>
+          <a:p>
+            <a:r>
+              <a:rPr lang="en-US" sz="4800" dirty="0"/>
+              <a:t>Bass Fishing Data Analysis and Prediction Model</a:t>
+            </a:r>
+          </a:p>
+        </p:txBody>
+      </p:sp>
+      <p:sp>
+        <p:nvSpPr>
+          <p:cNvPr id="7" name="Content Placeholder 6">
             <a:extLst>
               <a:ext uri="{FF2B5EF4-FFF2-40B4-BE49-F238E27FC236}">
-                <a16:creationId xmlns:a16="http://schemas.microsoft.com/office/drawing/2014/main" id="{01B93FBC-CBDC-A8C2-75C9-B06F5703DB73}"/>
+                <a16:creationId xmlns:a16="http://schemas.microsoft.com/office/drawing/2014/main" id="{4741F48D-E18C-B7A3-21A2-15A1C0CE84D3}"/>
               </a:ext>
             </a:extLst>
           </p:cNvPr>
@@ -3369,12 +3078,92 @@
             <p:ph idx="1"/>
           </p:nvPr>
         </p:nvSpPr>
-        <p:spPr/>
-        <p:txBody>
-          <a:bodyPr/>
-          <a:lstStyle/>
-          <a:p>
-            <a:endParaRPr lang="en-US"/>
+        <p:spPr>
+          <a:xfrm>
+            <a:off x="3722146" y="1847009"/>
+            <a:ext cx="8469854" cy="4840661"/>
+          </a:xfrm>
+          <a:solidFill>
+            <a:schemeClr val="tx1">
+              <a:lumMod val="50000"/>
+              <a:lumOff val="50000"/>
+              <a:alpha val="19000"/>
+            </a:schemeClr>
+          </a:solidFill>
+          <a:effectLst>
+            <a:softEdge rad="127000"/>
+          </a:effectLst>
+        </p:spPr>
+        <p:txBody>
+          <a:bodyPr>
+            <a:normAutofit fontScale="92500" lnSpcReduction="10000"/>
+          </a:bodyPr>
+          <a:lstStyle/>
+          <a:p>
+            <a:pPr marL="0" indent="0" algn="ctr">
+              <a:buNone/>
+            </a:pPr>
+            <a:r>
+              <a:rPr lang="en-US" dirty="0"/>
+              <a:t>SUMMARY</a:t>
+            </a:r>
+          </a:p>
+          <a:p>
+            <a:r>
+              <a:rPr lang="en-US" dirty="0"/>
+              <a:t>I have pulled data from the biggest fishing tournament of the year for Major League Fishing – REDCREST</a:t>
+            </a:r>
+          </a:p>
+          <a:p>
+            <a:r>
+              <a:rPr lang="en-US" dirty="0"/>
+              <a:t>After uploading the data to a database, I will prepare it for a machine learning model.</a:t>
+            </a:r>
+          </a:p>
+          <a:p>
+            <a:r>
+              <a:rPr lang="en-US" dirty="0"/>
+              <a:t>The goal for the model is prediction. Specifically, can the model predict the size of a fish if given controllable attributes.</a:t>
+            </a:r>
+          </a:p>
+          <a:p>
+            <a:r>
+              <a:rPr lang="en-US" dirty="0"/>
+              <a:t>The controllable attributes being used are:</a:t>
+            </a:r>
+          </a:p>
+          <a:p>
+            <a:pPr marL="0" indent="0" algn="ctr">
+              <a:buNone/>
+            </a:pPr>
+            <a:r>
+              <a:rPr lang="en-US" dirty="0"/>
+              <a:t>Bait, Area, Cover, Depth, Time of Day</a:t>
+            </a:r>
+          </a:p>
+          <a:p>
+            <a:pPr marL="0" indent="0" algn="ctr">
+              <a:buNone/>
+            </a:pPr>
+            <a:r>
+              <a:rPr lang="en-US" dirty="0"/>
+              <a:t>Can we create a model that helps us catch bigger fish?</a:t>
+            </a:r>
+          </a:p>
+          <a:p>
+            <a:pPr marL="0" indent="0" algn="ctr">
+              <a:buNone/>
+            </a:pPr>
+            <a:r>
+              <a:rPr lang="en-US" dirty="0"/>
+              <a:t>Let’s see!</a:t>
+            </a:r>
+          </a:p>
+          <a:p>
+            <a:pPr marL="0" indent="0">
+              <a:buNone/>
+            </a:pPr>
+            <a:endParaRPr lang="en-US" dirty="0"/>
           </a:p>
         </p:txBody>
       </p:sp>
@@ -3424,11 +3213,17 @@
             <p:ph type="title"/>
           </p:nvPr>
         </p:nvSpPr>
-        <p:spPr/>
-        <p:txBody>
-          <a:bodyPr/>
-          <a:lstStyle/>
-          <a:p>
+        <p:spPr>
+          <a:xfrm>
+            <a:off x="838200" y="67833"/>
+            <a:ext cx="10515600" cy="1325563"/>
+          </a:xfrm>
+        </p:spPr>
+        <p:txBody>
+          <a:bodyPr/>
+          <a:lstStyle/>
+          <a:p>
+            <a:pPr algn="ctr"/>
             <a:r>
               <a:rPr lang="en-US" dirty="0"/>
               <a:t>GitHub</a:t>
@@ -3438,29 +3233,315 @@
       </p:sp>
       <p:sp>
         <p:nvSpPr>
-          <p:cNvPr id="3" name="Content Placeholder 2">
+          <p:cNvPr id="4" name="Content Placeholder 6">
             <a:extLst>
               <a:ext uri="{FF2B5EF4-FFF2-40B4-BE49-F238E27FC236}">
-                <a16:creationId xmlns:a16="http://schemas.microsoft.com/office/drawing/2014/main" id="{AF8127A4-6692-1015-11E3-071B37834084}"/>
+                <a16:creationId xmlns:a16="http://schemas.microsoft.com/office/drawing/2014/main" id="{22110FBA-3CB9-587C-4EC1-00F0A87B92DD}"/>
               </a:ext>
             </a:extLst>
           </p:cNvPr>
-          <p:cNvSpPr>
-            <a:spLocks noGrp="1"/>
-          </p:cNvSpPr>
-          <p:nvPr>
-            <p:ph idx="1"/>
-          </p:nvPr>
-        </p:nvSpPr>
-        <p:spPr/>
-        <p:txBody>
-          <a:bodyPr/>
-          <a:lstStyle/>
-          <a:p>
-            <a:endParaRPr lang="en-US"/>
-          </a:p>
-        </p:txBody>
-      </p:sp>
+          <p:cNvSpPr txBox="1">
+            <a:spLocks/>
+          </p:cNvSpPr>
+          <p:nvPr/>
+        </p:nvSpPr>
+        <p:spPr>
+          <a:xfrm>
+            <a:off x="236668" y="969845"/>
+            <a:ext cx="6260951" cy="1930082"/>
+          </a:xfrm>
+          <a:prstGeom prst="rect">
+            <a:avLst/>
+          </a:prstGeom>
+          <a:solidFill>
+            <a:schemeClr val="tx1">
+              <a:lumMod val="50000"/>
+              <a:lumOff val="50000"/>
+              <a:alpha val="19000"/>
+            </a:schemeClr>
+          </a:solidFill>
+          <a:effectLst>
+            <a:softEdge rad="63500"/>
+          </a:effectLst>
+        </p:spPr>
+        <p:txBody>
+          <a:bodyPr vert="horz" lIns="91440" tIns="45720" rIns="91440" bIns="45720" rtlCol="0">
+            <a:normAutofit/>
+          </a:bodyPr>
+          <a:lstStyle>
+            <a:lvl1pPr marL="228600" indent="-228600" algn="l" defTabSz="914400" rtl="0" eaLnBrk="1" latinLnBrk="0" hangingPunct="1">
+              <a:lnSpc>
+                <a:spcPct val="90000"/>
+              </a:lnSpc>
+              <a:spcBef>
+                <a:spcPts val="1000"/>
+              </a:spcBef>
+              <a:buFont typeface="Arial" panose="020B0604020202020204" pitchFamily="34" charset="0"/>
+              <a:buChar char="•"/>
+              <a:defRPr sz="2800" kern="1200">
+                <a:solidFill>
+                  <a:schemeClr val="tx1"/>
+                </a:solidFill>
+                <a:latin typeface="+mn-lt"/>
+                <a:ea typeface="+mn-ea"/>
+                <a:cs typeface="+mn-cs"/>
+              </a:defRPr>
+            </a:lvl1pPr>
+            <a:lvl2pPr marL="685800" indent="-228600" algn="l" defTabSz="914400" rtl="0" eaLnBrk="1" latinLnBrk="0" hangingPunct="1">
+              <a:lnSpc>
+                <a:spcPct val="90000"/>
+              </a:lnSpc>
+              <a:spcBef>
+                <a:spcPts val="500"/>
+              </a:spcBef>
+              <a:buFont typeface="Arial" panose="020B0604020202020204" pitchFamily="34" charset="0"/>
+              <a:buChar char="•"/>
+              <a:defRPr sz="2400" kern="1200">
+                <a:solidFill>
+                  <a:schemeClr val="tx1"/>
+                </a:solidFill>
+                <a:latin typeface="+mn-lt"/>
+                <a:ea typeface="+mn-ea"/>
+                <a:cs typeface="+mn-cs"/>
+              </a:defRPr>
+            </a:lvl2pPr>
+            <a:lvl3pPr marL="1143000" indent="-228600" algn="l" defTabSz="914400" rtl="0" eaLnBrk="1" latinLnBrk="0" hangingPunct="1">
+              <a:lnSpc>
+                <a:spcPct val="90000"/>
+              </a:lnSpc>
+              <a:spcBef>
+                <a:spcPts val="500"/>
+              </a:spcBef>
+              <a:buFont typeface="Arial" panose="020B0604020202020204" pitchFamily="34" charset="0"/>
+              <a:buChar char="•"/>
+              <a:defRPr sz="2000" kern="1200">
+                <a:solidFill>
+                  <a:schemeClr val="tx1"/>
+                </a:solidFill>
+                <a:latin typeface="+mn-lt"/>
+                <a:ea typeface="+mn-ea"/>
+                <a:cs typeface="+mn-cs"/>
+              </a:defRPr>
+            </a:lvl3pPr>
+            <a:lvl4pPr marL="1600200" indent="-228600" algn="l" defTabSz="914400" rtl="0" eaLnBrk="1" latinLnBrk="0" hangingPunct="1">
+              <a:lnSpc>
+                <a:spcPct val="90000"/>
+              </a:lnSpc>
+              <a:spcBef>
+                <a:spcPts val="500"/>
+              </a:spcBef>
+              <a:buFont typeface="Arial" panose="020B0604020202020204" pitchFamily="34" charset="0"/>
+              <a:buChar char="•"/>
+              <a:defRPr sz="1800" kern="1200">
+                <a:solidFill>
+                  <a:schemeClr val="tx1"/>
+                </a:solidFill>
+                <a:latin typeface="+mn-lt"/>
+                <a:ea typeface="+mn-ea"/>
+                <a:cs typeface="+mn-cs"/>
+              </a:defRPr>
+            </a:lvl4pPr>
+            <a:lvl5pPr marL="2057400" indent="-228600" algn="l" defTabSz="914400" rtl="0" eaLnBrk="1" latinLnBrk="0" hangingPunct="1">
+              <a:lnSpc>
+                <a:spcPct val="90000"/>
+              </a:lnSpc>
+              <a:spcBef>
+                <a:spcPts val="500"/>
+              </a:spcBef>
+              <a:buFont typeface="Arial" panose="020B0604020202020204" pitchFamily="34" charset="0"/>
+              <a:buChar char="•"/>
+              <a:defRPr sz="1800" kern="1200">
+                <a:solidFill>
+                  <a:schemeClr val="tx1"/>
+                </a:solidFill>
+                <a:latin typeface="+mn-lt"/>
+                <a:ea typeface="+mn-ea"/>
+                <a:cs typeface="+mn-cs"/>
+              </a:defRPr>
+            </a:lvl5pPr>
+            <a:lvl6pPr marL="2514600" indent="-228600" algn="l" defTabSz="914400" rtl="0" eaLnBrk="1" latinLnBrk="0" hangingPunct="1">
+              <a:lnSpc>
+                <a:spcPct val="90000"/>
+              </a:lnSpc>
+              <a:spcBef>
+                <a:spcPts val="500"/>
+              </a:spcBef>
+              <a:buFont typeface="Arial" panose="020B0604020202020204" pitchFamily="34" charset="0"/>
+              <a:buChar char="•"/>
+              <a:defRPr sz="1800" kern="1200">
+                <a:solidFill>
+                  <a:schemeClr val="tx1"/>
+                </a:solidFill>
+                <a:latin typeface="+mn-lt"/>
+                <a:ea typeface="+mn-ea"/>
+                <a:cs typeface="+mn-cs"/>
+              </a:defRPr>
+            </a:lvl6pPr>
+            <a:lvl7pPr marL="2971800" indent="-228600" algn="l" defTabSz="914400" rtl="0" eaLnBrk="1" latinLnBrk="0" hangingPunct="1">
+              <a:lnSpc>
+                <a:spcPct val="90000"/>
+              </a:lnSpc>
+              <a:spcBef>
+                <a:spcPts val="500"/>
+              </a:spcBef>
+              <a:buFont typeface="Arial" panose="020B0604020202020204" pitchFamily="34" charset="0"/>
+              <a:buChar char="•"/>
+              <a:defRPr sz="1800" kern="1200">
+                <a:solidFill>
+                  <a:schemeClr val="tx1"/>
+                </a:solidFill>
+                <a:latin typeface="+mn-lt"/>
+                <a:ea typeface="+mn-ea"/>
+                <a:cs typeface="+mn-cs"/>
+              </a:defRPr>
+            </a:lvl7pPr>
+            <a:lvl8pPr marL="3429000" indent="-228600" algn="l" defTabSz="914400" rtl="0" eaLnBrk="1" latinLnBrk="0" hangingPunct="1">
+              <a:lnSpc>
+                <a:spcPct val="90000"/>
+              </a:lnSpc>
+              <a:spcBef>
+                <a:spcPts val="500"/>
+              </a:spcBef>
+              <a:buFont typeface="Arial" panose="020B0604020202020204" pitchFamily="34" charset="0"/>
+              <a:buChar char="•"/>
+              <a:defRPr sz="1800" kern="1200">
+                <a:solidFill>
+                  <a:schemeClr val="tx1"/>
+                </a:solidFill>
+                <a:latin typeface="+mn-lt"/>
+                <a:ea typeface="+mn-ea"/>
+                <a:cs typeface="+mn-cs"/>
+              </a:defRPr>
+            </a:lvl8pPr>
+            <a:lvl9pPr marL="3886200" indent="-228600" algn="l" defTabSz="914400" rtl="0" eaLnBrk="1" latinLnBrk="0" hangingPunct="1">
+              <a:lnSpc>
+                <a:spcPct val="90000"/>
+              </a:lnSpc>
+              <a:spcBef>
+                <a:spcPts val="500"/>
+              </a:spcBef>
+              <a:buFont typeface="Arial" panose="020B0604020202020204" pitchFamily="34" charset="0"/>
+              <a:buChar char="•"/>
+              <a:defRPr sz="1800" kern="1200">
+                <a:solidFill>
+                  <a:schemeClr val="tx1"/>
+                </a:solidFill>
+                <a:latin typeface="+mn-lt"/>
+                <a:ea typeface="+mn-ea"/>
+                <a:cs typeface="+mn-cs"/>
+              </a:defRPr>
+            </a:lvl9pPr>
+          </a:lstStyle>
+          <a:p>
+            <a:r>
+              <a:rPr lang="en-US" dirty="0"/>
+              <a:t>There is a GitHub setup with a full ReadMe file.</a:t>
+            </a:r>
+          </a:p>
+          <a:p>
+            <a:r>
+              <a:rPr lang="en-US" dirty="0"/>
+              <a:t>There are several branches for each individual block of the project.</a:t>
+            </a:r>
+          </a:p>
+          <a:p>
+            <a:pPr marL="0" indent="0">
+              <a:buNone/>
+            </a:pPr>
+            <a:endParaRPr lang="en-US" dirty="0"/>
+          </a:p>
+          <a:p>
+            <a:endParaRPr lang="en-US" dirty="0"/>
+          </a:p>
+          <a:p>
+            <a:endParaRPr lang="en-US" dirty="0"/>
+          </a:p>
+          <a:p>
+            <a:pPr marL="0" indent="0">
+              <a:buFont typeface="Arial" panose="020B0604020202020204" pitchFamily="34" charset="0"/>
+              <a:buNone/>
+            </a:pPr>
+            <a:endParaRPr lang="en-US" dirty="0"/>
+          </a:p>
+        </p:txBody>
+      </p:sp>
+      <p:pic>
+        <p:nvPicPr>
+          <p:cNvPr id="2050" name="Picture 2">
+            <a:extLst>
+              <a:ext uri="{FF2B5EF4-FFF2-40B4-BE49-F238E27FC236}">
+                <a16:creationId xmlns:a16="http://schemas.microsoft.com/office/drawing/2014/main" id="{28DD2E75-5BD3-B82F-F785-B72FA5D16ED0}"/>
+              </a:ext>
+            </a:extLst>
+          </p:cNvPr>
+          <p:cNvPicPr>
+            <a:picLocks noChangeAspect="1" noChangeArrowheads="1"/>
+          </p:cNvPicPr>
+          <p:nvPr/>
+        </p:nvPicPr>
+        <p:blipFill>
+          <a:blip r:embed="rId2">
+            <a:extLst>
+              <a:ext uri="{28A0092B-C50C-407E-A947-70E740481C1C}">
+                <a14:useLocalDpi xmlns:a14="http://schemas.microsoft.com/office/drawing/2010/main" val="0"/>
+              </a:ext>
+            </a:extLst>
+          </a:blip>
+          <a:srcRect/>
+          <a:stretch>
+            <a:fillRect/>
+          </a:stretch>
+        </p:blipFill>
+        <p:spPr bwMode="auto">
+          <a:xfrm>
+            <a:off x="7202356" y="1393396"/>
+            <a:ext cx="4555751" cy="4943145"/>
+          </a:xfrm>
+          <a:prstGeom prst="rect">
+            <a:avLst/>
+          </a:prstGeom>
+          <a:noFill/>
+          <a:extLst>
+            <a:ext uri="{909E8E84-426E-40DD-AFC4-6F175D3DCCD1}">
+              <a14:hiddenFill xmlns:a14="http://schemas.microsoft.com/office/drawing/2010/main">
+                <a:solidFill>
+                  <a:srgbClr val="FFFFFF"/>
+                </a:solidFill>
+              </a14:hiddenFill>
+            </a:ext>
+          </a:extLst>
+        </p:spPr>
+      </p:pic>
+      <p:pic>
+        <p:nvPicPr>
+          <p:cNvPr id="10" name="Picture 9">
+            <a:extLst>
+              <a:ext uri="{FF2B5EF4-FFF2-40B4-BE49-F238E27FC236}">
+                <a16:creationId xmlns:a16="http://schemas.microsoft.com/office/drawing/2014/main" id="{10E258AF-F3F5-B05A-287C-991D276B367D}"/>
+              </a:ext>
+            </a:extLst>
+          </p:cNvPr>
+          <p:cNvPicPr>
+            <a:picLocks noChangeAspect="1"/>
+          </p:cNvPicPr>
+          <p:nvPr/>
+        </p:nvPicPr>
+        <p:blipFill>
+          <a:blip r:embed="rId3"/>
+          <a:stretch>
+            <a:fillRect/>
+          </a:stretch>
+        </p:blipFill>
+        <p:spPr>
+          <a:xfrm>
+            <a:off x="433893" y="3317785"/>
+            <a:ext cx="5888636" cy="3018756"/>
+          </a:xfrm>
+          <a:prstGeom prst="rect">
+            <a:avLst/>
+          </a:prstGeom>
+        </p:spPr>
+      </p:pic>
     </p:spTree>
     <p:extLst>
       <p:ext uri="{BB962C8B-B14F-4D97-AF65-F5344CB8AC3E}">
@@ -3496,7 +3577,7 @@
           <p:cNvPr id="2" name="Title 1">
             <a:extLst>
               <a:ext uri="{FF2B5EF4-FFF2-40B4-BE49-F238E27FC236}">
-                <a16:creationId xmlns:a16="http://schemas.microsoft.com/office/drawing/2014/main" id="{257F8E74-A1EC-3726-DB99-4D31BF3CBA8E}"/>
+                <a16:creationId xmlns:a16="http://schemas.microsoft.com/office/drawing/2014/main" id="{9913976F-583A-F671-68DC-71FAC469BA39}"/>
               </a:ext>
             </a:extLst>
           </p:cNvPr>
@@ -3507,14 +3588,19 @@
             <p:ph type="title"/>
           </p:nvPr>
         </p:nvSpPr>
-        <p:spPr/>
+        <p:spPr>
+          <a:xfrm>
+            <a:off x="268045" y="84930"/>
+            <a:ext cx="10515600" cy="1325563"/>
+          </a:xfrm>
+        </p:spPr>
         <p:txBody>
           <a:bodyPr/>
           <a:lstStyle/>
           <a:p>
             <a:r>
               <a:rPr lang="en-US" dirty="0"/>
-              <a:t>Dashboard</a:t>
+              <a:t>Database</a:t>
             </a:r>
           </a:p>
         </p:txBody>
@@ -3524,7 +3610,7 @@
           <p:cNvPr id="3" name="Content Placeholder 2">
             <a:extLst>
               <a:ext uri="{FF2B5EF4-FFF2-40B4-BE49-F238E27FC236}">
-                <a16:creationId xmlns:a16="http://schemas.microsoft.com/office/drawing/2014/main" id="{AB48E276-44E4-E524-F132-1704323A06EB}"/>
+                <a16:creationId xmlns:a16="http://schemas.microsoft.com/office/drawing/2014/main" id="{2E4E7C7E-11B9-1701-813A-173DE28B897B}"/>
               </a:ext>
             </a:extLst>
           </p:cNvPr>
@@ -3535,31 +3621,154 @@
             <p:ph idx="1"/>
           </p:nvPr>
         </p:nvSpPr>
-        <p:spPr/>
-        <p:txBody>
-          <a:bodyPr/>
-          <a:lstStyle/>
-          <a:p>
+        <p:spPr>
+          <a:xfrm>
+            <a:off x="268045" y="1253331"/>
+            <a:ext cx="11543851" cy="978935"/>
+          </a:xfrm>
+          <a:solidFill>
+            <a:schemeClr val="tx1">
+              <a:lumMod val="50000"/>
+              <a:lumOff val="50000"/>
+              <a:alpha val="19000"/>
+            </a:schemeClr>
+          </a:solidFill>
+          <a:effectLst>
+            <a:softEdge rad="63500"/>
+          </a:effectLst>
+        </p:spPr>
+        <p:txBody>
+          <a:bodyPr vert="horz" lIns="91440" tIns="45720" rIns="91440" bIns="45720" rtlCol="0">
+            <a:normAutofit/>
+          </a:bodyPr>
+          <a:lstStyle/>
+          <a:p>
+            <a:r>
+              <a:rPr lang="en-US" dirty="0" err="1"/>
+              <a:t>pgAdmin</a:t>
+            </a:r>
             <a:r>
               <a:rPr lang="en-US" dirty="0"/>
-              <a:t>Interactive Dashboard on Tableau Public that breakdown the data.</a:t>
-            </a:r>
-          </a:p>
-          <a:p>
-            <a:r>
-              <a:rPr lang="en-US" dirty="0">
-                <a:hlinkClick r:id="rId2"/>
-              </a:rPr>
-              <a:t>Link to Workbook</a:t>
-            </a:r>
-            <a:endParaRPr lang="en-US" dirty="0"/>
-          </a:p>
-        </p:txBody>
-      </p:sp>
+              <a:t> 4 is used for a PostgreSQL database and the iterations of data are stored there.</a:t>
+            </a:r>
+          </a:p>
+        </p:txBody>
+      </p:sp>
+      <p:grpSp>
+        <p:nvGrpSpPr>
+          <p:cNvPr id="8" name="Group 7">
+            <a:extLst>
+              <a:ext uri="{FF2B5EF4-FFF2-40B4-BE49-F238E27FC236}">
+                <a16:creationId xmlns:a16="http://schemas.microsoft.com/office/drawing/2014/main" id="{BD97D69F-2460-C6D5-333C-14130CBCB072}"/>
+              </a:ext>
+            </a:extLst>
+          </p:cNvPr>
+          <p:cNvGrpSpPr/>
+          <p:nvPr/>
+        </p:nvGrpSpPr>
+        <p:grpSpPr>
+          <a:xfrm>
+            <a:off x="268045" y="2232266"/>
+            <a:ext cx="2038350" cy="1495425"/>
+            <a:chOff x="5076825" y="2524125"/>
+            <a:chExt cx="2038350" cy="1495425"/>
+          </a:xfrm>
+        </p:grpSpPr>
+        <p:pic>
+          <p:nvPicPr>
+            <p:cNvPr id="5" name="Picture 4">
+              <a:extLst>
+                <a:ext uri="{FF2B5EF4-FFF2-40B4-BE49-F238E27FC236}">
+                  <a16:creationId xmlns:a16="http://schemas.microsoft.com/office/drawing/2014/main" id="{80F027FB-830B-68E1-8959-8CD668758772}"/>
+                </a:ext>
+              </a:extLst>
+            </p:cNvPr>
+            <p:cNvPicPr>
+              <a:picLocks noChangeAspect="1"/>
+            </p:cNvPicPr>
+            <p:nvPr/>
+          </p:nvPicPr>
+          <p:blipFill>
+            <a:blip r:embed="rId2"/>
+            <a:stretch>
+              <a:fillRect/>
+            </a:stretch>
+          </p:blipFill>
+          <p:spPr>
+            <a:xfrm>
+              <a:off x="5076825" y="2838450"/>
+              <a:ext cx="2038350" cy="1181100"/>
+            </a:xfrm>
+            <a:prstGeom prst="rect">
+              <a:avLst/>
+            </a:prstGeom>
+          </p:spPr>
+        </p:pic>
+        <p:pic>
+          <p:nvPicPr>
+            <p:cNvPr id="7" name="Picture 6">
+              <a:extLst>
+                <a:ext uri="{FF2B5EF4-FFF2-40B4-BE49-F238E27FC236}">
+                  <a16:creationId xmlns:a16="http://schemas.microsoft.com/office/drawing/2014/main" id="{17A5559A-5673-7ED0-A831-9D894A44812A}"/>
+                </a:ext>
+              </a:extLst>
+            </p:cNvPr>
+            <p:cNvPicPr>
+              <a:picLocks noChangeAspect="1"/>
+            </p:cNvPicPr>
+            <p:nvPr/>
+          </p:nvPicPr>
+          <p:blipFill>
+            <a:blip r:embed="rId3"/>
+            <a:stretch>
+              <a:fillRect/>
+            </a:stretch>
+          </p:blipFill>
+          <p:spPr>
+            <a:xfrm>
+              <a:off x="5076825" y="2524125"/>
+              <a:ext cx="1819275" cy="314325"/>
+            </a:xfrm>
+            <a:prstGeom prst="rect">
+              <a:avLst/>
+            </a:prstGeom>
+          </p:spPr>
+        </p:pic>
+      </p:grpSp>
+      <p:pic>
+        <p:nvPicPr>
+          <p:cNvPr id="10" name="Picture 9">
+            <a:extLst>
+              <a:ext uri="{FF2B5EF4-FFF2-40B4-BE49-F238E27FC236}">
+                <a16:creationId xmlns:a16="http://schemas.microsoft.com/office/drawing/2014/main" id="{FFEA1E5A-E873-00AA-73F1-89A8F40C41D5}"/>
+              </a:ext>
+            </a:extLst>
+          </p:cNvPr>
+          <p:cNvPicPr>
+            <a:picLocks noChangeAspect="1"/>
+          </p:cNvPicPr>
+          <p:nvPr/>
+        </p:nvPicPr>
+        <p:blipFill>
+          <a:blip r:embed="rId4"/>
+          <a:stretch>
+            <a:fillRect/>
+          </a:stretch>
+        </p:blipFill>
+        <p:spPr>
+          <a:xfrm>
+            <a:off x="268045" y="3859596"/>
+            <a:ext cx="7863840" cy="2434625"/>
+          </a:xfrm>
+          <a:prstGeom prst="rect">
+            <a:avLst/>
+          </a:prstGeom>
+        </p:spPr>
+      </p:pic>
     </p:spTree>
     <p:extLst>
       <p:ext uri="{BB962C8B-B14F-4D97-AF65-F5344CB8AC3E}">
-        <p14:creationId xmlns:p14="http://schemas.microsoft.com/office/powerpoint/2010/main" val="2980092636"/>
+        <p14:creationId xmlns:p14="http://schemas.microsoft.com/office/powerpoint/2010/main" val="1056499427"/>
       </p:ext>
     </p:extLst>
   </p:cSld>
@@ -3591,7 +3800,7 @@
           <p:cNvPr id="2" name="Title 1">
             <a:extLst>
               <a:ext uri="{FF2B5EF4-FFF2-40B4-BE49-F238E27FC236}">
-                <a16:creationId xmlns:a16="http://schemas.microsoft.com/office/drawing/2014/main" id="{9913976F-583A-F671-68DC-71FAC469BA39}"/>
+                <a16:creationId xmlns:a16="http://schemas.microsoft.com/office/drawing/2014/main" id="{DB6C50B3-1F6A-FCFE-3C3C-CEE732AB82DA}"/>
               </a:ext>
             </a:extLst>
           </p:cNvPr>
@@ -3607,9 +3816,10 @@
           <a:bodyPr/>
           <a:lstStyle/>
           <a:p>
+            <a:pPr algn="ctr"/>
             <a:r>
               <a:rPr lang="en-US" dirty="0"/>
-              <a:t>Database</a:t>
+              <a:t>Data Exploration and Cleaning</a:t>
             </a:r>
           </a:p>
         </p:txBody>
@@ -3619,7 +3829,7 @@
           <p:cNvPr id="3" name="Content Placeholder 2">
             <a:extLst>
               <a:ext uri="{FF2B5EF4-FFF2-40B4-BE49-F238E27FC236}">
-                <a16:creationId xmlns:a16="http://schemas.microsoft.com/office/drawing/2014/main" id="{2E4E7C7E-11B9-1701-813A-173DE28B897B}"/>
+                <a16:creationId xmlns:a16="http://schemas.microsoft.com/office/drawing/2014/main" id="{FF296A18-CCEE-7FF5-A183-126A61B9AAE7}"/>
               </a:ext>
             </a:extLst>
           </p:cNvPr>
@@ -3630,19 +3840,578 @@
             <p:ph idx="1"/>
           </p:nvPr>
         </p:nvSpPr>
-        <p:spPr/>
-        <p:txBody>
-          <a:bodyPr/>
-          <a:lstStyle/>
-          <a:p>
-            <a:endParaRPr lang="en-US"/>
-          </a:p>
-        </p:txBody>
-      </p:sp>
+        <p:spPr>
+          <a:xfrm>
+            <a:off x="1" y="1506070"/>
+            <a:ext cx="6095999" cy="2463501"/>
+          </a:xfrm>
+        </p:spPr>
+        <p:txBody>
+          <a:bodyPr>
+            <a:normAutofit fontScale="70000" lnSpcReduction="20000"/>
+          </a:bodyPr>
+          <a:lstStyle/>
+          <a:p>
+            <a:r>
+              <a:rPr lang="en-US" dirty="0"/>
+              <a:t>As expected, the data is very noisy with not much separating the data.</a:t>
+            </a:r>
+          </a:p>
+          <a:p>
+            <a:r>
+              <a:rPr lang="en-US" dirty="0"/>
+              <a:t>See </a:t>
+            </a:r>
+            <a:r>
+              <a:rPr lang="en-US" dirty="0">
+                <a:hlinkClick r:id="rId2"/>
+              </a:rPr>
+              <a:t>Interactive Dashboard</a:t>
+            </a:r>
+            <a:r>
+              <a:rPr lang="en-US" dirty="0"/>
+              <a:t> for examples</a:t>
+            </a:r>
+          </a:p>
+          <a:p>
+            <a:r>
+              <a:rPr lang="en-US" dirty="0"/>
+              <a:t>A few columns were transformed into formats better suited for analysis such as changing weight from a  ‘</a:t>
+            </a:r>
+            <a:r>
+              <a:rPr lang="en-US" dirty="0" err="1"/>
+              <a:t>lbs</a:t>
+            </a:r>
+            <a:r>
+              <a:rPr lang="en-US" dirty="0"/>
+              <a:t>-oz’  string format to a simple decimal format.</a:t>
+            </a:r>
+          </a:p>
+          <a:p>
+            <a:r>
+              <a:rPr lang="en-US" dirty="0"/>
+              <a:t>A few features were bucketed such as time of day to limit the amount of variables for the model. </a:t>
+            </a:r>
+          </a:p>
+        </p:txBody>
+      </p:sp>
+      <p:pic>
+        <p:nvPicPr>
+          <p:cNvPr id="5" name="Picture 4">
+            <a:extLst>
+              <a:ext uri="{FF2B5EF4-FFF2-40B4-BE49-F238E27FC236}">
+                <a16:creationId xmlns:a16="http://schemas.microsoft.com/office/drawing/2014/main" id="{5E1E638E-99E8-56F8-794A-2A156B638B37}"/>
+              </a:ext>
+            </a:extLst>
+          </p:cNvPr>
+          <p:cNvPicPr>
+            <a:picLocks noChangeAspect="1"/>
+          </p:cNvPicPr>
+          <p:nvPr/>
+        </p:nvPicPr>
+        <p:blipFill>
+          <a:blip r:embed="rId3"/>
+          <a:stretch>
+            <a:fillRect/>
+          </a:stretch>
+        </p:blipFill>
+        <p:spPr>
+          <a:xfrm>
+            <a:off x="361939" y="3899646"/>
+            <a:ext cx="4155553" cy="2593229"/>
+          </a:xfrm>
+          <a:prstGeom prst="rect">
+            <a:avLst/>
+          </a:prstGeom>
+        </p:spPr>
+      </p:pic>
+      <p:sp>
+        <p:nvSpPr>
+          <p:cNvPr id="6" name="Content Placeholder 2">
+            <a:extLst>
+              <a:ext uri="{FF2B5EF4-FFF2-40B4-BE49-F238E27FC236}">
+                <a16:creationId xmlns:a16="http://schemas.microsoft.com/office/drawing/2014/main" id="{AB4712E2-4BB1-E1C1-AA04-3DEA2EA2FC90}"/>
+              </a:ext>
+            </a:extLst>
+          </p:cNvPr>
+          <p:cNvSpPr txBox="1">
+            <a:spLocks/>
+          </p:cNvSpPr>
+          <p:nvPr/>
+        </p:nvSpPr>
+        <p:spPr>
+          <a:xfrm>
+            <a:off x="6096000" y="1613646"/>
+            <a:ext cx="6095999" cy="2355926"/>
+          </a:xfrm>
+          <a:prstGeom prst="rect">
+            <a:avLst/>
+          </a:prstGeom>
+        </p:spPr>
+        <p:txBody>
+          <a:bodyPr vert="horz" lIns="91440" tIns="45720" rIns="91440" bIns="45720" rtlCol="0">
+            <a:normAutofit/>
+          </a:bodyPr>
+          <a:lstStyle>
+            <a:lvl1pPr marL="228600" indent="-228600" algn="l" defTabSz="914400" rtl="0" eaLnBrk="1" latinLnBrk="0" hangingPunct="1">
+              <a:lnSpc>
+                <a:spcPct val="90000"/>
+              </a:lnSpc>
+              <a:spcBef>
+                <a:spcPts val="1000"/>
+              </a:spcBef>
+              <a:buFont typeface="Arial" panose="020B0604020202020204" pitchFamily="34" charset="0"/>
+              <a:buChar char="•"/>
+              <a:defRPr sz="2800" kern="1200">
+                <a:solidFill>
+                  <a:schemeClr val="tx1"/>
+                </a:solidFill>
+                <a:latin typeface="+mn-lt"/>
+                <a:ea typeface="+mn-ea"/>
+                <a:cs typeface="+mn-cs"/>
+              </a:defRPr>
+            </a:lvl1pPr>
+            <a:lvl2pPr marL="685800" indent="-228600" algn="l" defTabSz="914400" rtl="0" eaLnBrk="1" latinLnBrk="0" hangingPunct="1">
+              <a:lnSpc>
+                <a:spcPct val="90000"/>
+              </a:lnSpc>
+              <a:spcBef>
+                <a:spcPts val="500"/>
+              </a:spcBef>
+              <a:buFont typeface="Arial" panose="020B0604020202020204" pitchFamily="34" charset="0"/>
+              <a:buChar char="•"/>
+              <a:defRPr sz="2400" kern="1200">
+                <a:solidFill>
+                  <a:schemeClr val="tx1"/>
+                </a:solidFill>
+                <a:latin typeface="+mn-lt"/>
+                <a:ea typeface="+mn-ea"/>
+                <a:cs typeface="+mn-cs"/>
+              </a:defRPr>
+            </a:lvl2pPr>
+            <a:lvl3pPr marL="1143000" indent="-228600" algn="l" defTabSz="914400" rtl="0" eaLnBrk="1" latinLnBrk="0" hangingPunct="1">
+              <a:lnSpc>
+                <a:spcPct val="90000"/>
+              </a:lnSpc>
+              <a:spcBef>
+                <a:spcPts val="500"/>
+              </a:spcBef>
+              <a:buFont typeface="Arial" panose="020B0604020202020204" pitchFamily="34" charset="0"/>
+              <a:buChar char="•"/>
+              <a:defRPr sz="2000" kern="1200">
+                <a:solidFill>
+                  <a:schemeClr val="tx1"/>
+                </a:solidFill>
+                <a:latin typeface="+mn-lt"/>
+                <a:ea typeface="+mn-ea"/>
+                <a:cs typeface="+mn-cs"/>
+              </a:defRPr>
+            </a:lvl3pPr>
+            <a:lvl4pPr marL="1600200" indent="-228600" algn="l" defTabSz="914400" rtl="0" eaLnBrk="1" latinLnBrk="0" hangingPunct="1">
+              <a:lnSpc>
+                <a:spcPct val="90000"/>
+              </a:lnSpc>
+              <a:spcBef>
+                <a:spcPts val="500"/>
+              </a:spcBef>
+              <a:buFont typeface="Arial" panose="020B0604020202020204" pitchFamily="34" charset="0"/>
+              <a:buChar char="•"/>
+              <a:defRPr sz="1800" kern="1200">
+                <a:solidFill>
+                  <a:schemeClr val="tx1"/>
+                </a:solidFill>
+                <a:latin typeface="+mn-lt"/>
+                <a:ea typeface="+mn-ea"/>
+                <a:cs typeface="+mn-cs"/>
+              </a:defRPr>
+            </a:lvl4pPr>
+            <a:lvl5pPr marL="2057400" indent="-228600" algn="l" defTabSz="914400" rtl="0" eaLnBrk="1" latinLnBrk="0" hangingPunct="1">
+              <a:lnSpc>
+                <a:spcPct val="90000"/>
+              </a:lnSpc>
+              <a:spcBef>
+                <a:spcPts val="500"/>
+              </a:spcBef>
+              <a:buFont typeface="Arial" panose="020B0604020202020204" pitchFamily="34" charset="0"/>
+              <a:buChar char="•"/>
+              <a:defRPr sz="1800" kern="1200">
+                <a:solidFill>
+                  <a:schemeClr val="tx1"/>
+                </a:solidFill>
+                <a:latin typeface="+mn-lt"/>
+                <a:ea typeface="+mn-ea"/>
+                <a:cs typeface="+mn-cs"/>
+              </a:defRPr>
+            </a:lvl5pPr>
+            <a:lvl6pPr marL="2514600" indent="-228600" algn="l" defTabSz="914400" rtl="0" eaLnBrk="1" latinLnBrk="0" hangingPunct="1">
+              <a:lnSpc>
+                <a:spcPct val="90000"/>
+              </a:lnSpc>
+              <a:spcBef>
+                <a:spcPts val="500"/>
+              </a:spcBef>
+              <a:buFont typeface="Arial" panose="020B0604020202020204" pitchFamily="34" charset="0"/>
+              <a:buChar char="•"/>
+              <a:defRPr sz="1800" kern="1200">
+                <a:solidFill>
+                  <a:schemeClr val="tx1"/>
+                </a:solidFill>
+                <a:latin typeface="+mn-lt"/>
+                <a:ea typeface="+mn-ea"/>
+                <a:cs typeface="+mn-cs"/>
+              </a:defRPr>
+            </a:lvl6pPr>
+            <a:lvl7pPr marL="2971800" indent="-228600" algn="l" defTabSz="914400" rtl="0" eaLnBrk="1" latinLnBrk="0" hangingPunct="1">
+              <a:lnSpc>
+                <a:spcPct val="90000"/>
+              </a:lnSpc>
+              <a:spcBef>
+                <a:spcPts val="500"/>
+              </a:spcBef>
+              <a:buFont typeface="Arial" panose="020B0604020202020204" pitchFamily="34" charset="0"/>
+              <a:buChar char="•"/>
+              <a:defRPr sz="1800" kern="1200">
+                <a:solidFill>
+                  <a:schemeClr val="tx1"/>
+                </a:solidFill>
+                <a:latin typeface="+mn-lt"/>
+                <a:ea typeface="+mn-ea"/>
+                <a:cs typeface="+mn-cs"/>
+              </a:defRPr>
+            </a:lvl7pPr>
+            <a:lvl8pPr marL="3429000" indent="-228600" algn="l" defTabSz="914400" rtl="0" eaLnBrk="1" latinLnBrk="0" hangingPunct="1">
+              <a:lnSpc>
+                <a:spcPct val="90000"/>
+              </a:lnSpc>
+              <a:spcBef>
+                <a:spcPts val="500"/>
+              </a:spcBef>
+              <a:buFont typeface="Arial" panose="020B0604020202020204" pitchFamily="34" charset="0"/>
+              <a:buChar char="•"/>
+              <a:defRPr sz="1800" kern="1200">
+                <a:solidFill>
+                  <a:schemeClr val="tx1"/>
+                </a:solidFill>
+                <a:latin typeface="+mn-lt"/>
+                <a:ea typeface="+mn-ea"/>
+                <a:cs typeface="+mn-cs"/>
+              </a:defRPr>
+            </a:lvl8pPr>
+            <a:lvl9pPr marL="3886200" indent="-228600" algn="l" defTabSz="914400" rtl="0" eaLnBrk="1" latinLnBrk="0" hangingPunct="1">
+              <a:lnSpc>
+                <a:spcPct val="90000"/>
+              </a:lnSpc>
+              <a:spcBef>
+                <a:spcPts val="500"/>
+              </a:spcBef>
+              <a:buFont typeface="Arial" panose="020B0604020202020204" pitchFamily="34" charset="0"/>
+              <a:buChar char="•"/>
+              <a:defRPr sz="1800" kern="1200">
+                <a:solidFill>
+                  <a:schemeClr val="tx1"/>
+                </a:solidFill>
+                <a:latin typeface="+mn-lt"/>
+                <a:ea typeface="+mn-ea"/>
+                <a:cs typeface="+mn-cs"/>
+              </a:defRPr>
+            </a:lvl9pPr>
+          </a:lstStyle>
+          <a:p>
+            <a:endParaRPr lang="en-US" dirty="0"/>
+          </a:p>
+        </p:txBody>
+      </p:sp>
+      <p:sp>
+        <p:nvSpPr>
+          <p:cNvPr id="7" name="Content Placeholder 2">
+            <a:extLst>
+              <a:ext uri="{FF2B5EF4-FFF2-40B4-BE49-F238E27FC236}">
+                <a16:creationId xmlns:a16="http://schemas.microsoft.com/office/drawing/2014/main" id="{C9952921-E975-86C1-F904-ECCC6CE422BE}"/>
+              </a:ext>
+            </a:extLst>
+          </p:cNvPr>
+          <p:cNvSpPr txBox="1">
+            <a:spLocks/>
+          </p:cNvSpPr>
+          <p:nvPr/>
+        </p:nvSpPr>
+        <p:spPr>
+          <a:xfrm>
+            <a:off x="6096001" y="1506069"/>
+            <a:ext cx="6095999" cy="2463501"/>
+          </a:xfrm>
+          <a:prstGeom prst="rect">
+            <a:avLst/>
+          </a:prstGeom>
+        </p:spPr>
+        <p:txBody>
+          <a:bodyPr vert="horz" lIns="91440" tIns="45720" rIns="91440" bIns="45720" rtlCol="0">
+            <a:normAutofit/>
+          </a:bodyPr>
+          <a:lstStyle>
+            <a:lvl1pPr marL="228600" indent="-228600" algn="l" defTabSz="914400" rtl="0" eaLnBrk="1" latinLnBrk="0" hangingPunct="1">
+              <a:lnSpc>
+                <a:spcPct val="90000"/>
+              </a:lnSpc>
+              <a:spcBef>
+                <a:spcPts val="1000"/>
+              </a:spcBef>
+              <a:buFont typeface="Arial" panose="020B0604020202020204" pitchFamily="34" charset="0"/>
+              <a:buChar char="•"/>
+              <a:defRPr sz="2800" kern="1200">
+                <a:solidFill>
+                  <a:schemeClr val="tx1"/>
+                </a:solidFill>
+                <a:latin typeface="+mn-lt"/>
+                <a:ea typeface="+mn-ea"/>
+                <a:cs typeface="+mn-cs"/>
+              </a:defRPr>
+            </a:lvl1pPr>
+            <a:lvl2pPr marL="685800" indent="-228600" algn="l" defTabSz="914400" rtl="0" eaLnBrk="1" latinLnBrk="0" hangingPunct="1">
+              <a:lnSpc>
+                <a:spcPct val="90000"/>
+              </a:lnSpc>
+              <a:spcBef>
+                <a:spcPts val="500"/>
+              </a:spcBef>
+              <a:buFont typeface="Arial" panose="020B0604020202020204" pitchFamily="34" charset="0"/>
+              <a:buChar char="•"/>
+              <a:defRPr sz="2400" kern="1200">
+                <a:solidFill>
+                  <a:schemeClr val="tx1"/>
+                </a:solidFill>
+                <a:latin typeface="+mn-lt"/>
+                <a:ea typeface="+mn-ea"/>
+                <a:cs typeface="+mn-cs"/>
+              </a:defRPr>
+            </a:lvl2pPr>
+            <a:lvl3pPr marL="1143000" indent="-228600" algn="l" defTabSz="914400" rtl="0" eaLnBrk="1" latinLnBrk="0" hangingPunct="1">
+              <a:lnSpc>
+                <a:spcPct val="90000"/>
+              </a:lnSpc>
+              <a:spcBef>
+                <a:spcPts val="500"/>
+              </a:spcBef>
+              <a:buFont typeface="Arial" panose="020B0604020202020204" pitchFamily="34" charset="0"/>
+              <a:buChar char="•"/>
+              <a:defRPr sz="2000" kern="1200">
+                <a:solidFill>
+                  <a:schemeClr val="tx1"/>
+                </a:solidFill>
+                <a:latin typeface="+mn-lt"/>
+                <a:ea typeface="+mn-ea"/>
+                <a:cs typeface="+mn-cs"/>
+              </a:defRPr>
+            </a:lvl3pPr>
+            <a:lvl4pPr marL="1600200" indent="-228600" algn="l" defTabSz="914400" rtl="0" eaLnBrk="1" latinLnBrk="0" hangingPunct="1">
+              <a:lnSpc>
+                <a:spcPct val="90000"/>
+              </a:lnSpc>
+              <a:spcBef>
+                <a:spcPts val="500"/>
+              </a:spcBef>
+              <a:buFont typeface="Arial" panose="020B0604020202020204" pitchFamily="34" charset="0"/>
+              <a:buChar char="•"/>
+              <a:defRPr sz="1800" kern="1200">
+                <a:solidFill>
+                  <a:schemeClr val="tx1"/>
+                </a:solidFill>
+                <a:latin typeface="+mn-lt"/>
+                <a:ea typeface="+mn-ea"/>
+                <a:cs typeface="+mn-cs"/>
+              </a:defRPr>
+            </a:lvl4pPr>
+            <a:lvl5pPr marL="2057400" indent="-228600" algn="l" defTabSz="914400" rtl="0" eaLnBrk="1" latinLnBrk="0" hangingPunct="1">
+              <a:lnSpc>
+                <a:spcPct val="90000"/>
+              </a:lnSpc>
+              <a:spcBef>
+                <a:spcPts val="500"/>
+              </a:spcBef>
+              <a:buFont typeface="Arial" panose="020B0604020202020204" pitchFamily="34" charset="0"/>
+              <a:buChar char="•"/>
+              <a:defRPr sz="1800" kern="1200">
+                <a:solidFill>
+                  <a:schemeClr val="tx1"/>
+                </a:solidFill>
+                <a:latin typeface="+mn-lt"/>
+                <a:ea typeface="+mn-ea"/>
+                <a:cs typeface="+mn-cs"/>
+              </a:defRPr>
+            </a:lvl5pPr>
+            <a:lvl6pPr marL="2514600" indent="-228600" algn="l" defTabSz="914400" rtl="0" eaLnBrk="1" latinLnBrk="0" hangingPunct="1">
+              <a:lnSpc>
+                <a:spcPct val="90000"/>
+              </a:lnSpc>
+              <a:spcBef>
+                <a:spcPts val="500"/>
+              </a:spcBef>
+              <a:buFont typeface="Arial" panose="020B0604020202020204" pitchFamily="34" charset="0"/>
+              <a:buChar char="•"/>
+              <a:defRPr sz="1800" kern="1200">
+                <a:solidFill>
+                  <a:schemeClr val="tx1"/>
+                </a:solidFill>
+                <a:latin typeface="+mn-lt"/>
+                <a:ea typeface="+mn-ea"/>
+                <a:cs typeface="+mn-cs"/>
+              </a:defRPr>
+            </a:lvl6pPr>
+            <a:lvl7pPr marL="2971800" indent="-228600" algn="l" defTabSz="914400" rtl="0" eaLnBrk="1" latinLnBrk="0" hangingPunct="1">
+              <a:lnSpc>
+                <a:spcPct val="90000"/>
+              </a:lnSpc>
+              <a:spcBef>
+                <a:spcPts val="500"/>
+              </a:spcBef>
+              <a:buFont typeface="Arial" panose="020B0604020202020204" pitchFamily="34" charset="0"/>
+              <a:buChar char="•"/>
+              <a:defRPr sz="1800" kern="1200">
+                <a:solidFill>
+                  <a:schemeClr val="tx1"/>
+                </a:solidFill>
+                <a:latin typeface="+mn-lt"/>
+                <a:ea typeface="+mn-ea"/>
+                <a:cs typeface="+mn-cs"/>
+              </a:defRPr>
+            </a:lvl7pPr>
+            <a:lvl8pPr marL="3429000" indent="-228600" algn="l" defTabSz="914400" rtl="0" eaLnBrk="1" latinLnBrk="0" hangingPunct="1">
+              <a:lnSpc>
+                <a:spcPct val="90000"/>
+              </a:lnSpc>
+              <a:spcBef>
+                <a:spcPts val="500"/>
+              </a:spcBef>
+              <a:buFont typeface="Arial" panose="020B0604020202020204" pitchFamily="34" charset="0"/>
+              <a:buChar char="•"/>
+              <a:defRPr sz="1800" kern="1200">
+                <a:solidFill>
+                  <a:schemeClr val="tx1"/>
+                </a:solidFill>
+                <a:latin typeface="+mn-lt"/>
+                <a:ea typeface="+mn-ea"/>
+                <a:cs typeface="+mn-cs"/>
+              </a:defRPr>
+            </a:lvl8pPr>
+            <a:lvl9pPr marL="3886200" indent="-228600" algn="l" defTabSz="914400" rtl="0" eaLnBrk="1" latinLnBrk="0" hangingPunct="1">
+              <a:lnSpc>
+                <a:spcPct val="90000"/>
+              </a:lnSpc>
+              <a:spcBef>
+                <a:spcPts val="500"/>
+              </a:spcBef>
+              <a:buFont typeface="Arial" panose="020B0604020202020204" pitchFamily="34" charset="0"/>
+              <a:buChar char="•"/>
+              <a:defRPr sz="1800" kern="1200">
+                <a:solidFill>
+                  <a:schemeClr val="tx1"/>
+                </a:solidFill>
+                <a:latin typeface="+mn-lt"/>
+                <a:ea typeface="+mn-ea"/>
+                <a:cs typeface="+mn-cs"/>
+              </a:defRPr>
+            </a:lvl9pPr>
+          </a:lstStyle>
+          <a:p>
+            <a:r>
+              <a:rPr lang="en-US" sz="2000" dirty="0"/>
+              <a:t>After testing with the model it was decided a binary choice on target would make it easier for the model.</a:t>
+            </a:r>
+          </a:p>
+          <a:p>
+            <a:r>
+              <a:rPr lang="en-US" sz="2000" dirty="0"/>
+              <a:t>3lbs was close to a median weight for the data and colloquially is a large fish.</a:t>
+            </a:r>
+          </a:p>
+          <a:p>
+            <a:r>
+              <a:rPr lang="en-US" sz="2000" dirty="0"/>
+              <a:t>3lbs was chosen as the separator for the target.         “&gt;= 3lbs” is a </a:t>
+            </a:r>
+            <a:r>
+              <a:rPr lang="en-US" sz="2000" dirty="0" err="1"/>
+              <a:t>Big_Fish</a:t>
+            </a:r>
+            <a:r>
+              <a:rPr lang="en-US" sz="2000" dirty="0"/>
+              <a:t> and “&lt;3lbs” is a </a:t>
+            </a:r>
+            <a:r>
+              <a:rPr lang="en-US" sz="2000" dirty="0" err="1"/>
+              <a:t>Small_Fish</a:t>
+            </a:r>
+            <a:r>
+              <a:rPr lang="en-US" sz="2000" dirty="0"/>
+              <a:t>.</a:t>
+            </a:r>
+          </a:p>
+        </p:txBody>
+      </p:sp>
+      <p:pic>
+        <p:nvPicPr>
+          <p:cNvPr id="9" name="Picture 8">
+            <a:extLst>
+              <a:ext uri="{FF2B5EF4-FFF2-40B4-BE49-F238E27FC236}">
+                <a16:creationId xmlns:a16="http://schemas.microsoft.com/office/drawing/2014/main" id="{BE57A14C-C19C-FFF5-A9A6-147A6A30A377}"/>
+              </a:ext>
+            </a:extLst>
+          </p:cNvPr>
+          <p:cNvPicPr>
+            <a:picLocks noChangeAspect="1"/>
+          </p:cNvPicPr>
+          <p:nvPr/>
+        </p:nvPicPr>
+        <p:blipFill>
+          <a:blip r:embed="rId4"/>
+          <a:stretch>
+            <a:fillRect/>
+          </a:stretch>
+        </p:blipFill>
+        <p:spPr>
+          <a:xfrm>
+            <a:off x="4995135" y="3899646"/>
+            <a:ext cx="2058533" cy="1461253"/>
+          </a:xfrm>
+          <a:prstGeom prst="rect">
+            <a:avLst/>
+          </a:prstGeom>
+        </p:spPr>
+      </p:pic>
+      <p:pic>
+        <p:nvPicPr>
+          <p:cNvPr id="11" name="Picture 10">
+            <a:extLst>
+              <a:ext uri="{FF2B5EF4-FFF2-40B4-BE49-F238E27FC236}">
+                <a16:creationId xmlns:a16="http://schemas.microsoft.com/office/drawing/2014/main" id="{25024129-F82E-D485-83B1-AE2B0F287030}"/>
+              </a:ext>
+            </a:extLst>
+          </p:cNvPr>
+          <p:cNvPicPr>
+            <a:picLocks noChangeAspect="1"/>
+          </p:cNvPicPr>
+          <p:nvPr/>
+        </p:nvPicPr>
+        <p:blipFill>
+          <a:blip r:embed="rId5"/>
+          <a:stretch>
+            <a:fillRect/>
+          </a:stretch>
+        </p:blipFill>
+        <p:spPr>
+          <a:xfrm>
+            <a:off x="7196866" y="3899646"/>
+            <a:ext cx="4722607" cy="2463501"/>
+          </a:xfrm>
+          <a:prstGeom prst="rect">
+            <a:avLst/>
+          </a:prstGeom>
+        </p:spPr>
+      </p:pic>
     </p:spTree>
     <p:extLst>
       <p:ext uri="{BB962C8B-B14F-4D97-AF65-F5344CB8AC3E}">
-        <p14:creationId xmlns:p14="http://schemas.microsoft.com/office/powerpoint/2010/main" val="1056499427"/>
+        <p14:creationId xmlns:p14="http://schemas.microsoft.com/office/powerpoint/2010/main" val="3223435155"/>
       </p:ext>
     </p:extLst>
   </p:cSld>
@@ -3690,6 +4459,7 @@
           <a:bodyPr/>
           <a:lstStyle/>
           <a:p>
+            <a:pPr algn="ctr"/>
             <a:r>
               <a:rPr lang="en-US" dirty="0"/>
               <a:t>Machine Learning Model</a:t>
@@ -3713,15 +4483,87 @@
             <p:ph idx="1"/>
           </p:nvPr>
         </p:nvSpPr>
-        <p:spPr/>
-        <p:txBody>
-          <a:bodyPr/>
-          <a:lstStyle/>
-          <a:p>
-            <a:endParaRPr lang="en-US"/>
-          </a:p>
-        </p:txBody>
-      </p:sp>
+        <p:spPr>
+          <a:xfrm>
+            <a:off x="838200" y="1690688"/>
+            <a:ext cx="10515600" cy="1278423"/>
+          </a:xfrm>
+          <a:solidFill>
+            <a:schemeClr val="tx1">
+              <a:lumMod val="50000"/>
+              <a:lumOff val="50000"/>
+              <a:alpha val="19000"/>
+            </a:schemeClr>
+          </a:solidFill>
+          <a:effectLst>
+            <a:softEdge rad="63500"/>
+          </a:effectLst>
+        </p:spPr>
+        <p:txBody>
+          <a:bodyPr vert="horz" lIns="91440" tIns="45720" rIns="91440" bIns="45720" rtlCol="0">
+            <a:normAutofit/>
+          </a:bodyPr>
+          <a:lstStyle/>
+          <a:p>
+            <a:r>
+              <a:rPr lang="en-US" dirty="0"/>
+              <a:t>After pairing down the subclasses and separating the target to a binary </a:t>
+            </a:r>
+            <a:r>
+              <a:rPr lang="en-US" dirty="0" err="1"/>
+              <a:t>Big_Fish</a:t>
+            </a:r>
+            <a:r>
+              <a:rPr lang="en-US" dirty="0"/>
+              <a:t> or </a:t>
+            </a:r>
+            <a:r>
+              <a:rPr lang="en-US" dirty="0" err="1"/>
+              <a:t>Small_Fish</a:t>
+            </a:r>
+            <a:r>
+              <a:rPr lang="en-US" dirty="0"/>
+              <a:t>. The machine learning model chosen was a Logistic Regression Model.</a:t>
+            </a:r>
+          </a:p>
+          <a:p>
+            <a:endParaRPr lang="en-US" dirty="0"/>
+          </a:p>
+          <a:p>
+            <a:endParaRPr lang="en-US" dirty="0"/>
+          </a:p>
+        </p:txBody>
+      </p:sp>
+      <p:pic>
+        <p:nvPicPr>
+          <p:cNvPr id="6" name="Picture 5">
+            <a:extLst>
+              <a:ext uri="{FF2B5EF4-FFF2-40B4-BE49-F238E27FC236}">
+                <a16:creationId xmlns:a16="http://schemas.microsoft.com/office/drawing/2014/main" id="{CE7B7167-1727-0802-E30C-3F368BAE0008}"/>
+              </a:ext>
+            </a:extLst>
+          </p:cNvPr>
+          <p:cNvPicPr>
+            <a:picLocks noChangeAspect="1"/>
+          </p:cNvPicPr>
+          <p:nvPr/>
+        </p:nvPicPr>
+        <p:blipFill>
+          <a:blip r:embed="rId2"/>
+          <a:stretch>
+            <a:fillRect/>
+          </a:stretch>
+        </p:blipFill>
+        <p:spPr>
+          <a:xfrm>
+            <a:off x="1178466" y="3299908"/>
+            <a:ext cx="7040376" cy="3273014"/>
+          </a:xfrm>
+          <a:prstGeom prst="rect">
+            <a:avLst/>
+          </a:prstGeom>
+        </p:spPr>
+      </p:pic>
     </p:spTree>
     <p:extLst>
       <p:ext uri="{BB962C8B-B14F-4D97-AF65-F5344CB8AC3E}">
@@ -3735,10 +4577,358 @@
 </p:sld>
 </file>
 
+<file path=ppt/slides/slide6.xml><?xml version="1.0" encoding="utf-8"?>
+<p:sld xmlns:a="http://schemas.openxmlformats.org/drawingml/2006/main" xmlns:r="http://schemas.openxmlformats.org/officeDocument/2006/relationships" xmlns:p="http://schemas.openxmlformats.org/presentationml/2006/main">
+  <p:cSld>
+    <p:spTree>
+      <p:nvGrpSpPr>
+        <p:cNvPr id="1" name=""/>
+        <p:cNvGrpSpPr/>
+        <p:nvPr/>
+      </p:nvGrpSpPr>
+      <p:grpSpPr>
+        <a:xfrm>
+          <a:off x="0" y="0"/>
+          <a:ext cx="0" cy="0"/>
+          <a:chOff x="0" y="0"/>
+          <a:chExt cx="0" cy="0"/>
+        </a:xfrm>
+      </p:grpSpPr>
+      <p:sp>
+        <p:nvSpPr>
+          <p:cNvPr id="2" name="Title 1">
+            <a:extLst>
+              <a:ext uri="{FF2B5EF4-FFF2-40B4-BE49-F238E27FC236}">
+                <a16:creationId xmlns:a16="http://schemas.microsoft.com/office/drawing/2014/main" id="{257F8E74-A1EC-3726-DB99-4D31BF3CBA8E}"/>
+              </a:ext>
+            </a:extLst>
+          </p:cNvPr>
+          <p:cNvSpPr>
+            <a:spLocks noGrp="1"/>
+          </p:cNvSpPr>
+          <p:nvPr>
+            <p:ph type="title"/>
+          </p:nvPr>
+        </p:nvSpPr>
+        <p:spPr/>
+        <p:txBody>
+          <a:bodyPr/>
+          <a:lstStyle/>
+          <a:p>
+            <a:r>
+              <a:rPr lang="en-US" dirty="0"/>
+              <a:t>Dashboard</a:t>
+            </a:r>
+          </a:p>
+        </p:txBody>
+      </p:sp>
+      <p:sp>
+        <p:nvSpPr>
+          <p:cNvPr id="3" name="Content Placeholder 2">
+            <a:extLst>
+              <a:ext uri="{FF2B5EF4-FFF2-40B4-BE49-F238E27FC236}">
+                <a16:creationId xmlns:a16="http://schemas.microsoft.com/office/drawing/2014/main" id="{AB48E276-44E4-E524-F132-1704323A06EB}"/>
+              </a:ext>
+            </a:extLst>
+          </p:cNvPr>
+          <p:cNvSpPr>
+            <a:spLocks noGrp="1"/>
+          </p:cNvSpPr>
+          <p:nvPr>
+            <p:ph idx="1"/>
+          </p:nvPr>
+        </p:nvSpPr>
+        <p:spPr>
+          <a:xfrm>
+            <a:off x="838200" y="1825625"/>
+            <a:ext cx="10515600" cy="1325563"/>
+          </a:xfrm>
+          <a:solidFill>
+            <a:schemeClr val="tx1">
+              <a:lumMod val="50000"/>
+              <a:lumOff val="50000"/>
+              <a:alpha val="19000"/>
+            </a:schemeClr>
+          </a:solidFill>
+          <a:effectLst>
+            <a:softEdge rad="63500"/>
+          </a:effectLst>
+        </p:spPr>
+        <p:txBody>
+          <a:bodyPr vert="horz" lIns="91440" tIns="45720" rIns="91440" bIns="45720" rtlCol="0">
+            <a:normAutofit/>
+          </a:bodyPr>
+          <a:lstStyle/>
+          <a:p>
+            <a:r>
+              <a:rPr lang="en-US" dirty="0"/>
+              <a:t>Interactive Dashboard on Tableau Public that breakdown the data.</a:t>
+            </a:r>
+          </a:p>
+          <a:p>
+            <a:r>
+              <a:rPr lang="en-US" dirty="0">
+                <a:hlinkClick r:id="rId2"/>
+              </a:rPr>
+              <a:t>Link to Workbook</a:t>
+            </a:r>
+            <a:endParaRPr lang="en-US" dirty="0"/>
+          </a:p>
+        </p:txBody>
+      </p:sp>
+      <p:pic>
+        <p:nvPicPr>
+          <p:cNvPr id="5" name="Picture 4">
+            <a:extLst>
+              <a:ext uri="{FF2B5EF4-FFF2-40B4-BE49-F238E27FC236}">
+                <a16:creationId xmlns:a16="http://schemas.microsoft.com/office/drawing/2014/main" id="{3C160A95-7594-F91B-05BD-D721B3CB564C}"/>
+              </a:ext>
+            </a:extLst>
+          </p:cNvPr>
+          <p:cNvPicPr>
+            <a:picLocks noChangeAspect="1"/>
+          </p:cNvPicPr>
+          <p:nvPr/>
+        </p:nvPicPr>
+        <p:blipFill>
+          <a:blip r:embed="rId3"/>
+          <a:stretch>
+            <a:fillRect/>
+          </a:stretch>
+        </p:blipFill>
+        <p:spPr>
+          <a:xfrm>
+            <a:off x="4216998" y="2488406"/>
+            <a:ext cx="7136802" cy="3884958"/>
+          </a:xfrm>
+          <a:prstGeom prst="rect">
+            <a:avLst/>
+          </a:prstGeom>
+        </p:spPr>
+      </p:pic>
+    </p:spTree>
+    <p:extLst>
+      <p:ext uri="{BB962C8B-B14F-4D97-AF65-F5344CB8AC3E}">
+        <p14:creationId xmlns:p14="http://schemas.microsoft.com/office/powerpoint/2010/main" val="2980092636"/>
+      </p:ext>
+    </p:extLst>
+  </p:cSld>
+  <p:clrMapOvr>
+    <a:masterClrMapping/>
+  </p:clrMapOvr>
+</p:sld>
+</file>
+
+<file path=ppt/slides/slide7.xml><?xml version="1.0" encoding="utf-8"?>
+<p:sld xmlns:a="http://schemas.openxmlformats.org/drawingml/2006/main" xmlns:r="http://schemas.openxmlformats.org/officeDocument/2006/relationships" xmlns:p="http://schemas.openxmlformats.org/presentationml/2006/main">
+  <p:cSld>
+    <p:spTree>
+      <p:nvGrpSpPr>
+        <p:cNvPr id="1" name=""/>
+        <p:cNvGrpSpPr/>
+        <p:nvPr/>
+      </p:nvGrpSpPr>
+      <p:grpSpPr>
+        <a:xfrm>
+          <a:off x="0" y="0"/>
+          <a:ext cx="0" cy="0"/>
+          <a:chOff x="0" y="0"/>
+          <a:chExt cx="0" cy="0"/>
+        </a:xfrm>
+      </p:grpSpPr>
+      <p:sp>
+        <p:nvSpPr>
+          <p:cNvPr id="2" name="Title 1">
+            <a:extLst>
+              <a:ext uri="{FF2B5EF4-FFF2-40B4-BE49-F238E27FC236}">
+                <a16:creationId xmlns:a16="http://schemas.microsoft.com/office/drawing/2014/main" id="{787492B8-3650-942F-709D-C606D2FDE627}"/>
+              </a:ext>
+            </a:extLst>
+          </p:cNvPr>
+          <p:cNvSpPr>
+            <a:spLocks noGrp="1"/>
+          </p:cNvSpPr>
+          <p:nvPr>
+            <p:ph type="title"/>
+          </p:nvPr>
+        </p:nvSpPr>
+        <p:spPr/>
+        <p:txBody>
+          <a:bodyPr/>
+          <a:lstStyle/>
+          <a:p>
+            <a:r>
+              <a:rPr lang="en-US" dirty="0"/>
+              <a:t>Results</a:t>
+            </a:r>
+          </a:p>
+        </p:txBody>
+      </p:sp>
+      <p:sp>
+        <p:nvSpPr>
+          <p:cNvPr id="3" name="Content Placeholder 2">
+            <a:extLst>
+              <a:ext uri="{FF2B5EF4-FFF2-40B4-BE49-F238E27FC236}">
+                <a16:creationId xmlns:a16="http://schemas.microsoft.com/office/drawing/2014/main" id="{B0294F44-D02D-FD07-B2E7-05BC76F2C518}"/>
+              </a:ext>
+            </a:extLst>
+          </p:cNvPr>
+          <p:cNvSpPr>
+            <a:spLocks noGrp="1"/>
+          </p:cNvSpPr>
+          <p:nvPr>
+            <p:ph idx="1"/>
+          </p:nvPr>
+        </p:nvSpPr>
+        <p:spPr/>
+        <p:txBody>
+          <a:bodyPr/>
+          <a:lstStyle/>
+          <a:p>
+            <a:endParaRPr lang="en-US"/>
+          </a:p>
+        </p:txBody>
+      </p:sp>
+    </p:spTree>
+    <p:extLst>
+      <p:ext uri="{BB962C8B-B14F-4D97-AF65-F5344CB8AC3E}">
+        <p14:creationId xmlns:p14="http://schemas.microsoft.com/office/powerpoint/2010/main" val="3531217233"/>
+      </p:ext>
+    </p:extLst>
+  </p:cSld>
+  <p:clrMapOvr>
+    <a:masterClrMapping/>
+  </p:clrMapOvr>
+</p:sld>
+</file>
+
+<file path=ppt/slides/slide8.xml><?xml version="1.0" encoding="utf-8"?>
+<p:sld xmlns:a="http://schemas.openxmlformats.org/drawingml/2006/main" xmlns:r="http://schemas.openxmlformats.org/officeDocument/2006/relationships" xmlns:p="http://schemas.openxmlformats.org/presentationml/2006/main">
+  <p:cSld>
+    <p:spTree>
+      <p:nvGrpSpPr>
+        <p:cNvPr id="1" name=""/>
+        <p:cNvGrpSpPr/>
+        <p:nvPr/>
+      </p:nvGrpSpPr>
+      <p:grpSpPr>
+        <a:xfrm>
+          <a:off x="0" y="0"/>
+          <a:ext cx="0" cy="0"/>
+          <a:chOff x="0" y="0"/>
+          <a:chExt cx="0" cy="0"/>
+        </a:xfrm>
+      </p:grpSpPr>
+      <p:pic>
+        <p:nvPicPr>
+          <p:cNvPr id="4" name="Content Placeholder 4">
+            <a:extLst>
+              <a:ext uri="{FF2B5EF4-FFF2-40B4-BE49-F238E27FC236}">
+                <a16:creationId xmlns:a16="http://schemas.microsoft.com/office/drawing/2014/main" id="{6D68B1C1-1C7A-1471-EE84-8A37060EEA78}"/>
+              </a:ext>
+            </a:extLst>
+          </p:cNvPr>
+          <p:cNvPicPr>
+            <a:picLocks noChangeAspect="1"/>
+          </p:cNvPicPr>
+          <p:nvPr/>
+        </p:nvPicPr>
+        <p:blipFill>
+          <a:blip r:embed="rId2">
+            <a:extLst>
+              <a:ext uri="{28A0092B-C50C-407E-A947-70E740481C1C}">
+                <a14:useLocalDpi xmlns:a14="http://schemas.microsoft.com/office/drawing/2010/main" val="0"/>
+              </a:ext>
+            </a:extLst>
+          </a:blip>
+          <a:stretch>
+            <a:fillRect/>
+          </a:stretch>
+        </p:blipFill>
+        <p:spPr>
+          <a:xfrm>
+            <a:off x="3384176" y="845729"/>
+            <a:ext cx="5423647" cy="5381696"/>
+          </a:xfrm>
+          <a:prstGeom prst="rect">
+            <a:avLst/>
+          </a:prstGeom>
+        </p:spPr>
+      </p:pic>
+      <p:sp>
+        <p:nvSpPr>
+          <p:cNvPr id="5" name="Content Placeholder 2">
+            <a:extLst>
+              <a:ext uri="{FF2B5EF4-FFF2-40B4-BE49-F238E27FC236}">
+                <a16:creationId xmlns:a16="http://schemas.microsoft.com/office/drawing/2014/main" id="{9E6FC079-BA8D-8CB2-1177-FAD6668BCD2D}"/>
+              </a:ext>
+            </a:extLst>
+          </p:cNvPr>
+          <p:cNvSpPr>
+            <a:spLocks noGrp="1"/>
+          </p:cNvSpPr>
+          <p:nvPr>
+            <p:ph idx="1"/>
+          </p:nvPr>
+        </p:nvSpPr>
+        <p:spPr>
+          <a:xfrm>
+            <a:off x="3384176" y="83673"/>
+            <a:ext cx="5423646" cy="654479"/>
+          </a:xfrm>
+          <a:solidFill>
+            <a:schemeClr val="tx1">
+              <a:lumMod val="50000"/>
+              <a:lumOff val="50000"/>
+              <a:alpha val="19000"/>
+            </a:schemeClr>
+          </a:solidFill>
+          <a:effectLst>
+            <a:softEdge rad="63500"/>
+          </a:effectLst>
+        </p:spPr>
+        <p:txBody>
+          <a:bodyPr vert="horz" lIns="91440" tIns="45720" rIns="91440" bIns="45720" rtlCol="0">
+            <a:noAutofit/>
+          </a:bodyPr>
+          <a:lstStyle/>
+          <a:p>
+            <a:pPr marL="0" indent="0" algn="ctr">
+              <a:buNone/>
+            </a:pPr>
+            <a:r>
+              <a:rPr lang="en-US" sz="3600" dirty="0"/>
+              <a:t>Lets go </a:t>
+            </a:r>
+            <a:r>
+              <a:rPr lang="en-US" sz="3600" dirty="0" err="1"/>
+              <a:t>Fishin</a:t>
+            </a:r>
+            <a:endParaRPr lang="en-US" sz="3600" dirty="0"/>
+          </a:p>
+          <a:p>
+            <a:pPr algn="ctr"/>
+            <a:endParaRPr lang="en-US" sz="3600" dirty="0"/>
+          </a:p>
+        </p:txBody>
+      </p:sp>
+    </p:spTree>
+    <p:extLst>
+      <p:ext uri="{BB962C8B-B14F-4D97-AF65-F5344CB8AC3E}">
+        <p14:creationId xmlns:p14="http://schemas.microsoft.com/office/powerpoint/2010/main" val="156011991"/>
+      </p:ext>
+    </p:extLst>
+  </p:cSld>
+  <p:clrMapOvr>
+    <a:masterClrMapping/>
+  </p:clrMapOvr>
+</p:sld>
+</file>
+
 <file path=ppt/theme/theme1.xml><?xml version="1.0" encoding="utf-8"?>
 <a:theme xmlns:a="http://schemas.openxmlformats.org/drawingml/2006/main" name="Office Theme">
   <a:themeElements>
-    <a:clrScheme name="Office">
+    <a:clrScheme name="Office Theme">
       <a:dk1>
         <a:sysClr val="windowText" lastClr="000000"/>
       </a:dk1>
@@ -3752,22 +4942,22 @@
         <a:srgbClr val="E7E6E6"/>
       </a:lt2>
       <a:accent1>
-        <a:srgbClr val="4472C4"/>
+        <a:srgbClr val="29AF8C"/>
       </a:accent1>
       <a:accent2>
-        <a:srgbClr val="ED7D31"/>
+        <a:srgbClr val="97BE49"/>
       </a:accent2>
       <a:accent3>
-        <a:srgbClr val="A5A5A5"/>
+        <a:srgbClr val="3D9CCC"/>
       </a:accent3>
       <a:accent4>
-        <a:srgbClr val="FFC000"/>
+        <a:srgbClr val="7C60C6"/>
       </a:accent4>
       <a:accent5>
-        <a:srgbClr val="5B9BD5"/>
+        <a:srgbClr val="C9492C"/>
       </a:accent5>
       <a:accent6>
-        <a:srgbClr val="70AD47"/>
+        <a:srgbClr val="D58C2E"/>
       </a:accent6>
       <a:hlink>
         <a:srgbClr val="0563C1"/>
@@ -3776,7 +4966,7 @@
         <a:srgbClr val="954F72"/>
       </a:folHlink>
     </a:clrScheme>
-    <a:fontScheme name="Office">
+    <a:fontScheme name="Office Theme">
       <a:majorFont>
         <a:latin typeface="Calibri Light" panose="020F0302020204030204"/>
         <a:ea typeface=""/>
@@ -3811,23 +5001,6 @@
         <a:font script="Viet" typeface="Times New Roman"/>
         <a:font script="Uigh" typeface="Microsoft Uighur"/>
         <a:font script="Geor" typeface="Sylfaen"/>
-        <a:font script="Armn" typeface="Arial"/>
-        <a:font script="Bugi" typeface="Leelawadee UI"/>
-        <a:font script="Bopo" typeface="Microsoft JhengHei"/>
-        <a:font script="Java" typeface="Javanese Text"/>
-        <a:font script="Lisu" typeface="Segoe UI"/>
-        <a:font script="Mymr" typeface="Myanmar Text"/>
-        <a:font script="Nkoo" typeface="Ebrima"/>
-        <a:font script="Olck" typeface="Nirmala UI"/>
-        <a:font script="Osma" typeface="Ebrima"/>
-        <a:font script="Phag" typeface="Phagspa"/>
-        <a:font script="Syrn" typeface="Estrangelo Edessa"/>
-        <a:font script="Syrj" typeface="Estrangelo Edessa"/>
-        <a:font script="Syre" typeface="Estrangelo Edessa"/>
-        <a:font script="Sora" typeface="Nirmala UI"/>
-        <a:font script="Tale" typeface="Microsoft Tai Le"/>
-        <a:font script="Talu" typeface="Microsoft New Tai Lue"/>
-        <a:font script="Tfng" typeface="Ebrima"/>
       </a:majorFont>
       <a:minorFont>
         <a:latin typeface="Calibri" panose="020F0502020204030204"/>
@@ -3863,26 +5036,9 @@
         <a:font script="Viet" typeface="Arial"/>
         <a:font script="Uigh" typeface="Microsoft Uighur"/>
         <a:font script="Geor" typeface="Sylfaen"/>
-        <a:font script="Armn" typeface="Arial"/>
-        <a:font script="Bugi" typeface="Leelawadee UI"/>
-        <a:font script="Bopo" typeface="Microsoft JhengHei"/>
-        <a:font script="Java" typeface="Javanese Text"/>
-        <a:font script="Lisu" typeface="Segoe UI"/>
-        <a:font script="Mymr" typeface="Myanmar Text"/>
-        <a:font script="Nkoo" typeface="Ebrima"/>
-        <a:font script="Olck" typeface="Nirmala UI"/>
-        <a:font script="Osma" typeface="Ebrima"/>
-        <a:font script="Phag" typeface="Phagspa"/>
-        <a:font script="Syrn" typeface="Estrangelo Edessa"/>
-        <a:font script="Syrj" typeface="Estrangelo Edessa"/>
-        <a:font script="Syre" typeface="Estrangelo Edessa"/>
-        <a:font script="Sora" typeface="Nirmala UI"/>
-        <a:font script="Tale" typeface="Microsoft Tai Le"/>
-        <a:font script="Talu" typeface="Microsoft New Tai Lue"/>
-        <a:font script="Tfng" typeface="Ebrima"/>
       </a:minorFont>
     </a:fontScheme>
-    <a:fmtScheme name="Office">
+    <a:fmtScheme name="Office Theme">
       <a:fillStyleLst>
         <a:solidFill>
           <a:schemeClr val="phClr"/>
@@ -4024,7 +5180,7 @@
   <a:extraClrSchemeLst/>
   <a:extLst>
     <a:ext uri="{05A4C25C-085E-4340-85A3-A5531E510DB2}">
-      <thm15:themeFamily xmlns:thm15="http://schemas.microsoft.com/office/thememl/2012/main" name="Office Theme" id="{62F939B6-93AF-4DB8-9C6B-D6C7DFDC589F}" vid="{4A3C46E8-61CC-4603-A589-7422A47A8E4A}"/>
+      <thm15:themeFamily xmlns:thm15="http://schemas.microsoft.com/office/thememl/2012/main" name="Office Theme" id="{62F939B6-93AF-4DB8-9C6B-D6C7DFDC589F}" vid="{3E4F19A7-A959-40BB-972C-4880BAF8EB09}"/>
     </a:ext>
   </a:extLst>
 </a:theme>

--- a/Presentation.pptx
+++ b/Presentation.pptx
@@ -6,13 +6,15 @@
   </p:sldMasterIdLst>
   <p:sldIdLst>
     <p:sldId id="257" r:id="rId2"/>
-    <p:sldId id="258" r:id="rId3"/>
-    <p:sldId id="260" r:id="rId4"/>
-    <p:sldId id="263" r:id="rId5"/>
-    <p:sldId id="261" r:id="rId6"/>
-    <p:sldId id="259" r:id="rId7"/>
-    <p:sldId id="264" r:id="rId8"/>
-    <p:sldId id="262" r:id="rId9"/>
+    <p:sldId id="265" r:id="rId3"/>
+    <p:sldId id="258" r:id="rId4"/>
+    <p:sldId id="260" r:id="rId5"/>
+    <p:sldId id="263" r:id="rId6"/>
+    <p:sldId id="261" r:id="rId7"/>
+    <p:sldId id="259" r:id="rId8"/>
+    <p:sldId id="264" r:id="rId9"/>
+    <p:sldId id="266" r:id="rId10"/>
+    <p:sldId id="262" r:id="rId11"/>
   </p:sldIdLst>
   <p:sldSz cx="12192000" cy="6858000"/>
   <p:notesSz cx="6858000" cy="9144000"/>
@@ -250,7 +252,7 @@
           <a:p>
             <a:fld id="{EC854D12-3D0B-4CE7-91F6-BF32D5915F6C}" type="datetimeFigureOut">
               <a:rPr lang="en-US" smtClean="0"/>
-              <a:t>11/3/2022</a:t>
+              <a:t>11/10/2022</a:t>
             </a:fld>
             <a:endParaRPr lang="en-US"/>
           </a:p>
@@ -420,7 +422,7 @@
           <a:p>
             <a:fld id="{EC854D12-3D0B-4CE7-91F6-BF32D5915F6C}" type="datetimeFigureOut">
               <a:rPr lang="en-US" smtClean="0"/>
-              <a:t>11/3/2022</a:t>
+              <a:t>11/10/2022</a:t>
             </a:fld>
             <a:endParaRPr lang="en-US"/>
           </a:p>
@@ -600,7 +602,7 @@
           <a:p>
             <a:fld id="{EC854D12-3D0B-4CE7-91F6-BF32D5915F6C}" type="datetimeFigureOut">
               <a:rPr lang="en-US" smtClean="0"/>
-              <a:t>11/3/2022</a:t>
+              <a:t>11/10/2022</a:t>
             </a:fld>
             <a:endParaRPr lang="en-US"/>
           </a:p>
@@ -770,7 +772,7 @@
           <a:p>
             <a:fld id="{EC854D12-3D0B-4CE7-91F6-BF32D5915F6C}" type="datetimeFigureOut">
               <a:rPr lang="en-US" smtClean="0"/>
-              <a:t>11/3/2022</a:t>
+              <a:t>11/10/2022</a:t>
             </a:fld>
             <a:endParaRPr lang="en-US"/>
           </a:p>
@@ -1016,7 +1018,7 @@
           <a:p>
             <a:fld id="{EC854D12-3D0B-4CE7-91F6-BF32D5915F6C}" type="datetimeFigureOut">
               <a:rPr lang="en-US" smtClean="0"/>
-              <a:t>11/3/2022</a:t>
+              <a:t>11/10/2022</a:t>
             </a:fld>
             <a:endParaRPr lang="en-US"/>
           </a:p>
@@ -1248,7 +1250,7 @@
           <a:p>
             <a:fld id="{EC854D12-3D0B-4CE7-91F6-BF32D5915F6C}" type="datetimeFigureOut">
               <a:rPr lang="en-US" smtClean="0"/>
-              <a:t>11/3/2022</a:t>
+              <a:t>11/10/2022</a:t>
             </a:fld>
             <a:endParaRPr lang="en-US"/>
           </a:p>
@@ -1615,7 +1617,7 @@
           <a:p>
             <a:fld id="{EC854D12-3D0B-4CE7-91F6-BF32D5915F6C}" type="datetimeFigureOut">
               <a:rPr lang="en-US" smtClean="0"/>
-              <a:t>11/3/2022</a:t>
+              <a:t>11/10/2022</a:t>
             </a:fld>
             <a:endParaRPr lang="en-US"/>
           </a:p>
@@ -1733,7 +1735,7 @@
           <a:p>
             <a:fld id="{EC854D12-3D0B-4CE7-91F6-BF32D5915F6C}" type="datetimeFigureOut">
               <a:rPr lang="en-US" smtClean="0"/>
-              <a:t>11/3/2022</a:t>
+              <a:t>11/10/2022</a:t>
             </a:fld>
             <a:endParaRPr lang="en-US"/>
           </a:p>
@@ -1828,7 +1830,7 @@
           <a:p>
             <a:fld id="{EC854D12-3D0B-4CE7-91F6-BF32D5915F6C}" type="datetimeFigureOut">
               <a:rPr lang="en-US" smtClean="0"/>
-              <a:t>11/3/2022</a:t>
+              <a:t>11/10/2022</a:t>
             </a:fld>
             <a:endParaRPr lang="en-US"/>
           </a:p>
@@ -2105,7 +2107,7 @@
           <a:p>
             <a:fld id="{EC854D12-3D0B-4CE7-91F6-BF32D5915F6C}" type="datetimeFigureOut">
               <a:rPr lang="en-US" smtClean="0"/>
-              <a:t>11/3/2022</a:t>
+              <a:t>11/10/2022</a:t>
             </a:fld>
             <a:endParaRPr lang="en-US"/>
           </a:p>
@@ -2362,7 +2364,7 @@
           <a:p>
             <a:fld id="{EC854D12-3D0B-4CE7-91F6-BF32D5915F6C}" type="datetimeFigureOut">
               <a:rPr lang="en-US" smtClean="0"/>
-              <a:t>11/3/2022</a:t>
+              <a:t>11/10/2022</a:t>
             </a:fld>
             <a:endParaRPr lang="en-US"/>
           </a:p>
@@ -2575,7 +2577,7 @@
           <a:p>
             <a:fld id="{EC854D12-3D0B-4CE7-91F6-BF32D5915F6C}" type="datetimeFigureOut">
               <a:rPr lang="en-US" smtClean="0"/>
-              <a:t>11/3/2022</a:t>
+              <a:t>11/10/2022</a:t>
             </a:fld>
             <a:endParaRPr lang="en-US"/>
           </a:p>
@@ -3180,1629 +3182,7 @@
 </p:sld>
 </file>
 
-<file path=ppt/slides/slide2.xml><?xml version="1.0" encoding="utf-8"?>
-<p:sld xmlns:a="http://schemas.openxmlformats.org/drawingml/2006/main" xmlns:r="http://schemas.openxmlformats.org/officeDocument/2006/relationships" xmlns:p="http://schemas.openxmlformats.org/presentationml/2006/main">
-  <p:cSld>
-    <p:spTree>
-      <p:nvGrpSpPr>
-        <p:cNvPr id="1" name=""/>
-        <p:cNvGrpSpPr/>
-        <p:nvPr/>
-      </p:nvGrpSpPr>
-      <p:grpSpPr>
-        <a:xfrm>
-          <a:off x="0" y="0"/>
-          <a:ext cx="0" cy="0"/>
-          <a:chOff x="0" y="0"/>
-          <a:chExt cx="0" cy="0"/>
-        </a:xfrm>
-      </p:grpSpPr>
-      <p:sp>
-        <p:nvSpPr>
-          <p:cNvPr id="2" name="Title 1">
-            <a:extLst>
-              <a:ext uri="{FF2B5EF4-FFF2-40B4-BE49-F238E27FC236}">
-                <a16:creationId xmlns:a16="http://schemas.microsoft.com/office/drawing/2014/main" id="{27F5E1AB-D2BA-0B82-CE90-81200C4E89CE}"/>
-              </a:ext>
-            </a:extLst>
-          </p:cNvPr>
-          <p:cNvSpPr>
-            <a:spLocks noGrp="1"/>
-          </p:cNvSpPr>
-          <p:nvPr>
-            <p:ph type="title"/>
-          </p:nvPr>
-        </p:nvSpPr>
-        <p:spPr>
-          <a:xfrm>
-            <a:off x="838200" y="67833"/>
-            <a:ext cx="10515600" cy="1325563"/>
-          </a:xfrm>
-        </p:spPr>
-        <p:txBody>
-          <a:bodyPr/>
-          <a:lstStyle/>
-          <a:p>
-            <a:pPr algn="ctr"/>
-            <a:r>
-              <a:rPr lang="en-US" dirty="0"/>
-              <a:t>GitHub</a:t>
-            </a:r>
-          </a:p>
-        </p:txBody>
-      </p:sp>
-      <p:sp>
-        <p:nvSpPr>
-          <p:cNvPr id="4" name="Content Placeholder 6">
-            <a:extLst>
-              <a:ext uri="{FF2B5EF4-FFF2-40B4-BE49-F238E27FC236}">
-                <a16:creationId xmlns:a16="http://schemas.microsoft.com/office/drawing/2014/main" id="{22110FBA-3CB9-587C-4EC1-00F0A87B92DD}"/>
-              </a:ext>
-            </a:extLst>
-          </p:cNvPr>
-          <p:cNvSpPr txBox="1">
-            <a:spLocks/>
-          </p:cNvSpPr>
-          <p:nvPr/>
-        </p:nvSpPr>
-        <p:spPr>
-          <a:xfrm>
-            <a:off x="236668" y="969845"/>
-            <a:ext cx="6260951" cy="1930082"/>
-          </a:xfrm>
-          <a:prstGeom prst="rect">
-            <a:avLst/>
-          </a:prstGeom>
-          <a:solidFill>
-            <a:schemeClr val="tx1">
-              <a:lumMod val="50000"/>
-              <a:lumOff val="50000"/>
-              <a:alpha val="19000"/>
-            </a:schemeClr>
-          </a:solidFill>
-          <a:effectLst>
-            <a:softEdge rad="63500"/>
-          </a:effectLst>
-        </p:spPr>
-        <p:txBody>
-          <a:bodyPr vert="horz" lIns="91440" tIns="45720" rIns="91440" bIns="45720" rtlCol="0">
-            <a:normAutofit/>
-          </a:bodyPr>
-          <a:lstStyle>
-            <a:lvl1pPr marL="228600" indent="-228600" algn="l" defTabSz="914400" rtl="0" eaLnBrk="1" latinLnBrk="0" hangingPunct="1">
-              <a:lnSpc>
-                <a:spcPct val="90000"/>
-              </a:lnSpc>
-              <a:spcBef>
-                <a:spcPts val="1000"/>
-              </a:spcBef>
-              <a:buFont typeface="Arial" panose="020B0604020202020204" pitchFamily="34" charset="0"/>
-              <a:buChar char="•"/>
-              <a:defRPr sz="2800" kern="1200">
-                <a:solidFill>
-                  <a:schemeClr val="tx1"/>
-                </a:solidFill>
-                <a:latin typeface="+mn-lt"/>
-                <a:ea typeface="+mn-ea"/>
-                <a:cs typeface="+mn-cs"/>
-              </a:defRPr>
-            </a:lvl1pPr>
-            <a:lvl2pPr marL="685800" indent="-228600" algn="l" defTabSz="914400" rtl="0" eaLnBrk="1" latinLnBrk="0" hangingPunct="1">
-              <a:lnSpc>
-                <a:spcPct val="90000"/>
-              </a:lnSpc>
-              <a:spcBef>
-                <a:spcPts val="500"/>
-              </a:spcBef>
-              <a:buFont typeface="Arial" panose="020B0604020202020204" pitchFamily="34" charset="0"/>
-              <a:buChar char="•"/>
-              <a:defRPr sz="2400" kern="1200">
-                <a:solidFill>
-                  <a:schemeClr val="tx1"/>
-                </a:solidFill>
-                <a:latin typeface="+mn-lt"/>
-                <a:ea typeface="+mn-ea"/>
-                <a:cs typeface="+mn-cs"/>
-              </a:defRPr>
-            </a:lvl2pPr>
-            <a:lvl3pPr marL="1143000" indent="-228600" algn="l" defTabSz="914400" rtl="0" eaLnBrk="1" latinLnBrk="0" hangingPunct="1">
-              <a:lnSpc>
-                <a:spcPct val="90000"/>
-              </a:lnSpc>
-              <a:spcBef>
-                <a:spcPts val="500"/>
-              </a:spcBef>
-              <a:buFont typeface="Arial" panose="020B0604020202020204" pitchFamily="34" charset="0"/>
-              <a:buChar char="•"/>
-              <a:defRPr sz="2000" kern="1200">
-                <a:solidFill>
-                  <a:schemeClr val="tx1"/>
-                </a:solidFill>
-                <a:latin typeface="+mn-lt"/>
-                <a:ea typeface="+mn-ea"/>
-                <a:cs typeface="+mn-cs"/>
-              </a:defRPr>
-            </a:lvl3pPr>
-            <a:lvl4pPr marL="1600200" indent="-228600" algn="l" defTabSz="914400" rtl="0" eaLnBrk="1" latinLnBrk="0" hangingPunct="1">
-              <a:lnSpc>
-                <a:spcPct val="90000"/>
-              </a:lnSpc>
-              <a:spcBef>
-                <a:spcPts val="500"/>
-              </a:spcBef>
-              <a:buFont typeface="Arial" panose="020B0604020202020204" pitchFamily="34" charset="0"/>
-              <a:buChar char="•"/>
-              <a:defRPr sz="1800" kern="1200">
-                <a:solidFill>
-                  <a:schemeClr val="tx1"/>
-                </a:solidFill>
-                <a:latin typeface="+mn-lt"/>
-                <a:ea typeface="+mn-ea"/>
-                <a:cs typeface="+mn-cs"/>
-              </a:defRPr>
-            </a:lvl4pPr>
-            <a:lvl5pPr marL="2057400" indent="-228600" algn="l" defTabSz="914400" rtl="0" eaLnBrk="1" latinLnBrk="0" hangingPunct="1">
-              <a:lnSpc>
-                <a:spcPct val="90000"/>
-              </a:lnSpc>
-              <a:spcBef>
-                <a:spcPts val="500"/>
-              </a:spcBef>
-              <a:buFont typeface="Arial" panose="020B0604020202020204" pitchFamily="34" charset="0"/>
-              <a:buChar char="•"/>
-              <a:defRPr sz="1800" kern="1200">
-                <a:solidFill>
-                  <a:schemeClr val="tx1"/>
-                </a:solidFill>
-                <a:latin typeface="+mn-lt"/>
-                <a:ea typeface="+mn-ea"/>
-                <a:cs typeface="+mn-cs"/>
-              </a:defRPr>
-            </a:lvl5pPr>
-            <a:lvl6pPr marL="2514600" indent="-228600" algn="l" defTabSz="914400" rtl="0" eaLnBrk="1" latinLnBrk="0" hangingPunct="1">
-              <a:lnSpc>
-                <a:spcPct val="90000"/>
-              </a:lnSpc>
-              <a:spcBef>
-                <a:spcPts val="500"/>
-              </a:spcBef>
-              <a:buFont typeface="Arial" panose="020B0604020202020204" pitchFamily="34" charset="0"/>
-              <a:buChar char="•"/>
-              <a:defRPr sz="1800" kern="1200">
-                <a:solidFill>
-                  <a:schemeClr val="tx1"/>
-                </a:solidFill>
-                <a:latin typeface="+mn-lt"/>
-                <a:ea typeface="+mn-ea"/>
-                <a:cs typeface="+mn-cs"/>
-              </a:defRPr>
-            </a:lvl6pPr>
-            <a:lvl7pPr marL="2971800" indent="-228600" algn="l" defTabSz="914400" rtl="0" eaLnBrk="1" latinLnBrk="0" hangingPunct="1">
-              <a:lnSpc>
-                <a:spcPct val="90000"/>
-              </a:lnSpc>
-              <a:spcBef>
-                <a:spcPts val="500"/>
-              </a:spcBef>
-              <a:buFont typeface="Arial" panose="020B0604020202020204" pitchFamily="34" charset="0"/>
-              <a:buChar char="•"/>
-              <a:defRPr sz="1800" kern="1200">
-                <a:solidFill>
-                  <a:schemeClr val="tx1"/>
-                </a:solidFill>
-                <a:latin typeface="+mn-lt"/>
-                <a:ea typeface="+mn-ea"/>
-                <a:cs typeface="+mn-cs"/>
-              </a:defRPr>
-            </a:lvl7pPr>
-            <a:lvl8pPr marL="3429000" indent="-228600" algn="l" defTabSz="914400" rtl="0" eaLnBrk="1" latinLnBrk="0" hangingPunct="1">
-              <a:lnSpc>
-                <a:spcPct val="90000"/>
-              </a:lnSpc>
-              <a:spcBef>
-                <a:spcPts val="500"/>
-              </a:spcBef>
-              <a:buFont typeface="Arial" panose="020B0604020202020204" pitchFamily="34" charset="0"/>
-              <a:buChar char="•"/>
-              <a:defRPr sz="1800" kern="1200">
-                <a:solidFill>
-                  <a:schemeClr val="tx1"/>
-                </a:solidFill>
-                <a:latin typeface="+mn-lt"/>
-                <a:ea typeface="+mn-ea"/>
-                <a:cs typeface="+mn-cs"/>
-              </a:defRPr>
-            </a:lvl8pPr>
-            <a:lvl9pPr marL="3886200" indent="-228600" algn="l" defTabSz="914400" rtl="0" eaLnBrk="1" latinLnBrk="0" hangingPunct="1">
-              <a:lnSpc>
-                <a:spcPct val="90000"/>
-              </a:lnSpc>
-              <a:spcBef>
-                <a:spcPts val="500"/>
-              </a:spcBef>
-              <a:buFont typeface="Arial" panose="020B0604020202020204" pitchFamily="34" charset="0"/>
-              <a:buChar char="•"/>
-              <a:defRPr sz="1800" kern="1200">
-                <a:solidFill>
-                  <a:schemeClr val="tx1"/>
-                </a:solidFill>
-                <a:latin typeface="+mn-lt"/>
-                <a:ea typeface="+mn-ea"/>
-                <a:cs typeface="+mn-cs"/>
-              </a:defRPr>
-            </a:lvl9pPr>
-          </a:lstStyle>
-          <a:p>
-            <a:r>
-              <a:rPr lang="en-US" dirty="0"/>
-              <a:t>There is a GitHub setup with a full ReadMe file.</a:t>
-            </a:r>
-          </a:p>
-          <a:p>
-            <a:r>
-              <a:rPr lang="en-US" dirty="0"/>
-              <a:t>There are several branches for each individual block of the project.</a:t>
-            </a:r>
-          </a:p>
-          <a:p>
-            <a:pPr marL="0" indent="0">
-              <a:buNone/>
-            </a:pPr>
-            <a:endParaRPr lang="en-US" dirty="0"/>
-          </a:p>
-          <a:p>
-            <a:endParaRPr lang="en-US" dirty="0"/>
-          </a:p>
-          <a:p>
-            <a:endParaRPr lang="en-US" dirty="0"/>
-          </a:p>
-          <a:p>
-            <a:pPr marL="0" indent="0">
-              <a:buFont typeface="Arial" panose="020B0604020202020204" pitchFamily="34" charset="0"/>
-              <a:buNone/>
-            </a:pPr>
-            <a:endParaRPr lang="en-US" dirty="0"/>
-          </a:p>
-        </p:txBody>
-      </p:sp>
-      <p:pic>
-        <p:nvPicPr>
-          <p:cNvPr id="2050" name="Picture 2">
-            <a:extLst>
-              <a:ext uri="{FF2B5EF4-FFF2-40B4-BE49-F238E27FC236}">
-                <a16:creationId xmlns:a16="http://schemas.microsoft.com/office/drawing/2014/main" id="{28DD2E75-5BD3-B82F-F785-B72FA5D16ED0}"/>
-              </a:ext>
-            </a:extLst>
-          </p:cNvPr>
-          <p:cNvPicPr>
-            <a:picLocks noChangeAspect="1" noChangeArrowheads="1"/>
-          </p:cNvPicPr>
-          <p:nvPr/>
-        </p:nvPicPr>
-        <p:blipFill>
-          <a:blip r:embed="rId2">
-            <a:extLst>
-              <a:ext uri="{28A0092B-C50C-407E-A947-70E740481C1C}">
-                <a14:useLocalDpi xmlns:a14="http://schemas.microsoft.com/office/drawing/2010/main" val="0"/>
-              </a:ext>
-            </a:extLst>
-          </a:blip>
-          <a:srcRect/>
-          <a:stretch>
-            <a:fillRect/>
-          </a:stretch>
-        </p:blipFill>
-        <p:spPr bwMode="auto">
-          <a:xfrm>
-            <a:off x="7202356" y="1393396"/>
-            <a:ext cx="4555751" cy="4943145"/>
-          </a:xfrm>
-          <a:prstGeom prst="rect">
-            <a:avLst/>
-          </a:prstGeom>
-          <a:noFill/>
-          <a:extLst>
-            <a:ext uri="{909E8E84-426E-40DD-AFC4-6F175D3DCCD1}">
-              <a14:hiddenFill xmlns:a14="http://schemas.microsoft.com/office/drawing/2010/main">
-                <a:solidFill>
-                  <a:srgbClr val="FFFFFF"/>
-                </a:solidFill>
-              </a14:hiddenFill>
-            </a:ext>
-          </a:extLst>
-        </p:spPr>
-      </p:pic>
-      <p:pic>
-        <p:nvPicPr>
-          <p:cNvPr id="10" name="Picture 9">
-            <a:extLst>
-              <a:ext uri="{FF2B5EF4-FFF2-40B4-BE49-F238E27FC236}">
-                <a16:creationId xmlns:a16="http://schemas.microsoft.com/office/drawing/2014/main" id="{10E258AF-F3F5-B05A-287C-991D276B367D}"/>
-              </a:ext>
-            </a:extLst>
-          </p:cNvPr>
-          <p:cNvPicPr>
-            <a:picLocks noChangeAspect="1"/>
-          </p:cNvPicPr>
-          <p:nvPr/>
-        </p:nvPicPr>
-        <p:blipFill>
-          <a:blip r:embed="rId3"/>
-          <a:stretch>
-            <a:fillRect/>
-          </a:stretch>
-        </p:blipFill>
-        <p:spPr>
-          <a:xfrm>
-            <a:off x="433893" y="3317785"/>
-            <a:ext cx="5888636" cy="3018756"/>
-          </a:xfrm>
-          <a:prstGeom prst="rect">
-            <a:avLst/>
-          </a:prstGeom>
-        </p:spPr>
-      </p:pic>
-    </p:spTree>
-    <p:extLst>
-      <p:ext uri="{BB962C8B-B14F-4D97-AF65-F5344CB8AC3E}">
-        <p14:creationId xmlns:p14="http://schemas.microsoft.com/office/powerpoint/2010/main" val="1750295921"/>
-      </p:ext>
-    </p:extLst>
-  </p:cSld>
-  <p:clrMapOvr>
-    <a:masterClrMapping/>
-  </p:clrMapOvr>
-</p:sld>
-</file>
-
-<file path=ppt/slides/slide3.xml><?xml version="1.0" encoding="utf-8"?>
-<p:sld xmlns:a="http://schemas.openxmlformats.org/drawingml/2006/main" xmlns:r="http://schemas.openxmlformats.org/officeDocument/2006/relationships" xmlns:p="http://schemas.openxmlformats.org/presentationml/2006/main">
-  <p:cSld>
-    <p:spTree>
-      <p:nvGrpSpPr>
-        <p:cNvPr id="1" name=""/>
-        <p:cNvGrpSpPr/>
-        <p:nvPr/>
-      </p:nvGrpSpPr>
-      <p:grpSpPr>
-        <a:xfrm>
-          <a:off x="0" y="0"/>
-          <a:ext cx="0" cy="0"/>
-          <a:chOff x="0" y="0"/>
-          <a:chExt cx="0" cy="0"/>
-        </a:xfrm>
-      </p:grpSpPr>
-      <p:sp>
-        <p:nvSpPr>
-          <p:cNvPr id="2" name="Title 1">
-            <a:extLst>
-              <a:ext uri="{FF2B5EF4-FFF2-40B4-BE49-F238E27FC236}">
-                <a16:creationId xmlns:a16="http://schemas.microsoft.com/office/drawing/2014/main" id="{9913976F-583A-F671-68DC-71FAC469BA39}"/>
-              </a:ext>
-            </a:extLst>
-          </p:cNvPr>
-          <p:cNvSpPr>
-            <a:spLocks noGrp="1"/>
-          </p:cNvSpPr>
-          <p:nvPr>
-            <p:ph type="title"/>
-          </p:nvPr>
-        </p:nvSpPr>
-        <p:spPr>
-          <a:xfrm>
-            <a:off x="268045" y="84930"/>
-            <a:ext cx="10515600" cy="1325563"/>
-          </a:xfrm>
-        </p:spPr>
-        <p:txBody>
-          <a:bodyPr/>
-          <a:lstStyle/>
-          <a:p>
-            <a:r>
-              <a:rPr lang="en-US" dirty="0"/>
-              <a:t>Database</a:t>
-            </a:r>
-          </a:p>
-        </p:txBody>
-      </p:sp>
-      <p:sp>
-        <p:nvSpPr>
-          <p:cNvPr id="3" name="Content Placeholder 2">
-            <a:extLst>
-              <a:ext uri="{FF2B5EF4-FFF2-40B4-BE49-F238E27FC236}">
-                <a16:creationId xmlns:a16="http://schemas.microsoft.com/office/drawing/2014/main" id="{2E4E7C7E-11B9-1701-813A-173DE28B897B}"/>
-              </a:ext>
-            </a:extLst>
-          </p:cNvPr>
-          <p:cNvSpPr>
-            <a:spLocks noGrp="1"/>
-          </p:cNvSpPr>
-          <p:nvPr>
-            <p:ph idx="1"/>
-          </p:nvPr>
-        </p:nvSpPr>
-        <p:spPr>
-          <a:xfrm>
-            <a:off x="268045" y="1253331"/>
-            <a:ext cx="11543851" cy="978935"/>
-          </a:xfrm>
-          <a:solidFill>
-            <a:schemeClr val="tx1">
-              <a:lumMod val="50000"/>
-              <a:lumOff val="50000"/>
-              <a:alpha val="19000"/>
-            </a:schemeClr>
-          </a:solidFill>
-          <a:effectLst>
-            <a:softEdge rad="63500"/>
-          </a:effectLst>
-        </p:spPr>
-        <p:txBody>
-          <a:bodyPr vert="horz" lIns="91440" tIns="45720" rIns="91440" bIns="45720" rtlCol="0">
-            <a:normAutofit/>
-          </a:bodyPr>
-          <a:lstStyle/>
-          <a:p>
-            <a:r>
-              <a:rPr lang="en-US" dirty="0" err="1"/>
-              <a:t>pgAdmin</a:t>
-            </a:r>
-            <a:r>
-              <a:rPr lang="en-US" dirty="0"/>
-              <a:t> 4 is used for a PostgreSQL database and the iterations of data are stored there.</a:t>
-            </a:r>
-          </a:p>
-        </p:txBody>
-      </p:sp>
-      <p:grpSp>
-        <p:nvGrpSpPr>
-          <p:cNvPr id="8" name="Group 7">
-            <a:extLst>
-              <a:ext uri="{FF2B5EF4-FFF2-40B4-BE49-F238E27FC236}">
-                <a16:creationId xmlns:a16="http://schemas.microsoft.com/office/drawing/2014/main" id="{BD97D69F-2460-C6D5-333C-14130CBCB072}"/>
-              </a:ext>
-            </a:extLst>
-          </p:cNvPr>
-          <p:cNvGrpSpPr/>
-          <p:nvPr/>
-        </p:nvGrpSpPr>
-        <p:grpSpPr>
-          <a:xfrm>
-            <a:off x="268045" y="2232266"/>
-            <a:ext cx="2038350" cy="1495425"/>
-            <a:chOff x="5076825" y="2524125"/>
-            <a:chExt cx="2038350" cy="1495425"/>
-          </a:xfrm>
-        </p:grpSpPr>
-        <p:pic>
-          <p:nvPicPr>
-            <p:cNvPr id="5" name="Picture 4">
-              <a:extLst>
-                <a:ext uri="{FF2B5EF4-FFF2-40B4-BE49-F238E27FC236}">
-                  <a16:creationId xmlns:a16="http://schemas.microsoft.com/office/drawing/2014/main" id="{80F027FB-830B-68E1-8959-8CD668758772}"/>
-                </a:ext>
-              </a:extLst>
-            </p:cNvPr>
-            <p:cNvPicPr>
-              <a:picLocks noChangeAspect="1"/>
-            </p:cNvPicPr>
-            <p:nvPr/>
-          </p:nvPicPr>
-          <p:blipFill>
-            <a:blip r:embed="rId2"/>
-            <a:stretch>
-              <a:fillRect/>
-            </a:stretch>
-          </p:blipFill>
-          <p:spPr>
-            <a:xfrm>
-              <a:off x="5076825" y="2838450"/>
-              <a:ext cx="2038350" cy="1181100"/>
-            </a:xfrm>
-            <a:prstGeom prst="rect">
-              <a:avLst/>
-            </a:prstGeom>
-          </p:spPr>
-        </p:pic>
-        <p:pic>
-          <p:nvPicPr>
-            <p:cNvPr id="7" name="Picture 6">
-              <a:extLst>
-                <a:ext uri="{FF2B5EF4-FFF2-40B4-BE49-F238E27FC236}">
-                  <a16:creationId xmlns:a16="http://schemas.microsoft.com/office/drawing/2014/main" id="{17A5559A-5673-7ED0-A831-9D894A44812A}"/>
-                </a:ext>
-              </a:extLst>
-            </p:cNvPr>
-            <p:cNvPicPr>
-              <a:picLocks noChangeAspect="1"/>
-            </p:cNvPicPr>
-            <p:nvPr/>
-          </p:nvPicPr>
-          <p:blipFill>
-            <a:blip r:embed="rId3"/>
-            <a:stretch>
-              <a:fillRect/>
-            </a:stretch>
-          </p:blipFill>
-          <p:spPr>
-            <a:xfrm>
-              <a:off x="5076825" y="2524125"/>
-              <a:ext cx="1819275" cy="314325"/>
-            </a:xfrm>
-            <a:prstGeom prst="rect">
-              <a:avLst/>
-            </a:prstGeom>
-          </p:spPr>
-        </p:pic>
-      </p:grpSp>
-      <p:pic>
-        <p:nvPicPr>
-          <p:cNvPr id="10" name="Picture 9">
-            <a:extLst>
-              <a:ext uri="{FF2B5EF4-FFF2-40B4-BE49-F238E27FC236}">
-                <a16:creationId xmlns:a16="http://schemas.microsoft.com/office/drawing/2014/main" id="{FFEA1E5A-E873-00AA-73F1-89A8F40C41D5}"/>
-              </a:ext>
-            </a:extLst>
-          </p:cNvPr>
-          <p:cNvPicPr>
-            <a:picLocks noChangeAspect="1"/>
-          </p:cNvPicPr>
-          <p:nvPr/>
-        </p:nvPicPr>
-        <p:blipFill>
-          <a:blip r:embed="rId4"/>
-          <a:stretch>
-            <a:fillRect/>
-          </a:stretch>
-        </p:blipFill>
-        <p:spPr>
-          <a:xfrm>
-            <a:off x="268045" y="3859596"/>
-            <a:ext cx="7863840" cy="2434625"/>
-          </a:xfrm>
-          <a:prstGeom prst="rect">
-            <a:avLst/>
-          </a:prstGeom>
-        </p:spPr>
-      </p:pic>
-    </p:spTree>
-    <p:extLst>
-      <p:ext uri="{BB962C8B-B14F-4D97-AF65-F5344CB8AC3E}">
-        <p14:creationId xmlns:p14="http://schemas.microsoft.com/office/powerpoint/2010/main" val="1056499427"/>
-      </p:ext>
-    </p:extLst>
-  </p:cSld>
-  <p:clrMapOvr>
-    <a:masterClrMapping/>
-  </p:clrMapOvr>
-</p:sld>
-</file>
-
-<file path=ppt/slides/slide4.xml><?xml version="1.0" encoding="utf-8"?>
-<p:sld xmlns:a="http://schemas.openxmlformats.org/drawingml/2006/main" xmlns:r="http://schemas.openxmlformats.org/officeDocument/2006/relationships" xmlns:p="http://schemas.openxmlformats.org/presentationml/2006/main">
-  <p:cSld>
-    <p:spTree>
-      <p:nvGrpSpPr>
-        <p:cNvPr id="1" name=""/>
-        <p:cNvGrpSpPr/>
-        <p:nvPr/>
-      </p:nvGrpSpPr>
-      <p:grpSpPr>
-        <a:xfrm>
-          <a:off x="0" y="0"/>
-          <a:ext cx="0" cy="0"/>
-          <a:chOff x="0" y="0"/>
-          <a:chExt cx="0" cy="0"/>
-        </a:xfrm>
-      </p:grpSpPr>
-      <p:sp>
-        <p:nvSpPr>
-          <p:cNvPr id="2" name="Title 1">
-            <a:extLst>
-              <a:ext uri="{FF2B5EF4-FFF2-40B4-BE49-F238E27FC236}">
-                <a16:creationId xmlns:a16="http://schemas.microsoft.com/office/drawing/2014/main" id="{DB6C50B3-1F6A-FCFE-3C3C-CEE732AB82DA}"/>
-              </a:ext>
-            </a:extLst>
-          </p:cNvPr>
-          <p:cNvSpPr>
-            <a:spLocks noGrp="1"/>
-          </p:cNvSpPr>
-          <p:nvPr>
-            <p:ph type="title"/>
-          </p:nvPr>
-        </p:nvSpPr>
-        <p:spPr/>
-        <p:txBody>
-          <a:bodyPr/>
-          <a:lstStyle/>
-          <a:p>
-            <a:pPr algn="ctr"/>
-            <a:r>
-              <a:rPr lang="en-US" dirty="0"/>
-              <a:t>Data Exploration and Cleaning</a:t>
-            </a:r>
-          </a:p>
-        </p:txBody>
-      </p:sp>
-      <p:sp>
-        <p:nvSpPr>
-          <p:cNvPr id="3" name="Content Placeholder 2">
-            <a:extLst>
-              <a:ext uri="{FF2B5EF4-FFF2-40B4-BE49-F238E27FC236}">
-                <a16:creationId xmlns:a16="http://schemas.microsoft.com/office/drawing/2014/main" id="{FF296A18-CCEE-7FF5-A183-126A61B9AAE7}"/>
-              </a:ext>
-            </a:extLst>
-          </p:cNvPr>
-          <p:cNvSpPr>
-            <a:spLocks noGrp="1"/>
-          </p:cNvSpPr>
-          <p:nvPr>
-            <p:ph idx="1"/>
-          </p:nvPr>
-        </p:nvSpPr>
-        <p:spPr>
-          <a:xfrm>
-            <a:off x="1" y="1506070"/>
-            <a:ext cx="6095999" cy="2463501"/>
-          </a:xfrm>
-        </p:spPr>
-        <p:txBody>
-          <a:bodyPr>
-            <a:normAutofit fontScale="70000" lnSpcReduction="20000"/>
-          </a:bodyPr>
-          <a:lstStyle/>
-          <a:p>
-            <a:r>
-              <a:rPr lang="en-US" dirty="0"/>
-              <a:t>As expected, the data is very noisy with not much separating the data.</a:t>
-            </a:r>
-          </a:p>
-          <a:p>
-            <a:r>
-              <a:rPr lang="en-US" dirty="0"/>
-              <a:t>See </a:t>
-            </a:r>
-            <a:r>
-              <a:rPr lang="en-US" dirty="0">
-                <a:hlinkClick r:id="rId2"/>
-              </a:rPr>
-              <a:t>Interactive Dashboard</a:t>
-            </a:r>
-            <a:r>
-              <a:rPr lang="en-US" dirty="0"/>
-              <a:t> for examples</a:t>
-            </a:r>
-          </a:p>
-          <a:p>
-            <a:r>
-              <a:rPr lang="en-US" dirty="0"/>
-              <a:t>A few columns were transformed into formats better suited for analysis such as changing weight from a  ‘</a:t>
-            </a:r>
-            <a:r>
-              <a:rPr lang="en-US" dirty="0" err="1"/>
-              <a:t>lbs</a:t>
-            </a:r>
-            <a:r>
-              <a:rPr lang="en-US" dirty="0"/>
-              <a:t>-oz’  string format to a simple decimal format.</a:t>
-            </a:r>
-          </a:p>
-          <a:p>
-            <a:r>
-              <a:rPr lang="en-US" dirty="0"/>
-              <a:t>A few features were bucketed such as time of day to limit the amount of variables for the model. </a:t>
-            </a:r>
-          </a:p>
-        </p:txBody>
-      </p:sp>
-      <p:pic>
-        <p:nvPicPr>
-          <p:cNvPr id="5" name="Picture 4">
-            <a:extLst>
-              <a:ext uri="{FF2B5EF4-FFF2-40B4-BE49-F238E27FC236}">
-                <a16:creationId xmlns:a16="http://schemas.microsoft.com/office/drawing/2014/main" id="{5E1E638E-99E8-56F8-794A-2A156B638B37}"/>
-              </a:ext>
-            </a:extLst>
-          </p:cNvPr>
-          <p:cNvPicPr>
-            <a:picLocks noChangeAspect="1"/>
-          </p:cNvPicPr>
-          <p:nvPr/>
-        </p:nvPicPr>
-        <p:blipFill>
-          <a:blip r:embed="rId3"/>
-          <a:stretch>
-            <a:fillRect/>
-          </a:stretch>
-        </p:blipFill>
-        <p:spPr>
-          <a:xfrm>
-            <a:off x="361939" y="3899646"/>
-            <a:ext cx="4155553" cy="2593229"/>
-          </a:xfrm>
-          <a:prstGeom prst="rect">
-            <a:avLst/>
-          </a:prstGeom>
-        </p:spPr>
-      </p:pic>
-      <p:sp>
-        <p:nvSpPr>
-          <p:cNvPr id="6" name="Content Placeholder 2">
-            <a:extLst>
-              <a:ext uri="{FF2B5EF4-FFF2-40B4-BE49-F238E27FC236}">
-                <a16:creationId xmlns:a16="http://schemas.microsoft.com/office/drawing/2014/main" id="{AB4712E2-4BB1-E1C1-AA04-3DEA2EA2FC90}"/>
-              </a:ext>
-            </a:extLst>
-          </p:cNvPr>
-          <p:cNvSpPr txBox="1">
-            <a:spLocks/>
-          </p:cNvSpPr>
-          <p:nvPr/>
-        </p:nvSpPr>
-        <p:spPr>
-          <a:xfrm>
-            <a:off x="6096000" y="1613646"/>
-            <a:ext cx="6095999" cy="2355926"/>
-          </a:xfrm>
-          <a:prstGeom prst="rect">
-            <a:avLst/>
-          </a:prstGeom>
-        </p:spPr>
-        <p:txBody>
-          <a:bodyPr vert="horz" lIns="91440" tIns="45720" rIns="91440" bIns="45720" rtlCol="0">
-            <a:normAutofit/>
-          </a:bodyPr>
-          <a:lstStyle>
-            <a:lvl1pPr marL="228600" indent="-228600" algn="l" defTabSz="914400" rtl="0" eaLnBrk="1" latinLnBrk="0" hangingPunct="1">
-              <a:lnSpc>
-                <a:spcPct val="90000"/>
-              </a:lnSpc>
-              <a:spcBef>
-                <a:spcPts val="1000"/>
-              </a:spcBef>
-              <a:buFont typeface="Arial" panose="020B0604020202020204" pitchFamily="34" charset="0"/>
-              <a:buChar char="•"/>
-              <a:defRPr sz="2800" kern="1200">
-                <a:solidFill>
-                  <a:schemeClr val="tx1"/>
-                </a:solidFill>
-                <a:latin typeface="+mn-lt"/>
-                <a:ea typeface="+mn-ea"/>
-                <a:cs typeface="+mn-cs"/>
-              </a:defRPr>
-            </a:lvl1pPr>
-            <a:lvl2pPr marL="685800" indent="-228600" algn="l" defTabSz="914400" rtl="0" eaLnBrk="1" latinLnBrk="0" hangingPunct="1">
-              <a:lnSpc>
-                <a:spcPct val="90000"/>
-              </a:lnSpc>
-              <a:spcBef>
-                <a:spcPts val="500"/>
-              </a:spcBef>
-              <a:buFont typeface="Arial" panose="020B0604020202020204" pitchFamily="34" charset="0"/>
-              <a:buChar char="•"/>
-              <a:defRPr sz="2400" kern="1200">
-                <a:solidFill>
-                  <a:schemeClr val="tx1"/>
-                </a:solidFill>
-                <a:latin typeface="+mn-lt"/>
-                <a:ea typeface="+mn-ea"/>
-                <a:cs typeface="+mn-cs"/>
-              </a:defRPr>
-            </a:lvl2pPr>
-            <a:lvl3pPr marL="1143000" indent="-228600" algn="l" defTabSz="914400" rtl="0" eaLnBrk="1" latinLnBrk="0" hangingPunct="1">
-              <a:lnSpc>
-                <a:spcPct val="90000"/>
-              </a:lnSpc>
-              <a:spcBef>
-                <a:spcPts val="500"/>
-              </a:spcBef>
-              <a:buFont typeface="Arial" panose="020B0604020202020204" pitchFamily="34" charset="0"/>
-              <a:buChar char="•"/>
-              <a:defRPr sz="2000" kern="1200">
-                <a:solidFill>
-                  <a:schemeClr val="tx1"/>
-                </a:solidFill>
-                <a:latin typeface="+mn-lt"/>
-                <a:ea typeface="+mn-ea"/>
-                <a:cs typeface="+mn-cs"/>
-              </a:defRPr>
-            </a:lvl3pPr>
-            <a:lvl4pPr marL="1600200" indent="-228600" algn="l" defTabSz="914400" rtl="0" eaLnBrk="1" latinLnBrk="0" hangingPunct="1">
-              <a:lnSpc>
-                <a:spcPct val="90000"/>
-              </a:lnSpc>
-              <a:spcBef>
-                <a:spcPts val="500"/>
-              </a:spcBef>
-              <a:buFont typeface="Arial" panose="020B0604020202020204" pitchFamily="34" charset="0"/>
-              <a:buChar char="•"/>
-              <a:defRPr sz="1800" kern="1200">
-                <a:solidFill>
-                  <a:schemeClr val="tx1"/>
-                </a:solidFill>
-                <a:latin typeface="+mn-lt"/>
-                <a:ea typeface="+mn-ea"/>
-                <a:cs typeface="+mn-cs"/>
-              </a:defRPr>
-            </a:lvl4pPr>
-            <a:lvl5pPr marL="2057400" indent="-228600" algn="l" defTabSz="914400" rtl="0" eaLnBrk="1" latinLnBrk="0" hangingPunct="1">
-              <a:lnSpc>
-                <a:spcPct val="90000"/>
-              </a:lnSpc>
-              <a:spcBef>
-                <a:spcPts val="500"/>
-              </a:spcBef>
-              <a:buFont typeface="Arial" panose="020B0604020202020204" pitchFamily="34" charset="0"/>
-              <a:buChar char="•"/>
-              <a:defRPr sz="1800" kern="1200">
-                <a:solidFill>
-                  <a:schemeClr val="tx1"/>
-                </a:solidFill>
-                <a:latin typeface="+mn-lt"/>
-                <a:ea typeface="+mn-ea"/>
-                <a:cs typeface="+mn-cs"/>
-              </a:defRPr>
-            </a:lvl5pPr>
-            <a:lvl6pPr marL="2514600" indent="-228600" algn="l" defTabSz="914400" rtl="0" eaLnBrk="1" latinLnBrk="0" hangingPunct="1">
-              <a:lnSpc>
-                <a:spcPct val="90000"/>
-              </a:lnSpc>
-              <a:spcBef>
-                <a:spcPts val="500"/>
-              </a:spcBef>
-              <a:buFont typeface="Arial" panose="020B0604020202020204" pitchFamily="34" charset="0"/>
-              <a:buChar char="•"/>
-              <a:defRPr sz="1800" kern="1200">
-                <a:solidFill>
-                  <a:schemeClr val="tx1"/>
-                </a:solidFill>
-                <a:latin typeface="+mn-lt"/>
-                <a:ea typeface="+mn-ea"/>
-                <a:cs typeface="+mn-cs"/>
-              </a:defRPr>
-            </a:lvl6pPr>
-            <a:lvl7pPr marL="2971800" indent="-228600" algn="l" defTabSz="914400" rtl="0" eaLnBrk="1" latinLnBrk="0" hangingPunct="1">
-              <a:lnSpc>
-                <a:spcPct val="90000"/>
-              </a:lnSpc>
-              <a:spcBef>
-                <a:spcPts val="500"/>
-              </a:spcBef>
-              <a:buFont typeface="Arial" panose="020B0604020202020204" pitchFamily="34" charset="0"/>
-              <a:buChar char="•"/>
-              <a:defRPr sz="1800" kern="1200">
-                <a:solidFill>
-                  <a:schemeClr val="tx1"/>
-                </a:solidFill>
-                <a:latin typeface="+mn-lt"/>
-                <a:ea typeface="+mn-ea"/>
-                <a:cs typeface="+mn-cs"/>
-              </a:defRPr>
-            </a:lvl7pPr>
-            <a:lvl8pPr marL="3429000" indent="-228600" algn="l" defTabSz="914400" rtl="0" eaLnBrk="1" latinLnBrk="0" hangingPunct="1">
-              <a:lnSpc>
-                <a:spcPct val="90000"/>
-              </a:lnSpc>
-              <a:spcBef>
-                <a:spcPts val="500"/>
-              </a:spcBef>
-              <a:buFont typeface="Arial" panose="020B0604020202020204" pitchFamily="34" charset="0"/>
-              <a:buChar char="•"/>
-              <a:defRPr sz="1800" kern="1200">
-                <a:solidFill>
-                  <a:schemeClr val="tx1"/>
-                </a:solidFill>
-                <a:latin typeface="+mn-lt"/>
-                <a:ea typeface="+mn-ea"/>
-                <a:cs typeface="+mn-cs"/>
-              </a:defRPr>
-            </a:lvl8pPr>
-            <a:lvl9pPr marL="3886200" indent="-228600" algn="l" defTabSz="914400" rtl="0" eaLnBrk="1" latinLnBrk="0" hangingPunct="1">
-              <a:lnSpc>
-                <a:spcPct val="90000"/>
-              </a:lnSpc>
-              <a:spcBef>
-                <a:spcPts val="500"/>
-              </a:spcBef>
-              <a:buFont typeface="Arial" panose="020B0604020202020204" pitchFamily="34" charset="0"/>
-              <a:buChar char="•"/>
-              <a:defRPr sz="1800" kern="1200">
-                <a:solidFill>
-                  <a:schemeClr val="tx1"/>
-                </a:solidFill>
-                <a:latin typeface="+mn-lt"/>
-                <a:ea typeface="+mn-ea"/>
-                <a:cs typeface="+mn-cs"/>
-              </a:defRPr>
-            </a:lvl9pPr>
-          </a:lstStyle>
-          <a:p>
-            <a:endParaRPr lang="en-US" dirty="0"/>
-          </a:p>
-        </p:txBody>
-      </p:sp>
-      <p:sp>
-        <p:nvSpPr>
-          <p:cNvPr id="7" name="Content Placeholder 2">
-            <a:extLst>
-              <a:ext uri="{FF2B5EF4-FFF2-40B4-BE49-F238E27FC236}">
-                <a16:creationId xmlns:a16="http://schemas.microsoft.com/office/drawing/2014/main" id="{C9952921-E975-86C1-F904-ECCC6CE422BE}"/>
-              </a:ext>
-            </a:extLst>
-          </p:cNvPr>
-          <p:cNvSpPr txBox="1">
-            <a:spLocks/>
-          </p:cNvSpPr>
-          <p:nvPr/>
-        </p:nvSpPr>
-        <p:spPr>
-          <a:xfrm>
-            <a:off x="6096001" y="1506069"/>
-            <a:ext cx="6095999" cy="2463501"/>
-          </a:xfrm>
-          <a:prstGeom prst="rect">
-            <a:avLst/>
-          </a:prstGeom>
-        </p:spPr>
-        <p:txBody>
-          <a:bodyPr vert="horz" lIns="91440" tIns="45720" rIns="91440" bIns="45720" rtlCol="0">
-            <a:normAutofit/>
-          </a:bodyPr>
-          <a:lstStyle>
-            <a:lvl1pPr marL="228600" indent="-228600" algn="l" defTabSz="914400" rtl="0" eaLnBrk="1" latinLnBrk="0" hangingPunct="1">
-              <a:lnSpc>
-                <a:spcPct val="90000"/>
-              </a:lnSpc>
-              <a:spcBef>
-                <a:spcPts val="1000"/>
-              </a:spcBef>
-              <a:buFont typeface="Arial" panose="020B0604020202020204" pitchFamily="34" charset="0"/>
-              <a:buChar char="•"/>
-              <a:defRPr sz="2800" kern="1200">
-                <a:solidFill>
-                  <a:schemeClr val="tx1"/>
-                </a:solidFill>
-                <a:latin typeface="+mn-lt"/>
-                <a:ea typeface="+mn-ea"/>
-                <a:cs typeface="+mn-cs"/>
-              </a:defRPr>
-            </a:lvl1pPr>
-            <a:lvl2pPr marL="685800" indent="-228600" algn="l" defTabSz="914400" rtl="0" eaLnBrk="1" latinLnBrk="0" hangingPunct="1">
-              <a:lnSpc>
-                <a:spcPct val="90000"/>
-              </a:lnSpc>
-              <a:spcBef>
-                <a:spcPts val="500"/>
-              </a:spcBef>
-              <a:buFont typeface="Arial" panose="020B0604020202020204" pitchFamily="34" charset="0"/>
-              <a:buChar char="•"/>
-              <a:defRPr sz="2400" kern="1200">
-                <a:solidFill>
-                  <a:schemeClr val="tx1"/>
-                </a:solidFill>
-                <a:latin typeface="+mn-lt"/>
-                <a:ea typeface="+mn-ea"/>
-                <a:cs typeface="+mn-cs"/>
-              </a:defRPr>
-            </a:lvl2pPr>
-            <a:lvl3pPr marL="1143000" indent="-228600" algn="l" defTabSz="914400" rtl="0" eaLnBrk="1" latinLnBrk="0" hangingPunct="1">
-              <a:lnSpc>
-                <a:spcPct val="90000"/>
-              </a:lnSpc>
-              <a:spcBef>
-                <a:spcPts val="500"/>
-              </a:spcBef>
-              <a:buFont typeface="Arial" panose="020B0604020202020204" pitchFamily="34" charset="0"/>
-              <a:buChar char="•"/>
-              <a:defRPr sz="2000" kern="1200">
-                <a:solidFill>
-                  <a:schemeClr val="tx1"/>
-                </a:solidFill>
-                <a:latin typeface="+mn-lt"/>
-                <a:ea typeface="+mn-ea"/>
-                <a:cs typeface="+mn-cs"/>
-              </a:defRPr>
-            </a:lvl3pPr>
-            <a:lvl4pPr marL="1600200" indent="-228600" algn="l" defTabSz="914400" rtl="0" eaLnBrk="1" latinLnBrk="0" hangingPunct="1">
-              <a:lnSpc>
-                <a:spcPct val="90000"/>
-              </a:lnSpc>
-              <a:spcBef>
-                <a:spcPts val="500"/>
-              </a:spcBef>
-              <a:buFont typeface="Arial" panose="020B0604020202020204" pitchFamily="34" charset="0"/>
-              <a:buChar char="•"/>
-              <a:defRPr sz="1800" kern="1200">
-                <a:solidFill>
-                  <a:schemeClr val="tx1"/>
-                </a:solidFill>
-                <a:latin typeface="+mn-lt"/>
-                <a:ea typeface="+mn-ea"/>
-                <a:cs typeface="+mn-cs"/>
-              </a:defRPr>
-            </a:lvl4pPr>
-            <a:lvl5pPr marL="2057400" indent="-228600" algn="l" defTabSz="914400" rtl="0" eaLnBrk="1" latinLnBrk="0" hangingPunct="1">
-              <a:lnSpc>
-                <a:spcPct val="90000"/>
-              </a:lnSpc>
-              <a:spcBef>
-                <a:spcPts val="500"/>
-              </a:spcBef>
-              <a:buFont typeface="Arial" panose="020B0604020202020204" pitchFamily="34" charset="0"/>
-              <a:buChar char="•"/>
-              <a:defRPr sz="1800" kern="1200">
-                <a:solidFill>
-                  <a:schemeClr val="tx1"/>
-                </a:solidFill>
-                <a:latin typeface="+mn-lt"/>
-                <a:ea typeface="+mn-ea"/>
-                <a:cs typeface="+mn-cs"/>
-              </a:defRPr>
-            </a:lvl5pPr>
-            <a:lvl6pPr marL="2514600" indent="-228600" algn="l" defTabSz="914400" rtl="0" eaLnBrk="1" latinLnBrk="0" hangingPunct="1">
-              <a:lnSpc>
-                <a:spcPct val="90000"/>
-              </a:lnSpc>
-              <a:spcBef>
-                <a:spcPts val="500"/>
-              </a:spcBef>
-              <a:buFont typeface="Arial" panose="020B0604020202020204" pitchFamily="34" charset="0"/>
-              <a:buChar char="•"/>
-              <a:defRPr sz="1800" kern="1200">
-                <a:solidFill>
-                  <a:schemeClr val="tx1"/>
-                </a:solidFill>
-                <a:latin typeface="+mn-lt"/>
-                <a:ea typeface="+mn-ea"/>
-                <a:cs typeface="+mn-cs"/>
-              </a:defRPr>
-            </a:lvl6pPr>
-            <a:lvl7pPr marL="2971800" indent="-228600" algn="l" defTabSz="914400" rtl="0" eaLnBrk="1" latinLnBrk="0" hangingPunct="1">
-              <a:lnSpc>
-                <a:spcPct val="90000"/>
-              </a:lnSpc>
-              <a:spcBef>
-                <a:spcPts val="500"/>
-              </a:spcBef>
-              <a:buFont typeface="Arial" panose="020B0604020202020204" pitchFamily="34" charset="0"/>
-              <a:buChar char="•"/>
-              <a:defRPr sz="1800" kern="1200">
-                <a:solidFill>
-                  <a:schemeClr val="tx1"/>
-                </a:solidFill>
-                <a:latin typeface="+mn-lt"/>
-                <a:ea typeface="+mn-ea"/>
-                <a:cs typeface="+mn-cs"/>
-              </a:defRPr>
-            </a:lvl7pPr>
-            <a:lvl8pPr marL="3429000" indent="-228600" algn="l" defTabSz="914400" rtl="0" eaLnBrk="1" latinLnBrk="0" hangingPunct="1">
-              <a:lnSpc>
-                <a:spcPct val="90000"/>
-              </a:lnSpc>
-              <a:spcBef>
-                <a:spcPts val="500"/>
-              </a:spcBef>
-              <a:buFont typeface="Arial" panose="020B0604020202020204" pitchFamily="34" charset="0"/>
-              <a:buChar char="•"/>
-              <a:defRPr sz="1800" kern="1200">
-                <a:solidFill>
-                  <a:schemeClr val="tx1"/>
-                </a:solidFill>
-                <a:latin typeface="+mn-lt"/>
-                <a:ea typeface="+mn-ea"/>
-                <a:cs typeface="+mn-cs"/>
-              </a:defRPr>
-            </a:lvl8pPr>
-            <a:lvl9pPr marL="3886200" indent="-228600" algn="l" defTabSz="914400" rtl="0" eaLnBrk="1" latinLnBrk="0" hangingPunct="1">
-              <a:lnSpc>
-                <a:spcPct val="90000"/>
-              </a:lnSpc>
-              <a:spcBef>
-                <a:spcPts val="500"/>
-              </a:spcBef>
-              <a:buFont typeface="Arial" panose="020B0604020202020204" pitchFamily="34" charset="0"/>
-              <a:buChar char="•"/>
-              <a:defRPr sz="1800" kern="1200">
-                <a:solidFill>
-                  <a:schemeClr val="tx1"/>
-                </a:solidFill>
-                <a:latin typeface="+mn-lt"/>
-                <a:ea typeface="+mn-ea"/>
-                <a:cs typeface="+mn-cs"/>
-              </a:defRPr>
-            </a:lvl9pPr>
-          </a:lstStyle>
-          <a:p>
-            <a:r>
-              <a:rPr lang="en-US" sz="2000" dirty="0"/>
-              <a:t>After testing with the model it was decided a binary choice on target would make it easier for the model.</a:t>
-            </a:r>
-          </a:p>
-          <a:p>
-            <a:r>
-              <a:rPr lang="en-US" sz="2000" dirty="0"/>
-              <a:t>3lbs was close to a median weight for the data and colloquially is a large fish.</a:t>
-            </a:r>
-          </a:p>
-          <a:p>
-            <a:r>
-              <a:rPr lang="en-US" sz="2000" dirty="0"/>
-              <a:t>3lbs was chosen as the separator for the target.         “&gt;= 3lbs” is a </a:t>
-            </a:r>
-            <a:r>
-              <a:rPr lang="en-US" sz="2000" dirty="0" err="1"/>
-              <a:t>Big_Fish</a:t>
-            </a:r>
-            <a:r>
-              <a:rPr lang="en-US" sz="2000" dirty="0"/>
-              <a:t> and “&lt;3lbs” is a </a:t>
-            </a:r>
-            <a:r>
-              <a:rPr lang="en-US" sz="2000" dirty="0" err="1"/>
-              <a:t>Small_Fish</a:t>
-            </a:r>
-            <a:r>
-              <a:rPr lang="en-US" sz="2000" dirty="0"/>
-              <a:t>.</a:t>
-            </a:r>
-          </a:p>
-        </p:txBody>
-      </p:sp>
-      <p:pic>
-        <p:nvPicPr>
-          <p:cNvPr id="9" name="Picture 8">
-            <a:extLst>
-              <a:ext uri="{FF2B5EF4-FFF2-40B4-BE49-F238E27FC236}">
-                <a16:creationId xmlns:a16="http://schemas.microsoft.com/office/drawing/2014/main" id="{BE57A14C-C19C-FFF5-A9A6-147A6A30A377}"/>
-              </a:ext>
-            </a:extLst>
-          </p:cNvPr>
-          <p:cNvPicPr>
-            <a:picLocks noChangeAspect="1"/>
-          </p:cNvPicPr>
-          <p:nvPr/>
-        </p:nvPicPr>
-        <p:blipFill>
-          <a:blip r:embed="rId4"/>
-          <a:stretch>
-            <a:fillRect/>
-          </a:stretch>
-        </p:blipFill>
-        <p:spPr>
-          <a:xfrm>
-            <a:off x="4995135" y="3899646"/>
-            <a:ext cx="2058533" cy="1461253"/>
-          </a:xfrm>
-          <a:prstGeom prst="rect">
-            <a:avLst/>
-          </a:prstGeom>
-        </p:spPr>
-      </p:pic>
-      <p:pic>
-        <p:nvPicPr>
-          <p:cNvPr id="11" name="Picture 10">
-            <a:extLst>
-              <a:ext uri="{FF2B5EF4-FFF2-40B4-BE49-F238E27FC236}">
-                <a16:creationId xmlns:a16="http://schemas.microsoft.com/office/drawing/2014/main" id="{25024129-F82E-D485-83B1-AE2B0F287030}"/>
-              </a:ext>
-            </a:extLst>
-          </p:cNvPr>
-          <p:cNvPicPr>
-            <a:picLocks noChangeAspect="1"/>
-          </p:cNvPicPr>
-          <p:nvPr/>
-        </p:nvPicPr>
-        <p:blipFill>
-          <a:blip r:embed="rId5"/>
-          <a:stretch>
-            <a:fillRect/>
-          </a:stretch>
-        </p:blipFill>
-        <p:spPr>
-          <a:xfrm>
-            <a:off x="7196866" y="3899646"/>
-            <a:ext cx="4722607" cy="2463501"/>
-          </a:xfrm>
-          <a:prstGeom prst="rect">
-            <a:avLst/>
-          </a:prstGeom>
-        </p:spPr>
-      </p:pic>
-    </p:spTree>
-    <p:extLst>
-      <p:ext uri="{BB962C8B-B14F-4D97-AF65-F5344CB8AC3E}">
-        <p14:creationId xmlns:p14="http://schemas.microsoft.com/office/powerpoint/2010/main" val="3223435155"/>
-      </p:ext>
-    </p:extLst>
-  </p:cSld>
-  <p:clrMapOvr>
-    <a:masterClrMapping/>
-  </p:clrMapOvr>
-</p:sld>
-</file>
-
-<file path=ppt/slides/slide5.xml><?xml version="1.0" encoding="utf-8"?>
-<p:sld xmlns:a="http://schemas.openxmlformats.org/drawingml/2006/main" xmlns:r="http://schemas.openxmlformats.org/officeDocument/2006/relationships" xmlns:p="http://schemas.openxmlformats.org/presentationml/2006/main">
-  <p:cSld>
-    <p:spTree>
-      <p:nvGrpSpPr>
-        <p:cNvPr id="1" name=""/>
-        <p:cNvGrpSpPr/>
-        <p:nvPr/>
-      </p:nvGrpSpPr>
-      <p:grpSpPr>
-        <a:xfrm>
-          <a:off x="0" y="0"/>
-          <a:ext cx="0" cy="0"/>
-          <a:chOff x="0" y="0"/>
-          <a:chExt cx="0" cy="0"/>
-        </a:xfrm>
-      </p:grpSpPr>
-      <p:sp>
-        <p:nvSpPr>
-          <p:cNvPr id="2" name="Title 1">
-            <a:extLst>
-              <a:ext uri="{FF2B5EF4-FFF2-40B4-BE49-F238E27FC236}">
-                <a16:creationId xmlns:a16="http://schemas.microsoft.com/office/drawing/2014/main" id="{F5390E5B-282C-9320-C9D1-02B7A7D1876A}"/>
-              </a:ext>
-            </a:extLst>
-          </p:cNvPr>
-          <p:cNvSpPr>
-            <a:spLocks noGrp="1"/>
-          </p:cNvSpPr>
-          <p:nvPr>
-            <p:ph type="title"/>
-          </p:nvPr>
-        </p:nvSpPr>
-        <p:spPr/>
-        <p:txBody>
-          <a:bodyPr/>
-          <a:lstStyle/>
-          <a:p>
-            <a:pPr algn="ctr"/>
-            <a:r>
-              <a:rPr lang="en-US" dirty="0"/>
-              <a:t>Machine Learning Model</a:t>
-            </a:r>
-          </a:p>
-        </p:txBody>
-      </p:sp>
-      <p:sp>
-        <p:nvSpPr>
-          <p:cNvPr id="3" name="Content Placeholder 2">
-            <a:extLst>
-              <a:ext uri="{FF2B5EF4-FFF2-40B4-BE49-F238E27FC236}">
-                <a16:creationId xmlns:a16="http://schemas.microsoft.com/office/drawing/2014/main" id="{CCF8291B-59EC-01E9-EDE5-F76D38791BB4}"/>
-              </a:ext>
-            </a:extLst>
-          </p:cNvPr>
-          <p:cNvSpPr>
-            <a:spLocks noGrp="1"/>
-          </p:cNvSpPr>
-          <p:nvPr>
-            <p:ph idx="1"/>
-          </p:nvPr>
-        </p:nvSpPr>
-        <p:spPr>
-          <a:xfrm>
-            <a:off x="838200" y="1690688"/>
-            <a:ext cx="10515600" cy="1278423"/>
-          </a:xfrm>
-          <a:solidFill>
-            <a:schemeClr val="tx1">
-              <a:lumMod val="50000"/>
-              <a:lumOff val="50000"/>
-              <a:alpha val="19000"/>
-            </a:schemeClr>
-          </a:solidFill>
-          <a:effectLst>
-            <a:softEdge rad="63500"/>
-          </a:effectLst>
-        </p:spPr>
-        <p:txBody>
-          <a:bodyPr vert="horz" lIns="91440" tIns="45720" rIns="91440" bIns="45720" rtlCol="0">
-            <a:normAutofit/>
-          </a:bodyPr>
-          <a:lstStyle/>
-          <a:p>
-            <a:r>
-              <a:rPr lang="en-US" dirty="0"/>
-              <a:t>After pairing down the subclasses and separating the target to a binary </a:t>
-            </a:r>
-            <a:r>
-              <a:rPr lang="en-US" dirty="0" err="1"/>
-              <a:t>Big_Fish</a:t>
-            </a:r>
-            <a:r>
-              <a:rPr lang="en-US" dirty="0"/>
-              <a:t> or </a:t>
-            </a:r>
-            <a:r>
-              <a:rPr lang="en-US" dirty="0" err="1"/>
-              <a:t>Small_Fish</a:t>
-            </a:r>
-            <a:r>
-              <a:rPr lang="en-US" dirty="0"/>
-              <a:t>. The machine learning model chosen was a Logistic Regression Model.</a:t>
-            </a:r>
-          </a:p>
-          <a:p>
-            <a:endParaRPr lang="en-US" dirty="0"/>
-          </a:p>
-          <a:p>
-            <a:endParaRPr lang="en-US" dirty="0"/>
-          </a:p>
-        </p:txBody>
-      </p:sp>
-      <p:pic>
-        <p:nvPicPr>
-          <p:cNvPr id="6" name="Picture 5">
-            <a:extLst>
-              <a:ext uri="{FF2B5EF4-FFF2-40B4-BE49-F238E27FC236}">
-                <a16:creationId xmlns:a16="http://schemas.microsoft.com/office/drawing/2014/main" id="{CE7B7167-1727-0802-E30C-3F368BAE0008}"/>
-              </a:ext>
-            </a:extLst>
-          </p:cNvPr>
-          <p:cNvPicPr>
-            <a:picLocks noChangeAspect="1"/>
-          </p:cNvPicPr>
-          <p:nvPr/>
-        </p:nvPicPr>
-        <p:blipFill>
-          <a:blip r:embed="rId2"/>
-          <a:stretch>
-            <a:fillRect/>
-          </a:stretch>
-        </p:blipFill>
-        <p:spPr>
-          <a:xfrm>
-            <a:off x="1178466" y="3299908"/>
-            <a:ext cx="7040376" cy="3273014"/>
-          </a:xfrm>
-          <a:prstGeom prst="rect">
-            <a:avLst/>
-          </a:prstGeom>
-        </p:spPr>
-      </p:pic>
-    </p:spTree>
-    <p:extLst>
-      <p:ext uri="{BB962C8B-B14F-4D97-AF65-F5344CB8AC3E}">
-        <p14:creationId xmlns:p14="http://schemas.microsoft.com/office/powerpoint/2010/main" val="1759951237"/>
-      </p:ext>
-    </p:extLst>
-  </p:cSld>
-  <p:clrMapOvr>
-    <a:masterClrMapping/>
-  </p:clrMapOvr>
-</p:sld>
-</file>
-
-<file path=ppt/slides/slide6.xml><?xml version="1.0" encoding="utf-8"?>
-<p:sld xmlns:a="http://schemas.openxmlformats.org/drawingml/2006/main" xmlns:r="http://schemas.openxmlformats.org/officeDocument/2006/relationships" xmlns:p="http://schemas.openxmlformats.org/presentationml/2006/main">
-  <p:cSld>
-    <p:spTree>
-      <p:nvGrpSpPr>
-        <p:cNvPr id="1" name=""/>
-        <p:cNvGrpSpPr/>
-        <p:nvPr/>
-      </p:nvGrpSpPr>
-      <p:grpSpPr>
-        <a:xfrm>
-          <a:off x="0" y="0"/>
-          <a:ext cx="0" cy="0"/>
-          <a:chOff x="0" y="0"/>
-          <a:chExt cx="0" cy="0"/>
-        </a:xfrm>
-      </p:grpSpPr>
-      <p:sp>
-        <p:nvSpPr>
-          <p:cNvPr id="2" name="Title 1">
-            <a:extLst>
-              <a:ext uri="{FF2B5EF4-FFF2-40B4-BE49-F238E27FC236}">
-                <a16:creationId xmlns:a16="http://schemas.microsoft.com/office/drawing/2014/main" id="{257F8E74-A1EC-3726-DB99-4D31BF3CBA8E}"/>
-              </a:ext>
-            </a:extLst>
-          </p:cNvPr>
-          <p:cNvSpPr>
-            <a:spLocks noGrp="1"/>
-          </p:cNvSpPr>
-          <p:nvPr>
-            <p:ph type="title"/>
-          </p:nvPr>
-        </p:nvSpPr>
-        <p:spPr/>
-        <p:txBody>
-          <a:bodyPr/>
-          <a:lstStyle/>
-          <a:p>
-            <a:r>
-              <a:rPr lang="en-US" dirty="0"/>
-              <a:t>Dashboard</a:t>
-            </a:r>
-          </a:p>
-        </p:txBody>
-      </p:sp>
-      <p:sp>
-        <p:nvSpPr>
-          <p:cNvPr id="3" name="Content Placeholder 2">
-            <a:extLst>
-              <a:ext uri="{FF2B5EF4-FFF2-40B4-BE49-F238E27FC236}">
-                <a16:creationId xmlns:a16="http://schemas.microsoft.com/office/drawing/2014/main" id="{AB48E276-44E4-E524-F132-1704323A06EB}"/>
-              </a:ext>
-            </a:extLst>
-          </p:cNvPr>
-          <p:cNvSpPr>
-            <a:spLocks noGrp="1"/>
-          </p:cNvSpPr>
-          <p:nvPr>
-            <p:ph idx="1"/>
-          </p:nvPr>
-        </p:nvSpPr>
-        <p:spPr>
-          <a:xfrm>
-            <a:off x="838200" y="1825625"/>
-            <a:ext cx="10515600" cy="1325563"/>
-          </a:xfrm>
-          <a:solidFill>
-            <a:schemeClr val="tx1">
-              <a:lumMod val="50000"/>
-              <a:lumOff val="50000"/>
-              <a:alpha val="19000"/>
-            </a:schemeClr>
-          </a:solidFill>
-          <a:effectLst>
-            <a:softEdge rad="63500"/>
-          </a:effectLst>
-        </p:spPr>
-        <p:txBody>
-          <a:bodyPr vert="horz" lIns="91440" tIns="45720" rIns="91440" bIns="45720" rtlCol="0">
-            <a:normAutofit/>
-          </a:bodyPr>
-          <a:lstStyle/>
-          <a:p>
-            <a:r>
-              <a:rPr lang="en-US" dirty="0"/>
-              <a:t>Interactive Dashboard on Tableau Public that breakdown the data.</a:t>
-            </a:r>
-          </a:p>
-          <a:p>
-            <a:r>
-              <a:rPr lang="en-US" dirty="0">
-                <a:hlinkClick r:id="rId2"/>
-              </a:rPr>
-              <a:t>Link to Workbook</a:t>
-            </a:r>
-            <a:endParaRPr lang="en-US" dirty="0"/>
-          </a:p>
-        </p:txBody>
-      </p:sp>
-      <p:pic>
-        <p:nvPicPr>
-          <p:cNvPr id="5" name="Picture 4">
-            <a:extLst>
-              <a:ext uri="{FF2B5EF4-FFF2-40B4-BE49-F238E27FC236}">
-                <a16:creationId xmlns:a16="http://schemas.microsoft.com/office/drawing/2014/main" id="{3C160A95-7594-F91B-05BD-D721B3CB564C}"/>
-              </a:ext>
-            </a:extLst>
-          </p:cNvPr>
-          <p:cNvPicPr>
-            <a:picLocks noChangeAspect="1"/>
-          </p:cNvPicPr>
-          <p:nvPr/>
-        </p:nvPicPr>
-        <p:blipFill>
-          <a:blip r:embed="rId3"/>
-          <a:stretch>
-            <a:fillRect/>
-          </a:stretch>
-        </p:blipFill>
-        <p:spPr>
-          <a:xfrm>
-            <a:off x="4216998" y="2488406"/>
-            <a:ext cx="7136802" cy="3884958"/>
-          </a:xfrm>
-          <a:prstGeom prst="rect">
-            <a:avLst/>
-          </a:prstGeom>
-        </p:spPr>
-      </p:pic>
-    </p:spTree>
-    <p:extLst>
-      <p:ext uri="{BB962C8B-B14F-4D97-AF65-F5344CB8AC3E}">
-        <p14:creationId xmlns:p14="http://schemas.microsoft.com/office/powerpoint/2010/main" val="2980092636"/>
-      </p:ext>
-    </p:extLst>
-  </p:cSld>
-  <p:clrMapOvr>
-    <a:masterClrMapping/>
-  </p:clrMapOvr>
-</p:sld>
-</file>
-
-<file path=ppt/slides/slide7.xml><?xml version="1.0" encoding="utf-8"?>
-<p:sld xmlns:a="http://schemas.openxmlformats.org/drawingml/2006/main" xmlns:r="http://schemas.openxmlformats.org/officeDocument/2006/relationships" xmlns:p="http://schemas.openxmlformats.org/presentationml/2006/main">
-  <p:cSld>
-    <p:spTree>
-      <p:nvGrpSpPr>
-        <p:cNvPr id="1" name=""/>
-        <p:cNvGrpSpPr/>
-        <p:nvPr/>
-      </p:nvGrpSpPr>
-      <p:grpSpPr>
-        <a:xfrm>
-          <a:off x="0" y="0"/>
-          <a:ext cx="0" cy="0"/>
-          <a:chOff x="0" y="0"/>
-          <a:chExt cx="0" cy="0"/>
-        </a:xfrm>
-      </p:grpSpPr>
-      <p:sp>
-        <p:nvSpPr>
-          <p:cNvPr id="2" name="Title 1">
-            <a:extLst>
-              <a:ext uri="{FF2B5EF4-FFF2-40B4-BE49-F238E27FC236}">
-                <a16:creationId xmlns:a16="http://schemas.microsoft.com/office/drawing/2014/main" id="{787492B8-3650-942F-709D-C606D2FDE627}"/>
-              </a:ext>
-            </a:extLst>
-          </p:cNvPr>
-          <p:cNvSpPr>
-            <a:spLocks noGrp="1"/>
-          </p:cNvSpPr>
-          <p:nvPr>
-            <p:ph type="title"/>
-          </p:nvPr>
-        </p:nvSpPr>
-        <p:spPr/>
-        <p:txBody>
-          <a:bodyPr/>
-          <a:lstStyle/>
-          <a:p>
-            <a:r>
-              <a:rPr lang="en-US" dirty="0"/>
-              <a:t>Results</a:t>
-            </a:r>
-          </a:p>
-        </p:txBody>
-      </p:sp>
-      <p:sp>
-        <p:nvSpPr>
-          <p:cNvPr id="3" name="Content Placeholder 2">
-            <a:extLst>
-              <a:ext uri="{FF2B5EF4-FFF2-40B4-BE49-F238E27FC236}">
-                <a16:creationId xmlns:a16="http://schemas.microsoft.com/office/drawing/2014/main" id="{B0294F44-D02D-FD07-B2E7-05BC76F2C518}"/>
-              </a:ext>
-            </a:extLst>
-          </p:cNvPr>
-          <p:cNvSpPr>
-            <a:spLocks noGrp="1"/>
-          </p:cNvSpPr>
-          <p:nvPr>
-            <p:ph idx="1"/>
-          </p:nvPr>
-        </p:nvSpPr>
-        <p:spPr/>
-        <p:txBody>
-          <a:bodyPr/>
-          <a:lstStyle/>
-          <a:p>
-            <a:endParaRPr lang="en-US"/>
-          </a:p>
-        </p:txBody>
-      </p:sp>
-    </p:spTree>
-    <p:extLst>
-      <p:ext uri="{BB962C8B-B14F-4D97-AF65-F5344CB8AC3E}">
-        <p14:creationId xmlns:p14="http://schemas.microsoft.com/office/powerpoint/2010/main" val="3531217233"/>
-      </p:ext>
-    </p:extLst>
-  </p:cSld>
-  <p:clrMapOvr>
-    <a:masterClrMapping/>
-  </p:clrMapOvr>
-</p:sld>
-</file>
-
-<file path=ppt/slides/slide8.xml><?xml version="1.0" encoding="utf-8"?>
+<file path=ppt/slides/slide10.xml><?xml version="1.0" encoding="utf-8"?>
 <p:sld xmlns:a="http://schemas.openxmlformats.org/drawingml/2006/main" xmlns:r="http://schemas.openxmlformats.org/officeDocument/2006/relationships" xmlns:p="http://schemas.openxmlformats.org/presentationml/2006/main">
   <p:cSld>
     <p:spTree>
@@ -4898,13 +3278,8 @@
             </a:pPr>
             <a:r>
               <a:rPr lang="en-US" sz="3600" dirty="0"/>
-              <a:t>Lets go </a:t>
-            </a:r>
-            <a:r>
-              <a:rPr lang="en-US" sz="3600" dirty="0" err="1"/>
-              <a:t>Fishin</a:t>
-            </a:r>
-            <a:endParaRPr lang="en-US" sz="3600" dirty="0"/>
+              <a:t>Lets go Fishing</a:t>
+            </a:r>
           </a:p>
           <a:p>
             <a:pPr algn="ctr"/>
@@ -4916,6 +3291,2231 @@
     <p:extLst>
       <p:ext uri="{BB962C8B-B14F-4D97-AF65-F5344CB8AC3E}">
         <p14:creationId xmlns:p14="http://schemas.microsoft.com/office/powerpoint/2010/main" val="156011991"/>
+      </p:ext>
+    </p:extLst>
+  </p:cSld>
+  <p:clrMapOvr>
+    <a:masterClrMapping/>
+  </p:clrMapOvr>
+</p:sld>
+</file>
+
+<file path=ppt/slides/slide2.xml><?xml version="1.0" encoding="utf-8"?>
+<p:sld xmlns:a="http://schemas.openxmlformats.org/drawingml/2006/main" xmlns:r="http://schemas.openxmlformats.org/officeDocument/2006/relationships" xmlns:p="http://schemas.openxmlformats.org/presentationml/2006/main">
+  <p:cSld>
+    <p:spTree>
+      <p:nvGrpSpPr>
+        <p:cNvPr id="1" name=""/>
+        <p:cNvGrpSpPr/>
+        <p:nvPr/>
+      </p:nvGrpSpPr>
+      <p:grpSpPr>
+        <a:xfrm>
+          <a:off x="0" y="0"/>
+          <a:ext cx="0" cy="0"/>
+          <a:chOff x="0" y="0"/>
+          <a:chExt cx="0" cy="0"/>
+        </a:xfrm>
+      </p:grpSpPr>
+      <p:pic>
+        <p:nvPicPr>
+          <p:cNvPr id="1026" name="Picture 2" descr="Major League Fishing Bass Pro Tour Stage Four ⋆ Fish Dayton">
+            <a:extLst>
+              <a:ext uri="{FF2B5EF4-FFF2-40B4-BE49-F238E27FC236}">
+                <a16:creationId xmlns:a16="http://schemas.microsoft.com/office/drawing/2014/main" id="{F4907EE4-BC2A-D6EC-F61C-8D2E2F3C9FF0}"/>
+              </a:ext>
+            </a:extLst>
+          </p:cNvPr>
+          <p:cNvPicPr>
+            <a:picLocks noChangeAspect="1" noChangeArrowheads="1"/>
+          </p:cNvPicPr>
+          <p:nvPr/>
+        </p:nvPicPr>
+        <p:blipFill>
+          <a:blip r:embed="rId2">
+            <a:duotone>
+              <a:schemeClr val="accent1">
+                <a:shade val="45000"/>
+                <a:satMod val="135000"/>
+              </a:schemeClr>
+              <a:prstClr val="white"/>
+            </a:duotone>
+            <a:extLst>
+              <a:ext uri="{28A0092B-C50C-407E-A947-70E740481C1C}">
+                <a14:useLocalDpi xmlns:a14="http://schemas.microsoft.com/office/drawing/2010/main" val="0"/>
+              </a:ext>
+            </a:extLst>
+          </a:blip>
+          <a:srcRect/>
+          <a:stretch>
+            <a:fillRect/>
+          </a:stretch>
+        </p:blipFill>
+        <p:spPr bwMode="auto">
+          <a:xfrm>
+            <a:off x="0" y="0"/>
+            <a:ext cx="12192000" cy="6858000"/>
+          </a:xfrm>
+          <a:prstGeom prst="rect">
+            <a:avLst/>
+          </a:prstGeom>
+          <a:noFill/>
+          <a:effectLst>
+            <a:outerShdw dist="50800" dir="5400000" algn="ctr" rotWithShape="0">
+              <a:srgbClr val="000000"/>
+            </a:outerShdw>
+          </a:effectLst>
+          <a:extLst>
+            <a:ext uri="{909E8E84-426E-40DD-AFC4-6F175D3DCCD1}">
+              <a14:hiddenFill xmlns:a14="http://schemas.microsoft.com/office/drawing/2010/main">
+                <a:solidFill>
+                  <a:srgbClr val="FFFFFF"/>
+                </a:solidFill>
+              </a14:hiddenFill>
+            </a:ext>
+          </a:extLst>
+        </p:spPr>
+      </p:pic>
+      <p:sp>
+        <p:nvSpPr>
+          <p:cNvPr id="2" name="Title 1">
+            <a:extLst>
+              <a:ext uri="{FF2B5EF4-FFF2-40B4-BE49-F238E27FC236}">
+                <a16:creationId xmlns:a16="http://schemas.microsoft.com/office/drawing/2014/main" id="{BDA9CCAF-B6F8-F414-3173-F1F9F38955EE}"/>
+              </a:ext>
+            </a:extLst>
+          </p:cNvPr>
+          <p:cNvSpPr>
+            <a:spLocks noGrp="1"/>
+          </p:cNvSpPr>
+          <p:nvPr>
+            <p:ph type="title"/>
+          </p:nvPr>
+        </p:nvSpPr>
+        <p:spPr>
+          <a:xfrm>
+            <a:off x="838200" y="365126"/>
+            <a:ext cx="10515600" cy="1042334"/>
+          </a:xfrm>
+        </p:spPr>
+        <p:txBody>
+          <a:bodyPr/>
+          <a:lstStyle/>
+          <a:p>
+            <a:r>
+              <a:rPr lang="en-US" dirty="0">
+                <a:solidFill>
+                  <a:schemeClr val="bg1"/>
+                </a:solidFill>
+              </a:rPr>
+              <a:t>An Introduction to Professional Bass Fishing</a:t>
+            </a:r>
+          </a:p>
+        </p:txBody>
+      </p:sp>
+      <p:sp>
+        <p:nvSpPr>
+          <p:cNvPr id="3" name="Content Placeholder 2">
+            <a:extLst>
+              <a:ext uri="{FF2B5EF4-FFF2-40B4-BE49-F238E27FC236}">
+                <a16:creationId xmlns:a16="http://schemas.microsoft.com/office/drawing/2014/main" id="{C6888A4A-02D2-2495-B358-898BA83465F6}"/>
+              </a:ext>
+            </a:extLst>
+          </p:cNvPr>
+          <p:cNvSpPr>
+            <a:spLocks noGrp="1"/>
+          </p:cNvSpPr>
+          <p:nvPr>
+            <p:ph idx="1"/>
+          </p:nvPr>
+        </p:nvSpPr>
+        <p:spPr>
+          <a:xfrm>
+            <a:off x="838200" y="1407460"/>
+            <a:ext cx="10515600" cy="4769503"/>
+          </a:xfrm>
+        </p:spPr>
+        <p:txBody>
+          <a:bodyPr>
+            <a:normAutofit lnSpcReduction="10000"/>
+          </a:bodyPr>
+          <a:lstStyle/>
+          <a:p>
+            <a:pPr marL="0" indent="0">
+              <a:buNone/>
+            </a:pPr>
+            <a:r>
+              <a:rPr lang="en-US" dirty="0">
+                <a:solidFill>
+                  <a:schemeClr val="bg1"/>
+                </a:solidFill>
+              </a:rPr>
+              <a:t>Major League Fishing (MLF) is a professional bass fishing organization. With a few specific differences to traditional fishing tournament formats.</a:t>
+            </a:r>
+          </a:p>
+          <a:p>
+            <a:r>
+              <a:rPr lang="en-US" dirty="0">
+                <a:solidFill>
+                  <a:schemeClr val="bg1"/>
+                </a:solidFill>
+              </a:rPr>
+              <a:t>The tournaments are over several days and have time periods each day. After the first 4 days cuts are made and only the top 20 anglers advance. Another set of cuts are made on the 5</a:t>
+            </a:r>
+            <a:r>
+              <a:rPr lang="en-US" baseline="30000" dirty="0">
+                <a:solidFill>
+                  <a:schemeClr val="bg1"/>
+                </a:solidFill>
+              </a:rPr>
+              <a:t>th</a:t>
+            </a:r>
+            <a:r>
+              <a:rPr lang="en-US" dirty="0">
+                <a:solidFill>
+                  <a:schemeClr val="bg1"/>
+                </a:solidFill>
+              </a:rPr>
+              <a:t> day and the to 10 advance to the final day.</a:t>
+            </a:r>
+          </a:p>
+          <a:p>
+            <a:r>
+              <a:rPr lang="en-US" dirty="0">
+                <a:solidFill>
+                  <a:schemeClr val="bg1"/>
+                </a:solidFill>
+              </a:rPr>
+              <a:t>All fish score over a specified minimum weight (2lbs)</a:t>
+            </a:r>
+          </a:p>
+          <a:p>
+            <a:r>
+              <a:rPr lang="en-US" dirty="0">
+                <a:solidFill>
+                  <a:schemeClr val="bg1"/>
+                </a:solidFill>
+              </a:rPr>
+              <a:t>In an effort to sustain healthy fish populations fish are weight in the boat logged and immediately released back into the water.</a:t>
+            </a:r>
+          </a:p>
+          <a:p>
+            <a:r>
+              <a:rPr lang="en-US" dirty="0">
+                <a:solidFill>
+                  <a:schemeClr val="bg1"/>
+                </a:solidFill>
+              </a:rPr>
+              <a:t>A few years ago MLF started making the fish catch data public and accessible through their website.</a:t>
+            </a:r>
+          </a:p>
+        </p:txBody>
+      </p:sp>
+    </p:spTree>
+    <p:extLst>
+      <p:ext uri="{BB962C8B-B14F-4D97-AF65-F5344CB8AC3E}">
+        <p14:creationId xmlns:p14="http://schemas.microsoft.com/office/powerpoint/2010/main" val="892831795"/>
+      </p:ext>
+    </p:extLst>
+  </p:cSld>
+  <p:clrMapOvr>
+    <a:masterClrMapping/>
+  </p:clrMapOvr>
+</p:sld>
+</file>
+
+<file path=ppt/slides/slide3.xml><?xml version="1.0" encoding="utf-8"?>
+<p:sld xmlns:a="http://schemas.openxmlformats.org/drawingml/2006/main" xmlns:r="http://schemas.openxmlformats.org/officeDocument/2006/relationships" xmlns:p="http://schemas.openxmlformats.org/presentationml/2006/main">
+  <p:cSld>
+    <p:spTree>
+      <p:nvGrpSpPr>
+        <p:cNvPr id="1" name=""/>
+        <p:cNvGrpSpPr/>
+        <p:nvPr/>
+      </p:nvGrpSpPr>
+      <p:grpSpPr>
+        <a:xfrm>
+          <a:off x="0" y="0"/>
+          <a:ext cx="0" cy="0"/>
+          <a:chOff x="0" y="0"/>
+          <a:chExt cx="0" cy="0"/>
+        </a:xfrm>
+      </p:grpSpPr>
+      <p:pic>
+        <p:nvPicPr>
+          <p:cNvPr id="2054" name="Picture 6" descr="Discover the Largest Largemouth Bass Ever Caught in Michigan - AZ Animals">
+            <a:extLst>
+              <a:ext uri="{FF2B5EF4-FFF2-40B4-BE49-F238E27FC236}">
+                <a16:creationId xmlns:a16="http://schemas.microsoft.com/office/drawing/2014/main" id="{FCEAD9A6-B33C-F7B0-2770-9F92D93944D7}"/>
+              </a:ext>
+            </a:extLst>
+          </p:cNvPr>
+          <p:cNvPicPr>
+            <a:picLocks noChangeAspect="1" noChangeArrowheads="1"/>
+          </p:cNvPicPr>
+          <p:nvPr/>
+        </p:nvPicPr>
+        <p:blipFill>
+          <a:blip r:embed="rId2">
+            <a:extLst>
+              <a:ext uri="{28A0092B-C50C-407E-A947-70E740481C1C}">
+                <a14:useLocalDpi xmlns:a14="http://schemas.microsoft.com/office/drawing/2010/main" val="0"/>
+              </a:ext>
+            </a:extLst>
+          </a:blip>
+          <a:srcRect/>
+          <a:stretch>
+            <a:fillRect/>
+          </a:stretch>
+        </p:blipFill>
+        <p:spPr bwMode="auto">
+          <a:xfrm>
+            <a:off x="-1" y="0"/>
+            <a:ext cx="12192001" cy="6858000"/>
+          </a:xfrm>
+          <a:prstGeom prst="rect">
+            <a:avLst/>
+          </a:prstGeom>
+          <a:noFill/>
+          <a:extLst>
+            <a:ext uri="{909E8E84-426E-40DD-AFC4-6F175D3DCCD1}">
+              <a14:hiddenFill xmlns:a14="http://schemas.microsoft.com/office/drawing/2010/main">
+                <a:solidFill>
+                  <a:srgbClr val="FFFFFF"/>
+                </a:solidFill>
+              </a14:hiddenFill>
+            </a:ext>
+          </a:extLst>
+        </p:spPr>
+      </p:pic>
+      <p:sp>
+        <p:nvSpPr>
+          <p:cNvPr id="2" name="Title 1">
+            <a:extLst>
+              <a:ext uri="{FF2B5EF4-FFF2-40B4-BE49-F238E27FC236}">
+                <a16:creationId xmlns:a16="http://schemas.microsoft.com/office/drawing/2014/main" id="{27F5E1AB-D2BA-0B82-CE90-81200C4E89CE}"/>
+              </a:ext>
+            </a:extLst>
+          </p:cNvPr>
+          <p:cNvSpPr>
+            <a:spLocks noGrp="1"/>
+          </p:cNvSpPr>
+          <p:nvPr>
+            <p:ph type="title"/>
+          </p:nvPr>
+        </p:nvSpPr>
+        <p:spPr>
+          <a:xfrm>
+            <a:off x="433893" y="67834"/>
+            <a:ext cx="10919907" cy="1085558"/>
+          </a:xfrm>
+        </p:spPr>
+        <p:txBody>
+          <a:bodyPr/>
+          <a:lstStyle/>
+          <a:p>
+            <a:r>
+              <a:rPr lang="en-US" dirty="0">
+                <a:solidFill>
+                  <a:schemeClr val="bg1"/>
+                </a:solidFill>
+              </a:rPr>
+              <a:t>GitHub</a:t>
+            </a:r>
+          </a:p>
+        </p:txBody>
+      </p:sp>
+      <p:sp>
+        <p:nvSpPr>
+          <p:cNvPr id="4" name="Content Placeholder 6">
+            <a:extLst>
+              <a:ext uri="{FF2B5EF4-FFF2-40B4-BE49-F238E27FC236}">
+                <a16:creationId xmlns:a16="http://schemas.microsoft.com/office/drawing/2014/main" id="{22110FBA-3CB9-587C-4EC1-00F0A87B92DD}"/>
+              </a:ext>
+            </a:extLst>
+          </p:cNvPr>
+          <p:cNvSpPr txBox="1">
+            <a:spLocks/>
+          </p:cNvSpPr>
+          <p:nvPr/>
+        </p:nvSpPr>
+        <p:spPr>
+          <a:xfrm>
+            <a:off x="236668" y="969845"/>
+            <a:ext cx="6260951" cy="1930082"/>
+          </a:xfrm>
+          <a:prstGeom prst="rect">
+            <a:avLst/>
+          </a:prstGeom>
+          <a:solidFill>
+            <a:schemeClr val="tx1">
+              <a:lumMod val="50000"/>
+              <a:lumOff val="50000"/>
+              <a:alpha val="19000"/>
+            </a:schemeClr>
+          </a:solidFill>
+          <a:effectLst>
+            <a:softEdge rad="63500"/>
+          </a:effectLst>
+        </p:spPr>
+        <p:txBody>
+          <a:bodyPr vert="horz" lIns="91440" tIns="45720" rIns="91440" bIns="45720" rtlCol="0">
+            <a:normAutofit/>
+          </a:bodyPr>
+          <a:lstStyle>
+            <a:lvl1pPr marL="228600" indent="-228600" algn="l" defTabSz="914400" rtl="0" eaLnBrk="1" latinLnBrk="0" hangingPunct="1">
+              <a:lnSpc>
+                <a:spcPct val="90000"/>
+              </a:lnSpc>
+              <a:spcBef>
+                <a:spcPts val="1000"/>
+              </a:spcBef>
+              <a:buFont typeface="Arial" panose="020B0604020202020204" pitchFamily="34" charset="0"/>
+              <a:buChar char="•"/>
+              <a:defRPr sz="2800" kern="1200">
+                <a:solidFill>
+                  <a:schemeClr val="tx1"/>
+                </a:solidFill>
+                <a:latin typeface="+mn-lt"/>
+                <a:ea typeface="+mn-ea"/>
+                <a:cs typeface="+mn-cs"/>
+              </a:defRPr>
+            </a:lvl1pPr>
+            <a:lvl2pPr marL="685800" indent="-228600" algn="l" defTabSz="914400" rtl="0" eaLnBrk="1" latinLnBrk="0" hangingPunct="1">
+              <a:lnSpc>
+                <a:spcPct val="90000"/>
+              </a:lnSpc>
+              <a:spcBef>
+                <a:spcPts val="500"/>
+              </a:spcBef>
+              <a:buFont typeface="Arial" panose="020B0604020202020204" pitchFamily="34" charset="0"/>
+              <a:buChar char="•"/>
+              <a:defRPr sz="2400" kern="1200">
+                <a:solidFill>
+                  <a:schemeClr val="tx1"/>
+                </a:solidFill>
+                <a:latin typeface="+mn-lt"/>
+                <a:ea typeface="+mn-ea"/>
+                <a:cs typeface="+mn-cs"/>
+              </a:defRPr>
+            </a:lvl2pPr>
+            <a:lvl3pPr marL="1143000" indent="-228600" algn="l" defTabSz="914400" rtl="0" eaLnBrk="1" latinLnBrk="0" hangingPunct="1">
+              <a:lnSpc>
+                <a:spcPct val="90000"/>
+              </a:lnSpc>
+              <a:spcBef>
+                <a:spcPts val="500"/>
+              </a:spcBef>
+              <a:buFont typeface="Arial" panose="020B0604020202020204" pitchFamily="34" charset="0"/>
+              <a:buChar char="•"/>
+              <a:defRPr sz="2000" kern="1200">
+                <a:solidFill>
+                  <a:schemeClr val="tx1"/>
+                </a:solidFill>
+                <a:latin typeface="+mn-lt"/>
+                <a:ea typeface="+mn-ea"/>
+                <a:cs typeface="+mn-cs"/>
+              </a:defRPr>
+            </a:lvl3pPr>
+            <a:lvl4pPr marL="1600200" indent="-228600" algn="l" defTabSz="914400" rtl="0" eaLnBrk="1" latinLnBrk="0" hangingPunct="1">
+              <a:lnSpc>
+                <a:spcPct val="90000"/>
+              </a:lnSpc>
+              <a:spcBef>
+                <a:spcPts val="500"/>
+              </a:spcBef>
+              <a:buFont typeface="Arial" panose="020B0604020202020204" pitchFamily="34" charset="0"/>
+              <a:buChar char="•"/>
+              <a:defRPr sz="1800" kern="1200">
+                <a:solidFill>
+                  <a:schemeClr val="tx1"/>
+                </a:solidFill>
+                <a:latin typeface="+mn-lt"/>
+                <a:ea typeface="+mn-ea"/>
+                <a:cs typeface="+mn-cs"/>
+              </a:defRPr>
+            </a:lvl4pPr>
+            <a:lvl5pPr marL="2057400" indent="-228600" algn="l" defTabSz="914400" rtl="0" eaLnBrk="1" latinLnBrk="0" hangingPunct="1">
+              <a:lnSpc>
+                <a:spcPct val="90000"/>
+              </a:lnSpc>
+              <a:spcBef>
+                <a:spcPts val="500"/>
+              </a:spcBef>
+              <a:buFont typeface="Arial" panose="020B0604020202020204" pitchFamily="34" charset="0"/>
+              <a:buChar char="•"/>
+              <a:defRPr sz="1800" kern="1200">
+                <a:solidFill>
+                  <a:schemeClr val="tx1"/>
+                </a:solidFill>
+                <a:latin typeface="+mn-lt"/>
+                <a:ea typeface="+mn-ea"/>
+                <a:cs typeface="+mn-cs"/>
+              </a:defRPr>
+            </a:lvl5pPr>
+            <a:lvl6pPr marL="2514600" indent="-228600" algn="l" defTabSz="914400" rtl="0" eaLnBrk="1" latinLnBrk="0" hangingPunct="1">
+              <a:lnSpc>
+                <a:spcPct val="90000"/>
+              </a:lnSpc>
+              <a:spcBef>
+                <a:spcPts val="500"/>
+              </a:spcBef>
+              <a:buFont typeface="Arial" panose="020B0604020202020204" pitchFamily="34" charset="0"/>
+              <a:buChar char="•"/>
+              <a:defRPr sz="1800" kern="1200">
+                <a:solidFill>
+                  <a:schemeClr val="tx1"/>
+                </a:solidFill>
+                <a:latin typeface="+mn-lt"/>
+                <a:ea typeface="+mn-ea"/>
+                <a:cs typeface="+mn-cs"/>
+              </a:defRPr>
+            </a:lvl6pPr>
+            <a:lvl7pPr marL="2971800" indent="-228600" algn="l" defTabSz="914400" rtl="0" eaLnBrk="1" latinLnBrk="0" hangingPunct="1">
+              <a:lnSpc>
+                <a:spcPct val="90000"/>
+              </a:lnSpc>
+              <a:spcBef>
+                <a:spcPts val="500"/>
+              </a:spcBef>
+              <a:buFont typeface="Arial" panose="020B0604020202020204" pitchFamily="34" charset="0"/>
+              <a:buChar char="•"/>
+              <a:defRPr sz="1800" kern="1200">
+                <a:solidFill>
+                  <a:schemeClr val="tx1"/>
+                </a:solidFill>
+                <a:latin typeface="+mn-lt"/>
+                <a:ea typeface="+mn-ea"/>
+                <a:cs typeface="+mn-cs"/>
+              </a:defRPr>
+            </a:lvl7pPr>
+            <a:lvl8pPr marL="3429000" indent="-228600" algn="l" defTabSz="914400" rtl="0" eaLnBrk="1" latinLnBrk="0" hangingPunct="1">
+              <a:lnSpc>
+                <a:spcPct val="90000"/>
+              </a:lnSpc>
+              <a:spcBef>
+                <a:spcPts val="500"/>
+              </a:spcBef>
+              <a:buFont typeface="Arial" panose="020B0604020202020204" pitchFamily="34" charset="0"/>
+              <a:buChar char="•"/>
+              <a:defRPr sz="1800" kern="1200">
+                <a:solidFill>
+                  <a:schemeClr val="tx1"/>
+                </a:solidFill>
+                <a:latin typeface="+mn-lt"/>
+                <a:ea typeface="+mn-ea"/>
+                <a:cs typeface="+mn-cs"/>
+              </a:defRPr>
+            </a:lvl8pPr>
+            <a:lvl9pPr marL="3886200" indent="-228600" algn="l" defTabSz="914400" rtl="0" eaLnBrk="1" latinLnBrk="0" hangingPunct="1">
+              <a:lnSpc>
+                <a:spcPct val="90000"/>
+              </a:lnSpc>
+              <a:spcBef>
+                <a:spcPts val="500"/>
+              </a:spcBef>
+              <a:buFont typeface="Arial" panose="020B0604020202020204" pitchFamily="34" charset="0"/>
+              <a:buChar char="•"/>
+              <a:defRPr sz="1800" kern="1200">
+                <a:solidFill>
+                  <a:schemeClr val="tx1"/>
+                </a:solidFill>
+                <a:latin typeface="+mn-lt"/>
+                <a:ea typeface="+mn-ea"/>
+                <a:cs typeface="+mn-cs"/>
+              </a:defRPr>
+            </a:lvl9pPr>
+          </a:lstStyle>
+          <a:p>
+            <a:r>
+              <a:rPr lang="en-US" dirty="0">
+                <a:solidFill>
+                  <a:schemeClr val="bg1"/>
+                </a:solidFill>
+              </a:rPr>
+              <a:t>There is a GitHub setup with a full ReadMe file.</a:t>
+            </a:r>
+          </a:p>
+          <a:p>
+            <a:r>
+              <a:rPr lang="en-US" dirty="0">
+                <a:solidFill>
+                  <a:schemeClr val="bg1"/>
+                </a:solidFill>
+              </a:rPr>
+              <a:t>There are several branches for each individual block of the project.</a:t>
+            </a:r>
+          </a:p>
+          <a:p>
+            <a:pPr marL="0" indent="0">
+              <a:buNone/>
+            </a:pPr>
+            <a:endParaRPr lang="en-US" dirty="0">
+              <a:solidFill>
+                <a:schemeClr val="bg1"/>
+              </a:solidFill>
+            </a:endParaRPr>
+          </a:p>
+          <a:p>
+            <a:endParaRPr lang="en-US" dirty="0">
+              <a:solidFill>
+                <a:schemeClr val="bg1"/>
+              </a:solidFill>
+            </a:endParaRPr>
+          </a:p>
+          <a:p>
+            <a:endParaRPr lang="en-US" dirty="0">
+              <a:solidFill>
+                <a:schemeClr val="bg1"/>
+              </a:solidFill>
+            </a:endParaRPr>
+          </a:p>
+          <a:p>
+            <a:pPr marL="0" indent="0">
+              <a:buFont typeface="Arial" panose="020B0604020202020204" pitchFamily="34" charset="0"/>
+              <a:buNone/>
+            </a:pPr>
+            <a:endParaRPr lang="en-US" dirty="0">
+              <a:solidFill>
+                <a:schemeClr val="bg1"/>
+              </a:solidFill>
+            </a:endParaRPr>
+          </a:p>
+        </p:txBody>
+      </p:sp>
+      <p:pic>
+        <p:nvPicPr>
+          <p:cNvPr id="2050" name="Picture 2">
+            <a:extLst>
+              <a:ext uri="{FF2B5EF4-FFF2-40B4-BE49-F238E27FC236}">
+                <a16:creationId xmlns:a16="http://schemas.microsoft.com/office/drawing/2014/main" id="{28DD2E75-5BD3-B82F-F785-B72FA5D16ED0}"/>
+              </a:ext>
+            </a:extLst>
+          </p:cNvPr>
+          <p:cNvPicPr>
+            <a:picLocks noChangeAspect="1" noChangeArrowheads="1"/>
+          </p:cNvPicPr>
+          <p:nvPr/>
+        </p:nvPicPr>
+        <p:blipFill>
+          <a:blip r:embed="rId3">
+            <a:extLst>
+              <a:ext uri="{28A0092B-C50C-407E-A947-70E740481C1C}">
+                <a14:useLocalDpi xmlns:a14="http://schemas.microsoft.com/office/drawing/2010/main" val="0"/>
+              </a:ext>
+            </a:extLst>
+          </a:blip>
+          <a:srcRect/>
+          <a:stretch>
+            <a:fillRect/>
+          </a:stretch>
+        </p:blipFill>
+        <p:spPr bwMode="auto">
+          <a:xfrm>
+            <a:off x="7202356" y="1393396"/>
+            <a:ext cx="4555751" cy="4943145"/>
+          </a:xfrm>
+          <a:prstGeom prst="rect">
+            <a:avLst/>
+          </a:prstGeom>
+          <a:noFill/>
+          <a:extLst>
+            <a:ext uri="{909E8E84-426E-40DD-AFC4-6F175D3DCCD1}">
+              <a14:hiddenFill xmlns:a14="http://schemas.microsoft.com/office/drawing/2010/main">
+                <a:solidFill>
+                  <a:srgbClr val="FFFFFF"/>
+                </a:solidFill>
+              </a14:hiddenFill>
+            </a:ext>
+          </a:extLst>
+        </p:spPr>
+      </p:pic>
+      <p:pic>
+        <p:nvPicPr>
+          <p:cNvPr id="10" name="Picture 9">
+            <a:extLst>
+              <a:ext uri="{FF2B5EF4-FFF2-40B4-BE49-F238E27FC236}">
+                <a16:creationId xmlns:a16="http://schemas.microsoft.com/office/drawing/2014/main" id="{10E258AF-F3F5-B05A-287C-991D276B367D}"/>
+              </a:ext>
+            </a:extLst>
+          </p:cNvPr>
+          <p:cNvPicPr>
+            <a:picLocks noChangeAspect="1"/>
+          </p:cNvPicPr>
+          <p:nvPr/>
+        </p:nvPicPr>
+        <p:blipFill>
+          <a:blip r:embed="rId4"/>
+          <a:stretch>
+            <a:fillRect/>
+          </a:stretch>
+        </p:blipFill>
+        <p:spPr>
+          <a:xfrm>
+            <a:off x="433893" y="3317785"/>
+            <a:ext cx="5888636" cy="3018756"/>
+          </a:xfrm>
+          <a:prstGeom prst="rect">
+            <a:avLst/>
+          </a:prstGeom>
+        </p:spPr>
+      </p:pic>
+    </p:spTree>
+    <p:extLst>
+      <p:ext uri="{BB962C8B-B14F-4D97-AF65-F5344CB8AC3E}">
+        <p14:creationId xmlns:p14="http://schemas.microsoft.com/office/powerpoint/2010/main" val="1750295921"/>
+      </p:ext>
+    </p:extLst>
+  </p:cSld>
+  <p:clrMapOvr>
+    <a:masterClrMapping/>
+  </p:clrMapOvr>
+</p:sld>
+</file>
+
+<file path=ppt/slides/slide4.xml><?xml version="1.0" encoding="utf-8"?>
+<p:sld xmlns:a="http://schemas.openxmlformats.org/drawingml/2006/main" xmlns:r="http://schemas.openxmlformats.org/officeDocument/2006/relationships" xmlns:p="http://schemas.openxmlformats.org/presentationml/2006/main">
+  <p:cSld>
+    <p:spTree>
+      <p:nvGrpSpPr>
+        <p:cNvPr id="1" name=""/>
+        <p:cNvGrpSpPr/>
+        <p:nvPr/>
+      </p:nvGrpSpPr>
+      <p:grpSpPr>
+        <a:xfrm>
+          <a:off x="0" y="0"/>
+          <a:ext cx="0" cy="0"/>
+          <a:chOff x="0" y="0"/>
+          <a:chExt cx="0" cy="0"/>
+        </a:xfrm>
+      </p:grpSpPr>
+      <p:pic>
+        <p:nvPicPr>
+          <p:cNvPr id="4" name="Picture 6" descr="Discover the Largest Largemouth Bass Ever Caught in Michigan - AZ Animals">
+            <a:extLst>
+              <a:ext uri="{FF2B5EF4-FFF2-40B4-BE49-F238E27FC236}">
+                <a16:creationId xmlns:a16="http://schemas.microsoft.com/office/drawing/2014/main" id="{8E11580F-8677-09F5-7E3F-6AFD7AEEF81F}"/>
+              </a:ext>
+            </a:extLst>
+          </p:cNvPr>
+          <p:cNvPicPr>
+            <a:picLocks noChangeAspect="1" noChangeArrowheads="1"/>
+          </p:cNvPicPr>
+          <p:nvPr/>
+        </p:nvPicPr>
+        <p:blipFill>
+          <a:blip r:embed="rId2">
+            <a:extLst>
+              <a:ext uri="{28A0092B-C50C-407E-A947-70E740481C1C}">
+                <a14:useLocalDpi xmlns:a14="http://schemas.microsoft.com/office/drawing/2010/main" val="0"/>
+              </a:ext>
+            </a:extLst>
+          </a:blip>
+          <a:srcRect/>
+          <a:stretch>
+            <a:fillRect/>
+          </a:stretch>
+        </p:blipFill>
+        <p:spPr bwMode="auto">
+          <a:xfrm>
+            <a:off x="-1" y="0"/>
+            <a:ext cx="12192001" cy="6858000"/>
+          </a:xfrm>
+          <a:prstGeom prst="rect">
+            <a:avLst/>
+          </a:prstGeom>
+          <a:noFill/>
+          <a:extLst>
+            <a:ext uri="{909E8E84-426E-40DD-AFC4-6F175D3DCCD1}">
+              <a14:hiddenFill xmlns:a14="http://schemas.microsoft.com/office/drawing/2010/main">
+                <a:solidFill>
+                  <a:srgbClr val="FFFFFF"/>
+                </a:solidFill>
+              </a14:hiddenFill>
+            </a:ext>
+          </a:extLst>
+        </p:spPr>
+      </p:pic>
+      <p:sp>
+        <p:nvSpPr>
+          <p:cNvPr id="2" name="Title 1">
+            <a:extLst>
+              <a:ext uri="{FF2B5EF4-FFF2-40B4-BE49-F238E27FC236}">
+                <a16:creationId xmlns:a16="http://schemas.microsoft.com/office/drawing/2014/main" id="{9913976F-583A-F671-68DC-71FAC469BA39}"/>
+              </a:ext>
+            </a:extLst>
+          </p:cNvPr>
+          <p:cNvSpPr>
+            <a:spLocks noGrp="1"/>
+          </p:cNvSpPr>
+          <p:nvPr>
+            <p:ph type="title"/>
+          </p:nvPr>
+        </p:nvSpPr>
+        <p:spPr>
+          <a:xfrm>
+            <a:off x="268045" y="84930"/>
+            <a:ext cx="10515600" cy="1325563"/>
+          </a:xfrm>
+        </p:spPr>
+        <p:txBody>
+          <a:bodyPr/>
+          <a:lstStyle/>
+          <a:p>
+            <a:r>
+              <a:rPr lang="en-US" dirty="0">
+                <a:solidFill>
+                  <a:schemeClr val="bg1"/>
+                </a:solidFill>
+              </a:rPr>
+              <a:t>Database</a:t>
+            </a:r>
+          </a:p>
+        </p:txBody>
+      </p:sp>
+      <p:sp>
+        <p:nvSpPr>
+          <p:cNvPr id="3" name="Content Placeholder 2">
+            <a:extLst>
+              <a:ext uri="{FF2B5EF4-FFF2-40B4-BE49-F238E27FC236}">
+                <a16:creationId xmlns:a16="http://schemas.microsoft.com/office/drawing/2014/main" id="{2E4E7C7E-11B9-1701-813A-173DE28B897B}"/>
+              </a:ext>
+            </a:extLst>
+          </p:cNvPr>
+          <p:cNvSpPr>
+            <a:spLocks noGrp="1"/>
+          </p:cNvSpPr>
+          <p:nvPr>
+            <p:ph idx="1"/>
+          </p:nvPr>
+        </p:nvSpPr>
+        <p:spPr>
+          <a:xfrm>
+            <a:off x="268045" y="1253331"/>
+            <a:ext cx="11543851" cy="978935"/>
+          </a:xfrm>
+          <a:solidFill>
+            <a:schemeClr val="tx1">
+              <a:lumMod val="50000"/>
+              <a:lumOff val="50000"/>
+              <a:alpha val="19000"/>
+            </a:schemeClr>
+          </a:solidFill>
+          <a:effectLst>
+            <a:softEdge rad="63500"/>
+          </a:effectLst>
+        </p:spPr>
+        <p:txBody>
+          <a:bodyPr vert="horz" lIns="91440" tIns="45720" rIns="91440" bIns="45720" rtlCol="0">
+            <a:normAutofit/>
+          </a:bodyPr>
+          <a:lstStyle/>
+          <a:p>
+            <a:r>
+              <a:rPr lang="en-US" dirty="0" err="1">
+                <a:solidFill>
+                  <a:schemeClr val="bg1"/>
+                </a:solidFill>
+              </a:rPr>
+              <a:t>pgAdmin</a:t>
+            </a:r>
+            <a:r>
+              <a:rPr lang="en-US" dirty="0">
+                <a:solidFill>
+                  <a:schemeClr val="bg1"/>
+                </a:solidFill>
+              </a:rPr>
+              <a:t> 4 is used for a PostgreSQL database and the iterations of data are stored there.</a:t>
+            </a:r>
+          </a:p>
+        </p:txBody>
+      </p:sp>
+      <p:grpSp>
+        <p:nvGrpSpPr>
+          <p:cNvPr id="8" name="Group 7">
+            <a:extLst>
+              <a:ext uri="{FF2B5EF4-FFF2-40B4-BE49-F238E27FC236}">
+                <a16:creationId xmlns:a16="http://schemas.microsoft.com/office/drawing/2014/main" id="{BD97D69F-2460-C6D5-333C-14130CBCB072}"/>
+              </a:ext>
+            </a:extLst>
+          </p:cNvPr>
+          <p:cNvGrpSpPr/>
+          <p:nvPr/>
+        </p:nvGrpSpPr>
+        <p:grpSpPr>
+          <a:xfrm>
+            <a:off x="268045" y="2232266"/>
+            <a:ext cx="2038350" cy="1495425"/>
+            <a:chOff x="5076825" y="2524125"/>
+            <a:chExt cx="2038350" cy="1495425"/>
+          </a:xfrm>
+        </p:grpSpPr>
+        <p:pic>
+          <p:nvPicPr>
+            <p:cNvPr id="5" name="Picture 4">
+              <a:extLst>
+                <a:ext uri="{FF2B5EF4-FFF2-40B4-BE49-F238E27FC236}">
+                  <a16:creationId xmlns:a16="http://schemas.microsoft.com/office/drawing/2014/main" id="{80F027FB-830B-68E1-8959-8CD668758772}"/>
+                </a:ext>
+              </a:extLst>
+            </p:cNvPr>
+            <p:cNvPicPr>
+              <a:picLocks noChangeAspect="1"/>
+            </p:cNvPicPr>
+            <p:nvPr/>
+          </p:nvPicPr>
+          <p:blipFill>
+            <a:blip r:embed="rId3"/>
+            <a:stretch>
+              <a:fillRect/>
+            </a:stretch>
+          </p:blipFill>
+          <p:spPr>
+            <a:xfrm>
+              <a:off x="5076825" y="2838450"/>
+              <a:ext cx="2038350" cy="1181100"/>
+            </a:xfrm>
+            <a:prstGeom prst="rect">
+              <a:avLst/>
+            </a:prstGeom>
+          </p:spPr>
+        </p:pic>
+        <p:pic>
+          <p:nvPicPr>
+            <p:cNvPr id="7" name="Picture 6">
+              <a:extLst>
+                <a:ext uri="{FF2B5EF4-FFF2-40B4-BE49-F238E27FC236}">
+                  <a16:creationId xmlns:a16="http://schemas.microsoft.com/office/drawing/2014/main" id="{17A5559A-5673-7ED0-A831-9D894A44812A}"/>
+                </a:ext>
+              </a:extLst>
+            </p:cNvPr>
+            <p:cNvPicPr>
+              <a:picLocks noChangeAspect="1"/>
+            </p:cNvPicPr>
+            <p:nvPr/>
+          </p:nvPicPr>
+          <p:blipFill>
+            <a:blip r:embed="rId4"/>
+            <a:stretch>
+              <a:fillRect/>
+            </a:stretch>
+          </p:blipFill>
+          <p:spPr>
+            <a:xfrm>
+              <a:off x="5076825" y="2524125"/>
+              <a:ext cx="1819275" cy="314325"/>
+            </a:xfrm>
+            <a:prstGeom prst="rect">
+              <a:avLst/>
+            </a:prstGeom>
+          </p:spPr>
+        </p:pic>
+      </p:grpSp>
+      <p:pic>
+        <p:nvPicPr>
+          <p:cNvPr id="10" name="Picture 9">
+            <a:extLst>
+              <a:ext uri="{FF2B5EF4-FFF2-40B4-BE49-F238E27FC236}">
+                <a16:creationId xmlns:a16="http://schemas.microsoft.com/office/drawing/2014/main" id="{FFEA1E5A-E873-00AA-73F1-89A8F40C41D5}"/>
+              </a:ext>
+            </a:extLst>
+          </p:cNvPr>
+          <p:cNvPicPr>
+            <a:picLocks noChangeAspect="1"/>
+          </p:cNvPicPr>
+          <p:nvPr/>
+        </p:nvPicPr>
+        <p:blipFill>
+          <a:blip r:embed="rId5"/>
+          <a:stretch>
+            <a:fillRect/>
+          </a:stretch>
+        </p:blipFill>
+        <p:spPr>
+          <a:xfrm>
+            <a:off x="268045" y="3859596"/>
+            <a:ext cx="7863840" cy="2434625"/>
+          </a:xfrm>
+          <a:prstGeom prst="rect">
+            <a:avLst/>
+          </a:prstGeom>
+        </p:spPr>
+      </p:pic>
+    </p:spTree>
+    <p:extLst>
+      <p:ext uri="{BB962C8B-B14F-4D97-AF65-F5344CB8AC3E}">
+        <p14:creationId xmlns:p14="http://schemas.microsoft.com/office/powerpoint/2010/main" val="1056499427"/>
+      </p:ext>
+    </p:extLst>
+  </p:cSld>
+  <p:clrMapOvr>
+    <a:masterClrMapping/>
+  </p:clrMapOvr>
+</p:sld>
+</file>
+
+<file path=ppt/slides/slide5.xml><?xml version="1.0" encoding="utf-8"?>
+<p:sld xmlns:a="http://schemas.openxmlformats.org/drawingml/2006/main" xmlns:r="http://schemas.openxmlformats.org/officeDocument/2006/relationships" xmlns:p="http://schemas.openxmlformats.org/presentationml/2006/main">
+  <p:cSld>
+    <p:spTree>
+      <p:nvGrpSpPr>
+        <p:cNvPr id="1" name=""/>
+        <p:cNvGrpSpPr/>
+        <p:nvPr/>
+      </p:nvGrpSpPr>
+      <p:grpSpPr>
+        <a:xfrm>
+          <a:off x="0" y="0"/>
+          <a:ext cx="0" cy="0"/>
+          <a:chOff x="0" y="0"/>
+          <a:chExt cx="0" cy="0"/>
+        </a:xfrm>
+      </p:grpSpPr>
+      <p:pic>
+        <p:nvPicPr>
+          <p:cNvPr id="4" name="Picture 6" descr="Discover the Largest Largemouth Bass Ever Caught in Michigan - AZ Animals">
+            <a:extLst>
+              <a:ext uri="{FF2B5EF4-FFF2-40B4-BE49-F238E27FC236}">
+                <a16:creationId xmlns:a16="http://schemas.microsoft.com/office/drawing/2014/main" id="{7D26069A-CEF6-B1B5-0B55-3E2178A28A47}"/>
+              </a:ext>
+            </a:extLst>
+          </p:cNvPr>
+          <p:cNvPicPr>
+            <a:picLocks noChangeAspect="1" noChangeArrowheads="1"/>
+          </p:cNvPicPr>
+          <p:nvPr/>
+        </p:nvPicPr>
+        <p:blipFill>
+          <a:blip r:embed="rId2">
+            <a:extLst>
+              <a:ext uri="{28A0092B-C50C-407E-A947-70E740481C1C}">
+                <a14:useLocalDpi xmlns:a14="http://schemas.microsoft.com/office/drawing/2010/main" val="0"/>
+              </a:ext>
+            </a:extLst>
+          </a:blip>
+          <a:srcRect/>
+          <a:stretch>
+            <a:fillRect/>
+          </a:stretch>
+        </p:blipFill>
+        <p:spPr bwMode="auto">
+          <a:xfrm>
+            <a:off x="-1" y="0"/>
+            <a:ext cx="12192001" cy="6858000"/>
+          </a:xfrm>
+          <a:prstGeom prst="rect">
+            <a:avLst/>
+          </a:prstGeom>
+          <a:noFill/>
+          <a:extLst>
+            <a:ext uri="{909E8E84-426E-40DD-AFC4-6F175D3DCCD1}">
+              <a14:hiddenFill xmlns:a14="http://schemas.microsoft.com/office/drawing/2010/main">
+                <a:solidFill>
+                  <a:srgbClr val="FFFFFF"/>
+                </a:solidFill>
+              </a14:hiddenFill>
+            </a:ext>
+          </a:extLst>
+        </p:spPr>
+      </p:pic>
+      <p:sp>
+        <p:nvSpPr>
+          <p:cNvPr id="2" name="Title 1">
+            <a:extLst>
+              <a:ext uri="{FF2B5EF4-FFF2-40B4-BE49-F238E27FC236}">
+                <a16:creationId xmlns:a16="http://schemas.microsoft.com/office/drawing/2014/main" id="{DB6C50B3-1F6A-FCFE-3C3C-CEE732AB82DA}"/>
+              </a:ext>
+            </a:extLst>
+          </p:cNvPr>
+          <p:cNvSpPr>
+            <a:spLocks noGrp="1"/>
+          </p:cNvSpPr>
+          <p:nvPr>
+            <p:ph type="title"/>
+          </p:nvPr>
+        </p:nvSpPr>
+        <p:spPr/>
+        <p:txBody>
+          <a:bodyPr/>
+          <a:lstStyle/>
+          <a:p>
+            <a:pPr algn="ctr"/>
+            <a:r>
+              <a:rPr lang="en-US" dirty="0">
+                <a:solidFill>
+                  <a:schemeClr val="bg1"/>
+                </a:solidFill>
+              </a:rPr>
+              <a:t>Data Exploration and Cleaning</a:t>
+            </a:r>
+          </a:p>
+        </p:txBody>
+      </p:sp>
+      <p:sp>
+        <p:nvSpPr>
+          <p:cNvPr id="3" name="Content Placeholder 2">
+            <a:extLst>
+              <a:ext uri="{FF2B5EF4-FFF2-40B4-BE49-F238E27FC236}">
+                <a16:creationId xmlns:a16="http://schemas.microsoft.com/office/drawing/2014/main" id="{FF296A18-CCEE-7FF5-A183-126A61B9AAE7}"/>
+              </a:ext>
+            </a:extLst>
+          </p:cNvPr>
+          <p:cNvSpPr>
+            <a:spLocks noGrp="1"/>
+          </p:cNvSpPr>
+          <p:nvPr>
+            <p:ph idx="1"/>
+          </p:nvPr>
+        </p:nvSpPr>
+        <p:spPr>
+          <a:xfrm>
+            <a:off x="1" y="1506070"/>
+            <a:ext cx="6095999" cy="2463501"/>
+          </a:xfrm>
+        </p:spPr>
+        <p:txBody>
+          <a:bodyPr>
+            <a:normAutofit fontScale="70000" lnSpcReduction="20000"/>
+          </a:bodyPr>
+          <a:lstStyle/>
+          <a:p>
+            <a:r>
+              <a:rPr lang="en-US" dirty="0">
+                <a:solidFill>
+                  <a:schemeClr val="bg1"/>
+                </a:solidFill>
+              </a:rPr>
+              <a:t>As expected, the data is very noisy with not much separating the data.</a:t>
+            </a:r>
+          </a:p>
+          <a:p>
+            <a:r>
+              <a:rPr lang="en-US" dirty="0">
+                <a:solidFill>
+                  <a:schemeClr val="bg1"/>
+                </a:solidFill>
+              </a:rPr>
+              <a:t>See </a:t>
+            </a:r>
+            <a:r>
+              <a:rPr lang="en-US" dirty="0">
+                <a:solidFill>
+                  <a:schemeClr val="bg1"/>
+                </a:solidFill>
+                <a:hlinkClick r:id="rId3">
+                  <a:extLst>
+                    <a:ext uri="{A12FA001-AC4F-418D-AE19-62706E023703}">
+                      <ahyp:hlinkClr xmlns:ahyp="http://schemas.microsoft.com/office/drawing/2018/hyperlinkcolor" val="tx"/>
+                    </a:ext>
+                  </a:extLst>
+                </a:hlinkClick>
+              </a:rPr>
+              <a:t>Interactive Dashboard</a:t>
+            </a:r>
+            <a:r>
+              <a:rPr lang="en-US" dirty="0">
+                <a:solidFill>
+                  <a:schemeClr val="bg1"/>
+                </a:solidFill>
+              </a:rPr>
+              <a:t> for examples</a:t>
+            </a:r>
+          </a:p>
+          <a:p>
+            <a:r>
+              <a:rPr lang="en-US" dirty="0">
+                <a:solidFill>
+                  <a:schemeClr val="bg1"/>
+                </a:solidFill>
+              </a:rPr>
+              <a:t>A few columns were transformed into formats better suited for analysis such as changing weight from a  ‘</a:t>
+            </a:r>
+            <a:r>
+              <a:rPr lang="en-US" dirty="0" err="1">
+                <a:solidFill>
+                  <a:schemeClr val="bg1"/>
+                </a:solidFill>
+              </a:rPr>
+              <a:t>lbs</a:t>
+            </a:r>
+            <a:r>
+              <a:rPr lang="en-US" dirty="0">
+                <a:solidFill>
+                  <a:schemeClr val="bg1"/>
+                </a:solidFill>
+              </a:rPr>
+              <a:t>-oz’  string format to a simple decimal format.</a:t>
+            </a:r>
+          </a:p>
+          <a:p>
+            <a:r>
+              <a:rPr lang="en-US" dirty="0">
+                <a:solidFill>
+                  <a:schemeClr val="bg1"/>
+                </a:solidFill>
+              </a:rPr>
+              <a:t>A few features were bucketed such as time of day to limit the amount of variables for the model. </a:t>
+            </a:r>
+          </a:p>
+        </p:txBody>
+      </p:sp>
+      <p:pic>
+        <p:nvPicPr>
+          <p:cNvPr id="5" name="Picture 4">
+            <a:extLst>
+              <a:ext uri="{FF2B5EF4-FFF2-40B4-BE49-F238E27FC236}">
+                <a16:creationId xmlns:a16="http://schemas.microsoft.com/office/drawing/2014/main" id="{5E1E638E-99E8-56F8-794A-2A156B638B37}"/>
+              </a:ext>
+            </a:extLst>
+          </p:cNvPr>
+          <p:cNvPicPr>
+            <a:picLocks noChangeAspect="1"/>
+          </p:cNvPicPr>
+          <p:nvPr/>
+        </p:nvPicPr>
+        <p:blipFill>
+          <a:blip r:embed="rId4"/>
+          <a:stretch>
+            <a:fillRect/>
+          </a:stretch>
+        </p:blipFill>
+        <p:spPr>
+          <a:xfrm>
+            <a:off x="361939" y="3899646"/>
+            <a:ext cx="4155553" cy="2593229"/>
+          </a:xfrm>
+          <a:prstGeom prst="rect">
+            <a:avLst/>
+          </a:prstGeom>
+        </p:spPr>
+      </p:pic>
+      <p:sp>
+        <p:nvSpPr>
+          <p:cNvPr id="6" name="Content Placeholder 2">
+            <a:extLst>
+              <a:ext uri="{FF2B5EF4-FFF2-40B4-BE49-F238E27FC236}">
+                <a16:creationId xmlns:a16="http://schemas.microsoft.com/office/drawing/2014/main" id="{AB4712E2-4BB1-E1C1-AA04-3DEA2EA2FC90}"/>
+              </a:ext>
+            </a:extLst>
+          </p:cNvPr>
+          <p:cNvSpPr txBox="1">
+            <a:spLocks/>
+          </p:cNvSpPr>
+          <p:nvPr/>
+        </p:nvSpPr>
+        <p:spPr>
+          <a:xfrm>
+            <a:off x="6096000" y="1613646"/>
+            <a:ext cx="6095999" cy="2355926"/>
+          </a:xfrm>
+          <a:prstGeom prst="rect">
+            <a:avLst/>
+          </a:prstGeom>
+        </p:spPr>
+        <p:txBody>
+          <a:bodyPr vert="horz" lIns="91440" tIns="45720" rIns="91440" bIns="45720" rtlCol="0">
+            <a:normAutofit/>
+          </a:bodyPr>
+          <a:lstStyle>
+            <a:lvl1pPr marL="228600" indent="-228600" algn="l" defTabSz="914400" rtl="0" eaLnBrk="1" latinLnBrk="0" hangingPunct="1">
+              <a:lnSpc>
+                <a:spcPct val="90000"/>
+              </a:lnSpc>
+              <a:spcBef>
+                <a:spcPts val="1000"/>
+              </a:spcBef>
+              <a:buFont typeface="Arial" panose="020B0604020202020204" pitchFamily="34" charset="0"/>
+              <a:buChar char="•"/>
+              <a:defRPr sz="2800" kern="1200">
+                <a:solidFill>
+                  <a:schemeClr val="tx1"/>
+                </a:solidFill>
+                <a:latin typeface="+mn-lt"/>
+                <a:ea typeface="+mn-ea"/>
+                <a:cs typeface="+mn-cs"/>
+              </a:defRPr>
+            </a:lvl1pPr>
+            <a:lvl2pPr marL="685800" indent="-228600" algn="l" defTabSz="914400" rtl="0" eaLnBrk="1" latinLnBrk="0" hangingPunct="1">
+              <a:lnSpc>
+                <a:spcPct val="90000"/>
+              </a:lnSpc>
+              <a:spcBef>
+                <a:spcPts val="500"/>
+              </a:spcBef>
+              <a:buFont typeface="Arial" panose="020B0604020202020204" pitchFamily="34" charset="0"/>
+              <a:buChar char="•"/>
+              <a:defRPr sz="2400" kern="1200">
+                <a:solidFill>
+                  <a:schemeClr val="tx1"/>
+                </a:solidFill>
+                <a:latin typeface="+mn-lt"/>
+                <a:ea typeface="+mn-ea"/>
+                <a:cs typeface="+mn-cs"/>
+              </a:defRPr>
+            </a:lvl2pPr>
+            <a:lvl3pPr marL="1143000" indent="-228600" algn="l" defTabSz="914400" rtl="0" eaLnBrk="1" latinLnBrk="0" hangingPunct="1">
+              <a:lnSpc>
+                <a:spcPct val="90000"/>
+              </a:lnSpc>
+              <a:spcBef>
+                <a:spcPts val="500"/>
+              </a:spcBef>
+              <a:buFont typeface="Arial" panose="020B0604020202020204" pitchFamily="34" charset="0"/>
+              <a:buChar char="•"/>
+              <a:defRPr sz="2000" kern="1200">
+                <a:solidFill>
+                  <a:schemeClr val="tx1"/>
+                </a:solidFill>
+                <a:latin typeface="+mn-lt"/>
+                <a:ea typeface="+mn-ea"/>
+                <a:cs typeface="+mn-cs"/>
+              </a:defRPr>
+            </a:lvl3pPr>
+            <a:lvl4pPr marL="1600200" indent="-228600" algn="l" defTabSz="914400" rtl="0" eaLnBrk="1" latinLnBrk="0" hangingPunct="1">
+              <a:lnSpc>
+                <a:spcPct val="90000"/>
+              </a:lnSpc>
+              <a:spcBef>
+                <a:spcPts val="500"/>
+              </a:spcBef>
+              <a:buFont typeface="Arial" panose="020B0604020202020204" pitchFamily="34" charset="0"/>
+              <a:buChar char="•"/>
+              <a:defRPr sz="1800" kern="1200">
+                <a:solidFill>
+                  <a:schemeClr val="tx1"/>
+                </a:solidFill>
+                <a:latin typeface="+mn-lt"/>
+                <a:ea typeface="+mn-ea"/>
+                <a:cs typeface="+mn-cs"/>
+              </a:defRPr>
+            </a:lvl4pPr>
+            <a:lvl5pPr marL="2057400" indent="-228600" algn="l" defTabSz="914400" rtl="0" eaLnBrk="1" latinLnBrk="0" hangingPunct="1">
+              <a:lnSpc>
+                <a:spcPct val="90000"/>
+              </a:lnSpc>
+              <a:spcBef>
+                <a:spcPts val="500"/>
+              </a:spcBef>
+              <a:buFont typeface="Arial" panose="020B0604020202020204" pitchFamily="34" charset="0"/>
+              <a:buChar char="•"/>
+              <a:defRPr sz="1800" kern="1200">
+                <a:solidFill>
+                  <a:schemeClr val="tx1"/>
+                </a:solidFill>
+                <a:latin typeface="+mn-lt"/>
+                <a:ea typeface="+mn-ea"/>
+                <a:cs typeface="+mn-cs"/>
+              </a:defRPr>
+            </a:lvl5pPr>
+            <a:lvl6pPr marL="2514600" indent="-228600" algn="l" defTabSz="914400" rtl="0" eaLnBrk="1" latinLnBrk="0" hangingPunct="1">
+              <a:lnSpc>
+                <a:spcPct val="90000"/>
+              </a:lnSpc>
+              <a:spcBef>
+                <a:spcPts val="500"/>
+              </a:spcBef>
+              <a:buFont typeface="Arial" panose="020B0604020202020204" pitchFamily="34" charset="0"/>
+              <a:buChar char="•"/>
+              <a:defRPr sz="1800" kern="1200">
+                <a:solidFill>
+                  <a:schemeClr val="tx1"/>
+                </a:solidFill>
+                <a:latin typeface="+mn-lt"/>
+                <a:ea typeface="+mn-ea"/>
+                <a:cs typeface="+mn-cs"/>
+              </a:defRPr>
+            </a:lvl6pPr>
+            <a:lvl7pPr marL="2971800" indent="-228600" algn="l" defTabSz="914400" rtl="0" eaLnBrk="1" latinLnBrk="0" hangingPunct="1">
+              <a:lnSpc>
+                <a:spcPct val="90000"/>
+              </a:lnSpc>
+              <a:spcBef>
+                <a:spcPts val="500"/>
+              </a:spcBef>
+              <a:buFont typeface="Arial" panose="020B0604020202020204" pitchFamily="34" charset="0"/>
+              <a:buChar char="•"/>
+              <a:defRPr sz="1800" kern="1200">
+                <a:solidFill>
+                  <a:schemeClr val="tx1"/>
+                </a:solidFill>
+                <a:latin typeface="+mn-lt"/>
+                <a:ea typeface="+mn-ea"/>
+                <a:cs typeface="+mn-cs"/>
+              </a:defRPr>
+            </a:lvl7pPr>
+            <a:lvl8pPr marL="3429000" indent="-228600" algn="l" defTabSz="914400" rtl="0" eaLnBrk="1" latinLnBrk="0" hangingPunct="1">
+              <a:lnSpc>
+                <a:spcPct val="90000"/>
+              </a:lnSpc>
+              <a:spcBef>
+                <a:spcPts val="500"/>
+              </a:spcBef>
+              <a:buFont typeface="Arial" panose="020B0604020202020204" pitchFamily="34" charset="0"/>
+              <a:buChar char="•"/>
+              <a:defRPr sz="1800" kern="1200">
+                <a:solidFill>
+                  <a:schemeClr val="tx1"/>
+                </a:solidFill>
+                <a:latin typeface="+mn-lt"/>
+                <a:ea typeface="+mn-ea"/>
+                <a:cs typeface="+mn-cs"/>
+              </a:defRPr>
+            </a:lvl8pPr>
+            <a:lvl9pPr marL="3886200" indent="-228600" algn="l" defTabSz="914400" rtl="0" eaLnBrk="1" latinLnBrk="0" hangingPunct="1">
+              <a:lnSpc>
+                <a:spcPct val="90000"/>
+              </a:lnSpc>
+              <a:spcBef>
+                <a:spcPts val="500"/>
+              </a:spcBef>
+              <a:buFont typeface="Arial" panose="020B0604020202020204" pitchFamily="34" charset="0"/>
+              <a:buChar char="•"/>
+              <a:defRPr sz="1800" kern="1200">
+                <a:solidFill>
+                  <a:schemeClr val="tx1"/>
+                </a:solidFill>
+                <a:latin typeface="+mn-lt"/>
+                <a:ea typeface="+mn-ea"/>
+                <a:cs typeface="+mn-cs"/>
+              </a:defRPr>
+            </a:lvl9pPr>
+          </a:lstStyle>
+          <a:p>
+            <a:endParaRPr lang="en-US" dirty="0"/>
+          </a:p>
+        </p:txBody>
+      </p:sp>
+      <p:sp>
+        <p:nvSpPr>
+          <p:cNvPr id="7" name="Content Placeholder 2">
+            <a:extLst>
+              <a:ext uri="{FF2B5EF4-FFF2-40B4-BE49-F238E27FC236}">
+                <a16:creationId xmlns:a16="http://schemas.microsoft.com/office/drawing/2014/main" id="{C9952921-E975-86C1-F904-ECCC6CE422BE}"/>
+              </a:ext>
+            </a:extLst>
+          </p:cNvPr>
+          <p:cNvSpPr txBox="1">
+            <a:spLocks/>
+          </p:cNvSpPr>
+          <p:nvPr/>
+        </p:nvSpPr>
+        <p:spPr>
+          <a:xfrm>
+            <a:off x="6096001" y="1506069"/>
+            <a:ext cx="6095999" cy="2463501"/>
+          </a:xfrm>
+          <a:prstGeom prst="rect">
+            <a:avLst/>
+          </a:prstGeom>
+        </p:spPr>
+        <p:txBody>
+          <a:bodyPr vert="horz" lIns="91440" tIns="45720" rIns="91440" bIns="45720" rtlCol="0">
+            <a:normAutofit/>
+          </a:bodyPr>
+          <a:lstStyle>
+            <a:lvl1pPr marL="228600" indent="-228600" algn="l" defTabSz="914400" rtl="0" eaLnBrk="1" latinLnBrk="0" hangingPunct="1">
+              <a:lnSpc>
+                <a:spcPct val="90000"/>
+              </a:lnSpc>
+              <a:spcBef>
+                <a:spcPts val="1000"/>
+              </a:spcBef>
+              <a:buFont typeface="Arial" panose="020B0604020202020204" pitchFamily="34" charset="0"/>
+              <a:buChar char="•"/>
+              <a:defRPr sz="2800" kern="1200">
+                <a:solidFill>
+                  <a:schemeClr val="tx1"/>
+                </a:solidFill>
+                <a:latin typeface="+mn-lt"/>
+                <a:ea typeface="+mn-ea"/>
+                <a:cs typeface="+mn-cs"/>
+              </a:defRPr>
+            </a:lvl1pPr>
+            <a:lvl2pPr marL="685800" indent="-228600" algn="l" defTabSz="914400" rtl="0" eaLnBrk="1" latinLnBrk="0" hangingPunct="1">
+              <a:lnSpc>
+                <a:spcPct val="90000"/>
+              </a:lnSpc>
+              <a:spcBef>
+                <a:spcPts val="500"/>
+              </a:spcBef>
+              <a:buFont typeface="Arial" panose="020B0604020202020204" pitchFamily="34" charset="0"/>
+              <a:buChar char="•"/>
+              <a:defRPr sz="2400" kern="1200">
+                <a:solidFill>
+                  <a:schemeClr val="tx1"/>
+                </a:solidFill>
+                <a:latin typeface="+mn-lt"/>
+                <a:ea typeface="+mn-ea"/>
+                <a:cs typeface="+mn-cs"/>
+              </a:defRPr>
+            </a:lvl2pPr>
+            <a:lvl3pPr marL="1143000" indent="-228600" algn="l" defTabSz="914400" rtl="0" eaLnBrk="1" latinLnBrk="0" hangingPunct="1">
+              <a:lnSpc>
+                <a:spcPct val="90000"/>
+              </a:lnSpc>
+              <a:spcBef>
+                <a:spcPts val="500"/>
+              </a:spcBef>
+              <a:buFont typeface="Arial" panose="020B0604020202020204" pitchFamily="34" charset="0"/>
+              <a:buChar char="•"/>
+              <a:defRPr sz="2000" kern="1200">
+                <a:solidFill>
+                  <a:schemeClr val="tx1"/>
+                </a:solidFill>
+                <a:latin typeface="+mn-lt"/>
+                <a:ea typeface="+mn-ea"/>
+                <a:cs typeface="+mn-cs"/>
+              </a:defRPr>
+            </a:lvl3pPr>
+            <a:lvl4pPr marL="1600200" indent="-228600" algn="l" defTabSz="914400" rtl="0" eaLnBrk="1" latinLnBrk="0" hangingPunct="1">
+              <a:lnSpc>
+                <a:spcPct val="90000"/>
+              </a:lnSpc>
+              <a:spcBef>
+                <a:spcPts val="500"/>
+              </a:spcBef>
+              <a:buFont typeface="Arial" panose="020B0604020202020204" pitchFamily="34" charset="0"/>
+              <a:buChar char="•"/>
+              <a:defRPr sz="1800" kern="1200">
+                <a:solidFill>
+                  <a:schemeClr val="tx1"/>
+                </a:solidFill>
+                <a:latin typeface="+mn-lt"/>
+                <a:ea typeface="+mn-ea"/>
+                <a:cs typeface="+mn-cs"/>
+              </a:defRPr>
+            </a:lvl4pPr>
+            <a:lvl5pPr marL="2057400" indent="-228600" algn="l" defTabSz="914400" rtl="0" eaLnBrk="1" latinLnBrk="0" hangingPunct="1">
+              <a:lnSpc>
+                <a:spcPct val="90000"/>
+              </a:lnSpc>
+              <a:spcBef>
+                <a:spcPts val="500"/>
+              </a:spcBef>
+              <a:buFont typeface="Arial" panose="020B0604020202020204" pitchFamily="34" charset="0"/>
+              <a:buChar char="•"/>
+              <a:defRPr sz="1800" kern="1200">
+                <a:solidFill>
+                  <a:schemeClr val="tx1"/>
+                </a:solidFill>
+                <a:latin typeface="+mn-lt"/>
+                <a:ea typeface="+mn-ea"/>
+                <a:cs typeface="+mn-cs"/>
+              </a:defRPr>
+            </a:lvl5pPr>
+            <a:lvl6pPr marL="2514600" indent="-228600" algn="l" defTabSz="914400" rtl="0" eaLnBrk="1" latinLnBrk="0" hangingPunct="1">
+              <a:lnSpc>
+                <a:spcPct val="90000"/>
+              </a:lnSpc>
+              <a:spcBef>
+                <a:spcPts val="500"/>
+              </a:spcBef>
+              <a:buFont typeface="Arial" panose="020B0604020202020204" pitchFamily="34" charset="0"/>
+              <a:buChar char="•"/>
+              <a:defRPr sz="1800" kern="1200">
+                <a:solidFill>
+                  <a:schemeClr val="tx1"/>
+                </a:solidFill>
+                <a:latin typeface="+mn-lt"/>
+                <a:ea typeface="+mn-ea"/>
+                <a:cs typeface="+mn-cs"/>
+              </a:defRPr>
+            </a:lvl6pPr>
+            <a:lvl7pPr marL="2971800" indent="-228600" algn="l" defTabSz="914400" rtl="0" eaLnBrk="1" latinLnBrk="0" hangingPunct="1">
+              <a:lnSpc>
+                <a:spcPct val="90000"/>
+              </a:lnSpc>
+              <a:spcBef>
+                <a:spcPts val="500"/>
+              </a:spcBef>
+              <a:buFont typeface="Arial" panose="020B0604020202020204" pitchFamily="34" charset="0"/>
+              <a:buChar char="•"/>
+              <a:defRPr sz="1800" kern="1200">
+                <a:solidFill>
+                  <a:schemeClr val="tx1"/>
+                </a:solidFill>
+                <a:latin typeface="+mn-lt"/>
+                <a:ea typeface="+mn-ea"/>
+                <a:cs typeface="+mn-cs"/>
+              </a:defRPr>
+            </a:lvl7pPr>
+            <a:lvl8pPr marL="3429000" indent="-228600" algn="l" defTabSz="914400" rtl="0" eaLnBrk="1" latinLnBrk="0" hangingPunct="1">
+              <a:lnSpc>
+                <a:spcPct val="90000"/>
+              </a:lnSpc>
+              <a:spcBef>
+                <a:spcPts val="500"/>
+              </a:spcBef>
+              <a:buFont typeface="Arial" panose="020B0604020202020204" pitchFamily="34" charset="0"/>
+              <a:buChar char="•"/>
+              <a:defRPr sz="1800" kern="1200">
+                <a:solidFill>
+                  <a:schemeClr val="tx1"/>
+                </a:solidFill>
+                <a:latin typeface="+mn-lt"/>
+                <a:ea typeface="+mn-ea"/>
+                <a:cs typeface="+mn-cs"/>
+              </a:defRPr>
+            </a:lvl8pPr>
+            <a:lvl9pPr marL="3886200" indent="-228600" algn="l" defTabSz="914400" rtl="0" eaLnBrk="1" latinLnBrk="0" hangingPunct="1">
+              <a:lnSpc>
+                <a:spcPct val="90000"/>
+              </a:lnSpc>
+              <a:spcBef>
+                <a:spcPts val="500"/>
+              </a:spcBef>
+              <a:buFont typeface="Arial" panose="020B0604020202020204" pitchFamily="34" charset="0"/>
+              <a:buChar char="•"/>
+              <a:defRPr sz="1800" kern="1200">
+                <a:solidFill>
+                  <a:schemeClr val="tx1"/>
+                </a:solidFill>
+                <a:latin typeface="+mn-lt"/>
+                <a:ea typeface="+mn-ea"/>
+                <a:cs typeface="+mn-cs"/>
+              </a:defRPr>
+            </a:lvl9pPr>
+          </a:lstStyle>
+          <a:p>
+            <a:r>
+              <a:rPr lang="en-US" sz="2000" dirty="0">
+                <a:solidFill>
+                  <a:schemeClr val="bg1"/>
+                </a:solidFill>
+              </a:rPr>
+              <a:t>After testing with the model it was decided a binary choice on target would make it easier for the model.</a:t>
+            </a:r>
+          </a:p>
+          <a:p>
+            <a:r>
+              <a:rPr lang="en-US" sz="2000" dirty="0">
+                <a:solidFill>
+                  <a:schemeClr val="bg1"/>
+                </a:solidFill>
+              </a:rPr>
+              <a:t>3lbs was close to a median weight for the data and colloquially is a large fish.</a:t>
+            </a:r>
+          </a:p>
+          <a:p>
+            <a:r>
+              <a:rPr lang="en-US" sz="2000" dirty="0">
+                <a:solidFill>
+                  <a:schemeClr val="bg1"/>
+                </a:solidFill>
+              </a:rPr>
+              <a:t>3lbs was chosen as the separator for the target.         “&gt;= 3lbs” is a </a:t>
+            </a:r>
+            <a:r>
+              <a:rPr lang="en-US" sz="2000" dirty="0" err="1">
+                <a:solidFill>
+                  <a:schemeClr val="bg1"/>
+                </a:solidFill>
+              </a:rPr>
+              <a:t>Big_Fish</a:t>
+            </a:r>
+            <a:r>
+              <a:rPr lang="en-US" sz="2000" dirty="0">
+                <a:solidFill>
+                  <a:schemeClr val="bg1"/>
+                </a:solidFill>
+              </a:rPr>
+              <a:t> and “&lt;3lbs” is a </a:t>
+            </a:r>
+            <a:r>
+              <a:rPr lang="en-US" sz="2000" dirty="0" err="1">
+                <a:solidFill>
+                  <a:schemeClr val="bg1"/>
+                </a:solidFill>
+              </a:rPr>
+              <a:t>Small_Fish</a:t>
+            </a:r>
+            <a:r>
+              <a:rPr lang="en-US" sz="2000" dirty="0">
+                <a:solidFill>
+                  <a:schemeClr val="bg1"/>
+                </a:solidFill>
+              </a:rPr>
+              <a:t>.</a:t>
+            </a:r>
+          </a:p>
+        </p:txBody>
+      </p:sp>
+      <p:pic>
+        <p:nvPicPr>
+          <p:cNvPr id="9" name="Picture 8">
+            <a:extLst>
+              <a:ext uri="{FF2B5EF4-FFF2-40B4-BE49-F238E27FC236}">
+                <a16:creationId xmlns:a16="http://schemas.microsoft.com/office/drawing/2014/main" id="{BE57A14C-C19C-FFF5-A9A6-147A6A30A377}"/>
+              </a:ext>
+            </a:extLst>
+          </p:cNvPr>
+          <p:cNvPicPr>
+            <a:picLocks noChangeAspect="1"/>
+          </p:cNvPicPr>
+          <p:nvPr/>
+        </p:nvPicPr>
+        <p:blipFill>
+          <a:blip r:embed="rId5"/>
+          <a:stretch>
+            <a:fillRect/>
+          </a:stretch>
+        </p:blipFill>
+        <p:spPr>
+          <a:xfrm>
+            <a:off x="4995135" y="3899646"/>
+            <a:ext cx="2058533" cy="1461253"/>
+          </a:xfrm>
+          <a:prstGeom prst="rect">
+            <a:avLst/>
+          </a:prstGeom>
+        </p:spPr>
+      </p:pic>
+      <p:pic>
+        <p:nvPicPr>
+          <p:cNvPr id="11" name="Picture 10">
+            <a:extLst>
+              <a:ext uri="{FF2B5EF4-FFF2-40B4-BE49-F238E27FC236}">
+                <a16:creationId xmlns:a16="http://schemas.microsoft.com/office/drawing/2014/main" id="{25024129-F82E-D485-83B1-AE2B0F287030}"/>
+              </a:ext>
+            </a:extLst>
+          </p:cNvPr>
+          <p:cNvPicPr>
+            <a:picLocks noChangeAspect="1"/>
+          </p:cNvPicPr>
+          <p:nvPr/>
+        </p:nvPicPr>
+        <p:blipFill>
+          <a:blip r:embed="rId6"/>
+          <a:stretch>
+            <a:fillRect/>
+          </a:stretch>
+        </p:blipFill>
+        <p:spPr>
+          <a:xfrm>
+            <a:off x="7196866" y="3899646"/>
+            <a:ext cx="4722607" cy="2463501"/>
+          </a:xfrm>
+          <a:prstGeom prst="rect">
+            <a:avLst/>
+          </a:prstGeom>
+        </p:spPr>
+      </p:pic>
+    </p:spTree>
+    <p:extLst>
+      <p:ext uri="{BB962C8B-B14F-4D97-AF65-F5344CB8AC3E}">
+        <p14:creationId xmlns:p14="http://schemas.microsoft.com/office/powerpoint/2010/main" val="3223435155"/>
+      </p:ext>
+    </p:extLst>
+  </p:cSld>
+  <p:clrMapOvr>
+    <a:masterClrMapping/>
+  </p:clrMapOvr>
+</p:sld>
+</file>
+
+<file path=ppt/slides/slide6.xml><?xml version="1.0" encoding="utf-8"?>
+<p:sld xmlns:a="http://schemas.openxmlformats.org/drawingml/2006/main" xmlns:r="http://schemas.openxmlformats.org/officeDocument/2006/relationships" xmlns:p="http://schemas.openxmlformats.org/presentationml/2006/main">
+  <p:cSld>
+    <p:spTree>
+      <p:nvGrpSpPr>
+        <p:cNvPr id="1" name=""/>
+        <p:cNvGrpSpPr/>
+        <p:nvPr/>
+      </p:nvGrpSpPr>
+      <p:grpSpPr>
+        <a:xfrm>
+          <a:off x="0" y="0"/>
+          <a:ext cx="0" cy="0"/>
+          <a:chOff x="0" y="0"/>
+          <a:chExt cx="0" cy="0"/>
+        </a:xfrm>
+      </p:grpSpPr>
+      <p:pic>
+        <p:nvPicPr>
+          <p:cNvPr id="3078" name="Picture 6" descr="Lake Sunset Pictures | Download Free Images on Unsplash">
+            <a:extLst>
+              <a:ext uri="{FF2B5EF4-FFF2-40B4-BE49-F238E27FC236}">
+                <a16:creationId xmlns:a16="http://schemas.microsoft.com/office/drawing/2014/main" id="{F7FB3160-E595-5D74-EADB-B1B0A067E0D5}"/>
+              </a:ext>
+            </a:extLst>
+          </p:cNvPr>
+          <p:cNvPicPr>
+            <a:picLocks noChangeAspect="1" noChangeArrowheads="1"/>
+          </p:cNvPicPr>
+          <p:nvPr/>
+        </p:nvPicPr>
+        <p:blipFill>
+          <a:blip r:embed="rId2">
+            <a:extLst>
+              <a:ext uri="{28A0092B-C50C-407E-A947-70E740481C1C}">
+                <a14:useLocalDpi xmlns:a14="http://schemas.microsoft.com/office/drawing/2010/main" val="0"/>
+              </a:ext>
+            </a:extLst>
+          </a:blip>
+          <a:srcRect/>
+          <a:stretch>
+            <a:fillRect/>
+          </a:stretch>
+        </p:blipFill>
+        <p:spPr bwMode="auto">
+          <a:xfrm>
+            <a:off x="0" y="0"/>
+            <a:ext cx="12192000" cy="6857999"/>
+          </a:xfrm>
+          <a:prstGeom prst="rect">
+            <a:avLst/>
+          </a:prstGeom>
+          <a:noFill/>
+          <a:extLst>
+            <a:ext uri="{909E8E84-426E-40DD-AFC4-6F175D3DCCD1}">
+              <a14:hiddenFill xmlns:a14="http://schemas.microsoft.com/office/drawing/2010/main">
+                <a:solidFill>
+                  <a:srgbClr val="FFFFFF"/>
+                </a:solidFill>
+              </a14:hiddenFill>
+            </a:ext>
+          </a:extLst>
+        </p:spPr>
+      </p:pic>
+      <p:sp>
+        <p:nvSpPr>
+          <p:cNvPr id="2" name="Title 1">
+            <a:extLst>
+              <a:ext uri="{FF2B5EF4-FFF2-40B4-BE49-F238E27FC236}">
+                <a16:creationId xmlns:a16="http://schemas.microsoft.com/office/drawing/2014/main" id="{F5390E5B-282C-9320-C9D1-02B7A7D1876A}"/>
+              </a:ext>
+            </a:extLst>
+          </p:cNvPr>
+          <p:cNvSpPr>
+            <a:spLocks noGrp="1"/>
+          </p:cNvSpPr>
+          <p:nvPr>
+            <p:ph type="title"/>
+          </p:nvPr>
+        </p:nvSpPr>
+        <p:spPr/>
+        <p:txBody>
+          <a:bodyPr/>
+          <a:lstStyle/>
+          <a:p>
+            <a:pPr algn="ctr"/>
+            <a:r>
+              <a:rPr lang="en-US" dirty="0">
+                <a:solidFill>
+                  <a:schemeClr val="bg1"/>
+                </a:solidFill>
+              </a:rPr>
+              <a:t>Machine Learning Model</a:t>
+            </a:r>
+          </a:p>
+        </p:txBody>
+      </p:sp>
+      <p:sp>
+        <p:nvSpPr>
+          <p:cNvPr id="3" name="Content Placeholder 2">
+            <a:extLst>
+              <a:ext uri="{FF2B5EF4-FFF2-40B4-BE49-F238E27FC236}">
+                <a16:creationId xmlns:a16="http://schemas.microsoft.com/office/drawing/2014/main" id="{CCF8291B-59EC-01E9-EDE5-F76D38791BB4}"/>
+              </a:ext>
+            </a:extLst>
+          </p:cNvPr>
+          <p:cNvSpPr>
+            <a:spLocks noGrp="1"/>
+          </p:cNvSpPr>
+          <p:nvPr>
+            <p:ph idx="1"/>
+          </p:nvPr>
+        </p:nvSpPr>
+        <p:spPr>
+          <a:xfrm>
+            <a:off x="838200" y="1690688"/>
+            <a:ext cx="10515600" cy="1278423"/>
+          </a:xfrm>
+          <a:solidFill>
+            <a:schemeClr val="tx1">
+              <a:lumMod val="50000"/>
+              <a:lumOff val="50000"/>
+              <a:alpha val="19000"/>
+            </a:schemeClr>
+          </a:solidFill>
+          <a:effectLst>
+            <a:softEdge rad="63500"/>
+          </a:effectLst>
+        </p:spPr>
+        <p:txBody>
+          <a:bodyPr vert="horz" lIns="91440" tIns="45720" rIns="91440" bIns="45720" rtlCol="0">
+            <a:normAutofit/>
+          </a:bodyPr>
+          <a:lstStyle/>
+          <a:p>
+            <a:r>
+              <a:rPr lang="en-US" dirty="0">
+                <a:solidFill>
+                  <a:schemeClr val="bg1"/>
+                </a:solidFill>
+              </a:rPr>
+              <a:t>After pairing down the subclasses and separating the target to a binary Big_Fish or Small_Fish. The machine learning model chosen was a Logistic Regression Model.</a:t>
+            </a:r>
+          </a:p>
+          <a:p>
+            <a:endParaRPr lang="en-US" dirty="0">
+              <a:solidFill>
+                <a:schemeClr val="bg1"/>
+              </a:solidFill>
+            </a:endParaRPr>
+          </a:p>
+          <a:p>
+            <a:endParaRPr lang="en-US" dirty="0">
+              <a:solidFill>
+                <a:schemeClr val="bg1"/>
+              </a:solidFill>
+            </a:endParaRPr>
+          </a:p>
+        </p:txBody>
+      </p:sp>
+      <p:pic>
+        <p:nvPicPr>
+          <p:cNvPr id="6" name="Picture 5">
+            <a:extLst>
+              <a:ext uri="{FF2B5EF4-FFF2-40B4-BE49-F238E27FC236}">
+                <a16:creationId xmlns:a16="http://schemas.microsoft.com/office/drawing/2014/main" id="{CE7B7167-1727-0802-E30C-3F368BAE0008}"/>
+              </a:ext>
+            </a:extLst>
+          </p:cNvPr>
+          <p:cNvPicPr>
+            <a:picLocks noChangeAspect="1"/>
+          </p:cNvPicPr>
+          <p:nvPr/>
+        </p:nvPicPr>
+        <p:blipFill>
+          <a:blip r:embed="rId3"/>
+          <a:stretch>
+            <a:fillRect/>
+          </a:stretch>
+        </p:blipFill>
+        <p:spPr>
+          <a:xfrm>
+            <a:off x="838200" y="3299909"/>
+            <a:ext cx="6580909" cy="3273014"/>
+          </a:xfrm>
+          <a:prstGeom prst="rect">
+            <a:avLst/>
+          </a:prstGeom>
+        </p:spPr>
+      </p:pic>
+    </p:spTree>
+    <p:extLst>
+      <p:ext uri="{BB962C8B-B14F-4D97-AF65-F5344CB8AC3E}">
+        <p14:creationId xmlns:p14="http://schemas.microsoft.com/office/powerpoint/2010/main" val="1759951237"/>
+      </p:ext>
+    </p:extLst>
+  </p:cSld>
+  <p:clrMapOvr>
+    <a:masterClrMapping/>
+  </p:clrMapOvr>
+</p:sld>
+</file>
+
+<file path=ppt/slides/slide7.xml><?xml version="1.0" encoding="utf-8"?>
+<p:sld xmlns:a="http://schemas.openxmlformats.org/drawingml/2006/main" xmlns:r="http://schemas.openxmlformats.org/officeDocument/2006/relationships" xmlns:p="http://schemas.openxmlformats.org/presentationml/2006/main">
+  <p:cSld>
+    <p:spTree>
+      <p:nvGrpSpPr>
+        <p:cNvPr id="1" name=""/>
+        <p:cNvGrpSpPr/>
+        <p:nvPr/>
+      </p:nvGrpSpPr>
+      <p:grpSpPr>
+        <a:xfrm>
+          <a:off x="0" y="0"/>
+          <a:ext cx="0" cy="0"/>
+          <a:chOff x="0" y="0"/>
+          <a:chExt cx="0" cy="0"/>
+        </a:xfrm>
+      </p:grpSpPr>
+      <p:sp>
+        <p:nvSpPr>
+          <p:cNvPr id="2" name="Title 1">
+            <a:extLst>
+              <a:ext uri="{FF2B5EF4-FFF2-40B4-BE49-F238E27FC236}">
+                <a16:creationId xmlns:a16="http://schemas.microsoft.com/office/drawing/2014/main" id="{257F8E74-A1EC-3726-DB99-4D31BF3CBA8E}"/>
+              </a:ext>
+            </a:extLst>
+          </p:cNvPr>
+          <p:cNvSpPr>
+            <a:spLocks noGrp="1"/>
+          </p:cNvSpPr>
+          <p:nvPr>
+            <p:ph type="title"/>
+          </p:nvPr>
+        </p:nvSpPr>
+        <p:spPr/>
+        <p:txBody>
+          <a:bodyPr/>
+          <a:lstStyle/>
+          <a:p>
+            <a:r>
+              <a:rPr lang="en-US" dirty="0"/>
+              <a:t>Dashboard</a:t>
+            </a:r>
+          </a:p>
+        </p:txBody>
+      </p:sp>
+      <p:sp>
+        <p:nvSpPr>
+          <p:cNvPr id="3" name="Content Placeholder 2">
+            <a:extLst>
+              <a:ext uri="{FF2B5EF4-FFF2-40B4-BE49-F238E27FC236}">
+                <a16:creationId xmlns:a16="http://schemas.microsoft.com/office/drawing/2014/main" id="{AB48E276-44E4-E524-F132-1704323A06EB}"/>
+              </a:ext>
+            </a:extLst>
+          </p:cNvPr>
+          <p:cNvSpPr>
+            <a:spLocks noGrp="1"/>
+          </p:cNvSpPr>
+          <p:nvPr>
+            <p:ph idx="1"/>
+          </p:nvPr>
+        </p:nvSpPr>
+        <p:spPr>
+          <a:xfrm>
+            <a:off x="838200" y="1825625"/>
+            <a:ext cx="10515600" cy="1325563"/>
+          </a:xfrm>
+          <a:solidFill>
+            <a:schemeClr val="tx1">
+              <a:lumMod val="50000"/>
+              <a:lumOff val="50000"/>
+              <a:alpha val="19000"/>
+            </a:schemeClr>
+          </a:solidFill>
+          <a:effectLst>
+            <a:softEdge rad="63500"/>
+          </a:effectLst>
+        </p:spPr>
+        <p:txBody>
+          <a:bodyPr vert="horz" lIns="91440" tIns="45720" rIns="91440" bIns="45720" rtlCol="0">
+            <a:normAutofit/>
+          </a:bodyPr>
+          <a:lstStyle/>
+          <a:p>
+            <a:r>
+              <a:rPr lang="en-US" dirty="0"/>
+              <a:t>Interactive Dashboard on Tableau Public that breakdown the data.</a:t>
+            </a:r>
+          </a:p>
+          <a:p>
+            <a:r>
+              <a:rPr lang="en-US" dirty="0">
+                <a:hlinkClick r:id="rId2"/>
+              </a:rPr>
+              <a:t>Link to Workbook</a:t>
+            </a:r>
+            <a:endParaRPr lang="en-US" dirty="0"/>
+          </a:p>
+        </p:txBody>
+      </p:sp>
+      <p:pic>
+        <p:nvPicPr>
+          <p:cNvPr id="5" name="Picture 4">
+            <a:extLst>
+              <a:ext uri="{FF2B5EF4-FFF2-40B4-BE49-F238E27FC236}">
+                <a16:creationId xmlns:a16="http://schemas.microsoft.com/office/drawing/2014/main" id="{3C160A95-7594-F91B-05BD-D721B3CB564C}"/>
+              </a:ext>
+            </a:extLst>
+          </p:cNvPr>
+          <p:cNvPicPr>
+            <a:picLocks noChangeAspect="1"/>
+          </p:cNvPicPr>
+          <p:nvPr/>
+        </p:nvPicPr>
+        <p:blipFill>
+          <a:blip r:embed="rId3"/>
+          <a:stretch>
+            <a:fillRect/>
+          </a:stretch>
+        </p:blipFill>
+        <p:spPr>
+          <a:xfrm>
+            <a:off x="4216998" y="2488406"/>
+            <a:ext cx="7136802" cy="3884958"/>
+          </a:xfrm>
+          <a:prstGeom prst="rect">
+            <a:avLst/>
+          </a:prstGeom>
+        </p:spPr>
+      </p:pic>
+    </p:spTree>
+    <p:extLst>
+      <p:ext uri="{BB962C8B-B14F-4D97-AF65-F5344CB8AC3E}">
+        <p14:creationId xmlns:p14="http://schemas.microsoft.com/office/powerpoint/2010/main" val="2980092636"/>
+      </p:ext>
+    </p:extLst>
+  </p:cSld>
+  <p:clrMapOvr>
+    <a:masterClrMapping/>
+  </p:clrMapOvr>
+</p:sld>
+</file>
+
+<file path=ppt/slides/slide8.xml><?xml version="1.0" encoding="utf-8"?>
+<p:sld xmlns:a="http://schemas.openxmlformats.org/drawingml/2006/main" xmlns:r="http://schemas.openxmlformats.org/officeDocument/2006/relationships" xmlns:p="http://schemas.openxmlformats.org/presentationml/2006/main">
+  <p:cSld>
+    <p:spTree>
+      <p:nvGrpSpPr>
+        <p:cNvPr id="1" name=""/>
+        <p:cNvGrpSpPr/>
+        <p:nvPr/>
+      </p:nvGrpSpPr>
+      <p:grpSpPr>
+        <a:xfrm>
+          <a:off x="0" y="0"/>
+          <a:ext cx="0" cy="0"/>
+          <a:chOff x="0" y="0"/>
+          <a:chExt cx="0" cy="0"/>
+        </a:xfrm>
+      </p:grpSpPr>
+      <p:sp>
+        <p:nvSpPr>
+          <p:cNvPr id="2" name="Title 1">
+            <a:extLst>
+              <a:ext uri="{FF2B5EF4-FFF2-40B4-BE49-F238E27FC236}">
+                <a16:creationId xmlns:a16="http://schemas.microsoft.com/office/drawing/2014/main" id="{787492B8-3650-942F-709D-C606D2FDE627}"/>
+              </a:ext>
+            </a:extLst>
+          </p:cNvPr>
+          <p:cNvSpPr>
+            <a:spLocks noGrp="1"/>
+          </p:cNvSpPr>
+          <p:nvPr>
+            <p:ph type="title"/>
+          </p:nvPr>
+        </p:nvSpPr>
+        <p:spPr/>
+        <p:txBody>
+          <a:bodyPr/>
+          <a:lstStyle/>
+          <a:p>
+            <a:r>
+              <a:rPr lang="en-US" dirty="0"/>
+              <a:t>Model Testing Results</a:t>
+            </a:r>
+          </a:p>
+        </p:txBody>
+      </p:sp>
+      <p:sp>
+        <p:nvSpPr>
+          <p:cNvPr id="3" name="Content Placeholder 2">
+            <a:extLst>
+              <a:ext uri="{FF2B5EF4-FFF2-40B4-BE49-F238E27FC236}">
+                <a16:creationId xmlns:a16="http://schemas.microsoft.com/office/drawing/2014/main" id="{B0294F44-D02D-FD07-B2E7-05BC76F2C518}"/>
+              </a:ext>
+            </a:extLst>
+          </p:cNvPr>
+          <p:cNvSpPr>
+            <a:spLocks noGrp="1"/>
+          </p:cNvSpPr>
+          <p:nvPr>
+            <p:ph idx="1"/>
+          </p:nvPr>
+        </p:nvSpPr>
+        <p:spPr/>
+        <p:txBody>
+          <a:bodyPr/>
+          <a:lstStyle/>
+          <a:p>
+            <a:endParaRPr lang="en-US"/>
+          </a:p>
+        </p:txBody>
+      </p:sp>
+    </p:spTree>
+    <p:extLst>
+      <p:ext uri="{BB962C8B-B14F-4D97-AF65-F5344CB8AC3E}">
+        <p14:creationId xmlns:p14="http://schemas.microsoft.com/office/powerpoint/2010/main" val="3531217233"/>
+      </p:ext>
+    </p:extLst>
+  </p:cSld>
+  <p:clrMapOvr>
+    <a:masterClrMapping/>
+  </p:clrMapOvr>
+</p:sld>
+</file>
+
+<file path=ppt/slides/slide9.xml><?xml version="1.0" encoding="utf-8"?>
+<p:sld xmlns:a="http://schemas.openxmlformats.org/drawingml/2006/main" xmlns:r="http://schemas.openxmlformats.org/officeDocument/2006/relationships" xmlns:p="http://schemas.openxmlformats.org/presentationml/2006/main">
+  <p:cSld>
+    <p:spTree>
+      <p:nvGrpSpPr>
+        <p:cNvPr id="1" name=""/>
+        <p:cNvGrpSpPr/>
+        <p:nvPr/>
+      </p:nvGrpSpPr>
+      <p:grpSpPr>
+        <a:xfrm>
+          <a:off x="0" y="0"/>
+          <a:ext cx="0" cy="0"/>
+          <a:chOff x="0" y="0"/>
+          <a:chExt cx="0" cy="0"/>
+        </a:xfrm>
+      </p:grpSpPr>
+      <p:sp>
+        <p:nvSpPr>
+          <p:cNvPr id="2" name="Title 1">
+            <a:extLst>
+              <a:ext uri="{FF2B5EF4-FFF2-40B4-BE49-F238E27FC236}">
+                <a16:creationId xmlns:a16="http://schemas.microsoft.com/office/drawing/2014/main" id="{CFCFF1C3-3803-9D7E-1FC6-64A16239168B}"/>
+              </a:ext>
+            </a:extLst>
+          </p:cNvPr>
+          <p:cNvSpPr>
+            <a:spLocks noGrp="1"/>
+          </p:cNvSpPr>
+          <p:nvPr>
+            <p:ph type="title"/>
+          </p:nvPr>
+        </p:nvSpPr>
+        <p:spPr/>
+        <p:txBody>
+          <a:bodyPr/>
+          <a:lstStyle/>
+          <a:p>
+            <a:r>
+              <a:rPr lang="en-US" dirty="0"/>
+              <a:t>Feature Importance</a:t>
+            </a:r>
+          </a:p>
+        </p:txBody>
+      </p:sp>
+      <p:sp>
+        <p:nvSpPr>
+          <p:cNvPr id="3" name="Content Placeholder 2">
+            <a:extLst>
+              <a:ext uri="{FF2B5EF4-FFF2-40B4-BE49-F238E27FC236}">
+                <a16:creationId xmlns:a16="http://schemas.microsoft.com/office/drawing/2014/main" id="{D785E73C-8B9B-657B-ED6B-BCB893FA5B38}"/>
+              </a:ext>
+            </a:extLst>
+          </p:cNvPr>
+          <p:cNvSpPr>
+            <a:spLocks noGrp="1"/>
+          </p:cNvSpPr>
+          <p:nvPr>
+            <p:ph idx="1"/>
+          </p:nvPr>
+        </p:nvSpPr>
+        <p:spPr/>
+        <p:txBody>
+          <a:bodyPr/>
+          <a:lstStyle/>
+          <a:p>
+            <a:endParaRPr lang="en-US"/>
+          </a:p>
+        </p:txBody>
+      </p:sp>
+    </p:spTree>
+    <p:extLst>
+      <p:ext uri="{BB962C8B-B14F-4D97-AF65-F5344CB8AC3E}">
+        <p14:creationId xmlns:p14="http://schemas.microsoft.com/office/powerpoint/2010/main" val="2310727977"/>
       </p:ext>
     </p:extLst>
   </p:cSld>

--- a/Presentation.pptx
+++ b/Presentation.pptx
@@ -5132,17 +5132,25 @@
             <a:off x="838200" y="1690688"/>
             <a:ext cx="10515600" cy="1278423"/>
           </a:xfrm>
-          <a:solidFill>
-            <a:schemeClr val="tx1">
-              <a:lumMod val="50000"/>
-              <a:lumOff val="50000"/>
-              <a:alpha val="19000"/>
-            </a:schemeClr>
-          </a:solidFill>
-          <a:effectLst>
-            <a:softEdge rad="63500"/>
-          </a:effectLst>
+          <a:noFill/>
+          <a:ln>
+            <a:noFill/>
+          </a:ln>
         </p:spPr>
+        <p:style>
+          <a:lnRef idx="0">
+            <a:scrgbClr r="0" g="0" b="0"/>
+          </a:lnRef>
+          <a:fillRef idx="0">
+            <a:scrgbClr r="0" g="0" b="0"/>
+          </a:fillRef>
+          <a:effectRef idx="0">
+            <a:scrgbClr r="0" g="0" b="0"/>
+          </a:effectRef>
+          <a:fontRef idx="minor">
+            <a:schemeClr val="dk1"/>
+          </a:fontRef>
+        </p:style>
         <p:txBody>
           <a:bodyPr vert="horz" lIns="91440" tIns="45720" rIns="91440" bIns="45720" rtlCol="0">
             <a:normAutofit/>
@@ -5404,31 +5412,6 @@
           </a:p>
         </p:txBody>
       </p:sp>
-      <p:sp>
-        <p:nvSpPr>
-          <p:cNvPr id="3" name="Content Placeholder 2">
-            <a:extLst>
-              <a:ext uri="{FF2B5EF4-FFF2-40B4-BE49-F238E27FC236}">
-                <a16:creationId xmlns:a16="http://schemas.microsoft.com/office/drawing/2014/main" id="{B0294F44-D02D-FD07-B2E7-05BC76F2C518}"/>
-              </a:ext>
-            </a:extLst>
-          </p:cNvPr>
-          <p:cNvSpPr>
-            <a:spLocks noGrp="1"/>
-          </p:cNvSpPr>
-          <p:nvPr>
-            <p:ph idx="1"/>
-          </p:nvPr>
-        </p:nvSpPr>
-        <p:spPr/>
-        <p:txBody>
-          <a:bodyPr/>
-          <a:lstStyle/>
-          <a:p>
-            <a:endParaRPr lang="en-US"/>
-          </a:p>
-        </p:txBody>
-      </p:sp>
     </p:spTree>
     <p:extLst>
       <p:ext uri="{BB962C8B-B14F-4D97-AF65-F5344CB8AC3E}">
@@ -5484,31 +5467,6 @@
               <a:rPr lang="en-US" dirty="0"/>
               <a:t>Feature Importance</a:t>
             </a:r>
-          </a:p>
-        </p:txBody>
-      </p:sp>
-      <p:sp>
-        <p:nvSpPr>
-          <p:cNvPr id="3" name="Content Placeholder 2">
-            <a:extLst>
-              <a:ext uri="{FF2B5EF4-FFF2-40B4-BE49-F238E27FC236}">
-                <a16:creationId xmlns:a16="http://schemas.microsoft.com/office/drawing/2014/main" id="{D785E73C-8B9B-657B-ED6B-BCB893FA5B38}"/>
-              </a:ext>
-            </a:extLst>
-          </p:cNvPr>
-          <p:cNvSpPr>
-            <a:spLocks noGrp="1"/>
-          </p:cNvSpPr>
-          <p:nvPr>
-            <p:ph idx="1"/>
-          </p:nvPr>
-        </p:nvSpPr>
-        <p:spPr/>
-        <p:txBody>
-          <a:bodyPr/>
-          <a:lstStyle/>
-          <a:p>
-            <a:endParaRPr lang="en-US"/>
           </a:p>
         </p:txBody>
       </p:sp>

--- a/Presentation.pptx
+++ b/Presentation.pptx
@@ -5412,6 +5412,66 @@
           </a:p>
         </p:txBody>
       </p:sp>
+      <p:pic>
+        <p:nvPicPr>
+          <p:cNvPr id="4" name="Picture 3">
+            <a:extLst>
+              <a:ext uri="{FF2B5EF4-FFF2-40B4-BE49-F238E27FC236}">
+                <a16:creationId xmlns:a16="http://schemas.microsoft.com/office/drawing/2014/main" id="{133DA288-8090-D049-91F6-0237EFB77945}"/>
+              </a:ext>
+            </a:extLst>
+          </p:cNvPr>
+          <p:cNvPicPr>
+            <a:picLocks noChangeAspect="1"/>
+          </p:cNvPicPr>
+          <p:nvPr/>
+        </p:nvPicPr>
+        <p:blipFill>
+          <a:blip r:embed="rId2"/>
+          <a:stretch>
+            <a:fillRect/>
+          </a:stretch>
+        </p:blipFill>
+        <p:spPr>
+          <a:xfrm>
+            <a:off x="955986" y="2210782"/>
+            <a:ext cx="3209925" cy="419100"/>
+          </a:xfrm>
+          <a:prstGeom prst="rect">
+            <a:avLst/>
+          </a:prstGeom>
+        </p:spPr>
+      </p:pic>
+      <p:pic>
+        <p:nvPicPr>
+          <p:cNvPr id="6" name="Picture 5">
+            <a:extLst>
+              <a:ext uri="{FF2B5EF4-FFF2-40B4-BE49-F238E27FC236}">
+                <a16:creationId xmlns:a16="http://schemas.microsoft.com/office/drawing/2014/main" id="{CCDB25E7-EAEF-30C6-489B-ACF8431FF54A}"/>
+              </a:ext>
+            </a:extLst>
+          </p:cNvPr>
+          <p:cNvPicPr>
+            <a:picLocks noChangeAspect="1"/>
+          </p:cNvPicPr>
+          <p:nvPr/>
+        </p:nvPicPr>
+        <p:blipFill>
+          <a:blip r:embed="rId3"/>
+          <a:stretch>
+            <a:fillRect/>
+          </a:stretch>
+        </p:blipFill>
+        <p:spPr>
+          <a:xfrm>
+            <a:off x="4795788" y="2210782"/>
+            <a:ext cx="1695450" cy="3429000"/>
+          </a:xfrm>
+          <a:prstGeom prst="rect">
+            <a:avLst/>
+          </a:prstGeom>
+        </p:spPr>
+      </p:pic>
     </p:spTree>
     <p:extLst>
       <p:ext uri="{BB962C8B-B14F-4D97-AF65-F5344CB8AC3E}">
@@ -5470,6 +5530,36 @@
           </a:p>
         </p:txBody>
       </p:sp>
+      <p:pic>
+        <p:nvPicPr>
+          <p:cNvPr id="4" name="Picture 3">
+            <a:extLst>
+              <a:ext uri="{FF2B5EF4-FFF2-40B4-BE49-F238E27FC236}">
+                <a16:creationId xmlns:a16="http://schemas.microsoft.com/office/drawing/2014/main" id="{2AAAB14D-C8AA-5471-0806-A60C062D10C3}"/>
+              </a:ext>
+            </a:extLst>
+          </p:cNvPr>
+          <p:cNvPicPr>
+            <a:picLocks noChangeAspect="1"/>
+          </p:cNvPicPr>
+          <p:nvPr/>
+        </p:nvPicPr>
+        <p:blipFill>
+          <a:blip r:embed="rId2"/>
+          <a:stretch>
+            <a:fillRect/>
+          </a:stretch>
+        </p:blipFill>
+        <p:spPr>
+          <a:xfrm>
+            <a:off x="838200" y="1539372"/>
+            <a:ext cx="3600450" cy="4867275"/>
+          </a:xfrm>
+          <a:prstGeom prst="rect">
+            <a:avLst/>
+          </a:prstGeom>
+        </p:spPr>
+      </p:pic>
     </p:spTree>
     <p:extLst>
       <p:ext uri="{BB962C8B-B14F-4D97-AF65-F5344CB8AC3E}">

--- a/Presentation.pptx
+++ b/Presentation.pptx
@@ -3278,7 +3278,7 @@
             </a:pPr>
             <a:r>
               <a:rPr lang="en-US" sz="3600" dirty="0"/>
-              <a:t>Lets go Fishing</a:t>
+              <a:t>Let’s go Fishing!</a:t>
             </a:r>
           </a:p>
           <a:p>

--- a/Presentation.pptx
+++ b/Presentation.pptx
@@ -11,10 +11,9 @@
     <p:sldId id="260" r:id="rId5"/>
     <p:sldId id="263" r:id="rId6"/>
     <p:sldId id="261" r:id="rId7"/>
-    <p:sldId id="259" r:id="rId8"/>
-    <p:sldId id="264" r:id="rId9"/>
-    <p:sldId id="266" r:id="rId10"/>
-    <p:sldId id="262" r:id="rId11"/>
+    <p:sldId id="266" r:id="rId8"/>
+    <p:sldId id="259" r:id="rId9"/>
+    <p:sldId id="262" r:id="rId10"/>
   </p:sldIdLst>
   <p:sldSz cx="12192000" cy="6858000"/>
   <p:notesSz cx="6858000" cy="9144000"/>
@@ -252,7 +251,7 @@
           <a:p>
             <a:fld id="{EC854D12-3D0B-4CE7-91F6-BF32D5915F6C}" type="datetimeFigureOut">
               <a:rPr lang="en-US" smtClean="0"/>
-              <a:t>11/10/2022</a:t>
+              <a:t>11/17/2022</a:t>
             </a:fld>
             <a:endParaRPr lang="en-US"/>
           </a:p>
@@ -422,7 +421,7 @@
           <a:p>
             <a:fld id="{EC854D12-3D0B-4CE7-91F6-BF32D5915F6C}" type="datetimeFigureOut">
               <a:rPr lang="en-US" smtClean="0"/>
-              <a:t>11/10/2022</a:t>
+              <a:t>11/17/2022</a:t>
             </a:fld>
             <a:endParaRPr lang="en-US"/>
           </a:p>
@@ -602,7 +601,7 @@
           <a:p>
             <a:fld id="{EC854D12-3D0B-4CE7-91F6-BF32D5915F6C}" type="datetimeFigureOut">
               <a:rPr lang="en-US" smtClean="0"/>
-              <a:t>11/10/2022</a:t>
+              <a:t>11/17/2022</a:t>
             </a:fld>
             <a:endParaRPr lang="en-US"/>
           </a:p>
@@ -772,7 +771,7 @@
           <a:p>
             <a:fld id="{EC854D12-3D0B-4CE7-91F6-BF32D5915F6C}" type="datetimeFigureOut">
               <a:rPr lang="en-US" smtClean="0"/>
-              <a:t>11/10/2022</a:t>
+              <a:t>11/17/2022</a:t>
             </a:fld>
             <a:endParaRPr lang="en-US"/>
           </a:p>
@@ -1018,7 +1017,7 @@
           <a:p>
             <a:fld id="{EC854D12-3D0B-4CE7-91F6-BF32D5915F6C}" type="datetimeFigureOut">
               <a:rPr lang="en-US" smtClean="0"/>
-              <a:t>11/10/2022</a:t>
+              <a:t>11/17/2022</a:t>
             </a:fld>
             <a:endParaRPr lang="en-US"/>
           </a:p>
@@ -1250,7 +1249,7 @@
           <a:p>
             <a:fld id="{EC854D12-3D0B-4CE7-91F6-BF32D5915F6C}" type="datetimeFigureOut">
               <a:rPr lang="en-US" smtClean="0"/>
-              <a:t>11/10/2022</a:t>
+              <a:t>11/17/2022</a:t>
             </a:fld>
             <a:endParaRPr lang="en-US"/>
           </a:p>
@@ -1617,7 +1616,7 @@
           <a:p>
             <a:fld id="{EC854D12-3D0B-4CE7-91F6-BF32D5915F6C}" type="datetimeFigureOut">
               <a:rPr lang="en-US" smtClean="0"/>
-              <a:t>11/10/2022</a:t>
+              <a:t>11/17/2022</a:t>
             </a:fld>
             <a:endParaRPr lang="en-US"/>
           </a:p>
@@ -1735,7 +1734,7 @@
           <a:p>
             <a:fld id="{EC854D12-3D0B-4CE7-91F6-BF32D5915F6C}" type="datetimeFigureOut">
               <a:rPr lang="en-US" smtClean="0"/>
-              <a:t>11/10/2022</a:t>
+              <a:t>11/17/2022</a:t>
             </a:fld>
             <a:endParaRPr lang="en-US"/>
           </a:p>
@@ -1830,7 +1829,7 @@
           <a:p>
             <a:fld id="{EC854D12-3D0B-4CE7-91F6-BF32D5915F6C}" type="datetimeFigureOut">
               <a:rPr lang="en-US" smtClean="0"/>
-              <a:t>11/10/2022</a:t>
+              <a:t>11/17/2022</a:t>
             </a:fld>
             <a:endParaRPr lang="en-US"/>
           </a:p>
@@ -2107,7 +2106,7 @@
           <a:p>
             <a:fld id="{EC854D12-3D0B-4CE7-91F6-BF32D5915F6C}" type="datetimeFigureOut">
               <a:rPr lang="en-US" smtClean="0"/>
-              <a:t>11/10/2022</a:t>
+              <a:t>11/17/2022</a:t>
             </a:fld>
             <a:endParaRPr lang="en-US"/>
           </a:p>
@@ -2364,7 +2363,7 @@
           <a:p>
             <a:fld id="{EC854D12-3D0B-4CE7-91F6-BF32D5915F6C}" type="datetimeFigureOut">
               <a:rPr lang="en-US" smtClean="0"/>
-              <a:t>11/10/2022</a:t>
+              <a:t>11/17/2022</a:t>
             </a:fld>
             <a:endParaRPr lang="en-US"/>
           </a:p>
@@ -2577,7 +2576,7 @@
           <a:p>
             <a:fld id="{EC854D12-3D0B-4CE7-91F6-BF32D5915F6C}" type="datetimeFigureOut">
               <a:rPr lang="en-US" smtClean="0"/>
-              <a:t>11/10/2022</a:t>
+              <a:t>11/17/2022</a:t>
             </a:fld>
             <a:endParaRPr lang="en-US"/>
           </a:p>
@@ -3182,124 +3181,6 @@
 </p:sld>
 </file>
 
-<file path=ppt/slides/slide10.xml><?xml version="1.0" encoding="utf-8"?>
-<p:sld xmlns:a="http://schemas.openxmlformats.org/drawingml/2006/main" xmlns:r="http://schemas.openxmlformats.org/officeDocument/2006/relationships" xmlns:p="http://schemas.openxmlformats.org/presentationml/2006/main">
-  <p:cSld>
-    <p:spTree>
-      <p:nvGrpSpPr>
-        <p:cNvPr id="1" name=""/>
-        <p:cNvGrpSpPr/>
-        <p:nvPr/>
-      </p:nvGrpSpPr>
-      <p:grpSpPr>
-        <a:xfrm>
-          <a:off x="0" y="0"/>
-          <a:ext cx="0" cy="0"/>
-          <a:chOff x="0" y="0"/>
-          <a:chExt cx="0" cy="0"/>
-        </a:xfrm>
-      </p:grpSpPr>
-      <p:pic>
-        <p:nvPicPr>
-          <p:cNvPr id="4" name="Content Placeholder 4">
-            <a:extLst>
-              <a:ext uri="{FF2B5EF4-FFF2-40B4-BE49-F238E27FC236}">
-                <a16:creationId xmlns:a16="http://schemas.microsoft.com/office/drawing/2014/main" id="{6D68B1C1-1C7A-1471-EE84-8A37060EEA78}"/>
-              </a:ext>
-            </a:extLst>
-          </p:cNvPr>
-          <p:cNvPicPr>
-            <a:picLocks noChangeAspect="1"/>
-          </p:cNvPicPr>
-          <p:nvPr/>
-        </p:nvPicPr>
-        <p:blipFill>
-          <a:blip r:embed="rId2">
-            <a:extLst>
-              <a:ext uri="{28A0092B-C50C-407E-A947-70E740481C1C}">
-                <a14:useLocalDpi xmlns:a14="http://schemas.microsoft.com/office/drawing/2010/main" val="0"/>
-              </a:ext>
-            </a:extLst>
-          </a:blip>
-          <a:stretch>
-            <a:fillRect/>
-          </a:stretch>
-        </p:blipFill>
-        <p:spPr>
-          <a:xfrm>
-            <a:off x="3384176" y="845729"/>
-            <a:ext cx="5423647" cy="5381696"/>
-          </a:xfrm>
-          <a:prstGeom prst="rect">
-            <a:avLst/>
-          </a:prstGeom>
-        </p:spPr>
-      </p:pic>
-      <p:sp>
-        <p:nvSpPr>
-          <p:cNvPr id="5" name="Content Placeholder 2">
-            <a:extLst>
-              <a:ext uri="{FF2B5EF4-FFF2-40B4-BE49-F238E27FC236}">
-                <a16:creationId xmlns:a16="http://schemas.microsoft.com/office/drawing/2014/main" id="{9E6FC079-BA8D-8CB2-1177-FAD6668BCD2D}"/>
-              </a:ext>
-            </a:extLst>
-          </p:cNvPr>
-          <p:cNvSpPr>
-            <a:spLocks noGrp="1"/>
-          </p:cNvSpPr>
-          <p:nvPr>
-            <p:ph idx="1"/>
-          </p:nvPr>
-        </p:nvSpPr>
-        <p:spPr>
-          <a:xfrm>
-            <a:off x="3384176" y="83673"/>
-            <a:ext cx="5423646" cy="654479"/>
-          </a:xfrm>
-          <a:solidFill>
-            <a:schemeClr val="tx1">
-              <a:lumMod val="50000"/>
-              <a:lumOff val="50000"/>
-              <a:alpha val="19000"/>
-            </a:schemeClr>
-          </a:solidFill>
-          <a:effectLst>
-            <a:softEdge rad="63500"/>
-          </a:effectLst>
-        </p:spPr>
-        <p:txBody>
-          <a:bodyPr vert="horz" lIns="91440" tIns="45720" rIns="91440" bIns="45720" rtlCol="0">
-            <a:noAutofit/>
-          </a:bodyPr>
-          <a:lstStyle/>
-          <a:p>
-            <a:pPr marL="0" indent="0" algn="ctr">
-              <a:buNone/>
-            </a:pPr>
-            <a:r>
-              <a:rPr lang="en-US" sz="3600" dirty="0"/>
-              <a:t>Let’s go Fishing!</a:t>
-            </a:r>
-          </a:p>
-          <a:p>
-            <a:pPr algn="ctr"/>
-            <a:endParaRPr lang="en-US" sz="3600" dirty="0"/>
-          </a:p>
-        </p:txBody>
-      </p:sp>
-    </p:spTree>
-    <p:extLst>
-      <p:ext uri="{BB962C8B-B14F-4D97-AF65-F5344CB8AC3E}">
-        <p14:creationId xmlns:p14="http://schemas.microsoft.com/office/powerpoint/2010/main" val="156011991"/>
-      </p:ext>
-    </p:extLst>
-  </p:cSld>
-  <p:clrMapOvr>
-    <a:masterClrMapping/>
-  </p:clrMapOvr>
-</p:sld>
-</file>
-
 <file path=ppt/slides/slide2.xml><?xml version="1.0" encoding="utf-8"?>
 <p:sld xmlns:a="http://schemas.openxmlformats.org/drawingml/2006/main" xmlns:r="http://schemas.openxmlformats.org/officeDocument/2006/relationships" xmlns:p="http://schemas.openxmlformats.org/presentationml/2006/main">
   <p:cSld>
@@ -4335,7 +4216,12 @@
             <p:ph type="title"/>
           </p:nvPr>
         </p:nvSpPr>
-        <p:spPr/>
+        <p:spPr>
+          <a:xfrm>
+            <a:off x="838199" y="90253"/>
+            <a:ext cx="10515600" cy="1325563"/>
+          </a:xfrm>
+        </p:spPr>
         <p:txBody>
           <a:bodyPr/>
           <a:lstStyle/>
@@ -4370,7 +4256,7 @@
         </p:nvSpPr>
         <p:spPr>
           <a:xfrm>
-            <a:off x="1" y="1506070"/>
+            <a:off x="1" y="1034848"/>
             <a:ext cx="6095999" cy="2463501"/>
           </a:xfrm>
         </p:spPr>
@@ -4482,7 +4368,7 @@
         </p:blipFill>
         <p:spPr>
           <a:xfrm>
-            <a:off x="361939" y="3899646"/>
+            <a:off x="272528" y="3169019"/>
             <a:ext cx="4155553" cy="2593229"/>
           </a:xfrm>
           <a:prstGeom prst="rect">
@@ -4702,7 +4588,7 @@
         </p:nvSpPr>
         <p:spPr>
           <a:xfrm>
-            <a:off x="6096001" y="1506069"/>
+            <a:off x="6096001" y="1034847"/>
             <a:ext cx="6095999" cy="2463501"/>
           </a:xfrm>
           <a:prstGeom prst="rect">
@@ -4963,7 +4849,7 @@
         </p:blipFill>
         <p:spPr>
           <a:xfrm>
-            <a:off x="4995135" y="3899646"/>
+            <a:off x="4861085" y="5353777"/>
             <a:ext cx="2058533" cy="1461253"/>
           </a:xfrm>
           <a:prstGeom prst="rect">
@@ -4993,8 +4879,44 @@
         </p:blipFill>
         <p:spPr>
           <a:xfrm>
-            <a:off x="7196866" y="3899646"/>
+            <a:off x="7196865" y="4351529"/>
             <a:ext cx="4722607" cy="2463501"/>
+          </a:xfrm>
+          <a:prstGeom prst="rect">
+            <a:avLst/>
+          </a:prstGeom>
+        </p:spPr>
+      </p:pic>
+      <p:pic>
+        <p:nvPicPr>
+          <p:cNvPr id="10" name="Picture 9">
+            <a:extLst>
+              <a:ext uri="{FF2B5EF4-FFF2-40B4-BE49-F238E27FC236}">
+                <a16:creationId xmlns:a16="http://schemas.microsoft.com/office/drawing/2014/main" id="{8EA64BBD-7989-4022-92E9-394AB2F7928B}"/>
+              </a:ext>
+            </a:extLst>
+          </p:cNvPr>
+          <p:cNvPicPr>
+            <a:picLocks noChangeAspect="1"/>
+          </p:cNvPicPr>
+          <p:nvPr/>
+        </p:nvPicPr>
+        <p:blipFill>
+          <a:blip r:embed="rId7">
+            <a:extLst>
+              <a:ext uri="{28A0092B-C50C-407E-A947-70E740481C1C}">
+                <a14:useLocalDpi xmlns:a14="http://schemas.microsoft.com/office/drawing/2010/main" val="0"/>
+              </a:ext>
+            </a:extLst>
+          </a:blip>
+          <a:stretch>
+            <a:fillRect/>
+          </a:stretch>
+        </p:blipFill>
+        <p:spPr>
+          <a:xfrm>
+            <a:off x="4680508" y="3174199"/>
+            <a:ext cx="2419688" cy="2086266"/>
           </a:xfrm>
           <a:prstGeom prst="rect">
             <a:avLst/>
@@ -5129,7 +5051,7 @@
         </p:nvSpPr>
         <p:spPr>
           <a:xfrm>
-            <a:off x="838200" y="1690688"/>
+            <a:off x="124216" y="1586362"/>
             <a:ext cx="10515600" cy="1278423"/>
           </a:xfrm>
           <a:noFill/>
@@ -5153,7 +5075,7 @@
         </p:style>
         <p:txBody>
           <a:bodyPr vert="horz" lIns="91440" tIns="45720" rIns="91440" bIns="45720" rtlCol="0">
-            <a:normAutofit/>
+            <a:normAutofit fontScale="85000" lnSpcReduction="20000"/>
           </a:bodyPr>
           <a:lstStyle/>
           <a:p>
@@ -5167,13 +5089,10 @@
             </a:r>
           </a:p>
           <a:p>
-            <a:endParaRPr lang="en-US" dirty="0">
-              <a:solidFill>
-                <a:schemeClr val="bg1"/>
-              </a:solidFill>
-            </a:endParaRPr>
-          </a:p>
-          <a:p>
+            <a:r>
+              <a:rPr lang="en-US" dirty="0"/>
+              <a:t>After optimizing the model, the results revealed a 0.605 accuracy score</a:t>
+            </a:r>
             <a:endParaRPr lang="en-US" dirty="0">
               <a:solidFill>
                 <a:schemeClr val="bg1"/>
@@ -5204,8 +5123,68 @@
         </p:blipFill>
         <p:spPr>
           <a:xfrm>
-            <a:off x="838200" y="3299909"/>
+            <a:off x="124216" y="3277048"/>
             <a:ext cx="6580909" cy="3273014"/>
+          </a:xfrm>
+          <a:prstGeom prst="rect">
+            <a:avLst/>
+          </a:prstGeom>
+        </p:spPr>
+      </p:pic>
+      <p:pic>
+        <p:nvPicPr>
+          <p:cNvPr id="5" name="Picture 4">
+            <a:extLst>
+              <a:ext uri="{FF2B5EF4-FFF2-40B4-BE49-F238E27FC236}">
+                <a16:creationId xmlns:a16="http://schemas.microsoft.com/office/drawing/2014/main" id="{AD2D0C25-F53B-7020-9B65-238CE9C6F565}"/>
+              </a:ext>
+            </a:extLst>
+          </p:cNvPr>
+          <p:cNvPicPr>
+            <a:picLocks noChangeAspect="1"/>
+          </p:cNvPicPr>
+          <p:nvPr/>
+        </p:nvPicPr>
+        <p:blipFill>
+          <a:blip r:embed="rId4"/>
+          <a:stretch>
+            <a:fillRect/>
+          </a:stretch>
+        </p:blipFill>
+        <p:spPr>
+          <a:xfrm>
+            <a:off x="6829341" y="3277048"/>
+            <a:ext cx="3209925" cy="419100"/>
+          </a:xfrm>
+          <a:prstGeom prst="rect">
+            <a:avLst/>
+          </a:prstGeom>
+        </p:spPr>
+      </p:pic>
+      <p:pic>
+        <p:nvPicPr>
+          <p:cNvPr id="7" name="Picture 6">
+            <a:extLst>
+              <a:ext uri="{FF2B5EF4-FFF2-40B4-BE49-F238E27FC236}">
+                <a16:creationId xmlns:a16="http://schemas.microsoft.com/office/drawing/2014/main" id="{05C91FBE-C700-4DB7-77DF-5610252C094F}"/>
+              </a:ext>
+            </a:extLst>
+          </p:cNvPr>
+          <p:cNvPicPr>
+            <a:picLocks noChangeAspect="1"/>
+          </p:cNvPicPr>
+          <p:nvPr/>
+        </p:nvPicPr>
+        <p:blipFill>
+          <a:blip r:embed="rId5"/>
+          <a:stretch>
+            <a:fillRect/>
+          </a:stretch>
+        </p:blipFill>
+        <p:spPr>
+          <a:xfrm>
+            <a:off x="10163482" y="3277048"/>
+            <a:ext cx="1695450" cy="3429000"/>
           </a:xfrm>
           <a:prstGeom prst="rect">
             <a:avLst/>
@@ -5247,7 +5226,7 @@
           <p:cNvPr id="2" name="Title 1">
             <a:extLst>
               <a:ext uri="{FF2B5EF4-FFF2-40B4-BE49-F238E27FC236}">
-                <a16:creationId xmlns:a16="http://schemas.microsoft.com/office/drawing/2014/main" id="{257F8E74-A1EC-3726-DB99-4D31BF3CBA8E}"/>
+                <a16:creationId xmlns:a16="http://schemas.microsoft.com/office/drawing/2014/main" id="{CFCFF1C3-3803-9D7E-1FC6-64A16239168B}"/>
               </a:ext>
             </a:extLst>
           </p:cNvPr>
@@ -5265,71 +5244,17 @@
           <a:p>
             <a:r>
               <a:rPr lang="en-US" dirty="0"/>
-              <a:t>Dashboard</a:t>
-            </a:r>
-          </a:p>
-        </p:txBody>
-      </p:sp>
-      <p:sp>
-        <p:nvSpPr>
-          <p:cNvPr id="3" name="Content Placeholder 2">
+              <a:t>Feature Importance</a:t>
+            </a:r>
+          </a:p>
+        </p:txBody>
+      </p:sp>
+      <p:pic>
+        <p:nvPicPr>
+          <p:cNvPr id="4" name="Picture 3">
             <a:extLst>
               <a:ext uri="{FF2B5EF4-FFF2-40B4-BE49-F238E27FC236}">
-                <a16:creationId xmlns:a16="http://schemas.microsoft.com/office/drawing/2014/main" id="{AB48E276-44E4-E524-F132-1704323A06EB}"/>
-              </a:ext>
-            </a:extLst>
-          </p:cNvPr>
-          <p:cNvSpPr>
-            <a:spLocks noGrp="1"/>
-          </p:cNvSpPr>
-          <p:nvPr>
-            <p:ph idx="1"/>
-          </p:nvPr>
-        </p:nvSpPr>
-        <p:spPr>
-          <a:xfrm>
-            <a:off x="838200" y="1825625"/>
-            <a:ext cx="10515600" cy="1325563"/>
-          </a:xfrm>
-          <a:solidFill>
-            <a:schemeClr val="tx1">
-              <a:lumMod val="50000"/>
-              <a:lumOff val="50000"/>
-              <a:alpha val="19000"/>
-            </a:schemeClr>
-          </a:solidFill>
-          <a:effectLst>
-            <a:softEdge rad="63500"/>
-          </a:effectLst>
-        </p:spPr>
-        <p:txBody>
-          <a:bodyPr vert="horz" lIns="91440" tIns="45720" rIns="91440" bIns="45720" rtlCol="0">
-            <a:normAutofit/>
-          </a:bodyPr>
-          <a:lstStyle/>
-          <a:p>
-            <a:r>
-              <a:rPr lang="en-US" dirty="0"/>
-              <a:t>Interactive Dashboard on Tableau Public that breakdown the data.</a:t>
-            </a:r>
-          </a:p>
-          <a:p>
-            <a:r>
-              <a:rPr lang="en-US" dirty="0">
-                <a:hlinkClick r:id="rId2"/>
-              </a:rPr>
-              <a:t>Link to Workbook</a:t>
-            </a:r>
-            <a:endParaRPr lang="en-US" dirty="0"/>
-          </a:p>
-        </p:txBody>
-      </p:sp>
-      <p:pic>
-        <p:nvPicPr>
-          <p:cNvPr id="5" name="Picture 4">
-            <a:extLst>
-              <a:ext uri="{FF2B5EF4-FFF2-40B4-BE49-F238E27FC236}">
-                <a16:creationId xmlns:a16="http://schemas.microsoft.com/office/drawing/2014/main" id="{3C160A95-7594-F91B-05BD-D721B3CB564C}"/>
+                <a16:creationId xmlns:a16="http://schemas.microsoft.com/office/drawing/2014/main" id="{2AAAB14D-C8AA-5471-0806-A60C062D10C3}"/>
               </a:ext>
             </a:extLst>
           </p:cNvPr>
@@ -5339,15 +5264,195 @@
           <p:nvPr/>
         </p:nvPicPr>
         <p:blipFill>
-          <a:blip r:embed="rId3"/>
+          <a:blip r:embed="rId2"/>
           <a:stretch>
             <a:fillRect/>
           </a:stretch>
         </p:blipFill>
         <p:spPr>
           <a:xfrm>
-            <a:off x="4216998" y="2488406"/>
-            <a:ext cx="7136802" cy="3884958"/>
+            <a:off x="838200" y="1539372"/>
+            <a:ext cx="3600450" cy="4867275"/>
+          </a:xfrm>
+          <a:prstGeom prst="rect">
+            <a:avLst/>
+          </a:prstGeom>
+        </p:spPr>
+      </p:pic>
+      <p:pic>
+        <p:nvPicPr>
+          <p:cNvPr id="5" name="Picture 4">
+            <a:extLst>
+              <a:ext uri="{FF2B5EF4-FFF2-40B4-BE49-F238E27FC236}">
+                <a16:creationId xmlns:a16="http://schemas.microsoft.com/office/drawing/2014/main" id="{980EEED0-605D-D73E-95D7-868F01DA6C40}"/>
+              </a:ext>
+            </a:extLst>
+          </p:cNvPr>
+          <p:cNvPicPr>
+            <a:picLocks noChangeAspect="1"/>
+          </p:cNvPicPr>
+          <p:nvPr/>
+        </p:nvPicPr>
+        <p:blipFill>
+          <a:blip r:embed="rId3">
+            <a:extLst>
+              <a:ext uri="{28A0092B-C50C-407E-A947-70E740481C1C}">
+                <a14:useLocalDpi xmlns:a14="http://schemas.microsoft.com/office/drawing/2010/main" val="0"/>
+              </a:ext>
+            </a:extLst>
+          </a:blip>
+          <a:stretch>
+            <a:fillRect/>
+          </a:stretch>
+        </p:blipFill>
+        <p:spPr>
+          <a:xfrm>
+            <a:off x="5172178" y="1539372"/>
+            <a:ext cx="3305636" cy="1000265"/>
+          </a:xfrm>
+          <a:prstGeom prst="rect">
+            <a:avLst/>
+          </a:prstGeom>
+        </p:spPr>
+      </p:pic>
+      <p:pic>
+        <p:nvPicPr>
+          <p:cNvPr id="7" name="Picture 6">
+            <a:extLst>
+              <a:ext uri="{FF2B5EF4-FFF2-40B4-BE49-F238E27FC236}">
+                <a16:creationId xmlns:a16="http://schemas.microsoft.com/office/drawing/2014/main" id="{13801A38-6F25-B6A3-55CF-2E17A3304A72}"/>
+              </a:ext>
+            </a:extLst>
+          </p:cNvPr>
+          <p:cNvPicPr>
+            <a:picLocks noChangeAspect="1"/>
+          </p:cNvPicPr>
+          <p:nvPr/>
+        </p:nvPicPr>
+        <p:blipFill>
+          <a:blip r:embed="rId4">
+            <a:extLst>
+              <a:ext uri="{28A0092B-C50C-407E-A947-70E740481C1C}">
+                <a14:useLocalDpi xmlns:a14="http://schemas.microsoft.com/office/drawing/2010/main" val="0"/>
+              </a:ext>
+            </a:extLst>
+          </a:blip>
+          <a:stretch>
+            <a:fillRect/>
+          </a:stretch>
+        </p:blipFill>
+        <p:spPr>
+          <a:xfrm>
+            <a:off x="9211343" y="3967135"/>
+            <a:ext cx="2562583" cy="1019317"/>
+          </a:xfrm>
+          <a:prstGeom prst="rect">
+            <a:avLst/>
+          </a:prstGeom>
+        </p:spPr>
+      </p:pic>
+      <p:pic>
+        <p:nvPicPr>
+          <p:cNvPr id="9" name="Picture 8">
+            <a:extLst>
+              <a:ext uri="{FF2B5EF4-FFF2-40B4-BE49-F238E27FC236}">
+                <a16:creationId xmlns:a16="http://schemas.microsoft.com/office/drawing/2014/main" id="{F4E16246-B88E-A29B-DC7C-49A33CC98248}"/>
+              </a:ext>
+            </a:extLst>
+          </p:cNvPr>
+          <p:cNvPicPr>
+            <a:picLocks noChangeAspect="1"/>
+          </p:cNvPicPr>
+          <p:nvPr/>
+        </p:nvPicPr>
+        <p:blipFill>
+          <a:blip r:embed="rId5">
+            <a:extLst>
+              <a:ext uri="{28A0092B-C50C-407E-A947-70E740481C1C}">
+                <a14:useLocalDpi xmlns:a14="http://schemas.microsoft.com/office/drawing/2010/main" val="0"/>
+              </a:ext>
+            </a:extLst>
+          </a:blip>
+          <a:stretch>
+            <a:fillRect/>
+          </a:stretch>
+        </p:blipFill>
+        <p:spPr>
+          <a:xfrm>
+            <a:off x="5296020" y="2796659"/>
+            <a:ext cx="3057952" cy="3696216"/>
+          </a:xfrm>
+          <a:prstGeom prst="rect">
+            <a:avLst/>
+          </a:prstGeom>
+        </p:spPr>
+      </p:pic>
+      <p:pic>
+        <p:nvPicPr>
+          <p:cNvPr id="11" name="Picture 10">
+            <a:extLst>
+              <a:ext uri="{FF2B5EF4-FFF2-40B4-BE49-F238E27FC236}">
+                <a16:creationId xmlns:a16="http://schemas.microsoft.com/office/drawing/2014/main" id="{372253DA-7A7A-8C54-D079-94805419EE15}"/>
+              </a:ext>
+            </a:extLst>
+          </p:cNvPr>
+          <p:cNvPicPr>
+            <a:picLocks noChangeAspect="1"/>
+          </p:cNvPicPr>
+          <p:nvPr/>
+        </p:nvPicPr>
+        <p:blipFill>
+          <a:blip r:embed="rId6">
+            <a:extLst>
+              <a:ext uri="{28A0092B-C50C-407E-A947-70E740481C1C}">
+                <a14:useLocalDpi xmlns:a14="http://schemas.microsoft.com/office/drawing/2010/main" val="0"/>
+              </a:ext>
+            </a:extLst>
+          </a:blip>
+          <a:stretch>
+            <a:fillRect/>
+          </a:stretch>
+        </p:blipFill>
+        <p:spPr>
+          <a:xfrm>
+            <a:off x="8968423" y="147217"/>
+            <a:ext cx="3048425" cy="3515216"/>
+          </a:xfrm>
+          <a:prstGeom prst="rect">
+            <a:avLst/>
+          </a:prstGeom>
+        </p:spPr>
+      </p:pic>
+      <p:pic>
+        <p:nvPicPr>
+          <p:cNvPr id="13" name="Picture 12">
+            <a:extLst>
+              <a:ext uri="{FF2B5EF4-FFF2-40B4-BE49-F238E27FC236}">
+                <a16:creationId xmlns:a16="http://schemas.microsoft.com/office/drawing/2014/main" id="{C406B725-591D-61AE-2437-0C2466F4AC6F}"/>
+              </a:ext>
+            </a:extLst>
+          </p:cNvPr>
+          <p:cNvPicPr>
+            <a:picLocks noChangeAspect="1"/>
+          </p:cNvPicPr>
+          <p:nvPr/>
+        </p:nvPicPr>
+        <p:blipFill>
+          <a:blip r:embed="rId7">
+            <a:extLst>
+              <a:ext uri="{28A0092B-C50C-407E-A947-70E740481C1C}">
+                <a14:useLocalDpi xmlns:a14="http://schemas.microsoft.com/office/drawing/2010/main" val="0"/>
+              </a:ext>
+            </a:extLst>
+          </a:blip>
+          <a:stretch>
+            <a:fillRect/>
+          </a:stretch>
+        </p:blipFill>
+        <p:spPr>
+          <a:xfrm>
+            <a:off x="8930318" y="5358044"/>
+            <a:ext cx="3124636" cy="1352739"/>
           </a:xfrm>
           <a:prstGeom prst="rect">
             <a:avLst/>
@@ -5357,7 +5462,7 @@
     </p:spTree>
     <p:extLst>
       <p:ext uri="{BB962C8B-B14F-4D97-AF65-F5344CB8AC3E}">
-        <p14:creationId xmlns:p14="http://schemas.microsoft.com/office/powerpoint/2010/main" val="2980092636"/>
+        <p14:creationId xmlns:p14="http://schemas.microsoft.com/office/powerpoint/2010/main" val="2310727977"/>
       </p:ext>
     </p:extLst>
   </p:cSld>
@@ -5389,7 +5494,7 @@
           <p:cNvPr id="2" name="Title 1">
             <a:extLst>
               <a:ext uri="{FF2B5EF4-FFF2-40B4-BE49-F238E27FC236}">
-                <a16:creationId xmlns:a16="http://schemas.microsoft.com/office/drawing/2014/main" id="{787492B8-3650-942F-709D-C606D2FDE627}"/>
+                <a16:creationId xmlns:a16="http://schemas.microsoft.com/office/drawing/2014/main" id="{257F8E74-A1EC-3726-DB99-4D31BF3CBA8E}"/>
               </a:ext>
             </a:extLst>
           </p:cNvPr>
@@ -5400,54 +5505,84 @@
             <p:ph type="title"/>
           </p:nvPr>
         </p:nvSpPr>
-        <p:spPr/>
+        <p:spPr>
+          <a:xfrm>
+            <a:off x="838200" y="120867"/>
+            <a:ext cx="10515600" cy="1325563"/>
+          </a:xfrm>
+        </p:spPr>
         <p:txBody>
           <a:bodyPr/>
           <a:lstStyle/>
           <a:p>
+            <a:pPr algn="ctr"/>
             <a:r>
               <a:rPr lang="en-US" dirty="0"/>
-              <a:t>Model Testing Results</a:t>
-            </a:r>
-          </a:p>
-        </p:txBody>
-      </p:sp>
-      <p:pic>
-        <p:nvPicPr>
-          <p:cNvPr id="4" name="Picture 3">
+              <a:t>Dashboard</a:t>
+            </a:r>
+          </a:p>
+        </p:txBody>
+      </p:sp>
+      <p:sp>
+        <p:nvSpPr>
+          <p:cNvPr id="3" name="Content Placeholder 2">
             <a:extLst>
               <a:ext uri="{FF2B5EF4-FFF2-40B4-BE49-F238E27FC236}">
-                <a16:creationId xmlns:a16="http://schemas.microsoft.com/office/drawing/2014/main" id="{133DA288-8090-D049-91F6-0237EFB77945}"/>
+                <a16:creationId xmlns:a16="http://schemas.microsoft.com/office/drawing/2014/main" id="{AB48E276-44E4-E524-F132-1704323A06EB}"/>
               </a:ext>
             </a:extLst>
           </p:cNvPr>
-          <p:cNvPicPr>
-            <a:picLocks noChangeAspect="1"/>
-          </p:cNvPicPr>
-          <p:nvPr/>
-        </p:nvPicPr>
-        <p:blipFill>
-          <a:blip r:embed="rId2"/>
-          <a:stretch>
-            <a:fillRect/>
-          </a:stretch>
-        </p:blipFill>
+          <p:cNvSpPr>
+            <a:spLocks noGrp="1"/>
+          </p:cNvSpPr>
+          <p:nvPr>
+            <p:ph idx="1"/>
+          </p:nvPr>
+        </p:nvSpPr>
         <p:spPr>
           <a:xfrm>
-            <a:off x="955986" y="2210782"/>
-            <a:ext cx="3209925" cy="419100"/>
-          </a:xfrm>
-          <a:prstGeom prst="rect">
-            <a:avLst/>
-          </a:prstGeom>
-        </p:spPr>
-      </p:pic>
+            <a:off x="838200" y="1080326"/>
+            <a:ext cx="10515600" cy="1325563"/>
+          </a:xfrm>
+          <a:solidFill>
+            <a:schemeClr val="tx1">
+              <a:lumMod val="50000"/>
+              <a:lumOff val="50000"/>
+              <a:alpha val="19000"/>
+            </a:schemeClr>
+          </a:solidFill>
+          <a:effectLst>
+            <a:softEdge rad="63500"/>
+          </a:effectLst>
+        </p:spPr>
+        <p:txBody>
+          <a:bodyPr vert="horz" lIns="91440" tIns="45720" rIns="91440" bIns="45720" rtlCol="0">
+            <a:normAutofit/>
+          </a:bodyPr>
+          <a:lstStyle/>
+          <a:p>
+            <a:r>
+              <a:rPr lang="en-US" dirty="0"/>
+              <a:t>Interactive Dashboard on Tableau Public that breakdown the data.</a:t>
+            </a:r>
+          </a:p>
+          <a:p>
+            <a:r>
+              <a:rPr lang="en-US" dirty="0">
+                <a:hlinkClick r:id="rId2"/>
+              </a:rPr>
+              <a:t>Link to Workbook</a:t>
+            </a:r>
+            <a:endParaRPr lang="en-US" dirty="0"/>
+          </a:p>
+        </p:txBody>
+      </p:sp>
       <p:pic>
         <p:nvPicPr>
-          <p:cNvPr id="6" name="Picture 5">
+          <p:cNvPr id="5" name="Picture 4">
             <a:extLst>
               <a:ext uri="{FF2B5EF4-FFF2-40B4-BE49-F238E27FC236}">
-                <a16:creationId xmlns:a16="http://schemas.microsoft.com/office/drawing/2014/main" id="{CCDB25E7-EAEF-30C6-489B-ACF8431FF54A}"/>
+                <a16:creationId xmlns:a16="http://schemas.microsoft.com/office/drawing/2014/main" id="{3C160A95-7594-F91B-05BD-D721B3CB564C}"/>
               </a:ext>
             </a:extLst>
           </p:cNvPr>
@@ -5464,8 +5599,8 @@
         </p:blipFill>
         <p:spPr>
           <a:xfrm>
-            <a:off x="4795788" y="2210782"/>
-            <a:ext cx="1695450" cy="3429000"/>
+            <a:off x="3751546" y="1689482"/>
+            <a:ext cx="8232700" cy="4874156"/>
           </a:xfrm>
           <a:prstGeom prst="rect">
             <a:avLst/>
@@ -5475,7 +5610,7 @@
     </p:spTree>
     <p:extLst>
       <p:ext uri="{BB962C8B-B14F-4D97-AF65-F5344CB8AC3E}">
-        <p14:creationId xmlns:p14="http://schemas.microsoft.com/office/powerpoint/2010/main" val="3531217233"/>
+        <p14:creationId xmlns:p14="http://schemas.microsoft.com/office/powerpoint/2010/main" val="2980092636"/>
       </p:ext>
     </p:extLst>
   </p:cSld>
@@ -5502,40 +5637,12 @@
           <a:chExt cx="0" cy="0"/>
         </a:xfrm>
       </p:grpSpPr>
-      <p:sp>
-        <p:nvSpPr>
-          <p:cNvPr id="2" name="Title 1">
+      <p:pic>
+        <p:nvPicPr>
+          <p:cNvPr id="4" name="Content Placeholder 4">
             <a:extLst>
               <a:ext uri="{FF2B5EF4-FFF2-40B4-BE49-F238E27FC236}">
-                <a16:creationId xmlns:a16="http://schemas.microsoft.com/office/drawing/2014/main" id="{CFCFF1C3-3803-9D7E-1FC6-64A16239168B}"/>
-              </a:ext>
-            </a:extLst>
-          </p:cNvPr>
-          <p:cNvSpPr>
-            <a:spLocks noGrp="1"/>
-          </p:cNvSpPr>
-          <p:nvPr>
-            <p:ph type="title"/>
-          </p:nvPr>
-        </p:nvSpPr>
-        <p:spPr/>
-        <p:txBody>
-          <a:bodyPr/>
-          <a:lstStyle/>
-          <a:p>
-            <a:r>
-              <a:rPr lang="en-US" dirty="0"/>
-              <a:t>Feature Importance</a:t>
-            </a:r>
-          </a:p>
-        </p:txBody>
-      </p:sp>
-      <p:pic>
-        <p:nvPicPr>
-          <p:cNvPr id="4" name="Picture 3">
-            <a:extLst>
-              <a:ext uri="{FF2B5EF4-FFF2-40B4-BE49-F238E27FC236}">
-                <a16:creationId xmlns:a16="http://schemas.microsoft.com/office/drawing/2014/main" id="{2AAAB14D-C8AA-5471-0806-A60C062D10C3}"/>
+                <a16:creationId xmlns:a16="http://schemas.microsoft.com/office/drawing/2014/main" id="{6D68B1C1-1C7A-1471-EE84-8A37060EEA78}"/>
               </a:ext>
             </a:extLst>
           </p:cNvPr>
@@ -5545,25 +5652,83 @@
           <p:nvPr/>
         </p:nvPicPr>
         <p:blipFill>
-          <a:blip r:embed="rId2"/>
+          <a:blip r:embed="rId2">
+            <a:extLst>
+              <a:ext uri="{28A0092B-C50C-407E-A947-70E740481C1C}">
+                <a14:useLocalDpi xmlns:a14="http://schemas.microsoft.com/office/drawing/2010/main" val="0"/>
+              </a:ext>
+            </a:extLst>
+          </a:blip>
           <a:stretch>
             <a:fillRect/>
           </a:stretch>
         </p:blipFill>
         <p:spPr>
           <a:xfrm>
-            <a:off x="838200" y="1539372"/>
-            <a:ext cx="3600450" cy="4867275"/>
+            <a:off x="3384176" y="845729"/>
+            <a:ext cx="5423647" cy="5381696"/>
           </a:xfrm>
           <a:prstGeom prst="rect">
             <a:avLst/>
           </a:prstGeom>
         </p:spPr>
       </p:pic>
+      <p:sp>
+        <p:nvSpPr>
+          <p:cNvPr id="5" name="Content Placeholder 2">
+            <a:extLst>
+              <a:ext uri="{FF2B5EF4-FFF2-40B4-BE49-F238E27FC236}">
+                <a16:creationId xmlns:a16="http://schemas.microsoft.com/office/drawing/2014/main" id="{9E6FC079-BA8D-8CB2-1177-FAD6668BCD2D}"/>
+              </a:ext>
+            </a:extLst>
+          </p:cNvPr>
+          <p:cNvSpPr>
+            <a:spLocks noGrp="1"/>
+          </p:cNvSpPr>
+          <p:nvPr>
+            <p:ph idx="1"/>
+          </p:nvPr>
+        </p:nvSpPr>
+        <p:spPr>
+          <a:xfrm>
+            <a:off x="3384176" y="83673"/>
+            <a:ext cx="5423646" cy="654479"/>
+          </a:xfrm>
+          <a:solidFill>
+            <a:schemeClr val="tx1">
+              <a:lumMod val="50000"/>
+              <a:lumOff val="50000"/>
+              <a:alpha val="19000"/>
+            </a:schemeClr>
+          </a:solidFill>
+          <a:effectLst>
+            <a:softEdge rad="63500"/>
+          </a:effectLst>
+        </p:spPr>
+        <p:txBody>
+          <a:bodyPr vert="horz" lIns="91440" tIns="45720" rIns="91440" bIns="45720" rtlCol="0">
+            <a:noAutofit/>
+          </a:bodyPr>
+          <a:lstStyle/>
+          <a:p>
+            <a:pPr marL="0" indent="0" algn="ctr">
+              <a:buNone/>
+            </a:pPr>
+            <a:r>
+              <a:rPr lang="en-US" sz="3600" dirty="0"/>
+              <a:t>Let’s go Fishing!</a:t>
+            </a:r>
+          </a:p>
+          <a:p>
+            <a:pPr algn="ctr"/>
+            <a:endParaRPr lang="en-US" sz="3600" dirty="0"/>
+          </a:p>
+        </p:txBody>
+      </p:sp>
     </p:spTree>
     <p:extLst>
       <p:ext uri="{BB962C8B-B14F-4D97-AF65-F5344CB8AC3E}">
-        <p14:creationId xmlns:p14="http://schemas.microsoft.com/office/powerpoint/2010/main" val="2310727977"/>
+        <p14:creationId xmlns:p14="http://schemas.microsoft.com/office/powerpoint/2010/main" val="156011991"/>
       </p:ext>
     </p:extLst>
   </p:cSld>

--- a/Presentation.pptx
+++ b/Presentation.pptx
@@ -8,12 +8,13 @@
     <p:sldId id="257" r:id="rId2"/>
     <p:sldId id="265" r:id="rId3"/>
     <p:sldId id="258" r:id="rId4"/>
-    <p:sldId id="260" r:id="rId5"/>
-    <p:sldId id="263" r:id="rId6"/>
-    <p:sldId id="261" r:id="rId7"/>
-    <p:sldId id="266" r:id="rId8"/>
-    <p:sldId id="259" r:id="rId9"/>
-    <p:sldId id="262" r:id="rId10"/>
+    <p:sldId id="267" r:id="rId5"/>
+    <p:sldId id="260" r:id="rId6"/>
+    <p:sldId id="263" r:id="rId7"/>
+    <p:sldId id="261" r:id="rId8"/>
+    <p:sldId id="266" r:id="rId9"/>
+    <p:sldId id="259" r:id="rId10"/>
+    <p:sldId id="262" r:id="rId11"/>
   </p:sldIdLst>
   <p:sldSz cx="12192000" cy="6858000"/>
   <p:notesSz cx="6858000" cy="9144000"/>
@@ -3181,6 +3182,183 @@
 </p:sld>
 </file>
 
+<file path=ppt/slides/slide10.xml><?xml version="1.0" encoding="utf-8"?>
+<p:sld xmlns:a="http://schemas.openxmlformats.org/drawingml/2006/main" xmlns:r="http://schemas.openxmlformats.org/officeDocument/2006/relationships" xmlns:p="http://schemas.openxmlformats.org/presentationml/2006/main">
+  <p:cSld>
+    <p:spTree>
+      <p:nvGrpSpPr>
+        <p:cNvPr id="1" name=""/>
+        <p:cNvGrpSpPr/>
+        <p:nvPr/>
+      </p:nvGrpSpPr>
+      <p:grpSpPr>
+        <a:xfrm>
+          <a:off x="0" y="0"/>
+          <a:ext cx="0" cy="0"/>
+          <a:chOff x="0" y="0"/>
+          <a:chExt cx="0" cy="0"/>
+        </a:xfrm>
+      </p:grpSpPr>
+      <p:pic>
+        <p:nvPicPr>
+          <p:cNvPr id="2050" name="Picture 2">
+            <a:extLst>
+              <a:ext uri="{FF2B5EF4-FFF2-40B4-BE49-F238E27FC236}">
+                <a16:creationId xmlns:a16="http://schemas.microsoft.com/office/drawing/2014/main" id="{C76CFF3B-E555-8EE2-EA35-91290D97C0E1}"/>
+              </a:ext>
+            </a:extLst>
+          </p:cNvPr>
+          <p:cNvPicPr>
+            <a:picLocks noChangeAspect="1" noChangeArrowheads="1"/>
+          </p:cNvPicPr>
+          <p:nvPr/>
+        </p:nvPicPr>
+        <p:blipFill>
+          <a:blip r:embed="rId2">
+            <a:extLst>
+              <a:ext uri="{28A0092B-C50C-407E-A947-70E740481C1C}">
+                <a14:useLocalDpi xmlns:a14="http://schemas.microsoft.com/office/drawing/2010/main" val="0"/>
+              </a:ext>
+            </a:extLst>
+          </a:blip>
+          <a:srcRect/>
+          <a:stretch>
+            <a:fillRect/>
+          </a:stretch>
+        </p:blipFill>
+        <p:spPr bwMode="auto">
+          <a:xfrm>
+            <a:off x="0" y="0"/>
+            <a:ext cx="12192000" cy="6858000"/>
+          </a:xfrm>
+          <a:prstGeom prst="rect">
+            <a:avLst/>
+          </a:prstGeom>
+          <a:noFill/>
+          <a:extLst>
+            <a:ext uri="{909E8E84-426E-40DD-AFC4-6F175D3DCCD1}">
+              <a14:hiddenFill xmlns:a14="http://schemas.microsoft.com/office/drawing/2010/main">
+                <a:solidFill>
+                  <a:srgbClr val="FFFFFF"/>
+                </a:solidFill>
+              </a14:hiddenFill>
+            </a:ext>
+          </a:extLst>
+        </p:spPr>
+      </p:pic>
+      <p:pic>
+        <p:nvPicPr>
+          <p:cNvPr id="4" name="Content Placeholder 4">
+            <a:extLst>
+              <a:ext uri="{FF2B5EF4-FFF2-40B4-BE49-F238E27FC236}">
+                <a16:creationId xmlns:a16="http://schemas.microsoft.com/office/drawing/2014/main" id="{6D68B1C1-1C7A-1471-EE84-8A37060EEA78}"/>
+              </a:ext>
+            </a:extLst>
+          </p:cNvPr>
+          <p:cNvPicPr>
+            <a:picLocks noChangeAspect="1"/>
+          </p:cNvPicPr>
+          <p:nvPr/>
+        </p:nvPicPr>
+        <p:blipFill>
+          <a:blip r:embed="rId3">
+            <a:extLst>
+              <a:ext uri="{28A0092B-C50C-407E-A947-70E740481C1C}">
+                <a14:useLocalDpi xmlns:a14="http://schemas.microsoft.com/office/drawing/2010/main" val="0"/>
+              </a:ext>
+            </a:extLst>
+          </a:blip>
+          <a:stretch>
+            <a:fillRect/>
+          </a:stretch>
+        </p:blipFill>
+        <p:spPr>
+          <a:xfrm>
+            <a:off x="3384176" y="845729"/>
+            <a:ext cx="5423647" cy="5381696"/>
+          </a:xfrm>
+          <a:prstGeom prst="rect">
+            <a:avLst/>
+          </a:prstGeom>
+        </p:spPr>
+      </p:pic>
+      <p:sp>
+        <p:nvSpPr>
+          <p:cNvPr id="5" name="Content Placeholder 2">
+            <a:extLst>
+              <a:ext uri="{FF2B5EF4-FFF2-40B4-BE49-F238E27FC236}">
+                <a16:creationId xmlns:a16="http://schemas.microsoft.com/office/drawing/2014/main" id="{9E6FC079-BA8D-8CB2-1177-FAD6668BCD2D}"/>
+              </a:ext>
+            </a:extLst>
+          </p:cNvPr>
+          <p:cNvSpPr>
+            <a:spLocks noGrp="1"/>
+          </p:cNvSpPr>
+          <p:nvPr>
+            <p:ph idx="1"/>
+          </p:nvPr>
+        </p:nvSpPr>
+        <p:spPr>
+          <a:xfrm>
+            <a:off x="3384176" y="83673"/>
+            <a:ext cx="5423646" cy="654479"/>
+          </a:xfrm>
+          <a:solidFill>
+            <a:schemeClr val="dk1">
+              <a:alpha val="50000"/>
+            </a:schemeClr>
+          </a:solidFill>
+          <a:ln>
+            <a:noFill/>
+          </a:ln>
+        </p:spPr>
+        <p:style>
+          <a:lnRef idx="0">
+            <a:scrgbClr r="0" g="0" b="0"/>
+          </a:lnRef>
+          <a:fillRef idx="0">
+            <a:scrgbClr r="0" g="0" b="0"/>
+          </a:fillRef>
+          <a:effectRef idx="0">
+            <a:scrgbClr r="0" g="0" b="0"/>
+          </a:effectRef>
+          <a:fontRef idx="minor">
+            <a:schemeClr val="lt1"/>
+          </a:fontRef>
+        </p:style>
+        <p:txBody>
+          <a:bodyPr vert="horz" lIns="91440" tIns="45720" rIns="91440" bIns="45720" rtlCol="0">
+            <a:noAutofit/>
+          </a:bodyPr>
+          <a:lstStyle/>
+          <a:p>
+            <a:pPr marL="0" indent="0" algn="ctr">
+              <a:buNone/>
+            </a:pPr>
+            <a:r>
+              <a:rPr lang="en-US" sz="3600" dirty="0"/>
+              <a:t>Let’s go Fishing!</a:t>
+            </a:r>
+          </a:p>
+          <a:p>
+            <a:pPr algn="ctr"/>
+            <a:endParaRPr lang="en-US" sz="3600" dirty="0"/>
+          </a:p>
+        </p:txBody>
+      </p:sp>
+    </p:spTree>
+    <p:extLst>
+      <p:ext uri="{BB962C8B-B14F-4D97-AF65-F5344CB8AC3E}">
+        <p14:creationId xmlns:p14="http://schemas.microsoft.com/office/powerpoint/2010/main" val="156011991"/>
+      </p:ext>
+    </p:extLst>
+  </p:cSld>
+  <p:clrMapOvr>
+    <a:masterClrMapping/>
+  </p:clrMapOvr>
+</p:sld>
+</file>
+
 <file path=ppt/slides/slide2.xml><?xml version="1.0" encoding="utf-8"?>
 <p:sld xmlns:a="http://schemas.openxmlformats.org/drawingml/2006/main" xmlns:r="http://schemas.openxmlformats.org/officeDocument/2006/relationships" xmlns:p="http://schemas.openxmlformats.org/presentationml/2006/main">
   <p:cSld>
@@ -3318,7 +3496,7 @@
         </p:spPr>
         <p:txBody>
           <a:bodyPr>
-            <a:normAutofit lnSpcReduction="10000"/>
+            <a:normAutofit fontScale="92500" lnSpcReduction="10000"/>
           </a:bodyPr>
           <a:lstStyle/>
           <a:p>
@@ -3387,7 +3565,7 @@
                   <a:schemeClr val="bg1"/>
                 </a:solidFill>
               </a:rPr>
-              <a:t>A few years ago MLF started making the fish catch data public and accessible through their website.</a:t>
+              <a:t>A few years ago, MLF started making the fish catch data public and accessible through their website. Allowing someone with an interest to perform analysis</a:t>
             </a:r>
           </a:p>
         </p:txBody>
@@ -3833,8 +4011,8 @@
         </p:blipFill>
         <p:spPr>
           <a:xfrm>
-            <a:off x="433893" y="3317785"/>
-            <a:ext cx="5888636" cy="3018756"/>
+            <a:off x="433893" y="2698354"/>
+            <a:ext cx="5888636" cy="4032810"/>
           </a:xfrm>
           <a:prstGeom prst="rect">
             <a:avLst/>
@@ -3873,6 +4051,260 @@
       </p:grpSpPr>
       <p:pic>
         <p:nvPicPr>
+          <p:cNvPr id="1028" name="Picture 4">
+            <a:extLst>
+              <a:ext uri="{FF2B5EF4-FFF2-40B4-BE49-F238E27FC236}">
+                <a16:creationId xmlns:a16="http://schemas.microsoft.com/office/drawing/2014/main" id="{8A4406F8-9627-90A4-E27E-FC879E57A0F6}"/>
+              </a:ext>
+            </a:extLst>
+          </p:cNvPr>
+          <p:cNvPicPr>
+            <a:picLocks noChangeAspect="1" noChangeArrowheads="1"/>
+          </p:cNvPicPr>
+          <p:nvPr/>
+        </p:nvPicPr>
+        <p:blipFill>
+          <a:blip r:embed="rId2">
+            <a:extLst>
+              <a:ext uri="{28A0092B-C50C-407E-A947-70E740481C1C}">
+                <a14:useLocalDpi xmlns:a14="http://schemas.microsoft.com/office/drawing/2010/main" val="0"/>
+              </a:ext>
+            </a:extLst>
+          </a:blip>
+          <a:srcRect/>
+          <a:stretch>
+            <a:fillRect/>
+          </a:stretch>
+        </p:blipFill>
+        <p:spPr bwMode="auto">
+          <a:xfrm>
+            <a:off x="0" y="0"/>
+            <a:ext cx="12192000" cy="6858000"/>
+          </a:xfrm>
+          <a:prstGeom prst="rect">
+            <a:avLst/>
+          </a:prstGeom>
+          <a:noFill/>
+          <a:extLst>
+            <a:ext uri="{909E8E84-426E-40DD-AFC4-6F175D3DCCD1}">
+              <a14:hiddenFill xmlns:a14="http://schemas.microsoft.com/office/drawing/2010/main">
+                <a:solidFill>
+                  <a:srgbClr val="FFFFFF"/>
+                </a:solidFill>
+              </a14:hiddenFill>
+            </a:ext>
+          </a:extLst>
+        </p:spPr>
+      </p:pic>
+      <p:sp>
+        <p:nvSpPr>
+          <p:cNvPr id="2" name="Title 1">
+            <a:extLst>
+              <a:ext uri="{FF2B5EF4-FFF2-40B4-BE49-F238E27FC236}">
+                <a16:creationId xmlns:a16="http://schemas.microsoft.com/office/drawing/2014/main" id="{1CA653F0-62D7-AE10-2227-003CCFE6EBC5}"/>
+              </a:ext>
+            </a:extLst>
+          </p:cNvPr>
+          <p:cNvSpPr>
+            <a:spLocks noGrp="1"/>
+          </p:cNvSpPr>
+          <p:nvPr>
+            <p:ph type="title"/>
+          </p:nvPr>
+        </p:nvSpPr>
+        <p:spPr>
+          <a:xfrm>
+            <a:off x="838200" y="0"/>
+            <a:ext cx="10515600" cy="1200523"/>
+          </a:xfrm>
+          <a:solidFill>
+            <a:schemeClr val="dk1">
+              <a:alpha val="50000"/>
+            </a:schemeClr>
+          </a:solidFill>
+          <a:ln>
+            <a:noFill/>
+          </a:ln>
+        </p:spPr>
+        <p:style>
+          <a:lnRef idx="0">
+            <a:scrgbClr r="0" g="0" b="0"/>
+          </a:lnRef>
+          <a:fillRef idx="0">
+            <a:scrgbClr r="0" g="0" b="0"/>
+          </a:fillRef>
+          <a:effectRef idx="0">
+            <a:scrgbClr r="0" g="0" b="0"/>
+          </a:effectRef>
+          <a:fontRef idx="minor">
+            <a:schemeClr val="lt1"/>
+          </a:fontRef>
+        </p:style>
+        <p:txBody>
+          <a:bodyPr/>
+          <a:lstStyle/>
+          <a:p>
+            <a:pPr algn="ctr"/>
+            <a:r>
+              <a:rPr lang="en-US" dirty="0"/>
+              <a:t>Web Scrape</a:t>
+            </a:r>
+          </a:p>
+        </p:txBody>
+      </p:sp>
+      <p:sp>
+        <p:nvSpPr>
+          <p:cNvPr id="3" name="Content Placeholder 2">
+            <a:extLst>
+              <a:ext uri="{FF2B5EF4-FFF2-40B4-BE49-F238E27FC236}">
+                <a16:creationId xmlns:a16="http://schemas.microsoft.com/office/drawing/2014/main" id="{16E704A8-E2D8-AD39-F950-45AFBE2643C6}"/>
+              </a:ext>
+            </a:extLst>
+          </p:cNvPr>
+          <p:cNvSpPr>
+            <a:spLocks noGrp="1"/>
+          </p:cNvSpPr>
+          <p:nvPr>
+            <p:ph idx="1"/>
+          </p:nvPr>
+        </p:nvSpPr>
+        <p:spPr>
+          <a:xfrm>
+            <a:off x="838200" y="1200523"/>
+            <a:ext cx="10515600" cy="809999"/>
+          </a:xfrm>
+          <a:solidFill>
+            <a:schemeClr val="dk1">
+              <a:alpha val="50000"/>
+            </a:schemeClr>
+          </a:solidFill>
+          <a:ln>
+            <a:noFill/>
+          </a:ln>
+        </p:spPr>
+        <p:style>
+          <a:lnRef idx="0">
+            <a:scrgbClr r="0" g="0" b="0"/>
+          </a:lnRef>
+          <a:fillRef idx="0">
+            <a:scrgbClr r="0" g="0" b="0"/>
+          </a:fillRef>
+          <a:effectRef idx="0">
+            <a:scrgbClr r="0" g="0" b="0"/>
+          </a:effectRef>
+          <a:fontRef idx="minor">
+            <a:schemeClr val="lt1"/>
+          </a:fontRef>
+        </p:style>
+        <p:txBody>
+          <a:bodyPr>
+            <a:normAutofit fontScale="77500" lnSpcReduction="20000"/>
+          </a:bodyPr>
+          <a:lstStyle/>
+          <a:p>
+            <a:r>
+              <a:rPr lang="en-US" dirty="0">
+                <a:solidFill>
+                  <a:schemeClr val="tx1"/>
+                </a:solidFill>
+              </a:rPr>
+              <a:t>The first step was to retrieve the data. Using Selenium for Python I was able to write a script that will scrape the data from the MLF website and store it into a database.</a:t>
+            </a:r>
+          </a:p>
+        </p:txBody>
+      </p:sp>
+      <p:pic>
+        <p:nvPicPr>
+          <p:cNvPr id="5" name="Picture 4">
+            <a:extLst>
+              <a:ext uri="{FF2B5EF4-FFF2-40B4-BE49-F238E27FC236}">
+                <a16:creationId xmlns:a16="http://schemas.microsoft.com/office/drawing/2014/main" id="{ABA6D8CE-0898-0ECF-6443-E919CB1FE5FC}"/>
+              </a:ext>
+            </a:extLst>
+          </p:cNvPr>
+          <p:cNvPicPr>
+            <a:picLocks noChangeAspect="1"/>
+          </p:cNvPicPr>
+          <p:nvPr/>
+        </p:nvPicPr>
+        <p:blipFill>
+          <a:blip r:embed="rId3"/>
+          <a:stretch>
+            <a:fillRect/>
+          </a:stretch>
+        </p:blipFill>
+        <p:spPr>
+          <a:xfrm>
+            <a:off x="838200" y="3004195"/>
+            <a:ext cx="4184725" cy="3476129"/>
+          </a:xfrm>
+          <a:prstGeom prst="rect">
+            <a:avLst/>
+          </a:prstGeom>
+        </p:spPr>
+      </p:pic>
+      <p:pic>
+        <p:nvPicPr>
+          <p:cNvPr id="7" name="Picture 6">
+            <a:extLst>
+              <a:ext uri="{FF2B5EF4-FFF2-40B4-BE49-F238E27FC236}">
+                <a16:creationId xmlns:a16="http://schemas.microsoft.com/office/drawing/2014/main" id="{95F8706E-0DD9-6FCC-0581-C663156F6099}"/>
+              </a:ext>
+            </a:extLst>
+          </p:cNvPr>
+          <p:cNvPicPr>
+            <a:picLocks noChangeAspect="1"/>
+          </p:cNvPicPr>
+          <p:nvPr/>
+        </p:nvPicPr>
+        <p:blipFill>
+          <a:blip r:embed="rId4"/>
+          <a:stretch>
+            <a:fillRect/>
+          </a:stretch>
+        </p:blipFill>
+        <p:spPr>
+          <a:xfrm>
+            <a:off x="6238763" y="2475396"/>
+            <a:ext cx="5115037" cy="4007235"/>
+          </a:xfrm>
+          <a:prstGeom prst="rect">
+            <a:avLst/>
+          </a:prstGeom>
+        </p:spPr>
+      </p:pic>
+    </p:spTree>
+    <p:extLst>
+      <p:ext uri="{BB962C8B-B14F-4D97-AF65-F5344CB8AC3E}">
+        <p14:creationId xmlns:p14="http://schemas.microsoft.com/office/powerpoint/2010/main" val="4137929678"/>
+      </p:ext>
+    </p:extLst>
+  </p:cSld>
+  <p:clrMapOvr>
+    <a:masterClrMapping/>
+  </p:clrMapOvr>
+</p:sld>
+</file>
+
+<file path=ppt/slides/slide5.xml><?xml version="1.0" encoding="utf-8"?>
+<p:sld xmlns:a="http://schemas.openxmlformats.org/drawingml/2006/main" xmlns:r="http://schemas.openxmlformats.org/officeDocument/2006/relationships" xmlns:p="http://schemas.openxmlformats.org/presentationml/2006/main">
+  <p:cSld>
+    <p:spTree>
+      <p:nvGrpSpPr>
+        <p:cNvPr id="1" name=""/>
+        <p:cNvGrpSpPr/>
+        <p:nvPr/>
+      </p:nvGrpSpPr>
+      <p:grpSpPr>
+        <a:xfrm>
+          <a:off x="0" y="0"/>
+          <a:ext cx="0" cy="0"/>
+          <a:chOff x="0" y="0"/>
+          <a:chExt cx="0" cy="0"/>
+        </a:xfrm>
+      </p:grpSpPr>
+      <p:pic>
+        <p:nvPicPr>
           <p:cNvPr id="4" name="Picture 6" descr="Discover the Largest Largemouth Bass Ever Caught in Michigan - AZ Animals">
             <a:extLst>
               <a:ext uri="{FF2B5EF4-FFF2-40B4-BE49-F238E27FC236}">
@@ -3994,20 +4426,12 @@
           <a:lstStyle/>
           <a:p>
             <a:r>
-              <a:rPr lang="en-US" dirty="0" err="1">
+              <a:rPr lang="en-US" dirty="0">
                 <a:solidFill>
                   <a:schemeClr val="bg1"/>
                 </a:solidFill>
               </a:rPr>
-              <a:t>pgAdmin</a:t>
-            </a:r>
-            <a:r>
-              <a:rPr lang="en-US" dirty="0">
-                <a:solidFill>
-                  <a:schemeClr val="bg1"/>
-                </a:solidFill>
-              </a:rPr>
-              <a:t> 4 is used for a PostgreSQL database and the iterations of data are stored there.</a:t>
+              <a:t>pgAdmin 4 is used for a PostgreSQL database and the iterations of data are stored there.</a:t>
             </a:r>
           </a:p>
         </p:txBody>
@@ -4136,7 +4560,7 @@
 </p:sld>
 </file>
 
-<file path=ppt/slides/slide5.xml><?xml version="1.0" encoding="utf-8"?>
+<file path=ppt/slides/slide6.xml><?xml version="1.0" encoding="utf-8"?>
 <p:sld xmlns:a="http://schemas.openxmlformats.org/drawingml/2006/main" xmlns:r="http://schemas.openxmlformats.org/officeDocument/2006/relationships" xmlns:p="http://schemas.openxmlformats.org/presentationml/2006/main">
   <p:cSld>
     <p:spTree>
@@ -4182,7 +4606,7 @@
         </p:blipFill>
         <p:spPr bwMode="auto">
           <a:xfrm>
-            <a:off x="-1" y="0"/>
+            <a:off x="-2" y="0"/>
             <a:ext cx="12192001" cy="6858000"/>
           </a:xfrm>
           <a:prstGeom prst="rect">
@@ -4315,23 +4739,7 @@
                   <a:schemeClr val="bg1"/>
                 </a:solidFill>
               </a:rPr>
-              <a:t>A few columns were transformed into formats better suited for analysis such as changing weight from a  ‘</a:t>
-            </a:r>
-            <a:r>
-              <a:rPr lang="en-US" dirty="0" err="1">
-                <a:solidFill>
-                  <a:schemeClr val="bg1"/>
-                </a:solidFill>
-              </a:rPr>
-              <a:t>lbs</a:t>
-            </a:r>
-            <a:r>
-              <a:rPr lang="en-US" dirty="0">
-                <a:solidFill>
-                  <a:schemeClr val="bg1"/>
-                </a:solidFill>
-              </a:rPr>
-              <a:t>-oz’  string format to a simple decimal format.</a:t>
+              <a:t>A few columns were transformed into formats better suited for analysis such as changing weight from a  ‘lbs-oz’  string format to a simple decimal format.</a:t>
             </a:r>
           </a:p>
           <a:p>
@@ -4770,7 +5178,7 @@
                   <a:schemeClr val="bg1"/>
                 </a:solidFill>
               </a:rPr>
-              <a:t>After testing with the model it was decided a binary choice on target would make it easier for the model.</a:t>
+              <a:t>After testing with the model, it was decided a binary choice on target would make for a good model.</a:t>
             </a:r>
           </a:p>
           <a:p>
@@ -4780,7 +5188,7 @@
                   <a:schemeClr val="bg1"/>
                 </a:solidFill>
               </a:rPr>
-              <a:t>3lbs was close to a median weight for the data and colloquially is a large fish.</a:t>
+              <a:t>3lbs was close to a median and mean weight for the data and colloquially would be a large fish.</a:t>
             </a:r>
           </a:p>
           <a:p>
@@ -4790,39 +5198,7 @@
                   <a:schemeClr val="bg1"/>
                 </a:solidFill>
               </a:rPr>
-              <a:t>3lbs was chosen as the separator for the target.         “&gt;= 3lbs” is a </a:t>
-            </a:r>
-            <a:r>
-              <a:rPr lang="en-US" sz="2000" dirty="0" err="1">
-                <a:solidFill>
-                  <a:schemeClr val="bg1"/>
-                </a:solidFill>
-              </a:rPr>
-              <a:t>Big_Fish</a:t>
-            </a:r>
-            <a:r>
-              <a:rPr lang="en-US" sz="2000" dirty="0">
-                <a:solidFill>
-                  <a:schemeClr val="bg1"/>
-                </a:solidFill>
-              </a:rPr>
-              <a:t> and “&lt;3lbs” is a </a:t>
-            </a:r>
-            <a:r>
-              <a:rPr lang="en-US" sz="2000" dirty="0" err="1">
-                <a:solidFill>
-                  <a:schemeClr val="bg1"/>
-                </a:solidFill>
-              </a:rPr>
-              <a:t>Small_Fish</a:t>
-            </a:r>
-            <a:r>
-              <a:rPr lang="en-US" sz="2000" dirty="0">
-                <a:solidFill>
-                  <a:schemeClr val="bg1"/>
-                </a:solidFill>
-              </a:rPr>
-              <a:t>.</a:t>
+              <a:t>3lbs was chosen as the separator for the target.         “&gt;= 3lbs” is a Big Fish and “&lt;3lbs” is a Small Fish.</a:t>
             </a:r>
           </a:p>
         </p:txBody>
@@ -4927,274 +5303,6 @@
     <p:extLst>
       <p:ext uri="{BB962C8B-B14F-4D97-AF65-F5344CB8AC3E}">
         <p14:creationId xmlns:p14="http://schemas.microsoft.com/office/powerpoint/2010/main" val="3223435155"/>
-      </p:ext>
-    </p:extLst>
-  </p:cSld>
-  <p:clrMapOvr>
-    <a:masterClrMapping/>
-  </p:clrMapOvr>
-</p:sld>
-</file>
-
-<file path=ppt/slides/slide6.xml><?xml version="1.0" encoding="utf-8"?>
-<p:sld xmlns:a="http://schemas.openxmlformats.org/drawingml/2006/main" xmlns:r="http://schemas.openxmlformats.org/officeDocument/2006/relationships" xmlns:p="http://schemas.openxmlformats.org/presentationml/2006/main">
-  <p:cSld>
-    <p:spTree>
-      <p:nvGrpSpPr>
-        <p:cNvPr id="1" name=""/>
-        <p:cNvGrpSpPr/>
-        <p:nvPr/>
-      </p:nvGrpSpPr>
-      <p:grpSpPr>
-        <a:xfrm>
-          <a:off x="0" y="0"/>
-          <a:ext cx="0" cy="0"/>
-          <a:chOff x="0" y="0"/>
-          <a:chExt cx="0" cy="0"/>
-        </a:xfrm>
-      </p:grpSpPr>
-      <p:pic>
-        <p:nvPicPr>
-          <p:cNvPr id="3078" name="Picture 6" descr="Lake Sunset Pictures | Download Free Images on Unsplash">
-            <a:extLst>
-              <a:ext uri="{FF2B5EF4-FFF2-40B4-BE49-F238E27FC236}">
-                <a16:creationId xmlns:a16="http://schemas.microsoft.com/office/drawing/2014/main" id="{F7FB3160-E595-5D74-EADB-B1B0A067E0D5}"/>
-              </a:ext>
-            </a:extLst>
-          </p:cNvPr>
-          <p:cNvPicPr>
-            <a:picLocks noChangeAspect="1" noChangeArrowheads="1"/>
-          </p:cNvPicPr>
-          <p:nvPr/>
-        </p:nvPicPr>
-        <p:blipFill>
-          <a:blip r:embed="rId2">
-            <a:extLst>
-              <a:ext uri="{28A0092B-C50C-407E-A947-70E740481C1C}">
-                <a14:useLocalDpi xmlns:a14="http://schemas.microsoft.com/office/drawing/2010/main" val="0"/>
-              </a:ext>
-            </a:extLst>
-          </a:blip>
-          <a:srcRect/>
-          <a:stretch>
-            <a:fillRect/>
-          </a:stretch>
-        </p:blipFill>
-        <p:spPr bwMode="auto">
-          <a:xfrm>
-            <a:off x="0" y="0"/>
-            <a:ext cx="12192000" cy="6857999"/>
-          </a:xfrm>
-          <a:prstGeom prst="rect">
-            <a:avLst/>
-          </a:prstGeom>
-          <a:noFill/>
-          <a:extLst>
-            <a:ext uri="{909E8E84-426E-40DD-AFC4-6F175D3DCCD1}">
-              <a14:hiddenFill xmlns:a14="http://schemas.microsoft.com/office/drawing/2010/main">
-                <a:solidFill>
-                  <a:srgbClr val="FFFFFF"/>
-                </a:solidFill>
-              </a14:hiddenFill>
-            </a:ext>
-          </a:extLst>
-        </p:spPr>
-      </p:pic>
-      <p:sp>
-        <p:nvSpPr>
-          <p:cNvPr id="2" name="Title 1">
-            <a:extLst>
-              <a:ext uri="{FF2B5EF4-FFF2-40B4-BE49-F238E27FC236}">
-                <a16:creationId xmlns:a16="http://schemas.microsoft.com/office/drawing/2014/main" id="{F5390E5B-282C-9320-C9D1-02B7A7D1876A}"/>
-              </a:ext>
-            </a:extLst>
-          </p:cNvPr>
-          <p:cNvSpPr>
-            <a:spLocks noGrp="1"/>
-          </p:cNvSpPr>
-          <p:nvPr>
-            <p:ph type="title"/>
-          </p:nvPr>
-        </p:nvSpPr>
-        <p:spPr/>
-        <p:txBody>
-          <a:bodyPr/>
-          <a:lstStyle/>
-          <a:p>
-            <a:pPr algn="ctr"/>
-            <a:r>
-              <a:rPr lang="en-US" dirty="0">
-                <a:solidFill>
-                  <a:schemeClr val="bg1"/>
-                </a:solidFill>
-              </a:rPr>
-              <a:t>Machine Learning Model</a:t>
-            </a:r>
-          </a:p>
-        </p:txBody>
-      </p:sp>
-      <p:sp>
-        <p:nvSpPr>
-          <p:cNvPr id="3" name="Content Placeholder 2">
-            <a:extLst>
-              <a:ext uri="{FF2B5EF4-FFF2-40B4-BE49-F238E27FC236}">
-                <a16:creationId xmlns:a16="http://schemas.microsoft.com/office/drawing/2014/main" id="{CCF8291B-59EC-01E9-EDE5-F76D38791BB4}"/>
-              </a:ext>
-            </a:extLst>
-          </p:cNvPr>
-          <p:cNvSpPr>
-            <a:spLocks noGrp="1"/>
-          </p:cNvSpPr>
-          <p:nvPr>
-            <p:ph idx="1"/>
-          </p:nvPr>
-        </p:nvSpPr>
-        <p:spPr>
-          <a:xfrm>
-            <a:off x="124216" y="1586362"/>
-            <a:ext cx="10515600" cy="1278423"/>
-          </a:xfrm>
-          <a:noFill/>
-          <a:ln>
-            <a:noFill/>
-          </a:ln>
-        </p:spPr>
-        <p:style>
-          <a:lnRef idx="0">
-            <a:scrgbClr r="0" g="0" b="0"/>
-          </a:lnRef>
-          <a:fillRef idx="0">
-            <a:scrgbClr r="0" g="0" b="0"/>
-          </a:fillRef>
-          <a:effectRef idx="0">
-            <a:scrgbClr r="0" g="0" b="0"/>
-          </a:effectRef>
-          <a:fontRef idx="minor">
-            <a:schemeClr val="dk1"/>
-          </a:fontRef>
-        </p:style>
-        <p:txBody>
-          <a:bodyPr vert="horz" lIns="91440" tIns="45720" rIns="91440" bIns="45720" rtlCol="0">
-            <a:normAutofit fontScale="85000" lnSpcReduction="20000"/>
-          </a:bodyPr>
-          <a:lstStyle/>
-          <a:p>
-            <a:r>
-              <a:rPr lang="en-US" dirty="0">
-                <a:solidFill>
-                  <a:schemeClr val="bg1"/>
-                </a:solidFill>
-              </a:rPr>
-              <a:t>After pairing down the subclasses and separating the target to a binary Big_Fish or Small_Fish. The machine learning model chosen was a Logistic Regression Model.</a:t>
-            </a:r>
-          </a:p>
-          <a:p>
-            <a:r>
-              <a:rPr lang="en-US" dirty="0"/>
-              <a:t>After optimizing the model, the results revealed a 0.605 accuracy score</a:t>
-            </a:r>
-            <a:endParaRPr lang="en-US" dirty="0">
-              <a:solidFill>
-                <a:schemeClr val="bg1"/>
-              </a:solidFill>
-            </a:endParaRPr>
-          </a:p>
-        </p:txBody>
-      </p:sp>
-      <p:pic>
-        <p:nvPicPr>
-          <p:cNvPr id="6" name="Picture 5">
-            <a:extLst>
-              <a:ext uri="{FF2B5EF4-FFF2-40B4-BE49-F238E27FC236}">
-                <a16:creationId xmlns:a16="http://schemas.microsoft.com/office/drawing/2014/main" id="{CE7B7167-1727-0802-E30C-3F368BAE0008}"/>
-              </a:ext>
-            </a:extLst>
-          </p:cNvPr>
-          <p:cNvPicPr>
-            <a:picLocks noChangeAspect="1"/>
-          </p:cNvPicPr>
-          <p:nvPr/>
-        </p:nvPicPr>
-        <p:blipFill>
-          <a:blip r:embed="rId3"/>
-          <a:stretch>
-            <a:fillRect/>
-          </a:stretch>
-        </p:blipFill>
-        <p:spPr>
-          <a:xfrm>
-            <a:off x="124216" y="3277048"/>
-            <a:ext cx="6580909" cy="3273014"/>
-          </a:xfrm>
-          <a:prstGeom prst="rect">
-            <a:avLst/>
-          </a:prstGeom>
-        </p:spPr>
-      </p:pic>
-      <p:pic>
-        <p:nvPicPr>
-          <p:cNvPr id="5" name="Picture 4">
-            <a:extLst>
-              <a:ext uri="{FF2B5EF4-FFF2-40B4-BE49-F238E27FC236}">
-                <a16:creationId xmlns:a16="http://schemas.microsoft.com/office/drawing/2014/main" id="{AD2D0C25-F53B-7020-9B65-238CE9C6F565}"/>
-              </a:ext>
-            </a:extLst>
-          </p:cNvPr>
-          <p:cNvPicPr>
-            <a:picLocks noChangeAspect="1"/>
-          </p:cNvPicPr>
-          <p:nvPr/>
-        </p:nvPicPr>
-        <p:blipFill>
-          <a:blip r:embed="rId4"/>
-          <a:stretch>
-            <a:fillRect/>
-          </a:stretch>
-        </p:blipFill>
-        <p:spPr>
-          <a:xfrm>
-            <a:off x="6829341" y="3277048"/>
-            <a:ext cx="3209925" cy="419100"/>
-          </a:xfrm>
-          <a:prstGeom prst="rect">
-            <a:avLst/>
-          </a:prstGeom>
-        </p:spPr>
-      </p:pic>
-      <p:pic>
-        <p:nvPicPr>
-          <p:cNvPr id="7" name="Picture 6">
-            <a:extLst>
-              <a:ext uri="{FF2B5EF4-FFF2-40B4-BE49-F238E27FC236}">
-                <a16:creationId xmlns:a16="http://schemas.microsoft.com/office/drawing/2014/main" id="{05C91FBE-C700-4DB7-77DF-5610252C094F}"/>
-              </a:ext>
-            </a:extLst>
-          </p:cNvPr>
-          <p:cNvPicPr>
-            <a:picLocks noChangeAspect="1"/>
-          </p:cNvPicPr>
-          <p:nvPr/>
-        </p:nvPicPr>
-        <p:blipFill>
-          <a:blip r:embed="rId5"/>
-          <a:stretch>
-            <a:fillRect/>
-          </a:stretch>
-        </p:blipFill>
-        <p:spPr>
-          <a:xfrm>
-            <a:off x="10163482" y="3277048"/>
-            <a:ext cx="1695450" cy="3429000"/>
-          </a:xfrm>
-          <a:prstGeom prst="rect">
-            <a:avLst/>
-          </a:prstGeom>
-        </p:spPr>
-      </p:pic>
-    </p:spTree>
-    <p:extLst>
-      <p:ext uri="{BB962C8B-B14F-4D97-AF65-F5344CB8AC3E}">
-        <p14:creationId xmlns:p14="http://schemas.microsoft.com/office/powerpoint/2010/main" val="1759951237"/>
       </p:ext>
     </p:extLst>
   </p:cSld>
@@ -5221,40 +5329,160 @@
           <a:chExt cx="0" cy="0"/>
         </a:xfrm>
       </p:grpSpPr>
-      <p:sp>
-        <p:nvSpPr>
-          <p:cNvPr id="2" name="Title 1">
-            <a:extLst>
-              <a:ext uri="{FF2B5EF4-FFF2-40B4-BE49-F238E27FC236}">
-                <a16:creationId xmlns:a16="http://schemas.microsoft.com/office/drawing/2014/main" id="{CFCFF1C3-3803-9D7E-1FC6-64A16239168B}"/>
-              </a:ext>
-            </a:extLst>
-          </p:cNvPr>
-          <p:cNvSpPr>
-            <a:spLocks noGrp="1"/>
-          </p:cNvSpPr>
-          <p:nvPr>
-            <p:ph type="title"/>
-          </p:nvPr>
-        </p:nvSpPr>
-        <p:spPr/>
-        <p:txBody>
-          <a:bodyPr/>
-          <a:lstStyle/>
-          <a:p>
-            <a:r>
-              <a:rPr lang="en-US" dirty="0"/>
-              <a:t>Feature Importance</a:t>
-            </a:r>
-          </a:p>
-        </p:txBody>
-      </p:sp>
       <p:pic>
         <p:nvPicPr>
-          <p:cNvPr id="4" name="Picture 3">
+          <p:cNvPr id="3078" name="Picture 6" descr="Lake Sunset Pictures | Download Free Images on Unsplash">
             <a:extLst>
               <a:ext uri="{FF2B5EF4-FFF2-40B4-BE49-F238E27FC236}">
-                <a16:creationId xmlns:a16="http://schemas.microsoft.com/office/drawing/2014/main" id="{2AAAB14D-C8AA-5471-0806-A60C062D10C3}"/>
+                <a16:creationId xmlns:a16="http://schemas.microsoft.com/office/drawing/2014/main" id="{F7FB3160-E595-5D74-EADB-B1B0A067E0D5}"/>
+              </a:ext>
+            </a:extLst>
+          </p:cNvPr>
+          <p:cNvPicPr>
+            <a:picLocks noChangeAspect="1" noChangeArrowheads="1"/>
+          </p:cNvPicPr>
+          <p:nvPr/>
+        </p:nvPicPr>
+        <p:blipFill>
+          <a:blip r:embed="rId2">
+            <a:extLst>
+              <a:ext uri="{28A0092B-C50C-407E-A947-70E740481C1C}">
+                <a14:useLocalDpi xmlns:a14="http://schemas.microsoft.com/office/drawing/2010/main" val="0"/>
+              </a:ext>
+            </a:extLst>
+          </a:blip>
+          <a:srcRect/>
+          <a:stretch>
+            <a:fillRect/>
+          </a:stretch>
+        </p:blipFill>
+        <p:spPr bwMode="auto">
+          <a:xfrm>
+            <a:off x="0" y="0"/>
+            <a:ext cx="12192000" cy="6857999"/>
+          </a:xfrm>
+          <a:prstGeom prst="rect">
+            <a:avLst/>
+          </a:prstGeom>
+          <a:noFill/>
+          <a:extLst>
+            <a:ext uri="{909E8E84-426E-40DD-AFC4-6F175D3DCCD1}">
+              <a14:hiddenFill xmlns:a14="http://schemas.microsoft.com/office/drawing/2010/main">
+                <a:solidFill>
+                  <a:srgbClr val="FFFFFF"/>
+                </a:solidFill>
+              </a14:hiddenFill>
+            </a:ext>
+          </a:extLst>
+        </p:spPr>
+      </p:pic>
+      <p:sp>
+        <p:nvSpPr>
+          <p:cNvPr id="2" name="Title 1">
+            <a:extLst>
+              <a:ext uri="{FF2B5EF4-FFF2-40B4-BE49-F238E27FC236}">
+                <a16:creationId xmlns:a16="http://schemas.microsoft.com/office/drawing/2014/main" id="{F5390E5B-282C-9320-C9D1-02B7A7D1876A}"/>
+              </a:ext>
+            </a:extLst>
+          </p:cNvPr>
+          <p:cNvSpPr>
+            <a:spLocks noGrp="1"/>
+          </p:cNvSpPr>
+          <p:nvPr>
+            <p:ph type="title"/>
+          </p:nvPr>
+        </p:nvSpPr>
+        <p:spPr/>
+        <p:txBody>
+          <a:bodyPr/>
+          <a:lstStyle/>
+          <a:p>
+            <a:pPr algn="ctr"/>
+            <a:r>
+              <a:rPr lang="en-US" dirty="0">
+                <a:solidFill>
+                  <a:schemeClr val="bg1"/>
+                </a:solidFill>
+              </a:rPr>
+              <a:t>Machine Learning Model</a:t>
+            </a:r>
+          </a:p>
+        </p:txBody>
+      </p:sp>
+      <p:sp>
+        <p:nvSpPr>
+          <p:cNvPr id="3" name="Content Placeholder 2">
+            <a:extLst>
+              <a:ext uri="{FF2B5EF4-FFF2-40B4-BE49-F238E27FC236}">
+                <a16:creationId xmlns:a16="http://schemas.microsoft.com/office/drawing/2014/main" id="{CCF8291B-59EC-01E9-EDE5-F76D38791BB4}"/>
+              </a:ext>
+            </a:extLst>
+          </p:cNvPr>
+          <p:cNvSpPr>
+            <a:spLocks noGrp="1"/>
+          </p:cNvSpPr>
+          <p:nvPr>
+            <p:ph idx="1"/>
+          </p:nvPr>
+        </p:nvSpPr>
+        <p:spPr>
+          <a:xfrm>
+            <a:off x="124216" y="1586362"/>
+            <a:ext cx="10515600" cy="1278423"/>
+          </a:xfrm>
+          <a:noFill/>
+          <a:ln>
+            <a:noFill/>
+          </a:ln>
+        </p:spPr>
+        <p:style>
+          <a:lnRef idx="0">
+            <a:scrgbClr r="0" g="0" b="0"/>
+          </a:lnRef>
+          <a:fillRef idx="0">
+            <a:scrgbClr r="0" g="0" b="0"/>
+          </a:fillRef>
+          <a:effectRef idx="0">
+            <a:scrgbClr r="0" g="0" b="0"/>
+          </a:effectRef>
+          <a:fontRef idx="minor">
+            <a:schemeClr val="dk1"/>
+          </a:fontRef>
+        </p:style>
+        <p:txBody>
+          <a:bodyPr vert="horz" lIns="91440" tIns="45720" rIns="91440" bIns="45720" rtlCol="0">
+            <a:normAutofit fontScale="85000" lnSpcReduction="10000"/>
+          </a:bodyPr>
+          <a:lstStyle/>
+          <a:p>
+            <a:r>
+              <a:rPr lang="en-US" dirty="0">
+                <a:solidFill>
+                  <a:schemeClr val="bg1"/>
+                </a:solidFill>
+              </a:rPr>
+              <a:t>After pairing down the subclasses and separating the target to a binary Big Fish or Small Fish. The machine learning model chosen was a Logistic Regression Model.</a:t>
+            </a:r>
+          </a:p>
+          <a:p>
+            <a:r>
+              <a:rPr lang="en-US" dirty="0"/>
+              <a:t>After optimizing the model, the results revealed a 0.605 accuracy score</a:t>
+            </a:r>
+            <a:endParaRPr lang="en-US" dirty="0">
+              <a:solidFill>
+                <a:schemeClr val="bg1"/>
+              </a:solidFill>
+            </a:endParaRPr>
+          </a:p>
+        </p:txBody>
+      </p:sp>
+      <p:pic>
+        <p:nvPicPr>
+          <p:cNvPr id="6" name="Picture 5">
+            <a:extLst>
+              <a:ext uri="{FF2B5EF4-FFF2-40B4-BE49-F238E27FC236}">
+                <a16:creationId xmlns:a16="http://schemas.microsoft.com/office/drawing/2014/main" id="{CE7B7167-1727-0802-E30C-3F368BAE0008}"/>
               </a:ext>
             </a:extLst>
           </p:cNvPr>
@@ -5264,15 +5492,15 @@
           <p:nvPr/>
         </p:nvPicPr>
         <p:blipFill>
-          <a:blip r:embed="rId2"/>
+          <a:blip r:embed="rId3"/>
           <a:stretch>
             <a:fillRect/>
           </a:stretch>
         </p:blipFill>
         <p:spPr>
           <a:xfrm>
-            <a:off x="838200" y="1539372"/>
-            <a:ext cx="3600450" cy="4867275"/>
+            <a:off x="124216" y="3277048"/>
+            <a:ext cx="6580909" cy="3273014"/>
           </a:xfrm>
           <a:prstGeom prst="rect">
             <a:avLst/>
@@ -5284,7 +5512,7 @@
           <p:cNvPr id="5" name="Picture 4">
             <a:extLst>
               <a:ext uri="{FF2B5EF4-FFF2-40B4-BE49-F238E27FC236}">
-                <a16:creationId xmlns:a16="http://schemas.microsoft.com/office/drawing/2014/main" id="{980EEED0-605D-D73E-95D7-868F01DA6C40}"/>
+                <a16:creationId xmlns:a16="http://schemas.microsoft.com/office/drawing/2014/main" id="{AD2D0C25-F53B-7020-9B65-238CE9C6F565}"/>
               </a:ext>
             </a:extLst>
           </p:cNvPr>
@@ -5294,165 +5522,15 @@
           <p:nvPr/>
         </p:nvPicPr>
         <p:blipFill>
-          <a:blip r:embed="rId3">
-            <a:extLst>
-              <a:ext uri="{28A0092B-C50C-407E-A947-70E740481C1C}">
-                <a14:useLocalDpi xmlns:a14="http://schemas.microsoft.com/office/drawing/2010/main" val="0"/>
-              </a:ext>
-            </a:extLst>
-          </a:blip>
+          <a:blip r:embed="rId4"/>
           <a:stretch>
             <a:fillRect/>
           </a:stretch>
         </p:blipFill>
         <p:spPr>
           <a:xfrm>
-            <a:off x="5172178" y="1539372"/>
-            <a:ext cx="3305636" cy="1000265"/>
-          </a:xfrm>
-          <a:prstGeom prst="rect">
-            <a:avLst/>
-          </a:prstGeom>
-        </p:spPr>
-      </p:pic>
-      <p:pic>
-        <p:nvPicPr>
-          <p:cNvPr id="7" name="Picture 6">
-            <a:extLst>
-              <a:ext uri="{FF2B5EF4-FFF2-40B4-BE49-F238E27FC236}">
-                <a16:creationId xmlns:a16="http://schemas.microsoft.com/office/drawing/2014/main" id="{13801A38-6F25-B6A3-55CF-2E17A3304A72}"/>
-              </a:ext>
-            </a:extLst>
-          </p:cNvPr>
-          <p:cNvPicPr>
-            <a:picLocks noChangeAspect="1"/>
-          </p:cNvPicPr>
-          <p:nvPr/>
-        </p:nvPicPr>
-        <p:blipFill>
-          <a:blip r:embed="rId4">
-            <a:extLst>
-              <a:ext uri="{28A0092B-C50C-407E-A947-70E740481C1C}">
-                <a14:useLocalDpi xmlns:a14="http://schemas.microsoft.com/office/drawing/2010/main" val="0"/>
-              </a:ext>
-            </a:extLst>
-          </a:blip>
-          <a:stretch>
-            <a:fillRect/>
-          </a:stretch>
-        </p:blipFill>
-        <p:spPr>
-          <a:xfrm>
-            <a:off x="9211343" y="3967135"/>
-            <a:ext cx="2562583" cy="1019317"/>
-          </a:xfrm>
-          <a:prstGeom prst="rect">
-            <a:avLst/>
-          </a:prstGeom>
-        </p:spPr>
-      </p:pic>
-      <p:pic>
-        <p:nvPicPr>
-          <p:cNvPr id="9" name="Picture 8">
-            <a:extLst>
-              <a:ext uri="{FF2B5EF4-FFF2-40B4-BE49-F238E27FC236}">
-                <a16:creationId xmlns:a16="http://schemas.microsoft.com/office/drawing/2014/main" id="{F4E16246-B88E-A29B-DC7C-49A33CC98248}"/>
-              </a:ext>
-            </a:extLst>
-          </p:cNvPr>
-          <p:cNvPicPr>
-            <a:picLocks noChangeAspect="1"/>
-          </p:cNvPicPr>
-          <p:nvPr/>
-        </p:nvPicPr>
-        <p:blipFill>
-          <a:blip r:embed="rId5">
-            <a:extLst>
-              <a:ext uri="{28A0092B-C50C-407E-A947-70E740481C1C}">
-                <a14:useLocalDpi xmlns:a14="http://schemas.microsoft.com/office/drawing/2010/main" val="0"/>
-              </a:ext>
-            </a:extLst>
-          </a:blip>
-          <a:stretch>
-            <a:fillRect/>
-          </a:stretch>
-        </p:blipFill>
-        <p:spPr>
-          <a:xfrm>
-            <a:off x="5296020" y="2796659"/>
-            <a:ext cx="3057952" cy="3696216"/>
-          </a:xfrm>
-          <a:prstGeom prst="rect">
-            <a:avLst/>
-          </a:prstGeom>
-        </p:spPr>
-      </p:pic>
-      <p:pic>
-        <p:nvPicPr>
-          <p:cNvPr id="11" name="Picture 10">
-            <a:extLst>
-              <a:ext uri="{FF2B5EF4-FFF2-40B4-BE49-F238E27FC236}">
-                <a16:creationId xmlns:a16="http://schemas.microsoft.com/office/drawing/2014/main" id="{372253DA-7A7A-8C54-D079-94805419EE15}"/>
-              </a:ext>
-            </a:extLst>
-          </p:cNvPr>
-          <p:cNvPicPr>
-            <a:picLocks noChangeAspect="1"/>
-          </p:cNvPicPr>
-          <p:nvPr/>
-        </p:nvPicPr>
-        <p:blipFill>
-          <a:blip r:embed="rId6">
-            <a:extLst>
-              <a:ext uri="{28A0092B-C50C-407E-A947-70E740481C1C}">
-                <a14:useLocalDpi xmlns:a14="http://schemas.microsoft.com/office/drawing/2010/main" val="0"/>
-              </a:ext>
-            </a:extLst>
-          </a:blip>
-          <a:stretch>
-            <a:fillRect/>
-          </a:stretch>
-        </p:blipFill>
-        <p:spPr>
-          <a:xfrm>
-            <a:off x="8968423" y="147217"/>
-            <a:ext cx="3048425" cy="3515216"/>
-          </a:xfrm>
-          <a:prstGeom prst="rect">
-            <a:avLst/>
-          </a:prstGeom>
-        </p:spPr>
-      </p:pic>
-      <p:pic>
-        <p:nvPicPr>
-          <p:cNvPr id="13" name="Picture 12">
-            <a:extLst>
-              <a:ext uri="{FF2B5EF4-FFF2-40B4-BE49-F238E27FC236}">
-                <a16:creationId xmlns:a16="http://schemas.microsoft.com/office/drawing/2014/main" id="{C406B725-591D-61AE-2437-0C2466F4AC6F}"/>
-              </a:ext>
-            </a:extLst>
-          </p:cNvPr>
-          <p:cNvPicPr>
-            <a:picLocks noChangeAspect="1"/>
-          </p:cNvPicPr>
-          <p:nvPr/>
-        </p:nvPicPr>
-        <p:blipFill>
-          <a:blip r:embed="rId7">
-            <a:extLst>
-              <a:ext uri="{28A0092B-C50C-407E-A947-70E740481C1C}">
-                <a14:useLocalDpi xmlns:a14="http://schemas.microsoft.com/office/drawing/2010/main" val="0"/>
-              </a:ext>
-            </a:extLst>
-          </a:blip>
-          <a:stretch>
-            <a:fillRect/>
-          </a:stretch>
-        </p:blipFill>
-        <p:spPr>
-          <a:xfrm>
-            <a:off x="8930318" y="5358044"/>
-            <a:ext cx="3124636" cy="1352739"/>
+            <a:off x="6993339" y="3277048"/>
+            <a:ext cx="4089457" cy="533935"/>
           </a:xfrm>
           <a:prstGeom prst="rect">
             <a:avLst/>
@@ -5462,7 +5540,7 @@
     </p:spTree>
     <p:extLst>
       <p:ext uri="{BB962C8B-B14F-4D97-AF65-F5344CB8AC3E}">
-        <p14:creationId xmlns:p14="http://schemas.microsoft.com/office/powerpoint/2010/main" val="2310727977"/>
+        <p14:creationId xmlns:p14="http://schemas.microsoft.com/office/powerpoint/2010/main" val="1759951237"/>
       </p:ext>
     </p:extLst>
   </p:cSld>
@@ -5489,100 +5567,96 @@
           <a:chExt cx="0" cy="0"/>
         </a:xfrm>
       </p:grpSpPr>
-      <p:sp>
-        <p:nvSpPr>
-          <p:cNvPr id="2" name="Title 1">
-            <a:extLst>
-              <a:ext uri="{FF2B5EF4-FFF2-40B4-BE49-F238E27FC236}">
-                <a16:creationId xmlns:a16="http://schemas.microsoft.com/office/drawing/2014/main" id="{257F8E74-A1EC-3726-DB99-4D31BF3CBA8E}"/>
-              </a:ext>
-            </a:extLst>
-          </p:cNvPr>
-          <p:cNvSpPr>
-            <a:spLocks noGrp="1"/>
-          </p:cNvSpPr>
-          <p:nvPr>
-            <p:ph type="title"/>
-          </p:nvPr>
-        </p:nvSpPr>
-        <p:spPr>
-          <a:xfrm>
-            <a:off x="838200" y="120867"/>
-            <a:ext cx="10515600" cy="1325563"/>
-          </a:xfrm>
-        </p:spPr>
-        <p:txBody>
-          <a:bodyPr/>
-          <a:lstStyle/>
-          <a:p>
-            <a:pPr algn="ctr"/>
-            <a:r>
-              <a:rPr lang="en-US" dirty="0"/>
-              <a:t>Dashboard</a:t>
-            </a:r>
-          </a:p>
-        </p:txBody>
-      </p:sp>
-      <p:sp>
-        <p:nvSpPr>
-          <p:cNvPr id="3" name="Content Placeholder 2">
-            <a:extLst>
-              <a:ext uri="{FF2B5EF4-FFF2-40B4-BE49-F238E27FC236}">
-                <a16:creationId xmlns:a16="http://schemas.microsoft.com/office/drawing/2014/main" id="{AB48E276-44E4-E524-F132-1704323A06EB}"/>
-              </a:ext>
-            </a:extLst>
-          </p:cNvPr>
-          <p:cNvSpPr>
-            <a:spLocks noGrp="1"/>
-          </p:cNvSpPr>
-          <p:nvPr>
-            <p:ph idx="1"/>
-          </p:nvPr>
-        </p:nvSpPr>
-        <p:spPr>
-          <a:xfrm>
-            <a:off x="838200" y="1080326"/>
-            <a:ext cx="10515600" cy="1325563"/>
-          </a:xfrm>
-          <a:solidFill>
-            <a:schemeClr val="tx1">
-              <a:lumMod val="50000"/>
-              <a:lumOff val="50000"/>
-              <a:alpha val="19000"/>
-            </a:schemeClr>
-          </a:solidFill>
-          <a:effectLst>
-            <a:softEdge rad="63500"/>
-          </a:effectLst>
-        </p:spPr>
-        <p:txBody>
-          <a:bodyPr vert="horz" lIns="91440" tIns="45720" rIns="91440" bIns="45720" rtlCol="0">
-            <a:normAutofit/>
-          </a:bodyPr>
-          <a:lstStyle/>
-          <a:p>
-            <a:r>
-              <a:rPr lang="en-US" dirty="0"/>
-              <a:t>Interactive Dashboard on Tableau Public that breakdown the data.</a:t>
-            </a:r>
-          </a:p>
-          <a:p>
-            <a:r>
-              <a:rPr lang="en-US" dirty="0">
-                <a:hlinkClick r:id="rId2"/>
-              </a:rPr>
-              <a:t>Link to Workbook</a:t>
-            </a:r>
-            <a:endParaRPr lang="en-US" dirty="0"/>
-          </a:p>
-        </p:txBody>
-      </p:sp>
       <p:pic>
         <p:nvPicPr>
-          <p:cNvPr id="5" name="Picture 4">
+          <p:cNvPr id="1026" name="Picture 2" descr="3 Ways to Beat Hot Summer Bass Fishing - Wired2Fish">
             <a:extLst>
               <a:ext uri="{FF2B5EF4-FFF2-40B4-BE49-F238E27FC236}">
-                <a16:creationId xmlns:a16="http://schemas.microsoft.com/office/drawing/2014/main" id="{3C160A95-7594-F91B-05BD-D721B3CB564C}"/>
+                <a16:creationId xmlns:a16="http://schemas.microsoft.com/office/drawing/2014/main" id="{9251876F-9051-B8A6-0B79-F49C5E85F079}"/>
+              </a:ext>
+            </a:extLst>
+          </p:cNvPr>
+          <p:cNvPicPr>
+            <a:picLocks noChangeAspect="1" noChangeArrowheads="1"/>
+          </p:cNvPicPr>
+          <p:nvPr/>
+        </p:nvPicPr>
+        <p:blipFill>
+          <a:blip r:embed="rId2">
+            <a:extLst>
+              <a:ext uri="{28A0092B-C50C-407E-A947-70E740481C1C}">
+                <a14:useLocalDpi xmlns:a14="http://schemas.microsoft.com/office/drawing/2010/main" val="0"/>
+              </a:ext>
+            </a:extLst>
+          </a:blip>
+          <a:srcRect/>
+          <a:stretch>
+            <a:fillRect/>
+          </a:stretch>
+        </p:blipFill>
+        <p:spPr bwMode="auto">
+          <a:xfrm>
+            <a:off x="0" y="0"/>
+            <a:ext cx="12192000" cy="6857999"/>
+          </a:xfrm>
+          <a:prstGeom prst="rect">
+            <a:avLst/>
+          </a:prstGeom>
+          <a:noFill/>
+          <a:extLst>
+            <a:ext uri="{909E8E84-426E-40DD-AFC4-6F175D3DCCD1}">
+              <a14:hiddenFill xmlns:a14="http://schemas.microsoft.com/office/drawing/2010/main">
+                <a:solidFill>
+                  <a:srgbClr val="FFFFFF"/>
+                </a:solidFill>
+              </a14:hiddenFill>
+            </a:ext>
+          </a:extLst>
+        </p:spPr>
+      </p:pic>
+      <p:sp>
+        <p:nvSpPr>
+          <p:cNvPr id="2" name="Title 1">
+            <a:extLst>
+              <a:ext uri="{FF2B5EF4-FFF2-40B4-BE49-F238E27FC236}">
+                <a16:creationId xmlns:a16="http://schemas.microsoft.com/office/drawing/2014/main" id="{CFCFF1C3-3803-9D7E-1FC6-64A16239168B}"/>
+              </a:ext>
+            </a:extLst>
+          </p:cNvPr>
+          <p:cNvSpPr>
+            <a:spLocks noGrp="1"/>
+          </p:cNvSpPr>
+          <p:nvPr>
+            <p:ph type="title"/>
+          </p:nvPr>
+        </p:nvSpPr>
+        <p:spPr>
+          <a:xfrm>
+            <a:off x="175152" y="21442"/>
+            <a:ext cx="10515600" cy="748244"/>
+          </a:xfrm>
+        </p:spPr>
+        <p:txBody>
+          <a:bodyPr/>
+          <a:lstStyle/>
+          <a:p>
+            <a:r>
+              <a:rPr lang="en-US" dirty="0">
+                <a:solidFill>
+                  <a:schemeClr val="bg1"/>
+                </a:solidFill>
+              </a:rPr>
+              <a:t>Feature Importance</a:t>
+            </a:r>
+          </a:p>
+        </p:txBody>
+      </p:sp>
+      <p:pic>
+        <p:nvPicPr>
+          <p:cNvPr id="4" name="Picture 3">
+            <a:extLst>
+              <a:ext uri="{FF2B5EF4-FFF2-40B4-BE49-F238E27FC236}">
+                <a16:creationId xmlns:a16="http://schemas.microsoft.com/office/drawing/2014/main" id="{2AAAB14D-C8AA-5471-0806-A60C062D10C3}"/>
               </a:ext>
             </a:extLst>
           </p:cNvPr>
@@ -5599,18 +5673,247 @@
         </p:blipFill>
         <p:spPr>
           <a:xfrm>
-            <a:off x="3751546" y="1689482"/>
-            <a:ext cx="8232700" cy="4874156"/>
+            <a:off x="723943" y="1843508"/>
+            <a:ext cx="3600450" cy="4867275"/>
           </a:xfrm>
           <a:prstGeom prst="rect">
             <a:avLst/>
           </a:prstGeom>
         </p:spPr>
       </p:pic>
+      <p:pic>
+        <p:nvPicPr>
+          <p:cNvPr id="5" name="Picture 4">
+            <a:extLst>
+              <a:ext uri="{FF2B5EF4-FFF2-40B4-BE49-F238E27FC236}">
+                <a16:creationId xmlns:a16="http://schemas.microsoft.com/office/drawing/2014/main" id="{980EEED0-605D-D73E-95D7-868F01DA6C40}"/>
+              </a:ext>
+            </a:extLst>
+          </p:cNvPr>
+          <p:cNvPicPr>
+            <a:picLocks noChangeAspect="1"/>
+          </p:cNvPicPr>
+          <p:nvPr/>
+        </p:nvPicPr>
+        <p:blipFill>
+          <a:blip r:embed="rId4">
+            <a:extLst>
+              <a:ext uri="{28A0092B-C50C-407E-A947-70E740481C1C}">
+                <a14:useLocalDpi xmlns:a14="http://schemas.microsoft.com/office/drawing/2010/main" val="0"/>
+              </a:ext>
+            </a:extLst>
+          </a:blip>
+          <a:stretch>
+            <a:fillRect/>
+          </a:stretch>
+        </p:blipFill>
+        <p:spPr>
+          <a:xfrm>
+            <a:off x="5172178" y="1539372"/>
+            <a:ext cx="3305636" cy="1000265"/>
+          </a:xfrm>
+          <a:prstGeom prst="rect">
+            <a:avLst/>
+          </a:prstGeom>
+        </p:spPr>
+      </p:pic>
+      <p:pic>
+        <p:nvPicPr>
+          <p:cNvPr id="7" name="Picture 6">
+            <a:extLst>
+              <a:ext uri="{FF2B5EF4-FFF2-40B4-BE49-F238E27FC236}">
+                <a16:creationId xmlns:a16="http://schemas.microsoft.com/office/drawing/2014/main" id="{13801A38-6F25-B6A3-55CF-2E17A3304A72}"/>
+              </a:ext>
+            </a:extLst>
+          </p:cNvPr>
+          <p:cNvPicPr>
+            <a:picLocks noChangeAspect="1"/>
+          </p:cNvPicPr>
+          <p:nvPr/>
+        </p:nvPicPr>
+        <p:blipFill>
+          <a:blip r:embed="rId5">
+            <a:extLst>
+              <a:ext uri="{28A0092B-C50C-407E-A947-70E740481C1C}">
+                <a14:useLocalDpi xmlns:a14="http://schemas.microsoft.com/office/drawing/2010/main" val="0"/>
+              </a:ext>
+            </a:extLst>
+          </a:blip>
+          <a:stretch>
+            <a:fillRect/>
+          </a:stretch>
+        </p:blipFill>
+        <p:spPr>
+          <a:xfrm>
+            <a:off x="9211343" y="3967135"/>
+            <a:ext cx="2562583" cy="1019317"/>
+          </a:xfrm>
+          <a:prstGeom prst="rect">
+            <a:avLst/>
+          </a:prstGeom>
+        </p:spPr>
+      </p:pic>
+      <p:pic>
+        <p:nvPicPr>
+          <p:cNvPr id="9" name="Picture 8">
+            <a:extLst>
+              <a:ext uri="{FF2B5EF4-FFF2-40B4-BE49-F238E27FC236}">
+                <a16:creationId xmlns:a16="http://schemas.microsoft.com/office/drawing/2014/main" id="{F4E16246-B88E-A29B-DC7C-49A33CC98248}"/>
+              </a:ext>
+            </a:extLst>
+          </p:cNvPr>
+          <p:cNvPicPr>
+            <a:picLocks noChangeAspect="1"/>
+          </p:cNvPicPr>
+          <p:nvPr/>
+        </p:nvPicPr>
+        <p:blipFill>
+          <a:blip r:embed="rId6">
+            <a:extLst>
+              <a:ext uri="{28A0092B-C50C-407E-A947-70E740481C1C}">
+                <a14:useLocalDpi xmlns:a14="http://schemas.microsoft.com/office/drawing/2010/main" val="0"/>
+              </a:ext>
+            </a:extLst>
+          </a:blip>
+          <a:stretch>
+            <a:fillRect/>
+          </a:stretch>
+        </p:blipFill>
+        <p:spPr>
+          <a:xfrm>
+            <a:off x="5296020" y="2796659"/>
+            <a:ext cx="3057952" cy="3696216"/>
+          </a:xfrm>
+          <a:prstGeom prst="rect">
+            <a:avLst/>
+          </a:prstGeom>
+        </p:spPr>
+      </p:pic>
+      <p:pic>
+        <p:nvPicPr>
+          <p:cNvPr id="11" name="Picture 10">
+            <a:extLst>
+              <a:ext uri="{FF2B5EF4-FFF2-40B4-BE49-F238E27FC236}">
+                <a16:creationId xmlns:a16="http://schemas.microsoft.com/office/drawing/2014/main" id="{372253DA-7A7A-8C54-D079-94805419EE15}"/>
+              </a:ext>
+            </a:extLst>
+          </p:cNvPr>
+          <p:cNvPicPr>
+            <a:picLocks noChangeAspect="1"/>
+          </p:cNvPicPr>
+          <p:nvPr/>
+        </p:nvPicPr>
+        <p:blipFill>
+          <a:blip r:embed="rId7">
+            <a:extLst>
+              <a:ext uri="{28A0092B-C50C-407E-A947-70E740481C1C}">
+                <a14:useLocalDpi xmlns:a14="http://schemas.microsoft.com/office/drawing/2010/main" val="0"/>
+              </a:ext>
+            </a:extLst>
+          </a:blip>
+          <a:stretch>
+            <a:fillRect/>
+          </a:stretch>
+        </p:blipFill>
+        <p:spPr>
+          <a:xfrm>
+            <a:off x="8968423" y="147217"/>
+            <a:ext cx="3048425" cy="3515216"/>
+          </a:xfrm>
+          <a:prstGeom prst="rect">
+            <a:avLst/>
+          </a:prstGeom>
+        </p:spPr>
+      </p:pic>
+      <p:pic>
+        <p:nvPicPr>
+          <p:cNvPr id="13" name="Picture 12">
+            <a:extLst>
+              <a:ext uri="{FF2B5EF4-FFF2-40B4-BE49-F238E27FC236}">
+                <a16:creationId xmlns:a16="http://schemas.microsoft.com/office/drawing/2014/main" id="{C406B725-591D-61AE-2437-0C2466F4AC6F}"/>
+              </a:ext>
+            </a:extLst>
+          </p:cNvPr>
+          <p:cNvPicPr>
+            <a:picLocks noChangeAspect="1"/>
+          </p:cNvPicPr>
+          <p:nvPr/>
+        </p:nvPicPr>
+        <p:blipFill>
+          <a:blip r:embed="rId8">
+            <a:extLst>
+              <a:ext uri="{28A0092B-C50C-407E-A947-70E740481C1C}">
+                <a14:useLocalDpi xmlns:a14="http://schemas.microsoft.com/office/drawing/2010/main" val="0"/>
+              </a:ext>
+            </a:extLst>
+          </a:blip>
+          <a:stretch>
+            <a:fillRect/>
+          </a:stretch>
+        </p:blipFill>
+        <p:spPr>
+          <a:xfrm>
+            <a:off x="8930318" y="5358044"/>
+            <a:ext cx="3124636" cy="1352739"/>
+          </a:xfrm>
+          <a:prstGeom prst="rect">
+            <a:avLst/>
+          </a:prstGeom>
+        </p:spPr>
+      </p:pic>
+      <p:sp>
+        <p:nvSpPr>
+          <p:cNvPr id="3" name="TextBox 2">
+            <a:extLst>
+              <a:ext uri="{FF2B5EF4-FFF2-40B4-BE49-F238E27FC236}">
+                <a16:creationId xmlns:a16="http://schemas.microsoft.com/office/drawing/2014/main" id="{7620F841-F243-5484-2F8A-754FC98EB3DB}"/>
+              </a:ext>
+            </a:extLst>
+          </p:cNvPr>
+          <p:cNvSpPr txBox="1"/>
+          <p:nvPr/>
+        </p:nvSpPr>
+        <p:spPr>
+          <a:xfrm>
+            <a:off x="312665" y="769686"/>
+            <a:ext cx="7704557" cy="923330"/>
+          </a:xfrm>
+          <a:prstGeom prst="rect">
+            <a:avLst/>
+          </a:prstGeom>
+          <a:noFill/>
+        </p:spPr>
+        <p:txBody>
+          <a:bodyPr wrap="square" rtlCol="0">
+            <a:spAutoFit/>
+          </a:bodyPr>
+          <a:lstStyle/>
+          <a:p>
+            <a:r>
+              <a:rPr lang="en-US" dirty="0">
+                <a:solidFill>
+                  <a:schemeClr val="bg1"/>
+                </a:solidFill>
+              </a:rPr>
+              <a:t>Feature Importance allows us to assign a score that represents how useful a given attribute is a predicting an outcome</a:t>
+            </a:r>
+          </a:p>
+          <a:p>
+            <a:r>
+              <a:rPr lang="en-US" dirty="0">
+                <a:solidFill>
+                  <a:schemeClr val="bg1"/>
+                </a:solidFill>
+              </a:rPr>
+              <a:t>(Higher scores mean bigger fish)</a:t>
+            </a:r>
+          </a:p>
+        </p:txBody>
+      </p:sp>
     </p:spTree>
     <p:extLst>
       <p:ext uri="{BB962C8B-B14F-4D97-AF65-F5344CB8AC3E}">
-        <p14:creationId xmlns:p14="http://schemas.microsoft.com/office/powerpoint/2010/main" val="2980092636"/>
+        <p14:creationId xmlns:p14="http://schemas.microsoft.com/office/powerpoint/2010/main" val="2310727977"/>
       </p:ext>
     </p:extLst>
   </p:cSld>
@@ -5639,10 +5942,202 @@
       </p:grpSpPr>
       <p:pic>
         <p:nvPicPr>
-          <p:cNvPr id="4" name="Content Placeholder 4">
+          <p:cNvPr id="2050" name="Picture 2" descr="Mark Daniels Jr.'s Best Bass Fishing Tips for All Anglers">
             <a:extLst>
               <a:ext uri="{FF2B5EF4-FFF2-40B4-BE49-F238E27FC236}">
-                <a16:creationId xmlns:a16="http://schemas.microsoft.com/office/drawing/2014/main" id="{6D68B1C1-1C7A-1471-EE84-8A37060EEA78}"/>
+                <a16:creationId xmlns:a16="http://schemas.microsoft.com/office/drawing/2014/main" id="{20DB1A10-0B3D-8CF6-98C6-AE37F0FD4CCE}"/>
+              </a:ext>
+            </a:extLst>
+          </p:cNvPr>
+          <p:cNvPicPr>
+            <a:picLocks noChangeAspect="1" noChangeArrowheads="1"/>
+          </p:cNvPicPr>
+          <p:nvPr/>
+        </p:nvPicPr>
+        <p:blipFill>
+          <a:blip r:embed="rId2">
+            <a:extLst>
+              <a:ext uri="{28A0092B-C50C-407E-A947-70E740481C1C}">
+                <a14:useLocalDpi xmlns:a14="http://schemas.microsoft.com/office/drawing/2010/main" val="0"/>
+              </a:ext>
+            </a:extLst>
+          </a:blip>
+          <a:srcRect/>
+          <a:stretch>
+            <a:fillRect/>
+          </a:stretch>
+        </p:blipFill>
+        <p:spPr bwMode="auto">
+          <a:xfrm flipH="1">
+            <a:off x="0" y="0"/>
+            <a:ext cx="12192000" cy="6858000"/>
+          </a:xfrm>
+          <a:prstGeom prst="rect">
+            <a:avLst/>
+          </a:prstGeom>
+          <a:noFill/>
+          <a:extLst>
+            <a:ext uri="{909E8E84-426E-40DD-AFC4-6F175D3DCCD1}">
+              <a14:hiddenFill xmlns:a14="http://schemas.microsoft.com/office/drawing/2010/main">
+                <a:solidFill>
+                  <a:srgbClr val="FFFFFF"/>
+                </a:solidFill>
+              </a14:hiddenFill>
+            </a:ext>
+          </a:extLst>
+        </p:spPr>
+      </p:pic>
+      <p:sp>
+        <p:nvSpPr>
+          <p:cNvPr id="2" name="Title 1">
+            <a:extLst>
+              <a:ext uri="{FF2B5EF4-FFF2-40B4-BE49-F238E27FC236}">
+                <a16:creationId xmlns:a16="http://schemas.microsoft.com/office/drawing/2014/main" id="{257F8E74-A1EC-3726-DB99-4D31BF3CBA8E}"/>
+              </a:ext>
+            </a:extLst>
+          </p:cNvPr>
+          <p:cNvSpPr>
+            <a:spLocks noGrp="1"/>
+          </p:cNvSpPr>
+          <p:nvPr>
+            <p:ph type="title"/>
+          </p:nvPr>
+        </p:nvSpPr>
+        <p:spPr>
+          <a:xfrm>
+            <a:off x="838200" y="0"/>
+            <a:ext cx="10515600" cy="959459"/>
+          </a:xfrm>
+          <a:solidFill>
+            <a:schemeClr val="dk1">
+              <a:alpha val="50000"/>
+            </a:schemeClr>
+          </a:solidFill>
+          <a:ln>
+            <a:noFill/>
+          </a:ln>
+        </p:spPr>
+        <p:style>
+          <a:lnRef idx="0">
+            <a:scrgbClr r="0" g="0" b="0"/>
+          </a:lnRef>
+          <a:fillRef idx="0">
+            <a:scrgbClr r="0" g="0" b="0"/>
+          </a:fillRef>
+          <a:effectRef idx="0">
+            <a:scrgbClr r="0" g="0" b="0"/>
+          </a:effectRef>
+          <a:fontRef idx="minor">
+            <a:schemeClr val="lt1"/>
+          </a:fontRef>
+        </p:style>
+        <p:txBody>
+          <a:bodyPr/>
+          <a:lstStyle/>
+          <a:p>
+            <a:pPr algn="ctr"/>
+            <a:r>
+              <a:rPr lang="en-US" dirty="0">
+                <a:solidFill>
+                  <a:schemeClr val="tx1"/>
+                </a:solidFill>
+              </a:rPr>
+              <a:t>Dashboard</a:t>
+            </a:r>
+          </a:p>
+        </p:txBody>
+      </p:sp>
+      <p:sp>
+        <p:nvSpPr>
+          <p:cNvPr id="3" name="Content Placeholder 2">
+            <a:extLst>
+              <a:ext uri="{FF2B5EF4-FFF2-40B4-BE49-F238E27FC236}">
+                <a16:creationId xmlns:a16="http://schemas.microsoft.com/office/drawing/2014/main" id="{AB48E276-44E4-E524-F132-1704323A06EB}"/>
+              </a:ext>
+            </a:extLst>
+          </p:cNvPr>
+          <p:cNvSpPr>
+            <a:spLocks noGrp="1"/>
+          </p:cNvSpPr>
+          <p:nvPr>
+            <p:ph idx="1"/>
+          </p:nvPr>
+        </p:nvSpPr>
+        <p:spPr>
+          <a:xfrm>
+            <a:off x="838200" y="959459"/>
+            <a:ext cx="10515600" cy="1325563"/>
+          </a:xfrm>
+          <a:solidFill>
+            <a:schemeClr val="dk1">
+              <a:alpha val="50000"/>
+            </a:schemeClr>
+          </a:solidFill>
+          <a:ln>
+            <a:noFill/>
+          </a:ln>
+        </p:spPr>
+        <p:style>
+          <a:lnRef idx="0">
+            <a:scrgbClr r="0" g="0" b="0"/>
+          </a:lnRef>
+          <a:fillRef idx="0">
+            <a:scrgbClr r="0" g="0" b="0"/>
+          </a:fillRef>
+          <a:effectRef idx="0">
+            <a:scrgbClr r="0" g="0" b="0"/>
+          </a:effectRef>
+          <a:fontRef idx="minor">
+            <a:schemeClr val="lt1"/>
+          </a:fontRef>
+        </p:style>
+        <p:txBody>
+          <a:bodyPr vert="horz" lIns="91440" tIns="45720" rIns="91440" bIns="45720" rtlCol="0">
+            <a:normAutofit/>
+          </a:bodyPr>
+          <a:lstStyle/>
+          <a:p>
+            <a:pPr algn="ctr"/>
+            <a:r>
+              <a:rPr lang="en-US" dirty="0">
+                <a:solidFill>
+                  <a:schemeClr val="tx1"/>
+                </a:solidFill>
+              </a:rPr>
+              <a:t>Interactive Dashboard on Tableau Public that breakdown the data.</a:t>
+            </a:r>
+          </a:p>
+          <a:p>
+            <a:pPr algn="ctr"/>
+            <a:r>
+              <a:rPr lang="en-US" dirty="0">
+                <a:solidFill>
+                  <a:schemeClr val="tx1"/>
+                </a:solidFill>
+                <a:hlinkClick r:id="rId3">
+                  <a:extLst>
+                    <a:ext uri="{A12FA001-AC4F-418D-AE19-62706E023703}">
+                      <ahyp:hlinkClr xmlns:ahyp="http://schemas.microsoft.com/office/drawing/2018/hyperlinkcolor" val="tx"/>
+                    </a:ext>
+                  </a:extLst>
+                </a:hlinkClick>
+              </a:rPr>
+              <a:t>Link to Workbook</a:t>
+            </a:r>
+            <a:endParaRPr lang="en-US" dirty="0">
+              <a:solidFill>
+                <a:schemeClr val="tx1"/>
+              </a:solidFill>
+            </a:endParaRPr>
+          </a:p>
+        </p:txBody>
+      </p:sp>
+      <p:pic>
+        <p:nvPicPr>
+          <p:cNvPr id="5" name="Picture 4">
+            <a:extLst>
+              <a:ext uri="{FF2B5EF4-FFF2-40B4-BE49-F238E27FC236}">
+                <a16:creationId xmlns:a16="http://schemas.microsoft.com/office/drawing/2014/main" id="{3C160A95-7594-F91B-05BD-D721B3CB564C}"/>
               </a:ext>
             </a:extLst>
           </p:cNvPr>
@@ -5651,84 +6146,25 @@
           </p:cNvPicPr>
           <p:nvPr/>
         </p:nvPicPr>
-        <p:blipFill>
-          <a:blip r:embed="rId2">
-            <a:extLst>
-              <a:ext uri="{28A0092B-C50C-407E-A947-70E740481C1C}">
-                <a14:useLocalDpi xmlns:a14="http://schemas.microsoft.com/office/drawing/2010/main" val="0"/>
-              </a:ext>
-            </a:extLst>
-          </a:blip>
-          <a:stretch>
-            <a:fillRect/>
-          </a:stretch>
+        <p:blipFill rotWithShape="1">
+          <a:blip r:embed="rId4"/>
+          <a:srcRect t="3585"/>
+          <a:stretch/>
         </p:blipFill>
         <p:spPr>
           <a:xfrm>
-            <a:off x="3384176" y="845729"/>
-            <a:ext cx="5423647" cy="5381696"/>
+            <a:off x="3881332" y="2094271"/>
+            <a:ext cx="8232700" cy="4699442"/>
           </a:xfrm>
           <a:prstGeom prst="rect">
             <a:avLst/>
           </a:prstGeom>
         </p:spPr>
       </p:pic>
-      <p:sp>
-        <p:nvSpPr>
-          <p:cNvPr id="5" name="Content Placeholder 2">
-            <a:extLst>
-              <a:ext uri="{FF2B5EF4-FFF2-40B4-BE49-F238E27FC236}">
-                <a16:creationId xmlns:a16="http://schemas.microsoft.com/office/drawing/2014/main" id="{9E6FC079-BA8D-8CB2-1177-FAD6668BCD2D}"/>
-              </a:ext>
-            </a:extLst>
-          </p:cNvPr>
-          <p:cNvSpPr>
-            <a:spLocks noGrp="1"/>
-          </p:cNvSpPr>
-          <p:nvPr>
-            <p:ph idx="1"/>
-          </p:nvPr>
-        </p:nvSpPr>
-        <p:spPr>
-          <a:xfrm>
-            <a:off x="3384176" y="83673"/>
-            <a:ext cx="5423646" cy="654479"/>
-          </a:xfrm>
-          <a:solidFill>
-            <a:schemeClr val="tx1">
-              <a:lumMod val="50000"/>
-              <a:lumOff val="50000"/>
-              <a:alpha val="19000"/>
-            </a:schemeClr>
-          </a:solidFill>
-          <a:effectLst>
-            <a:softEdge rad="63500"/>
-          </a:effectLst>
-        </p:spPr>
-        <p:txBody>
-          <a:bodyPr vert="horz" lIns="91440" tIns="45720" rIns="91440" bIns="45720" rtlCol="0">
-            <a:noAutofit/>
-          </a:bodyPr>
-          <a:lstStyle/>
-          <a:p>
-            <a:pPr marL="0" indent="0" algn="ctr">
-              <a:buNone/>
-            </a:pPr>
-            <a:r>
-              <a:rPr lang="en-US" sz="3600" dirty="0"/>
-              <a:t>Let’s go Fishing!</a:t>
-            </a:r>
-          </a:p>
-          <a:p>
-            <a:pPr algn="ctr"/>
-            <a:endParaRPr lang="en-US" sz="3600" dirty="0"/>
-          </a:p>
-        </p:txBody>
-      </p:sp>
     </p:spTree>
     <p:extLst>
       <p:ext uri="{BB962C8B-B14F-4D97-AF65-F5344CB8AC3E}">
-        <p14:creationId xmlns:p14="http://schemas.microsoft.com/office/powerpoint/2010/main" val="156011991"/>
+        <p14:creationId xmlns:p14="http://schemas.microsoft.com/office/powerpoint/2010/main" val="2980092636"/>
       </p:ext>
     </p:extLst>
   </p:cSld>

--- a/Presentation.pptx
+++ b/Presentation.pptx
@@ -3496,7 +3496,7 @@
         </p:spPr>
         <p:txBody>
           <a:bodyPr>
-            <a:normAutofit fontScale="92500" lnSpcReduction="10000"/>
+            <a:normAutofit fontScale="92500" lnSpcReduction="20000"/>
           </a:bodyPr>
           <a:lstStyle/>
           <a:p>
@@ -3545,7 +3545,7 @@
                   <a:schemeClr val="bg1"/>
                 </a:solidFill>
               </a:rPr>
-              <a:t>All fish score over a specified minimum weight (2lbs)</a:t>
+              <a:t>All fish score over a specified minimum weight (2lbs)**</a:t>
             </a:r>
           </a:p>
           <a:p>
@@ -3566,6 +3566,19 @@
                 </a:solidFill>
               </a:rPr>
               <a:t>A few years ago, MLF started making the fish catch data public and accessible through their website. Allowing someone with an interest to perform analysis</a:t>
+            </a:r>
+          </a:p>
+          <a:p>
+            <a:pPr marL="0" indent="0">
+              <a:buNone/>
+            </a:pPr>
+            <a:r>
+              <a:rPr lang="en-US" dirty="0">
+                <a:solidFill>
+                  <a:schemeClr val="bg1"/>
+                </a:solidFill>
+              </a:rPr>
+              <a:t>**This changed for next season and only the 5 biggest fish will be scored.</a:t>
             </a:r>
           </a:p>
         </p:txBody>
